--- a/Evaporator Coil Design/Evaporator Designs.pptx
+++ b/Evaporator Coil Design/Evaporator Designs.pptx
@@ -5,15 +5,16 @@
     <p:sldMasterId id="2147483648" r:id="rId1"/>
   </p:sldMasterIdLst>
   <p:notesMasterIdLst>
-    <p:notesMasterId r:id="rId8"/>
+    <p:notesMasterId r:id="rId9"/>
   </p:notesMasterIdLst>
   <p:sldIdLst>
     <p:sldId id="268" r:id="rId2"/>
-    <p:sldId id="260" r:id="rId3"/>
-    <p:sldId id="261" r:id="rId4"/>
-    <p:sldId id="266" r:id="rId5"/>
-    <p:sldId id="267" r:id="rId6"/>
-    <p:sldId id="263" r:id="rId7"/>
+    <p:sldId id="269" r:id="rId3"/>
+    <p:sldId id="260" r:id="rId4"/>
+    <p:sldId id="261" r:id="rId5"/>
+    <p:sldId id="266" r:id="rId6"/>
+    <p:sldId id="267" r:id="rId7"/>
+    <p:sldId id="263" r:id="rId8"/>
   </p:sldIdLst>
   <p:sldSz cx="12192000" cy="6858000"/>
   <p:notesSz cx="6799263" cy="9875838"/>
@@ -131,6 +132,10 @@
 </p:presentation>
 </file>
 
+<file path=ppt/revisionInfo.xml><?xml version="1.0" encoding="utf-8"?>
+<p1510:revInfo xmlns:a="http://schemas.openxmlformats.org/drawingml/2006/main" xmlns:r="http://schemas.openxmlformats.org/officeDocument/2006/relationships" xmlns:p1510="http://schemas.microsoft.com/office/powerpoint/2015/10/main"/>
+</file>
+
 <file path=ppt/notesMasters/notesMaster1.xml><?xml version="1.0" encoding="utf-8"?>
 <p:notesMaster xmlns:a="http://schemas.openxmlformats.org/drawingml/2006/main" xmlns:r="http://schemas.openxmlformats.org/officeDocument/2006/relationships" xmlns:p="http://schemas.openxmlformats.org/presentationml/2006/main">
   <p:cSld>
@@ -213,7 +218,7 @@
           <a:p>
             <a:fld id="{9B73BE64-904C-44C1-8817-5532B07B34C3}" type="datetimeFigureOut">
               <a:rPr lang="en-US" smtClean="0"/>
-              <a:t>8/3/2017</a:t>
+              <a:t>2/19/2018</a:t>
             </a:fld>
             <a:endParaRPr lang="en-US"/>
           </a:p>
@@ -609,7 +614,7 @@
           <a:p>
             <a:fld id="{79AB4469-A1B0-45A0-82EA-568618996D37}" type="datetimeFigureOut">
               <a:rPr lang="en-US" smtClean="0"/>
-              <a:t>8/3/2017</a:t>
+              <a:t>2/19/2018</a:t>
             </a:fld>
             <a:endParaRPr lang="en-US"/>
           </a:p>
@@ -777,7 +782,7 @@
           <a:p>
             <a:fld id="{79AB4469-A1B0-45A0-82EA-568618996D37}" type="datetimeFigureOut">
               <a:rPr lang="en-US" smtClean="0"/>
-              <a:t>8/3/2017</a:t>
+              <a:t>2/19/2018</a:t>
             </a:fld>
             <a:endParaRPr lang="en-US"/>
           </a:p>
@@ -955,7 +960,7 @@
           <a:p>
             <a:fld id="{79AB4469-A1B0-45A0-82EA-568618996D37}" type="datetimeFigureOut">
               <a:rPr lang="en-US" smtClean="0"/>
-              <a:t>8/3/2017</a:t>
+              <a:t>2/19/2018</a:t>
             </a:fld>
             <a:endParaRPr lang="en-US"/>
           </a:p>
@@ -1123,7 +1128,7 @@
           <a:p>
             <a:fld id="{79AB4469-A1B0-45A0-82EA-568618996D37}" type="datetimeFigureOut">
               <a:rPr lang="en-US" smtClean="0"/>
-              <a:t>8/3/2017</a:t>
+              <a:t>2/19/2018</a:t>
             </a:fld>
             <a:endParaRPr lang="en-US"/>
           </a:p>
@@ -1368,7 +1373,7 @@
           <a:p>
             <a:fld id="{79AB4469-A1B0-45A0-82EA-568618996D37}" type="datetimeFigureOut">
               <a:rPr lang="en-US" smtClean="0"/>
-              <a:t>8/3/2017</a:t>
+              <a:t>2/19/2018</a:t>
             </a:fld>
             <a:endParaRPr lang="en-US"/>
           </a:p>
@@ -1597,7 +1602,7 @@
           <a:p>
             <a:fld id="{79AB4469-A1B0-45A0-82EA-568618996D37}" type="datetimeFigureOut">
               <a:rPr lang="en-US" smtClean="0"/>
-              <a:t>8/3/2017</a:t>
+              <a:t>2/19/2018</a:t>
             </a:fld>
             <a:endParaRPr lang="en-US"/>
           </a:p>
@@ -1961,7 +1966,7 @@
           <a:p>
             <a:fld id="{79AB4469-A1B0-45A0-82EA-568618996D37}" type="datetimeFigureOut">
               <a:rPr lang="en-US" smtClean="0"/>
-              <a:t>8/3/2017</a:t>
+              <a:t>2/19/2018</a:t>
             </a:fld>
             <a:endParaRPr lang="en-US"/>
           </a:p>
@@ -2078,7 +2083,7 @@
           <a:p>
             <a:fld id="{79AB4469-A1B0-45A0-82EA-568618996D37}" type="datetimeFigureOut">
               <a:rPr lang="en-US" smtClean="0"/>
-              <a:t>8/3/2017</a:t>
+              <a:t>2/19/2018</a:t>
             </a:fld>
             <a:endParaRPr lang="en-US"/>
           </a:p>
@@ -2173,7 +2178,7 @@
           <a:p>
             <a:fld id="{79AB4469-A1B0-45A0-82EA-568618996D37}" type="datetimeFigureOut">
               <a:rPr lang="en-US" smtClean="0"/>
-              <a:t>8/3/2017</a:t>
+              <a:t>2/19/2018</a:t>
             </a:fld>
             <a:endParaRPr lang="en-US"/>
           </a:p>
@@ -2448,7 +2453,7 @@
           <a:p>
             <a:fld id="{79AB4469-A1B0-45A0-82EA-568618996D37}" type="datetimeFigureOut">
               <a:rPr lang="en-US" smtClean="0"/>
-              <a:t>8/3/2017</a:t>
+              <a:t>2/19/2018</a:t>
             </a:fld>
             <a:endParaRPr lang="en-US"/>
           </a:p>
@@ -2700,7 +2705,7 @@
           <a:p>
             <a:fld id="{79AB4469-A1B0-45A0-82EA-568618996D37}" type="datetimeFigureOut">
               <a:rPr lang="en-US" smtClean="0"/>
-              <a:t>8/3/2017</a:t>
+              <a:t>2/19/2018</a:t>
             </a:fld>
             <a:endParaRPr lang="en-US"/>
           </a:p>
@@ -2911,7 +2916,7 @@
           <a:p>
             <a:fld id="{79AB4469-A1B0-45A0-82EA-568618996D37}" type="datetimeFigureOut">
               <a:rPr lang="en-US" smtClean="0"/>
-              <a:t>8/3/2017</a:t>
+              <a:t>2/19/2018</a:t>
             </a:fld>
             <a:endParaRPr lang="en-US"/>
           </a:p>
@@ -13749,6 +13754,8526 @@
           <a:chExt cx="0" cy="0"/>
         </a:xfrm>
       </p:grpSpPr>
+      <p:sp>
+        <p:nvSpPr>
+          <p:cNvPr id="131" name="TextBox 25"/>
+          <p:cNvSpPr txBox="1"/>
+          <p:nvPr/>
+        </p:nvSpPr>
+        <p:spPr>
+          <a:xfrm>
+            <a:off x="3893033" y="231347"/>
+            <a:ext cx="4250349" cy="369332"/>
+          </a:xfrm>
+          <a:prstGeom prst="rect">
+            <a:avLst/>
+          </a:prstGeom>
+          <a:noFill/>
+        </p:spPr>
+        <p:txBody>
+          <a:bodyPr wrap="square" rtlCol="0">
+            <a:spAutoFit/>
+          </a:bodyPr>
+          <a:lstStyle/>
+          <a:p>
+            <a:pPr algn="ctr"/>
+            <a:r>
+              <a:rPr lang="de-DE" dirty="0"/>
+              <a:t>Evaporator Design </a:t>
+            </a:r>
+            <a:r>
+              <a:rPr lang="de-DE" dirty="0" err="1"/>
+              <a:t>Comparison</a:t>
+            </a:r>
+            <a:endParaRPr lang="en-US" dirty="0"/>
+          </a:p>
+        </p:txBody>
+      </p:sp>
+      <p:sp>
+        <p:nvSpPr>
+          <p:cNvPr id="54" name="TextBox 53"/>
+          <p:cNvSpPr txBox="1"/>
+          <p:nvPr/>
+        </p:nvSpPr>
+        <p:spPr>
+          <a:xfrm>
+            <a:off x="8114350" y="1613521"/>
+            <a:ext cx="404212" cy="230832"/>
+          </a:xfrm>
+          <a:prstGeom prst="rect">
+            <a:avLst/>
+          </a:prstGeom>
+          <a:noFill/>
+        </p:spPr>
+        <p:txBody>
+          <a:bodyPr wrap="square" rtlCol="0">
+            <a:spAutoFit/>
+          </a:bodyPr>
+          <a:lstStyle/>
+          <a:p>
+            <a:r>
+              <a:rPr lang="de-DE" sz="900" dirty="0"/>
+              <a:t>2.1 </a:t>
+            </a:r>
+            <a:endParaRPr lang="en-US" sz="900" dirty="0"/>
+          </a:p>
+        </p:txBody>
+      </p:sp>
+      <p:sp>
+        <p:nvSpPr>
+          <p:cNvPr id="56" name="TextBox 55"/>
+          <p:cNvSpPr txBox="1"/>
+          <p:nvPr/>
+        </p:nvSpPr>
+        <p:spPr>
+          <a:xfrm>
+            <a:off x="7520423" y="1913272"/>
+            <a:ext cx="404212" cy="230832"/>
+          </a:xfrm>
+          <a:prstGeom prst="rect">
+            <a:avLst/>
+          </a:prstGeom>
+          <a:noFill/>
+        </p:spPr>
+        <p:txBody>
+          <a:bodyPr wrap="square" rtlCol="0">
+            <a:spAutoFit/>
+          </a:bodyPr>
+          <a:lstStyle/>
+          <a:p>
+            <a:r>
+              <a:rPr lang="de-DE" sz="900" dirty="0"/>
+              <a:t>3.1 </a:t>
+            </a:r>
+            <a:endParaRPr lang="en-US" sz="900" dirty="0"/>
+          </a:p>
+        </p:txBody>
+      </p:sp>
+      <p:sp>
+        <p:nvSpPr>
+          <p:cNvPr id="57" name="TextBox 56"/>
+          <p:cNvSpPr txBox="1"/>
+          <p:nvPr/>
+        </p:nvSpPr>
+        <p:spPr>
+          <a:xfrm>
+            <a:off x="7516977" y="2562190"/>
+            <a:ext cx="404212" cy="230832"/>
+          </a:xfrm>
+          <a:prstGeom prst="rect">
+            <a:avLst/>
+          </a:prstGeom>
+          <a:noFill/>
+        </p:spPr>
+        <p:txBody>
+          <a:bodyPr wrap="square" rtlCol="0">
+            <a:spAutoFit/>
+          </a:bodyPr>
+          <a:lstStyle/>
+          <a:p>
+            <a:r>
+              <a:rPr lang="de-DE" sz="900" dirty="0"/>
+              <a:t>3.4</a:t>
+            </a:r>
+            <a:endParaRPr lang="en-US" sz="900" dirty="0"/>
+          </a:p>
+        </p:txBody>
+      </p:sp>
+      <p:sp>
+        <p:nvSpPr>
+          <p:cNvPr id="59" name="TextBox 58"/>
+          <p:cNvSpPr txBox="1"/>
+          <p:nvPr/>
+        </p:nvSpPr>
+        <p:spPr>
+          <a:xfrm>
+            <a:off x="9149345" y="2573538"/>
+            <a:ext cx="404212" cy="230832"/>
+          </a:xfrm>
+          <a:prstGeom prst="rect">
+            <a:avLst/>
+          </a:prstGeom>
+          <a:noFill/>
+        </p:spPr>
+        <p:txBody>
+          <a:bodyPr wrap="square" rtlCol="0">
+            <a:spAutoFit/>
+          </a:bodyPr>
+          <a:lstStyle/>
+          <a:p>
+            <a:r>
+              <a:rPr lang="de-DE" sz="900" dirty="0"/>
+              <a:t>2.4</a:t>
+            </a:r>
+            <a:endParaRPr lang="en-US" sz="900" dirty="0"/>
+          </a:p>
+        </p:txBody>
+      </p:sp>
+      <p:sp>
+        <p:nvSpPr>
+          <p:cNvPr id="60" name="TextBox 59"/>
+          <p:cNvSpPr txBox="1"/>
+          <p:nvPr/>
+        </p:nvSpPr>
+        <p:spPr>
+          <a:xfrm>
+            <a:off x="9125656" y="3735513"/>
+            <a:ext cx="556448" cy="230832"/>
+          </a:xfrm>
+          <a:prstGeom prst="rect">
+            <a:avLst/>
+          </a:prstGeom>
+          <a:noFill/>
+        </p:spPr>
+        <p:txBody>
+          <a:bodyPr wrap="square" rtlCol="0">
+            <a:spAutoFit/>
+          </a:bodyPr>
+          <a:lstStyle/>
+          <a:p>
+            <a:r>
+              <a:rPr lang="de-DE" sz="900" b="1" dirty="0"/>
+              <a:t>3.8fIN</a:t>
+            </a:r>
+            <a:endParaRPr lang="en-US" sz="900" b="1" dirty="0"/>
+          </a:p>
+        </p:txBody>
+      </p:sp>
+      <p:sp>
+        <p:nvSpPr>
+          <p:cNvPr id="79" name="TextBox 78"/>
+          <p:cNvSpPr txBox="1"/>
+          <p:nvPr/>
+        </p:nvSpPr>
+        <p:spPr>
+          <a:xfrm>
+            <a:off x="9123904" y="5536701"/>
+            <a:ext cx="404212" cy="230832"/>
+          </a:xfrm>
+          <a:prstGeom prst="rect">
+            <a:avLst/>
+          </a:prstGeom>
+          <a:noFill/>
+        </p:spPr>
+        <p:txBody>
+          <a:bodyPr wrap="square" rtlCol="0">
+            <a:spAutoFit/>
+          </a:bodyPr>
+          <a:lstStyle/>
+          <a:p>
+            <a:r>
+              <a:rPr lang="de-DE" sz="900" dirty="0"/>
+              <a:t>2.9</a:t>
+            </a:r>
+            <a:endParaRPr lang="en-US" sz="900" dirty="0"/>
+          </a:p>
+        </p:txBody>
+      </p:sp>
+      <p:sp>
+        <p:nvSpPr>
+          <p:cNvPr id="80" name="TextBox 79"/>
+          <p:cNvSpPr txBox="1"/>
+          <p:nvPr/>
+        </p:nvSpPr>
+        <p:spPr>
+          <a:xfrm>
+            <a:off x="9131379" y="6108475"/>
+            <a:ext cx="404212" cy="369332"/>
+          </a:xfrm>
+          <a:prstGeom prst="rect">
+            <a:avLst/>
+          </a:prstGeom>
+          <a:noFill/>
+        </p:spPr>
+        <p:txBody>
+          <a:bodyPr wrap="square" rtlCol="0">
+            <a:spAutoFit/>
+          </a:bodyPr>
+          <a:lstStyle/>
+          <a:p>
+            <a:r>
+              <a:rPr lang="de-DE" sz="900" b="1" dirty="0"/>
+              <a:t>2.12 OUT</a:t>
+            </a:r>
+            <a:endParaRPr lang="en-US" sz="900" b="1" dirty="0"/>
+          </a:p>
+        </p:txBody>
+      </p:sp>
+      <p:sp>
+        <p:nvSpPr>
+          <p:cNvPr id="82" name="TextBox 81"/>
+          <p:cNvSpPr txBox="1"/>
+          <p:nvPr/>
+        </p:nvSpPr>
+        <p:spPr>
+          <a:xfrm>
+            <a:off x="7520423" y="3130147"/>
+            <a:ext cx="404212" cy="230832"/>
+          </a:xfrm>
+          <a:prstGeom prst="rect">
+            <a:avLst/>
+          </a:prstGeom>
+          <a:noFill/>
+        </p:spPr>
+        <p:txBody>
+          <a:bodyPr wrap="square" rtlCol="0">
+            <a:spAutoFit/>
+          </a:bodyPr>
+          <a:lstStyle/>
+          <a:p>
+            <a:r>
+              <a:rPr lang="de-DE" sz="900" dirty="0"/>
+              <a:t>3.5</a:t>
+            </a:r>
+            <a:endParaRPr lang="en-US" sz="900" dirty="0"/>
+          </a:p>
+        </p:txBody>
+      </p:sp>
+      <p:sp>
+        <p:nvSpPr>
+          <p:cNvPr id="83" name="TextBox 82"/>
+          <p:cNvSpPr txBox="1"/>
+          <p:nvPr/>
+        </p:nvSpPr>
+        <p:spPr>
+          <a:xfrm>
+            <a:off x="7526523" y="3754174"/>
+            <a:ext cx="404212" cy="230832"/>
+          </a:xfrm>
+          <a:prstGeom prst="rect">
+            <a:avLst/>
+          </a:prstGeom>
+          <a:noFill/>
+        </p:spPr>
+        <p:txBody>
+          <a:bodyPr wrap="square" rtlCol="0">
+            <a:spAutoFit/>
+          </a:bodyPr>
+          <a:lstStyle/>
+          <a:p>
+            <a:r>
+              <a:rPr lang="de-DE" sz="900" dirty="0"/>
+              <a:t>2.5</a:t>
+            </a:r>
+            <a:endParaRPr lang="en-US" sz="900" dirty="0"/>
+          </a:p>
+        </p:txBody>
+      </p:sp>
+      <p:sp>
+        <p:nvSpPr>
+          <p:cNvPr id="84" name="TextBox 83"/>
+          <p:cNvSpPr txBox="1"/>
+          <p:nvPr/>
+        </p:nvSpPr>
+        <p:spPr>
+          <a:xfrm>
+            <a:off x="7503643" y="4937961"/>
+            <a:ext cx="404212" cy="369332"/>
+          </a:xfrm>
+          <a:prstGeom prst="rect">
+            <a:avLst/>
+          </a:prstGeom>
+          <a:noFill/>
+        </p:spPr>
+        <p:txBody>
+          <a:bodyPr wrap="square" rtlCol="0">
+            <a:spAutoFit/>
+          </a:bodyPr>
+          <a:lstStyle/>
+          <a:p>
+            <a:r>
+              <a:rPr lang="de-DE" sz="900" b="1" dirty="0"/>
+              <a:t>IN 2.8</a:t>
+            </a:r>
+            <a:endParaRPr lang="en-US" sz="900" b="1" dirty="0"/>
+          </a:p>
+        </p:txBody>
+      </p:sp>
+      <p:sp>
+        <p:nvSpPr>
+          <p:cNvPr id="85" name="TextBox 84"/>
+          <p:cNvSpPr txBox="1"/>
+          <p:nvPr/>
+        </p:nvSpPr>
+        <p:spPr>
+          <a:xfrm>
+            <a:off x="9091258" y="4944333"/>
+            <a:ext cx="404212" cy="230832"/>
+          </a:xfrm>
+          <a:prstGeom prst="rect">
+            <a:avLst/>
+          </a:prstGeom>
+          <a:noFill/>
+        </p:spPr>
+        <p:txBody>
+          <a:bodyPr wrap="square" rtlCol="0">
+            <a:spAutoFit/>
+          </a:bodyPr>
+          <a:lstStyle/>
+          <a:p>
+            <a:r>
+              <a:rPr lang="de-DE" sz="900" dirty="0"/>
+              <a:t>1.9</a:t>
+            </a:r>
+            <a:endParaRPr lang="en-US" sz="900" dirty="0"/>
+          </a:p>
+        </p:txBody>
+      </p:sp>
+      <p:sp>
+        <p:nvSpPr>
+          <p:cNvPr id="86" name="TextBox 85"/>
+          <p:cNvSpPr txBox="1"/>
+          <p:nvPr/>
+        </p:nvSpPr>
+        <p:spPr>
+          <a:xfrm>
+            <a:off x="9729395" y="5834081"/>
+            <a:ext cx="404212" cy="369332"/>
+          </a:xfrm>
+          <a:prstGeom prst="rect">
+            <a:avLst/>
+          </a:prstGeom>
+          <a:noFill/>
+        </p:spPr>
+        <p:txBody>
+          <a:bodyPr wrap="square" rtlCol="0">
+            <a:spAutoFit/>
+          </a:bodyPr>
+          <a:lstStyle/>
+          <a:p>
+            <a:r>
+              <a:rPr lang="de-DE" sz="900" b="1" dirty="0"/>
+              <a:t>3.12 OUT</a:t>
+            </a:r>
+            <a:endParaRPr lang="en-US" sz="900" b="1" dirty="0"/>
+          </a:p>
+        </p:txBody>
+      </p:sp>
+      <p:sp>
+        <p:nvSpPr>
+          <p:cNvPr id="87" name="TextBox 86"/>
+          <p:cNvSpPr txBox="1"/>
+          <p:nvPr/>
+        </p:nvSpPr>
+        <p:spPr>
+          <a:xfrm>
+            <a:off x="8117844" y="4038685"/>
+            <a:ext cx="404212" cy="230832"/>
+          </a:xfrm>
+          <a:prstGeom prst="rect">
+            <a:avLst/>
+          </a:prstGeom>
+          <a:noFill/>
+        </p:spPr>
+        <p:txBody>
+          <a:bodyPr wrap="square" rtlCol="0">
+            <a:spAutoFit/>
+          </a:bodyPr>
+          <a:lstStyle/>
+          <a:p>
+            <a:r>
+              <a:rPr lang="de-DE" sz="900" dirty="0"/>
+              <a:t>1.5</a:t>
+            </a:r>
+            <a:endParaRPr lang="en-US" sz="900" dirty="0"/>
+          </a:p>
+        </p:txBody>
+      </p:sp>
+      <p:sp>
+        <p:nvSpPr>
+          <p:cNvPr id="88" name="TextBox 87"/>
+          <p:cNvSpPr txBox="1"/>
+          <p:nvPr/>
+        </p:nvSpPr>
+        <p:spPr>
+          <a:xfrm>
+            <a:off x="8054816" y="5775340"/>
+            <a:ext cx="404212" cy="369332"/>
+          </a:xfrm>
+          <a:prstGeom prst="rect">
+            <a:avLst/>
+          </a:prstGeom>
+          <a:noFill/>
+        </p:spPr>
+        <p:txBody>
+          <a:bodyPr wrap="square" rtlCol="0">
+            <a:spAutoFit/>
+          </a:bodyPr>
+          <a:lstStyle/>
+          <a:p>
+            <a:r>
+              <a:rPr lang="de-DE" sz="900" b="1" dirty="0"/>
+              <a:t>1.12 OUT</a:t>
+            </a:r>
+            <a:endParaRPr lang="en-US" sz="900" b="1" dirty="0"/>
+          </a:p>
+        </p:txBody>
+      </p:sp>
+      <p:sp>
+        <p:nvSpPr>
+          <p:cNvPr id="89" name="TextBox 88"/>
+          <p:cNvSpPr txBox="1"/>
+          <p:nvPr/>
+        </p:nvSpPr>
+        <p:spPr>
+          <a:xfrm>
+            <a:off x="9718443" y="4650449"/>
+            <a:ext cx="404212" cy="230832"/>
+          </a:xfrm>
+          <a:prstGeom prst="rect">
+            <a:avLst/>
+          </a:prstGeom>
+          <a:noFill/>
+        </p:spPr>
+        <p:txBody>
+          <a:bodyPr wrap="square" rtlCol="0">
+            <a:spAutoFit/>
+          </a:bodyPr>
+          <a:lstStyle/>
+          <a:p>
+            <a:r>
+              <a:rPr lang="de-DE" sz="900" dirty="0"/>
+              <a:t>3.9</a:t>
+            </a:r>
+            <a:endParaRPr lang="en-US" sz="900" dirty="0"/>
+          </a:p>
+        </p:txBody>
+      </p:sp>
+      <p:cxnSp>
+        <p:nvCxnSpPr>
+          <p:cNvPr id="7" name="Straight Connector 6"/>
+          <p:cNvCxnSpPr/>
+          <p:nvPr/>
+        </p:nvCxnSpPr>
+        <p:spPr>
+          <a:xfrm>
+            <a:off x="7430172" y="1496534"/>
+            <a:ext cx="0" cy="5049753"/>
+          </a:xfrm>
+          <a:prstGeom prst="line">
+            <a:avLst/>
+          </a:prstGeom>
+          <a:ln>
+            <a:solidFill>
+              <a:schemeClr val="tx1"/>
+            </a:solidFill>
+            <a:prstDash val="solid"/>
+          </a:ln>
+        </p:spPr>
+        <p:style>
+          <a:lnRef idx="1">
+            <a:schemeClr val="accent1"/>
+          </a:lnRef>
+          <a:fillRef idx="0">
+            <a:schemeClr val="accent1"/>
+          </a:fillRef>
+          <a:effectRef idx="0">
+            <a:schemeClr val="accent1"/>
+          </a:effectRef>
+          <a:fontRef idx="minor">
+            <a:schemeClr val="tx1"/>
+          </a:fontRef>
+        </p:style>
+      </p:cxnSp>
+      <p:cxnSp>
+        <p:nvCxnSpPr>
+          <p:cNvPr id="9" name="Straight Connector 8"/>
+          <p:cNvCxnSpPr/>
+          <p:nvPr/>
+        </p:nvCxnSpPr>
+        <p:spPr>
+          <a:xfrm flipV="1">
+            <a:off x="7430172" y="1496534"/>
+            <a:ext cx="2754411" cy="0"/>
+          </a:xfrm>
+          <a:prstGeom prst="line">
+            <a:avLst/>
+          </a:prstGeom>
+          <a:ln>
+            <a:solidFill>
+              <a:schemeClr val="tx1"/>
+            </a:solidFill>
+          </a:ln>
+        </p:spPr>
+        <p:style>
+          <a:lnRef idx="1">
+            <a:schemeClr val="accent1"/>
+          </a:lnRef>
+          <a:fillRef idx="0">
+            <a:schemeClr val="accent1"/>
+          </a:fillRef>
+          <a:effectRef idx="0">
+            <a:schemeClr val="accent1"/>
+          </a:effectRef>
+          <a:fontRef idx="minor">
+            <a:schemeClr val="tx1"/>
+          </a:fontRef>
+        </p:style>
+      </p:cxnSp>
+      <p:cxnSp>
+        <p:nvCxnSpPr>
+          <p:cNvPr id="10" name="Straight Connector 9"/>
+          <p:cNvCxnSpPr/>
+          <p:nvPr/>
+        </p:nvCxnSpPr>
+        <p:spPr>
+          <a:xfrm flipV="1">
+            <a:off x="7430172" y="6546287"/>
+            <a:ext cx="2754411" cy="0"/>
+          </a:xfrm>
+          <a:prstGeom prst="line">
+            <a:avLst/>
+          </a:prstGeom>
+          <a:ln>
+            <a:solidFill>
+              <a:schemeClr val="tx1"/>
+            </a:solidFill>
+            <a:prstDash val="solid"/>
+          </a:ln>
+        </p:spPr>
+        <p:style>
+          <a:lnRef idx="1">
+            <a:schemeClr val="accent1"/>
+          </a:lnRef>
+          <a:fillRef idx="0">
+            <a:schemeClr val="accent1"/>
+          </a:fillRef>
+          <a:effectRef idx="0">
+            <a:schemeClr val="accent1"/>
+          </a:effectRef>
+          <a:fontRef idx="minor">
+            <a:schemeClr val="tx1"/>
+          </a:fontRef>
+        </p:style>
+      </p:cxnSp>
+      <p:cxnSp>
+        <p:nvCxnSpPr>
+          <p:cNvPr id="11" name="Straight Connector 10"/>
+          <p:cNvCxnSpPr/>
+          <p:nvPr/>
+        </p:nvCxnSpPr>
+        <p:spPr>
+          <a:xfrm>
+            <a:off x="10184583" y="1496534"/>
+            <a:ext cx="0" cy="5049753"/>
+          </a:xfrm>
+          <a:prstGeom prst="line">
+            <a:avLst/>
+          </a:prstGeom>
+          <a:ln>
+            <a:solidFill>
+              <a:schemeClr val="tx1"/>
+            </a:solidFill>
+            <a:prstDash val="solid"/>
+          </a:ln>
+        </p:spPr>
+        <p:style>
+          <a:lnRef idx="1">
+            <a:schemeClr val="accent1"/>
+          </a:lnRef>
+          <a:fillRef idx="0">
+            <a:schemeClr val="accent1"/>
+          </a:fillRef>
+          <a:effectRef idx="0">
+            <a:schemeClr val="accent1"/>
+          </a:effectRef>
+          <a:fontRef idx="minor">
+            <a:schemeClr val="tx1"/>
+          </a:fontRef>
+        </p:style>
+      </p:cxnSp>
+      <p:sp>
+        <p:nvSpPr>
+          <p:cNvPr id="184" name="Oval 50"/>
+          <p:cNvSpPr/>
+          <p:nvPr/>
+        </p:nvSpPr>
+        <p:spPr>
+          <a:xfrm>
+            <a:off x="9652191" y="1730248"/>
+            <a:ext cx="114767" cy="114767"/>
+          </a:xfrm>
+          <a:prstGeom prst="ellipse">
+            <a:avLst/>
+          </a:prstGeom>
+          <a:solidFill>
+            <a:srgbClr val="FF0000"/>
+          </a:solidFill>
+          <a:ln>
+            <a:solidFill>
+              <a:schemeClr val="tx1"/>
+            </a:solidFill>
+          </a:ln>
+        </p:spPr>
+        <p:style>
+          <a:lnRef idx="2">
+            <a:schemeClr val="accent1">
+              <a:shade val="50000"/>
+            </a:schemeClr>
+          </a:lnRef>
+          <a:fillRef idx="1">
+            <a:schemeClr val="accent1"/>
+          </a:fillRef>
+          <a:effectRef idx="0">
+            <a:schemeClr val="accent1"/>
+          </a:effectRef>
+          <a:fontRef idx="minor">
+            <a:schemeClr val="lt1"/>
+          </a:fontRef>
+        </p:style>
+        <p:txBody>
+          <a:bodyPr rtlCol="0" anchor="ctr"/>
+          <a:lstStyle/>
+          <a:p>
+            <a:pPr algn="ctr"/>
+            <a:endParaRPr lang="en-US"/>
+          </a:p>
+        </p:txBody>
+      </p:sp>
+      <p:sp>
+        <p:nvSpPr>
+          <p:cNvPr id="211" name="Oval 50"/>
+          <p:cNvSpPr/>
+          <p:nvPr/>
+        </p:nvSpPr>
+        <p:spPr>
+          <a:xfrm>
+            <a:off x="9053107" y="2028010"/>
+            <a:ext cx="114767" cy="114767"/>
+          </a:xfrm>
+          <a:prstGeom prst="ellipse">
+            <a:avLst/>
+          </a:prstGeom>
+          <a:noFill/>
+          <a:ln>
+            <a:solidFill>
+              <a:schemeClr val="tx1"/>
+            </a:solidFill>
+          </a:ln>
+        </p:spPr>
+        <p:style>
+          <a:lnRef idx="2">
+            <a:schemeClr val="accent1">
+              <a:shade val="50000"/>
+            </a:schemeClr>
+          </a:lnRef>
+          <a:fillRef idx="1">
+            <a:schemeClr val="accent1"/>
+          </a:fillRef>
+          <a:effectRef idx="0">
+            <a:schemeClr val="accent1"/>
+          </a:effectRef>
+          <a:fontRef idx="minor">
+            <a:schemeClr val="lt1"/>
+          </a:fontRef>
+        </p:style>
+        <p:txBody>
+          <a:bodyPr rtlCol="0" anchor="ctr"/>
+          <a:lstStyle/>
+          <a:p>
+            <a:pPr algn="ctr"/>
+            <a:endParaRPr lang="en-US"/>
+          </a:p>
+        </p:txBody>
+      </p:sp>
+      <p:sp>
+        <p:nvSpPr>
+          <p:cNvPr id="217" name="Oval 50"/>
+          <p:cNvSpPr/>
+          <p:nvPr/>
+        </p:nvSpPr>
+        <p:spPr>
+          <a:xfrm>
+            <a:off x="8406212" y="1726427"/>
+            <a:ext cx="114767" cy="114767"/>
+          </a:xfrm>
+          <a:prstGeom prst="ellipse">
+            <a:avLst/>
+          </a:prstGeom>
+          <a:solidFill>
+            <a:schemeClr val="accent6">
+              <a:lumMod val="60000"/>
+              <a:lumOff val="40000"/>
+            </a:schemeClr>
+          </a:solidFill>
+          <a:ln>
+            <a:solidFill>
+              <a:schemeClr val="tx1"/>
+            </a:solidFill>
+          </a:ln>
+        </p:spPr>
+        <p:style>
+          <a:lnRef idx="2">
+            <a:schemeClr val="accent1">
+              <a:shade val="50000"/>
+            </a:schemeClr>
+          </a:lnRef>
+          <a:fillRef idx="1">
+            <a:schemeClr val="accent1"/>
+          </a:fillRef>
+          <a:effectRef idx="0">
+            <a:schemeClr val="accent1"/>
+          </a:effectRef>
+          <a:fontRef idx="minor">
+            <a:schemeClr val="lt1"/>
+          </a:fontRef>
+        </p:style>
+        <p:txBody>
+          <a:bodyPr rtlCol="0" anchor="ctr"/>
+          <a:lstStyle/>
+          <a:p>
+            <a:pPr algn="ctr"/>
+            <a:endParaRPr lang="en-US"/>
+          </a:p>
+        </p:txBody>
+      </p:sp>
+      <p:sp>
+        <p:nvSpPr>
+          <p:cNvPr id="219" name="Oval 50"/>
+          <p:cNvSpPr/>
+          <p:nvPr/>
+        </p:nvSpPr>
+        <p:spPr>
+          <a:xfrm>
+            <a:off x="7818271" y="2020771"/>
+            <a:ext cx="114767" cy="114767"/>
+          </a:xfrm>
+          <a:prstGeom prst="ellipse">
+            <a:avLst/>
+          </a:prstGeom>
+          <a:solidFill>
+            <a:schemeClr val="accent1">
+              <a:lumMod val="40000"/>
+              <a:lumOff val="60000"/>
+            </a:schemeClr>
+          </a:solidFill>
+          <a:ln>
+            <a:solidFill>
+              <a:schemeClr val="tx1"/>
+            </a:solidFill>
+          </a:ln>
+        </p:spPr>
+        <p:style>
+          <a:lnRef idx="2">
+            <a:schemeClr val="accent1">
+              <a:shade val="50000"/>
+            </a:schemeClr>
+          </a:lnRef>
+          <a:fillRef idx="1">
+            <a:schemeClr val="accent1"/>
+          </a:fillRef>
+          <a:effectRef idx="0">
+            <a:schemeClr val="accent1"/>
+          </a:effectRef>
+          <a:fontRef idx="minor">
+            <a:schemeClr val="lt1"/>
+          </a:fontRef>
+        </p:style>
+        <p:txBody>
+          <a:bodyPr rtlCol="0" anchor="ctr"/>
+          <a:lstStyle/>
+          <a:p>
+            <a:pPr algn="ctr"/>
+            <a:endParaRPr lang="en-US"/>
+          </a:p>
+        </p:txBody>
+      </p:sp>
+      <p:sp>
+        <p:nvSpPr>
+          <p:cNvPr id="229" name="Oval 50"/>
+          <p:cNvSpPr/>
+          <p:nvPr/>
+        </p:nvSpPr>
+        <p:spPr>
+          <a:xfrm>
+            <a:off x="9661175" y="2327986"/>
+            <a:ext cx="114767" cy="114767"/>
+          </a:xfrm>
+          <a:prstGeom prst="ellipse">
+            <a:avLst/>
+          </a:prstGeom>
+          <a:noFill/>
+          <a:ln>
+            <a:solidFill>
+              <a:schemeClr val="tx1"/>
+            </a:solidFill>
+          </a:ln>
+        </p:spPr>
+        <p:style>
+          <a:lnRef idx="2">
+            <a:schemeClr val="accent1">
+              <a:shade val="50000"/>
+            </a:schemeClr>
+          </a:lnRef>
+          <a:fillRef idx="1">
+            <a:schemeClr val="accent1"/>
+          </a:fillRef>
+          <a:effectRef idx="0">
+            <a:schemeClr val="accent1"/>
+          </a:effectRef>
+          <a:fontRef idx="minor">
+            <a:schemeClr val="lt1"/>
+          </a:fontRef>
+        </p:style>
+        <p:txBody>
+          <a:bodyPr rtlCol="0" anchor="ctr"/>
+          <a:lstStyle/>
+          <a:p>
+            <a:pPr algn="ctr"/>
+            <a:endParaRPr lang="en-US"/>
+          </a:p>
+        </p:txBody>
+      </p:sp>
+      <p:sp>
+        <p:nvSpPr>
+          <p:cNvPr id="232" name="Oval 50"/>
+          <p:cNvSpPr/>
+          <p:nvPr/>
+        </p:nvSpPr>
+        <p:spPr>
+          <a:xfrm>
+            <a:off x="9062091" y="2625748"/>
+            <a:ext cx="114767" cy="114767"/>
+          </a:xfrm>
+          <a:prstGeom prst="ellipse">
+            <a:avLst/>
+          </a:prstGeom>
+          <a:solidFill>
+            <a:schemeClr val="accent6">
+              <a:lumMod val="60000"/>
+              <a:lumOff val="40000"/>
+            </a:schemeClr>
+          </a:solidFill>
+          <a:ln>
+            <a:solidFill>
+              <a:schemeClr val="tx1"/>
+            </a:solidFill>
+          </a:ln>
+        </p:spPr>
+        <p:style>
+          <a:lnRef idx="2">
+            <a:schemeClr val="accent1">
+              <a:shade val="50000"/>
+            </a:schemeClr>
+          </a:lnRef>
+          <a:fillRef idx="1">
+            <a:schemeClr val="accent1"/>
+          </a:fillRef>
+          <a:effectRef idx="0">
+            <a:schemeClr val="accent1"/>
+          </a:effectRef>
+          <a:fontRef idx="minor">
+            <a:schemeClr val="lt1"/>
+          </a:fontRef>
+        </p:style>
+        <p:txBody>
+          <a:bodyPr rtlCol="0" anchor="ctr"/>
+          <a:lstStyle/>
+          <a:p>
+            <a:pPr algn="ctr"/>
+            <a:endParaRPr lang="en-US"/>
+          </a:p>
+        </p:txBody>
+      </p:sp>
+      <p:sp>
+        <p:nvSpPr>
+          <p:cNvPr id="233" name="Oval 50"/>
+          <p:cNvSpPr/>
+          <p:nvPr/>
+        </p:nvSpPr>
+        <p:spPr>
+          <a:xfrm>
+            <a:off x="8415196" y="2324165"/>
+            <a:ext cx="114767" cy="114767"/>
+          </a:xfrm>
+          <a:prstGeom prst="ellipse">
+            <a:avLst/>
+          </a:prstGeom>
+          <a:noFill/>
+          <a:ln>
+            <a:solidFill>
+              <a:schemeClr val="tx1"/>
+            </a:solidFill>
+          </a:ln>
+        </p:spPr>
+        <p:style>
+          <a:lnRef idx="2">
+            <a:schemeClr val="accent1">
+              <a:shade val="50000"/>
+            </a:schemeClr>
+          </a:lnRef>
+          <a:fillRef idx="1">
+            <a:schemeClr val="accent1"/>
+          </a:fillRef>
+          <a:effectRef idx="0">
+            <a:schemeClr val="accent1"/>
+          </a:effectRef>
+          <a:fontRef idx="minor">
+            <a:schemeClr val="lt1"/>
+          </a:fontRef>
+        </p:style>
+        <p:txBody>
+          <a:bodyPr rtlCol="0" anchor="ctr"/>
+          <a:lstStyle/>
+          <a:p>
+            <a:pPr algn="ctr"/>
+            <a:endParaRPr lang="en-US"/>
+          </a:p>
+        </p:txBody>
+      </p:sp>
+      <p:sp>
+        <p:nvSpPr>
+          <p:cNvPr id="235" name="Oval 50"/>
+          <p:cNvSpPr/>
+          <p:nvPr/>
+        </p:nvSpPr>
+        <p:spPr>
+          <a:xfrm>
+            <a:off x="7806538" y="2618616"/>
+            <a:ext cx="114767" cy="114767"/>
+          </a:xfrm>
+          <a:prstGeom prst="ellipse">
+            <a:avLst/>
+          </a:prstGeom>
+          <a:solidFill>
+            <a:schemeClr val="accent1">
+              <a:lumMod val="40000"/>
+              <a:lumOff val="60000"/>
+            </a:schemeClr>
+          </a:solidFill>
+          <a:ln>
+            <a:solidFill>
+              <a:schemeClr val="tx1"/>
+            </a:solidFill>
+          </a:ln>
+        </p:spPr>
+        <p:style>
+          <a:lnRef idx="2">
+            <a:schemeClr val="accent1">
+              <a:shade val="50000"/>
+            </a:schemeClr>
+          </a:lnRef>
+          <a:fillRef idx="1">
+            <a:schemeClr val="accent1"/>
+          </a:fillRef>
+          <a:effectRef idx="0">
+            <a:schemeClr val="accent1"/>
+          </a:effectRef>
+          <a:fontRef idx="minor">
+            <a:schemeClr val="lt1"/>
+          </a:fontRef>
+        </p:style>
+        <p:txBody>
+          <a:bodyPr rtlCol="0" anchor="ctr"/>
+          <a:lstStyle/>
+          <a:p>
+            <a:pPr algn="ctr"/>
+            <a:endParaRPr lang="en-US"/>
+          </a:p>
+        </p:txBody>
+      </p:sp>
+      <p:sp>
+        <p:nvSpPr>
+          <p:cNvPr id="236" name="Oval 50"/>
+          <p:cNvSpPr/>
+          <p:nvPr/>
+        </p:nvSpPr>
+        <p:spPr>
+          <a:xfrm>
+            <a:off x="9649774" y="2921224"/>
+            <a:ext cx="114767" cy="114767"/>
+          </a:xfrm>
+          <a:prstGeom prst="ellipse">
+            <a:avLst/>
+          </a:prstGeom>
+          <a:solidFill>
+            <a:srgbClr val="FF0000"/>
+          </a:solidFill>
+          <a:ln>
+            <a:solidFill>
+              <a:schemeClr val="tx1"/>
+            </a:solidFill>
+          </a:ln>
+        </p:spPr>
+        <p:style>
+          <a:lnRef idx="2">
+            <a:schemeClr val="accent1">
+              <a:shade val="50000"/>
+            </a:schemeClr>
+          </a:lnRef>
+          <a:fillRef idx="1">
+            <a:schemeClr val="accent1"/>
+          </a:fillRef>
+          <a:effectRef idx="0">
+            <a:schemeClr val="accent1"/>
+          </a:effectRef>
+          <a:fontRef idx="minor">
+            <a:schemeClr val="lt1"/>
+          </a:fontRef>
+        </p:style>
+        <p:txBody>
+          <a:bodyPr rtlCol="0" anchor="ctr"/>
+          <a:lstStyle/>
+          <a:p>
+            <a:pPr algn="ctr"/>
+            <a:endParaRPr lang="en-US"/>
+          </a:p>
+        </p:txBody>
+      </p:sp>
+      <p:sp>
+        <p:nvSpPr>
+          <p:cNvPr id="238" name="Oval 50"/>
+          <p:cNvSpPr/>
+          <p:nvPr/>
+        </p:nvSpPr>
+        <p:spPr>
+          <a:xfrm>
+            <a:off x="9050689" y="3218986"/>
+            <a:ext cx="114767" cy="114767"/>
+          </a:xfrm>
+          <a:prstGeom prst="ellipse">
+            <a:avLst/>
+          </a:prstGeom>
+          <a:noFill/>
+          <a:ln>
+            <a:solidFill>
+              <a:schemeClr val="tx1"/>
+            </a:solidFill>
+          </a:ln>
+        </p:spPr>
+        <p:style>
+          <a:lnRef idx="2">
+            <a:schemeClr val="accent1">
+              <a:shade val="50000"/>
+            </a:schemeClr>
+          </a:lnRef>
+          <a:fillRef idx="1">
+            <a:schemeClr val="accent1"/>
+          </a:fillRef>
+          <a:effectRef idx="0">
+            <a:schemeClr val="accent1"/>
+          </a:effectRef>
+          <a:fontRef idx="minor">
+            <a:schemeClr val="lt1"/>
+          </a:fontRef>
+        </p:style>
+        <p:txBody>
+          <a:bodyPr rtlCol="0" anchor="ctr"/>
+          <a:lstStyle/>
+          <a:p>
+            <a:pPr algn="ctr"/>
+            <a:endParaRPr lang="en-US"/>
+          </a:p>
+        </p:txBody>
+      </p:sp>
+      <p:sp>
+        <p:nvSpPr>
+          <p:cNvPr id="239" name="Oval 50"/>
+          <p:cNvSpPr/>
+          <p:nvPr/>
+        </p:nvSpPr>
+        <p:spPr>
+          <a:xfrm>
+            <a:off x="8403795" y="2917403"/>
+            <a:ext cx="114767" cy="114767"/>
+          </a:xfrm>
+          <a:prstGeom prst="ellipse">
+            <a:avLst/>
+          </a:prstGeom>
+          <a:noFill/>
+          <a:ln>
+            <a:solidFill>
+              <a:schemeClr val="tx1"/>
+            </a:solidFill>
+          </a:ln>
+        </p:spPr>
+        <p:style>
+          <a:lnRef idx="2">
+            <a:schemeClr val="accent1">
+              <a:shade val="50000"/>
+            </a:schemeClr>
+          </a:lnRef>
+          <a:fillRef idx="1">
+            <a:schemeClr val="accent1"/>
+          </a:fillRef>
+          <a:effectRef idx="0">
+            <a:schemeClr val="accent1"/>
+          </a:effectRef>
+          <a:fontRef idx="minor">
+            <a:schemeClr val="lt1"/>
+          </a:fontRef>
+        </p:style>
+        <p:txBody>
+          <a:bodyPr rtlCol="0" anchor="ctr"/>
+          <a:lstStyle/>
+          <a:p>
+            <a:pPr algn="ctr"/>
+            <a:endParaRPr lang="en-US"/>
+          </a:p>
+        </p:txBody>
+      </p:sp>
+      <p:sp>
+        <p:nvSpPr>
+          <p:cNvPr id="240" name="Oval 50"/>
+          <p:cNvSpPr/>
+          <p:nvPr/>
+        </p:nvSpPr>
+        <p:spPr>
+          <a:xfrm>
+            <a:off x="7795137" y="3211854"/>
+            <a:ext cx="114767" cy="114767"/>
+          </a:xfrm>
+          <a:prstGeom prst="ellipse">
+            <a:avLst/>
+          </a:prstGeom>
+          <a:solidFill>
+            <a:schemeClr val="accent1">
+              <a:lumMod val="40000"/>
+              <a:lumOff val="60000"/>
+            </a:schemeClr>
+          </a:solidFill>
+          <a:ln>
+            <a:solidFill>
+              <a:schemeClr val="tx1"/>
+            </a:solidFill>
+          </a:ln>
+        </p:spPr>
+        <p:style>
+          <a:lnRef idx="2">
+            <a:schemeClr val="accent1">
+              <a:shade val="50000"/>
+            </a:schemeClr>
+          </a:lnRef>
+          <a:fillRef idx="1">
+            <a:schemeClr val="accent1"/>
+          </a:fillRef>
+          <a:effectRef idx="0">
+            <a:schemeClr val="accent1"/>
+          </a:effectRef>
+          <a:fontRef idx="minor">
+            <a:schemeClr val="lt1"/>
+          </a:fontRef>
+        </p:style>
+        <p:txBody>
+          <a:bodyPr rtlCol="0" anchor="ctr"/>
+          <a:lstStyle/>
+          <a:p>
+            <a:pPr algn="ctr"/>
+            <a:endParaRPr lang="en-US"/>
+          </a:p>
+        </p:txBody>
+      </p:sp>
+      <p:sp>
+        <p:nvSpPr>
+          <p:cNvPr id="241" name="Oval 50"/>
+          <p:cNvSpPr/>
+          <p:nvPr/>
+        </p:nvSpPr>
+        <p:spPr>
+          <a:xfrm>
+            <a:off x="9651039" y="3516809"/>
+            <a:ext cx="114767" cy="114767"/>
+          </a:xfrm>
+          <a:prstGeom prst="ellipse">
+            <a:avLst/>
+          </a:prstGeom>
+          <a:noFill/>
+          <a:ln>
+            <a:solidFill>
+              <a:schemeClr val="tx1"/>
+            </a:solidFill>
+          </a:ln>
+        </p:spPr>
+        <p:style>
+          <a:lnRef idx="2">
+            <a:schemeClr val="accent1">
+              <a:shade val="50000"/>
+            </a:schemeClr>
+          </a:lnRef>
+          <a:fillRef idx="1">
+            <a:schemeClr val="accent1"/>
+          </a:fillRef>
+          <a:effectRef idx="0">
+            <a:schemeClr val="accent1"/>
+          </a:effectRef>
+          <a:fontRef idx="minor">
+            <a:schemeClr val="lt1"/>
+          </a:fontRef>
+        </p:style>
+        <p:txBody>
+          <a:bodyPr rtlCol="0" anchor="ctr"/>
+          <a:lstStyle/>
+          <a:p>
+            <a:pPr algn="ctr"/>
+            <a:endParaRPr lang="en-US"/>
+          </a:p>
+        </p:txBody>
+      </p:sp>
+      <p:sp>
+        <p:nvSpPr>
+          <p:cNvPr id="242" name="Oval 50"/>
+          <p:cNvSpPr/>
+          <p:nvPr/>
+        </p:nvSpPr>
+        <p:spPr>
+          <a:xfrm>
+            <a:off x="9051954" y="3814571"/>
+            <a:ext cx="114767" cy="114767"/>
+          </a:xfrm>
+          <a:prstGeom prst="ellipse">
+            <a:avLst/>
+          </a:prstGeom>
+          <a:solidFill>
+            <a:schemeClr val="accent1">
+              <a:lumMod val="40000"/>
+              <a:lumOff val="60000"/>
+            </a:schemeClr>
+          </a:solidFill>
+          <a:ln>
+            <a:solidFill>
+              <a:schemeClr val="tx1"/>
+            </a:solidFill>
+          </a:ln>
+        </p:spPr>
+        <p:style>
+          <a:lnRef idx="2">
+            <a:schemeClr val="accent1">
+              <a:shade val="50000"/>
+            </a:schemeClr>
+          </a:lnRef>
+          <a:fillRef idx="1">
+            <a:schemeClr val="accent1"/>
+          </a:fillRef>
+          <a:effectRef idx="0">
+            <a:schemeClr val="accent1"/>
+          </a:effectRef>
+          <a:fontRef idx="minor">
+            <a:schemeClr val="lt1"/>
+          </a:fontRef>
+        </p:style>
+        <p:txBody>
+          <a:bodyPr rtlCol="0" anchor="ctr"/>
+          <a:lstStyle/>
+          <a:p>
+            <a:pPr algn="ctr"/>
+            <a:endParaRPr lang="en-US"/>
+          </a:p>
+        </p:txBody>
+      </p:sp>
+      <p:sp>
+        <p:nvSpPr>
+          <p:cNvPr id="243" name="Oval 50"/>
+          <p:cNvSpPr/>
+          <p:nvPr/>
+        </p:nvSpPr>
+        <p:spPr>
+          <a:xfrm>
+            <a:off x="8405060" y="3512989"/>
+            <a:ext cx="114767" cy="114767"/>
+          </a:xfrm>
+          <a:prstGeom prst="ellipse">
+            <a:avLst/>
+          </a:prstGeom>
+          <a:noFill/>
+          <a:ln>
+            <a:solidFill>
+              <a:schemeClr val="tx1"/>
+            </a:solidFill>
+          </a:ln>
+        </p:spPr>
+        <p:style>
+          <a:lnRef idx="2">
+            <a:schemeClr val="accent1">
+              <a:shade val="50000"/>
+            </a:schemeClr>
+          </a:lnRef>
+          <a:fillRef idx="1">
+            <a:schemeClr val="accent1"/>
+          </a:fillRef>
+          <a:effectRef idx="0">
+            <a:schemeClr val="accent1"/>
+          </a:effectRef>
+          <a:fontRef idx="minor">
+            <a:schemeClr val="lt1"/>
+          </a:fontRef>
+        </p:style>
+        <p:txBody>
+          <a:bodyPr rtlCol="0" anchor="ctr"/>
+          <a:lstStyle/>
+          <a:p>
+            <a:pPr algn="ctr"/>
+            <a:endParaRPr lang="en-US"/>
+          </a:p>
+        </p:txBody>
+      </p:sp>
+      <p:sp>
+        <p:nvSpPr>
+          <p:cNvPr id="244" name="Oval 50"/>
+          <p:cNvSpPr/>
+          <p:nvPr/>
+        </p:nvSpPr>
+        <p:spPr>
+          <a:xfrm>
+            <a:off x="7796402" y="3807440"/>
+            <a:ext cx="114767" cy="114767"/>
+          </a:xfrm>
+          <a:prstGeom prst="ellipse">
+            <a:avLst/>
+          </a:prstGeom>
+          <a:solidFill>
+            <a:schemeClr val="accent6">
+              <a:lumMod val="60000"/>
+              <a:lumOff val="40000"/>
+            </a:schemeClr>
+          </a:solidFill>
+          <a:ln>
+            <a:solidFill>
+              <a:schemeClr val="tx1"/>
+            </a:solidFill>
+          </a:ln>
+        </p:spPr>
+        <p:style>
+          <a:lnRef idx="2">
+            <a:schemeClr val="accent1">
+              <a:shade val="50000"/>
+            </a:schemeClr>
+          </a:lnRef>
+          <a:fillRef idx="1">
+            <a:schemeClr val="accent1"/>
+          </a:fillRef>
+          <a:effectRef idx="0">
+            <a:schemeClr val="accent1"/>
+          </a:effectRef>
+          <a:fontRef idx="minor">
+            <a:schemeClr val="lt1"/>
+          </a:fontRef>
+        </p:style>
+        <p:txBody>
+          <a:bodyPr rtlCol="0" anchor="ctr"/>
+          <a:lstStyle/>
+          <a:p>
+            <a:pPr algn="ctr"/>
+            <a:endParaRPr lang="en-US"/>
+          </a:p>
+        </p:txBody>
+      </p:sp>
+      <p:sp>
+        <p:nvSpPr>
+          <p:cNvPr id="245" name="Oval 50"/>
+          <p:cNvSpPr/>
+          <p:nvPr/>
+        </p:nvSpPr>
+        <p:spPr>
+          <a:xfrm>
+            <a:off x="9651039" y="4112395"/>
+            <a:ext cx="114767" cy="114767"/>
+          </a:xfrm>
+          <a:prstGeom prst="ellipse">
+            <a:avLst/>
+          </a:prstGeom>
+          <a:noFill/>
+          <a:ln>
+            <a:solidFill>
+              <a:schemeClr val="tx1"/>
+            </a:solidFill>
+          </a:ln>
+        </p:spPr>
+        <p:style>
+          <a:lnRef idx="2">
+            <a:schemeClr val="accent1">
+              <a:shade val="50000"/>
+            </a:schemeClr>
+          </a:lnRef>
+          <a:fillRef idx="1">
+            <a:schemeClr val="accent1"/>
+          </a:fillRef>
+          <a:effectRef idx="0">
+            <a:schemeClr val="accent1"/>
+          </a:effectRef>
+          <a:fontRef idx="minor">
+            <a:schemeClr val="lt1"/>
+          </a:fontRef>
+        </p:style>
+        <p:txBody>
+          <a:bodyPr rtlCol="0" anchor="ctr"/>
+          <a:lstStyle/>
+          <a:p>
+            <a:pPr algn="ctr"/>
+            <a:endParaRPr lang="en-US"/>
+          </a:p>
+        </p:txBody>
+      </p:sp>
+      <p:sp>
+        <p:nvSpPr>
+          <p:cNvPr id="246" name="Oval 50"/>
+          <p:cNvSpPr/>
+          <p:nvPr/>
+        </p:nvSpPr>
+        <p:spPr>
+          <a:xfrm>
+            <a:off x="9051954" y="4410156"/>
+            <a:ext cx="114767" cy="114767"/>
+          </a:xfrm>
+          <a:prstGeom prst="ellipse">
+            <a:avLst/>
+          </a:prstGeom>
+          <a:noFill/>
+          <a:ln>
+            <a:solidFill>
+              <a:schemeClr val="tx1"/>
+            </a:solidFill>
+          </a:ln>
+        </p:spPr>
+        <p:style>
+          <a:lnRef idx="2">
+            <a:schemeClr val="accent1">
+              <a:shade val="50000"/>
+            </a:schemeClr>
+          </a:lnRef>
+          <a:fillRef idx="1">
+            <a:schemeClr val="accent1"/>
+          </a:fillRef>
+          <a:effectRef idx="0">
+            <a:schemeClr val="accent1"/>
+          </a:effectRef>
+          <a:fontRef idx="minor">
+            <a:schemeClr val="lt1"/>
+          </a:fontRef>
+        </p:style>
+        <p:txBody>
+          <a:bodyPr rtlCol="0" anchor="ctr"/>
+          <a:lstStyle/>
+          <a:p>
+            <a:pPr algn="ctr"/>
+            <a:endParaRPr lang="en-US"/>
+          </a:p>
+        </p:txBody>
+      </p:sp>
+      <p:sp>
+        <p:nvSpPr>
+          <p:cNvPr id="247" name="Oval 50"/>
+          <p:cNvSpPr/>
+          <p:nvPr/>
+        </p:nvSpPr>
+        <p:spPr>
+          <a:xfrm>
+            <a:off x="8405060" y="4108574"/>
+            <a:ext cx="114767" cy="114767"/>
+          </a:xfrm>
+          <a:prstGeom prst="ellipse">
+            <a:avLst/>
+          </a:prstGeom>
+          <a:solidFill>
+            <a:srgbClr val="FF0000"/>
+          </a:solidFill>
+          <a:ln>
+            <a:solidFill>
+              <a:schemeClr val="tx1"/>
+            </a:solidFill>
+          </a:ln>
+        </p:spPr>
+        <p:style>
+          <a:lnRef idx="2">
+            <a:schemeClr val="accent1">
+              <a:shade val="50000"/>
+            </a:schemeClr>
+          </a:lnRef>
+          <a:fillRef idx="1">
+            <a:schemeClr val="accent1"/>
+          </a:fillRef>
+          <a:effectRef idx="0">
+            <a:schemeClr val="accent1"/>
+          </a:effectRef>
+          <a:fontRef idx="minor">
+            <a:schemeClr val="lt1"/>
+          </a:fontRef>
+        </p:style>
+        <p:txBody>
+          <a:bodyPr rtlCol="0" anchor="ctr"/>
+          <a:lstStyle/>
+          <a:p>
+            <a:pPr algn="ctr"/>
+            <a:endParaRPr lang="en-US"/>
+          </a:p>
+        </p:txBody>
+      </p:sp>
+      <p:sp>
+        <p:nvSpPr>
+          <p:cNvPr id="248" name="Oval 50"/>
+          <p:cNvSpPr/>
+          <p:nvPr/>
+        </p:nvSpPr>
+        <p:spPr>
+          <a:xfrm>
+            <a:off x="7796402" y="4403025"/>
+            <a:ext cx="114767" cy="114767"/>
+          </a:xfrm>
+          <a:prstGeom prst="ellipse">
+            <a:avLst/>
+          </a:prstGeom>
+          <a:noFill/>
+          <a:ln>
+            <a:solidFill>
+              <a:schemeClr val="tx1"/>
+            </a:solidFill>
+          </a:ln>
+        </p:spPr>
+        <p:style>
+          <a:lnRef idx="2">
+            <a:schemeClr val="accent1">
+              <a:shade val="50000"/>
+            </a:schemeClr>
+          </a:lnRef>
+          <a:fillRef idx="1">
+            <a:schemeClr val="accent1"/>
+          </a:fillRef>
+          <a:effectRef idx="0">
+            <a:schemeClr val="accent1"/>
+          </a:effectRef>
+          <a:fontRef idx="minor">
+            <a:schemeClr val="lt1"/>
+          </a:fontRef>
+        </p:style>
+        <p:txBody>
+          <a:bodyPr rtlCol="0" anchor="ctr"/>
+          <a:lstStyle/>
+          <a:p>
+            <a:pPr algn="ctr"/>
+            <a:endParaRPr lang="en-US"/>
+          </a:p>
+        </p:txBody>
+      </p:sp>
+      <p:sp>
+        <p:nvSpPr>
+          <p:cNvPr id="249" name="Oval 50"/>
+          <p:cNvSpPr/>
+          <p:nvPr/>
+        </p:nvSpPr>
+        <p:spPr>
+          <a:xfrm>
+            <a:off x="9643428" y="4712098"/>
+            <a:ext cx="114767" cy="114767"/>
+          </a:xfrm>
+          <a:prstGeom prst="ellipse">
+            <a:avLst/>
+          </a:prstGeom>
+          <a:solidFill>
+            <a:schemeClr val="accent1">
+              <a:lumMod val="40000"/>
+              <a:lumOff val="60000"/>
+            </a:schemeClr>
+          </a:solidFill>
+          <a:ln>
+            <a:solidFill>
+              <a:schemeClr val="tx1"/>
+            </a:solidFill>
+          </a:ln>
+        </p:spPr>
+        <p:style>
+          <a:lnRef idx="2">
+            <a:schemeClr val="accent1">
+              <a:shade val="50000"/>
+            </a:schemeClr>
+          </a:lnRef>
+          <a:fillRef idx="1">
+            <a:schemeClr val="accent1"/>
+          </a:fillRef>
+          <a:effectRef idx="0">
+            <a:schemeClr val="accent1"/>
+          </a:effectRef>
+          <a:fontRef idx="minor">
+            <a:schemeClr val="lt1"/>
+          </a:fontRef>
+        </p:style>
+        <p:txBody>
+          <a:bodyPr rtlCol="0" anchor="ctr"/>
+          <a:lstStyle/>
+          <a:p>
+            <a:pPr algn="ctr"/>
+            <a:endParaRPr lang="en-US"/>
+          </a:p>
+        </p:txBody>
+      </p:sp>
+      <p:sp>
+        <p:nvSpPr>
+          <p:cNvPr id="250" name="Oval 50"/>
+          <p:cNvSpPr/>
+          <p:nvPr/>
+        </p:nvSpPr>
+        <p:spPr>
+          <a:xfrm>
+            <a:off x="9044343" y="5009860"/>
+            <a:ext cx="114767" cy="114767"/>
+          </a:xfrm>
+          <a:prstGeom prst="ellipse">
+            <a:avLst/>
+          </a:prstGeom>
+          <a:solidFill>
+            <a:srgbClr val="FF0000"/>
+          </a:solidFill>
+          <a:ln>
+            <a:solidFill>
+              <a:schemeClr val="tx1"/>
+            </a:solidFill>
+          </a:ln>
+        </p:spPr>
+        <p:style>
+          <a:lnRef idx="2">
+            <a:schemeClr val="accent1">
+              <a:shade val="50000"/>
+            </a:schemeClr>
+          </a:lnRef>
+          <a:fillRef idx="1">
+            <a:schemeClr val="accent1"/>
+          </a:fillRef>
+          <a:effectRef idx="0">
+            <a:schemeClr val="accent1"/>
+          </a:effectRef>
+          <a:fontRef idx="minor">
+            <a:schemeClr val="lt1"/>
+          </a:fontRef>
+        </p:style>
+        <p:txBody>
+          <a:bodyPr rtlCol="0" anchor="ctr"/>
+          <a:lstStyle/>
+          <a:p>
+            <a:pPr algn="ctr"/>
+            <a:endParaRPr lang="en-US"/>
+          </a:p>
+        </p:txBody>
+      </p:sp>
+      <p:sp>
+        <p:nvSpPr>
+          <p:cNvPr id="251" name="Oval 50"/>
+          <p:cNvSpPr/>
+          <p:nvPr/>
+        </p:nvSpPr>
+        <p:spPr>
+          <a:xfrm>
+            <a:off x="8397449" y="4708277"/>
+            <a:ext cx="114767" cy="114767"/>
+          </a:xfrm>
+          <a:prstGeom prst="ellipse">
+            <a:avLst/>
+          </a:prstGeom>
+          <a:solidFill>
+            <a:srgbClr val="FF0000"/>
+          </a:solidFill>
+          <a:ln>
+            <a:solidFill>
+              <a:schemeClr val="tx1"/>
+            </a:solidFill>
+          </a:ln>
+        </p:spPr>
+        <p:style>
+          <a:lnRef idx="2">
+            <a:schemeClr val="accent1">
+              <a:shade val="50000"/>
+            </a:schemeClr>
+          </a:lnRef>
+          <a:fillRef idx="1">
+            <a:schemeClr val="accent1"/>
+          </a:fillRef>
+          <a:effectRef idx="0">
+            <a:schemeClr val="accent1"/>
+          </a:effectRef>
+          <a:fontRef idx="minor">
+            <a:schemeClr val="lt1"/>
+          </a:fontRef>
+        </p:style>
+        <p:txBody>
+          <a:bodyPr rtlCol="0" anchor="ctr"/>
+          <a:lstStyle/>
+          <a:p>
+            <a:pPr algn="ctr"/>
+            <a:endParaRPr lang="en-US"/>
+          </a:p>
+        </p:txBody>
+      </p:sp>
+      <p:sp>
+        <p:nvSpPr>
+          <p:cNvPr id="252" name="Oval 50"/>
+          <p:cNvSpPr/>
+          <p:nvPr/>
+        </p:nvSpPr>
+        <p:spPr>
+          <a:xfrm>
+            <a:off x="7788791" y="5002728"/>
+            <a:ext cx="114767" cy="114767"/>
+          </a:xfrm>
+          <a:prstGeom prst="ellipse">
+            <a:avLst/>
+          </a:prstGeom>
+          <a:solidFill>
+            <a:schemeClr val="accent6">
+              <a:lumMod val="60000"/>
+              <a:lumOff val="40000"/>
+            </a:schemeClr>
+          </a:solidFill>
+          <a:ln>
+            <a:solidFill>
+              <a:schemeClr val="tx1"/>
+            </a:solidFill>
+          </a:ln>
+        </p:spPr>
+        <p:style>
+          <a:lnRef idx="2">
+            <a:schemeClr val="accent1">
+              <a:shade val="50000"/>
+            </a:schemeClr>
+          </a:lnRef>
+          <a:fillRef idx="1">
+            <a:schemeClr val="accent1"/>
+          </a:fillRef>
+          <a:effectRef idx="0">
+            <a:schemeClr val="accent1"/>
+          </a:effectRef>
+          <a:fontRef idx="minor">
+            <a:schemeClr val="lt1"/>
+          </a:fontRef>
+        </p:style>
+        <p:txBody>
+          <a:bodyPr rtlCol="0" anchor="ctr"/>
+          <a:lstStyle/>
+          <a:p>
+            <a:pPr algn="ctr"/>
+            <a:endParaRPr lang="en-US"/>
+          </a:p>
+        </p:txBody>
+      </p:sp>
+      <p:sp>
+        <p:nvSpPr>
+          <p:cNvPr id="253" name="Oval 50"/>
+          <p:cNvSpPr/>
+          <p:nvPr/>
+        </p:nvSpPr>
+        <p:spPr>
+          <a:xfrm>
+            <a:off x="9661175" y="5307765"/>
+            <a:ext cx="114767" cy="114767"/>
+          </a:xfrm>
+          <a:prstGeom prst="ellipse">
+            <a:avLst/>
+          </a:prstGeom>
+          <a:noFill/>
+          <a:ln>
+            <a:solidFill>
+              <a:schemeClr val="tx1"/>
+            </a:solidFill>
+          </a:ln>
+        </p:spPr>
+        <p:style>
+          <a:lnRef idx="2">
+            <a:schemeClr val="accent1">
+              <a:shade val="50000"/>
+            </a:schemeClr>
+          </a:lnRef>
+          <a:fillRef idx="1">
+            <a:schemeClr val="accent1"/>
+          </a:fillRef>
+          <a:effectRef idx="0">
+            <a:schemeClr val="accent1"/>
+          </a:effectRef>
+          <a:fontRef idx="minor">
+            <a:schemeClr val="lt1"/>
+          </a:fontRef>
+        </p:style>
+        <p:txBody>
+          <a:bodyPr rtlCol="0" anchor="ctr"/>
+          <a:lstStyle/>
+          <a:p>
+            <a:pPr algn="ctr"/>
+            <a:endParaRPr lang="en-US"/>
+          </a:p>
+        </p:txBody>
+      </p:sp>
+      <p:sp>
+        <p:nvSpPr>
+          <p:cNvPr id="254" name="Oval 50"/>
+          <p:cNvSpPr/>
+          <p:nvPr/>
+        </p:nvSpPr>
+        <p:spPr>
+          <a:xfrm>
+            <a:off x="9062091" y="5605527"/>
+            <a:ext cx="114767" cy="114767"/>
+          </a:xfrm>
+          <a:prstGeom prst="ellipse">
+            <a:avLst/>
+          </a:prstGeom>
+          <a:solidFill>
+            <a:schemeClr val="accent6">
+              <a:lumMod val="60000"/>
+              <a:lumOff val="40000"/>
+            </a:schemeClr>
+          </a:solidFill>
+          <a:ln>
+            <a:solidFill>
+              <a:schemeClr val="tx1"/>
+            </a:solidFill>
+          </a:ln>
+        </p:spPr>
+        <p:style>
+          <a:lnRef idx="2">
+            <a:schemeClr val="accent1">
+              <a:shade val="50000"/>
+            </a:schemeClr>
+          </a:lnRef>
+          <a:fillRef idx="1">
+            <a:schemeClr val="accent1"/>
+          </a:fillRef>
+          <a:effectRef idx="0">
+            <a:schemeClr val="accent1"/>
+          </a:effectRef>
+          <a:fontRef idx="minor">
+            <a:schemeClr val="lt1"/>
+          </a:fontRef>
+        </p:style>
+        <p:txBody>
+          <a:bodyPr rtlCol="0" anchor="ctr"/>
+          <a:lstStyle/>
+          <a:p>
+            <a:pPr algn="ctr"/>
+            <a:endParaRPr lang="en-US"/>
+          </a:p>
+        </p:txBody>
+      </p:sp>
+      <p:sp>
+        <p:nvSpPr>
+          <p:cNvPr id="255" name="Oval 50"/>
+          <p:cNvSpPr/>
+          <p:nvPr/>
+        </p:nvSpPr>
+        <p:spPr>
+          <a:xfrm>
+            <a:off x="8415196" y="5303944"/>
+            <a:ext cx="114767" cy="114767"/>
+          </a:xfrm>
+          <a:prstGeom prst="ellipse">
+            <a:avLst/>
+          </a:prstGeom>
+          <a:noFill/>
+          <a:ln>
+            <a:solidFill>
+              <a:schemeClr val="tx1"/>
+            </a:solidFill>
+          </a:ln>
+        </p:spPr>
+        <p:style>
+          <a:lnRef idx="2">
+            <a:schemeClr val="accent1">
+              <a:shade val="50000"/>
+            </a:schemeClr>
+          </a:lnRef>
+          <a:fillRef idx="1">
+            <a:schemeClr val="accent1"/>
+          </a:fillRef>
+          <a:effectRef idx="0">
+            <a:schemeClr val="accent1"/>
+          </a:effectRef>
+          <a:fontRef idx="minor">
+            <a:schemeClr val="lt1"/>
+          </a:fontRef>
+        </p:style>
+        <p:txBody>
+          <a:bodyPr rtlCol="0" anchor="ctr"/>
+          <a:lstStyle/>
+          <a:p>
+            <a:pPr algn="ctr"/>
+            <a:endParaRPr lang="en-US"/>
+          </a:p>
+        </p:txBody>
+      </p:sp>
+      <p:sp>
+        <p:nvSpPr>
+          <p:cNvPr id="256" name="Oval 50"/>
+          <p:cNvSpPr/>
+          <p:nvPr/>
+        </p:nvSpPr>
+        <p:spPr>
+          <a:xfrm>
+            <a:off x="7806538" y="5598395"/>
+            <a:ext cx="114767" cy="114767"/>
+          </a:xfrm>
+          <a:prstGeom prst="ellipse">
+            <a:avLst/>
+          </a:prstGeom>
+          <a:noFill/>
+          <a:ln>
+            <a:solidFill>
+              <a:schemeClr val="tx1"/>
+            </a:solidFill>
+          </a:ln>
+        </p:spPr>
+        <p:style>
+          <a:lnRef idx="2">
+            <a:schemeClr val="accent1">
+              <a:shade val="50000"/>
+            </a:schemeClr>
+          </a:lnRef>
+          <a:fillRef idx="1">
+            <a:schemeClr val="accent1"/>
+          </a:fillRef>
+          <a:effectRef idx="0">
+            <a:schemeClr val="accent1"/>
+          </a:effectRef>
+          <a:fontRef idx="minor">
+            <a:schemeClr val="lt1"/>
+          </a:fontRef>
+        </p:style>
+        <p:txBody>
+          <a:bodyPr rtlCol="0" anchor="ctr"/>
+          <a:lstStyle/>
+          <a:p>
+            <a:pPr algn="ctr"/>
+            <a:endParaRPr lang="en-US"/>
+          </a:p>
+        </p:txBody>
+      </p:sp>
+      <p:sp>
+        <p:nvSpPr>
+          <p:cNvPr id="257" name="Oval 50"/>
+          <p:cNvSpPr/>
+          <p:nvPr/>
+        </p:nvSpPr>
+        <p:spPr>
+          <a:xfrm>
+            <a:off x="9661060" y="5895935"/>
+            <a:ext cx="114767" cy="114767"/>
+          </a:xfrm>
+          <a:prstGeom prst="ellipse">
+            <a:avLst/>
+          </a:prstGeom>
+          <a:solidFill>
+            <a:schemeClr val="accent1">
+              <a:lumMod val="40000"/>
+              <a:lumOff val="60000"/>
+            </a:schemeClr>
+          </a:solidFill>
+          <a:ln>
+            <a:solidFill>
+              <a:schemeClr val="tx1"/>
+            </a:solidFill>
+          </a:ln>
+        </p:spPr>
+        <p:style>
+          <a:lnRef idx="2">
+            <a:schemeClr val="accent1">
+              <a:shade val="50000"/>
+            </a:schemeClr>
+          </a:lnRef>
+          <a:fillRef idx="1">
+            <a:schemeClr val="accent1"/>
+          </a:fillRef>
+          <a:effectRef idx="0">
+            <a:schemeClr val="accent1"/>
+          </a:effectRef>
+          <a:fontRef idx="minor">
+            <a:schemeClr val="lt1"/>
+          </a:fontRef>
+        </p:style>
+        <p:txBody>
+          <a:bodyPr rtlCol="0" anchor="ctr"/>
+          <a:lstStyle/>
+          <a:p>
+            <a:pPr algn="ctr"/>
+            <a:endParaRPr lang="en-US"/>
+          </a:p>
+        </p:txBody>
+      </p:sp>
+      <p:sp>
+        <p:nvSpPr>
+          <p:cNvPr id="258" name="Oval 50"/>
+          <p:cNvSpPr/>
+          <p:nvPr/>
+        </p:nvSpPr>
+        <p:spPr>
+          <a:xfrm>
+            <a:off x="9061975" y="6193697"/>
+            <a:ext cx="114767" cy="114767"/>
+          </a:xfrm>
+          <a:prstGeom prst="ellipse">
+            <a:avLst/>
+          </a:prstGeom>
+          <a:solidFill>
+            <a:schemeClr val="accent6">
+              <a:lumMod val="60000"/>
+              <a:lumOff val="40000"/>
+            </a:schemeClr>
+          </a:solidFill>
+          <a:ln>
+            <a:solidFill>
+              <a:schemeClr val="tx1"/>
+            </a:solidFill>
+          </a:ln>
+        </p:spPr>
+        <p:style>
+          <a:lnRef idx="2">
+            <a:schemeClr val="accent1">
+              <a:shade val="50000"/>
+            </a:schemeClr>
+          </a:lnRef>
+          <a:fillRef idx="1">
+            <a:schemeClr val="accent1"/>
+          </a:fillRef>
+          <a:effectRef idx="0">
+            <a:schemeClr val="accent1"/>
+          </a:effectRef>
+          <a:fontRef idx="minor">
+            <a:schemeClr val="lt1"/>
+          </a:fontRef>
+        </p:style>
+        <p:txBody>
+          <a:bodyPr rtlCol="0" anchor="ctr"/>
+          <a:lstStyle/>
+          <a:p>
+            <a:pPr algn="ctr"/>
+            <a:endParaRPr lang="en-US"/>
+          </a:p>
+        </p:txBody>
+      </p:sp>
+      <p:sp>
+        <p:nvSpPr>
+          <p:cNvPr id="259" name="Oval 50"/>
+          <p:cNvSpPr/>
+          <p:nvPr/>
+        </p:nvSpPr>
+        <p:spPr>
+          <a:xfrm>
+            <a:off x="8415081" y="5892114"/>
+            <a:ext cx="114767" cy="114767"/>
+          </a:xfrm>
+          <a:prstGeom prst="ellipse">
+            <a:avLst/>
+          </a:prstGeom>
+          <a:solidFill>
+            <a:srgbClr val="FF0000"/>
+          </a:solidFill>
+          <a:ln>
+            <a:solidFill>
+              <a:schemeClr val="tx1"/>
+            </a:solidFill>
+          </a:ln>
+        </p:spPr>
+        <p:style>
+          <a:lnRef idx="2">
+            <a:schemeClr val="accent1">
+              <a:shade val="50000"/>
+            </a:schemeClr>
+          </a:lnRef>
+          <a:fillRef idx="1">
+            <a:schemeClr val="accent1"/>
+          </a:fillRef>
+          <a:effectRef idx="0">
+            <a:schemeClr val="accent1"/>
+          </a:effectRef>
+          <a:fontRef idx="minor">
+            <a:schemeClr val="lt1"/>
+          </a:fontRef>
+        </p:style>
+        <p:txBody>
+          <a:bodyPr rtlCol="0" anchor="ctr"/>
+          <a:lstStyle/>
+          <a:p>
+            <a:pPr algn="ctr"/>
+            <a:endParaRPr lang="en-US"/>
+          </a:p>
+        </p:txBody>
+      </p:sp>
+      <p:sp>
+        <p:nvSpPr>
+          <p:cNvPr id="260" name="Oval 50"/>
+          <p:cNvSpPr/>
+          <p:nvPr/>
+        </p:nvSpPr>
+        <p:spPr>
+          <a:xfrm>
+            <a:off x="7806422" y="6186565"/>
+            <a:ext cx="114767" cy="114767"/>
+          </a:xfrm>
+          <a:prstGeom prst="ellipse">
+            <a:avLst/>
+          </a:prstGeom>
+          <a:noFill/>
+          <a:ln>
+            <a:solidFill>
+              <a:schemeClr val="tx1"/>
+            </a:solidFill>
+          </a:ln>
+        </p:spPr>
+        <p:style>
+          <a:lnRef idx="2">
+            <a:schemeClr val="accent1">
+              <a:shade val="50000"/>
+            </a:schemeClr>
+          </a:lnRef>
+          <a:fillRef idx="1">
+            <a:schemeClr val="accent1"/>
+          </a:fillRef>
+          <a:effectRef idx="0">
+            <a:schemeClr val="accent1"/>
+          </a:effectRef>
+          <a:fontRef idx="minor">
+            <a:schemeClr val="lt1"/>
+          </a:fontRef>
+        </p:style>
+        <p:txBody>
+          <a:bodyPr rtlCol="0" anchor="ctr"/>
+          <a:lstStyle/>
+          <a:p>
+            <a:pPr algn="ctr"/>
+            <a:endParaRPr lang="en-US"/>
+          </a:p>
+        </p:txBody>
+      </p:sp>
+      <p:cxnSp>
+        <p:nvCxnSpPr>
+          <p:cNvPr id="302" name="Gerader Verbinder 301"/>
+          <p:cNvCxnSpPr>
+            <a:stCxn id="236" idx="1"/>
+            <a:endCxn id="247" idx="1"/>
+          </p:cNvCxnSpPr>
+          <p:nvPr/>
+        </p:nvCxnSpPr>
+        <p:spPr>
+          <a:xfrm flipH="1">
+            <a:off x="8421867" y="2938031"/>
+            <a:ext cx="1244714" cy="1187350"/>
+          </a:xfrm>
+          <a:prstGeom prst="line">
+            <a:avLst/>
+          </a:prstGeom>
+          <a:ln w="19050">
+            <a:solidFill>
+              <a:srgbClr val="FF0000"/>
+            </a:solidFill>
+          </a:ln>
+        </p:spPr>
+        <p:style>
+          <a:lnRef idx="1">
+            <a:schemeClr val="accent1"/>
+          </a:lnRef>
+          <a:fillRef idx="0">
+            <a:schemeClr val="accent1"/>
+          </a:fillRef>
+          <a:effectRef idx="0">
+            <a:schemeClr val="accent1"/>
+          </a:effectRef>
+          <a:fontRef idx="minor">
+            <a:schemeClr val="tx1"/>
+          </a:fontRef>
+        </p:style>
+      </p:cxnSp>
+      <p:cxnSp>
+        <p:nvCxnSpPr>
+          <p:cNvPr id="303" name="Gerader Verbinder 302"/>
+          <p:cNvCxnSpPr>
+            <a:stCxn id="236" idx="5"/>
+            <a:endCxn id="247" idx="5"/>
+          </p:cNvCxnSpPr>
+          <p:nvPr/>
+        </p:nvCxnSpPr>
+        <p:spPr>
+          <a:xfrm flipH="1">
+            <a:off x="8503020" y="3019184"/>
+            <a:ext cx="1244714" cy="1187350"/>
+          </a:xfrm>
+          <a:prstGeom prst="line">
+            <a:avLst/>
+          </a:prstGeom>
+          <a:ln w="19050">
+            <a:solidFill>
+              <a:srgbClr val="FF0000"/>
+            </a:solidFill>
+          </a:ln>
+        </p:spPr>
+        <p:style>
+          <a:lnRef idx="1">
+            <a:schemeClr val="accent1"/>
+          </a:lnRef>
+          <a:fillRef idx="0">
+            <a:schemeClr val="accent1"/>
+          </a:fillRef>
+          <a:effectRef idx="0">
+            <a:schemeClr val="accent1"/>
+          </a:effectRef>
+          <a:fontRef idx="minor">
+            <a:schemeClr val="tx1"/>
+          </a:fontRef>
+        </p:style>
+      </p:cxnSp>
+      <p:cxnSp>
+        <p:nvCxnSpPr>
+          <p:cNvPr id="306" name="Gerader Verbinder 305"/>
+          <p:cNvCxnSpPr>
+            <a:cxnSpLocks/>
+            <a:stCxn id="250" idx="5"/>
+          </p:cNvCxnSpPr>
+          <p:nvPr/>
+        </p:nvCxnSpPr>
+        <p:spPr>
+          <a:xfrm flipV="1">
+            <a:off x="9142303" y="1781894"/>
+            <a:ext cx="609120" cy="3325926"/>
+          </a:xfrm>
+          <a:prstGeom prst="line">
+            <a:avLst/>
+          </a:prstGeom>
+          <a:ln w="19050">
+            <a:solidFill>
+              <a:srgbClr val="FF0000"/>
+            </a:solidFill>
+          </a:ln>
+        </p:spPr>
+        <p:style>
+          <a:lnRef idx="1">
+            <a:schemeClr val="accent1"/>
+          </a:lnRef>
+          <a:fillRef idx="0">
+            <a:schemeClr val="accent1"/>
+          </a:fillRef>
+          <a:effectRef idx="0">
+            <a:schemeClr val="accent1"/>
+          </a:effectRef>
+          <a:fontRef idx="minor">
+            <a:schemeClr val="tx1"/>
+          </a:fontRef>
+        </p:style>
+      </p:cxnSp>
+      <p:cxnSp>
+        <p:nvCxnSpPr>
+          <p:cNvPr id="310" name="Gerader Verbinder 309"/>
+          <p:cNvCxnSpPr>
+            <a:cxnSpLocks/>
+            <a:stCxn id="250" idx="2"/>
+            <a:endCxn id="184" idx="1"/>
+          </p:cNvCxnSpPr>
+          <p:nvPr/>
+        </p:nvCxnSpPr>
+        <p:spPr>
+          <a:xfrm flipV="1">
+            <a:off x="9044343" y="1747055"/>
+            <a:ext cx="624655" cy="3320189"/>
+          </a:xfrm>
+          <a:prstGeom prst="line">
+            <a:avLst/>
+          </a:prstGeom>
+          <a:ln w="19050">
+            <a:solidFill>
+              <a:srgbClr val="FF0000"/>
+            </a:solidFill>
+          </a:ln>
+        </p:spPr>
+        <p:style>
+          <a:lnRef idx="1">
+            <a:schemeClr val="accent1"/>
+          </a:lnRef>
+          <a:fillRef idx="0">
+            <a:schemeClr val="accent1"/>
+          </a:fillRef>
+          <a:effectRef idx="0">
+            <a:schemeClr val="accent1"/>
+          </a:effectRef>
+          <a:fontRef idx="minor">
+            <a:schemeClr val="tx1"/>
+          </a:fontRef>
+        </p:style>
+      </p:cxnSp>
+      <p:cxnSp>
+        <p:nvCxnSpPr>
+          <p:cNvPr id="324" name="Gerader Verbinder 323"/>
+          <p:cNvCxnSpPr>
+            <a:stCxn id="232" idx="2"/>
+            <a:endCxn id="244" idx="1"/>
+          </p:cNvCxnSpPr>
+          <p:nvPr/>
+        </p:nvCxnSpPr>
+        <p:spPr>
+          <a:xfrm flipH="1">
+            <a:off x="7813209" y="2683132"/>
+            <a:ext cx="1248882" cy="1141115"/>
+          </a:xfrm>
+          <a:prstGeom prst="line">
+            <a:avLst/>
+          </a:prstGeom>
+          <a:ln w="19050">
+            <a:solidFill>
+              <a:schemeClr val="accent6"/>
+            </a:solidFill>
+          </a:ln>
+        </p:spPr>
+        <p:style>
+          <a:lnRef idx="1">
+            <a:schemeClr val="accent1"/>
+          </a:lnRef>
+          <a:fillRef idx="0">
+            <a:schemeClr val="accent1"/>
+          </a:fillRef>
+          <a:effectRef idx="0">
+            <a:schemeClr val="accent1"/>
+          </a:effectRef>
+          <a:fontRef idx="minor">
+            <a:schemeClr val="tx1"/>
+          </a:fontRef>
+        </p:style>
+      </p:cxnSp>
+      <p:cxnSp>
+        <p:nvCxnSpPr>
+          <p:cNvPr id="325" name="Gerader Verbinder 324"/>
+          <p:cNvCxnSpPr>
+            <a:stCxn id="232" idx="5"/>
+            <a:endCxn id="244" idx="5"/>
+          </p:cNvCxnSpPr>
+          <p:nvPr/>
+        </p:nvCxnSpPr>
+        <p:spPr>
+          <a:xfrm flipH="1">
+            <a:off x="7894362" y="2723708"/>
+            <a:ext cx="1265689" cy="1181692"/>
+          </a:xfrm>
+          <a:prstGeom prst="line">
+            <a:avLst/>
+          </a:prstGeom>
+          <a:ln w="19050">
+            <a:solidFill>
+              <a:schemeClr val="accent6"/>
+            </a:solidFill>
+          </a:ln>
+        </p:spPr>
+        <p:style>
+          <a:lnRef idx="1">
+            <a:schemeClr val="accent1"/>
+          </a:lnRef>
+          <a:fillRef idx="0">
+            <a:schemeClr val="accent1"/>
+          </a:fillRef>
+          <a:effectRef idx="0">
+            <a:schemeClr val="accent1"/>
+          </a:effectRef>
+          <a:fontRef idx="minor">
+            <a:schemeClr val="tx1"/>
+          </a:fontRef>
+        </p:style>
+      </p:cxnSp>
+      <p:cxnSp>
+        <p:nvCxnSpPr>
+          <p:cNvPr id="328" name="Gerader Verbinder 327"/>
+          <p:cNvCxnSpPr>
+            <a:cxnSpLocks/>
+            <a:stCxn id="217" idx="2"/>
+            <a:endCxn id="254" idx="2"/>
+          </p:cNvCxnSpPr>
+          <p:nvPr/>
+        </p:nvCxnSpPr>
+        <p:spPr>
+          <a:xfrm>
+            <a:off x="8406212" y="1783811"/>
+            <a:ext cx="655879" cy="3879100"/>
+          </a:xfrm>
+          <a:prstGeom prst="line">
+            <a:avLst/>
+          </a:prstGeom>
+          <a:ln w="19050">
+            <a:solidFill>
+              <a:schemeClr val="accent6"/>
+            </a:solidFill>
+          </a:ln>
+        </p:spPr>
+        <p:style>
+          <a:lnRef idx="1">
+            <a:schemeClr val="accent1"/>
+          </a:lnRef>
+          <a:fillRef idx="0">
+            <a:schemeClr val="accent1"/>
+          </a:fillRef>
+          <a:effectRef idx="0">
+            <a:schemeClr val="accent1"/>
+          </a:effectRef>
+          <a:fontRef idx="minor">
+            <a:schemeClr val="tx1"/>
+          </a:fontRef>
+        </p:style>
+      </p:cxnSp>
+      <p:cxnSp>
+        <p:nvCxnSpPr>
+          <p:cNvPr id="329" name="Gerader Verbinder 328"/>
+          <p:cNvCxnSpPr>
+            <a:cxnSpLocks/>
+            <a:stCxn id="217" idx="6"/>
+            <a:endCxn id="254" idx="6"/>
+          </p:cNvCxnSpPr>
+          <p:nvPr/>
+        </p:nvCxnSpPr>
+        <p:spPr>
+          <a:xfrm>
+            <a:off x="8520979" y="1783811"/>
+            <a:ext cx="655879" cy="3879100"/>
+          </a:xfrm>
+          <a:prstGeom prst="line">
+            <a:avLst/>
+          </a:prstGeom>
+          <a:ln w="19050">
+            <a:solidFill>
+              <a:schemeClr val="accent6"/>
+            </a:solidFill>
+          </a:ln>
+        </p:spPr>
+        <p:style>
+          <a:lnRef idx="1">
+            <a:schemeClr val="accent1"/>
+          </a:lnRef>
+          <a:fillRef idx="0">
+            <a:schemeClr val="accent1"/>
+          </a:fillRef>
+          <a:effectRef idx="0">
+            <a:schemeClr val="accent1"/>
+          </a:effectRef>
+          <a:fontRef idx="minor">
+            <a:schemeClr val="tx1"/>
+          </a:fontRef>
+        </p:style>
+      </p:cxnSp>
+      <p:cxnSp>
+        <p:nvCxnSpPr>
+          <p:cNvPr id="340" name="Gerader Verbinder 339"/>
+          <p:cNvCxnSpPr>
+            <a:stCxn id="235" idx="2"/>
+            <a:endCxn id="240" idx="2"/>
+          </p:cNvCxnSpPr>
+          <p:nvPr/>
+        </p:nvCxnSpPr>
+        <p:spPr>
+          <a:xfrm flipH="1">
+            <a:off x="7795137" y="2676000"/>
+            <a:ext cx="11401" cy="593238"/>
+          </a:xfrm>
+          <a:prstGeom prst="line">
+            <a:avLst/>
+          </a:prstGeom>
+          <a:ln w="19050">
+            <a:solidFill>
+              <a:schemeClr val="accent1"/>
+            </a:solidFill>
+          </a:ln>
+        </p:spPr>
+        <p:style>
+          <a:lnRef idx="1">
+            <a:schemeClr val="accent1"/>
+          </a:lnRef>
+          <a:fillRef idx="0">
+            <a:schemeClr val="accent1"/>
+          </a:fillRef>
+          <a:effectRef idx="0">
+            <a:schemeClr val="accent1"/>
+          </a:effectRef>
+          <a:fontRef idx="minor">
+            <a:schemeClr val="tx1"/>
+          </a:fontRef>
+        </p:style>
+      </p:cxnSp>
+      <p:cxnSp>
+        <p:nvCxnSpPr>
+          <p:cNvPr id="341" name="Gerader Verbinder 340"/>
+          <p:cNvCxnSpPr>
+            <a:stCxn id="235" idx="6"/>
+            <a:endCxn id="240" idx="6"/>
+          </p:cNvCxnSpPr>
+          <p:nvPr/>
+        </p:nvCxnSpPr>
+        <p:spPr>
+          <a:xfrm flipH="1">
+            <a:off x="7909904" y="2676000"/>
+            <a:ext cx="11401" cy="593238"/>
+          </a:xfrm>
+          <a:prstGeom prst="line">
+            <a:avLst/>
+          </a:prstGeom>
+          <a:ln w="19050">
+            <a:solidFill>
+              <a:schemeClr val="accent1"/>
+            </a:solidFill>
+          </a:ln>
+        </p:spPr>
+        <p:style>
+          <a:lnRef idx="1">
+            <a:schemeClr val="accent1"/>
+          </a:lnRef>
+          <a:fillRef idx="0">
+            <a:schemeClr val="accent1"/>
+          </a:fillRef>
+          <a:effectRef idx="0">
+            <a:schemeClr val="accent1"/>
+          </a:effectRef>
+          <a:fontRef idx="minor">
+            <a:schemeClr val="tx1"/>
+          </a:fontRef>
+        </p:style>
+      </p:cxnSp>
+      <p:cxnSp>
+        <p:nvCxnSpPr>
+          <p:cNvPr id="360" name="Gerader Verbinder 359"/>
+          <p:cNvCxnSpPr>
+            <a:cxnSpLocks/>
+            <a:stCxn id="219" idx="2"/>
+            <a:endCxn id="249" idx="2"/>
+          </p:cNvCxnSpPr>
+          <p:nvPr/>
+        </p:nvCxnSpPr>
+        <p:spPr>
+          <a:xfrm>
+            <a:off x="7818271" y="2078155"/>
+            <a:ext cx="1825157" cy="2691327"/>
+          </a:xfrm>
+          <a:prstGeom prst="line">
+            <a:avLst/>
+          </a:prstGeom>
+          <a:ln w="19050">
+            <a:solidFill>
+              <a:schemeClr val="accent1"/>
+            </a:solidFill>
+          </a:ln>
+        </p:spPr>
+        <p:style>
+          <a:lnRef idx="1">
+            <a:schemeClr val="accent1"/>
+          </a:lnRef>
+          <a:fillRef idx="0">
+            <a:schemeClr val="accent1"/>
+          </a:fillRef>
+          <a:effectRef idx="0">
+            <a:schemeClr val="accent1"/>
+          </a:effectRef>
+          <a:fontRef idx="minor">
+            <a:schemeClr val="tx1"/>
+          </a:fontRef>
+        </p:style>
+      </p:cxnSp>
+      <p:cxnSp>
+        <p:nvCxnSpPr>
+          <p:cNvPr id="361" name="Gerader Verbinder 360"/>
+          <p:cNvCxnSpPr>
+            <a:cxnSpLocks/>
+            <a:stCxn id="219" idx="6"/>
+            <a:endCxn id="249" idx="7"/>
+          </p:cNvCxnSpPr>
+          <p:nvPr/>
+        </p:nvCxnSpPr>
+        <p:spPr>
+          <a:xfrm>
+            <a:off x="7933038" y="2078155"/>
+            <a:ext cx="1808350" cy="2650750"/>
+          </a:xfrm>
+          <a:prstGeom prst="line">
+            <a:avLst/>
+          </a:prstGeom>
+          <a:ln w="19050">
+            <a:solidFill>
+              <a:schemeClr val="accent1"/>
+            </a:solidFill>
+          </a:ln>
+        </p:spPr>
+        <p:style>
+          <a:lnRef idx="1">
+            <a:schemeClr val="accent1"/>
+          </a:lnRef>
+          <a:fillRef idx="0">
+            <a:schemeClr val="accent1"/>
+          </a:fillRef>
+          <a:effectRef idx="0">
+            <a:schemeClr val="accent1"/>
+          </a:effectRef>
+          <a:fontRef idx="minor">
+            <a:schemeClr val="tx1"/>
+          </a:fontRef>
+        </p:style>
+      </p:cxnSp>
+      <p:sp>
+        <p:nvSpPr>
+          <p:cNvPr id="366" name="TextBox 80"/>
+          <p:cNvSpPr txBox="1"/>
+          <p:nvPr/>
+        </p:nvSpPr>
+        <p:spPr>
+          <a:xfrm>
+            <a:off x="9737702" y="2868931"/>
+            <a:ext cx="404212" cy="230832"/>
+          </a:xfrm>
+          <a:prstGeom prst="rect">
+            <a:avLst/>
+          </a:prstGeom>
+          <a:noFill/>
+        </p:spPr>
+        <p:txBody>
+          <a:bodyPr wrap="square" rtlCol="0">
+            <a:spAutoFit/>
+          </a:bodyPr>
+          <a:lstStyle/>
+          <a:p>
+            <a:r>
+              <a:rPr lang="de-DE" sz="900" dirty="0"/>
+              <a:t>1.4</a:t>
+            </a:r>
+            <a:endParaRPr lang="en-US" sz="900" dirty="0"/>
+          </a:p>
+        </p:txBody>
+      </p:sp>
+      <p:sp>
+        <p:nvSpPr>
+          <p:cNvPr id="367" name="TextBox 80"/>
+          <p:cNvSpPr txBox="1"/>
+          <p:nvPr/>
+        </p:nvSpPr>
+        <p:spPr>
+          <a:xfrm>
+            <a:off x="9759037" y="1666477"/>
+            <a:ext cx="532226" cy="230832"/>
+          </a:xfrm>
+          <a:prstGeom prst="rect">
+            <a:avLst/>
+          </a:prstGeom>
+          <a:noFill/>
+        </p:spPr>
+        <p:txBody>
+          <a:bodyPr wrap="square" rtlCol="0">
+            <a:spAutoFit/>
+          </a:bodyPr>
+          <a:lstStyle/>
+          <a:p>
+            <a:r>
+              <a:rPr lang="de-DE" sz="900" dirty="0"/>
+              <a:t>1.1 </a:t>
+            </a:r>
+            <a:endParaRPr lang="en-US" sz="900" dirty="0"/>
+          </a:p>
+        </p:txBody>
+      </p:sp>
+      <p:sp>
+        <p:nvSpPr>
+          <p:cNvPr id="369" name="TextBox 86"/>
+          <p:cNvSpPr txBox="1"/>
+          <p:nvPr/>
+        </p:nvSpPr>
+        <p:spPr>
+          <a:xfrm>
+            <a:off x="8147722" y="4655633"/>
+            <a:ext cx="404212" cy="369332"/>
+          </a:xfrm>
+          <a:prstGeom prst="rect">
+            <a:avLst/>
+          </a:prstGeom>
+          <a:noFill/>
+        </p:spPr>
+        <p:txBody>
+          <a:bodyPr wrap="square" rtlCol="0">
+            <a:spAutoFit/>
+          </a:bodyPr>
+          <a:lstStyle/>
+          <a:p>
+            <a:r>
+              <a:rPr lang="de-DE" sz="900" b="1" dirty="0"/>
+              <a:t>IN 1.8</a:t>
+            </a:r>
+            <a:endParaRPr lang="en-US" sz="900" b="1" dirty="0"/>
+          </a:p>
+        </p:txBody>
+      </p:sp>
+      <p:cxnSp>
+        <p:nvCxnSpPr>
+          <p:cNvPr id="148" name="Gerader Verbinder 147"/>
+          <p:cNvCxnSpPr>
+            <a:stCxn id="217" idx="2"/>
+            <a:endCxn id="232" idx="2"/>
+          </p:cNvCxnSpPr>
+          <p:nvPr/>
+        </p:nvCxnSpPr>
+        <p:spPr>
+          <a:xfrm>
+            <a:off x="8406212" y="1783811"/>
+            <a:ext cx="655879" cy="899321"/>
+          </a:xfrm>
+          <a:prstGeom prst="line">
+            <a:avLst/>
+          </a:prstGeom>
+          <a:ln>
+            <a:solidFill>
+              <a:schemeClr val="accent6"/>
+            </a:solidFill>
+            <a:prstDash val="sysDot"/>
+          </a:ln>
+        </p:spPr>
+        <p:style>
+          <a:lnRef idx="1">
+            <a:schemeClr val="accent1"/>
+          </a:lnRef>
+          <a:fillRef idx="0">
+            <a:schemeClr val="accent1"/>
+          </a:fillRef>
+          <a:effectRef idx="0">
+            <a:schemeClr val="accent1"/>
+          </a:effectRef>
+          <a:fontRef idx="minor">
+            <a:schemeClr val="tx1"/>
+          </a:fontRef>
+        </p:style>
+      </p:cxnSp>
+      <p:cxnSp>
+        <p:nvCxnSpPr>
+          <p:cNvPr id="151" name="Gerader Verbinder 150"/>
+          <p:cNvCxnSpPr>
+            <a:stCxn id="217" idx="7"/>
+            <a:endCxn id="232" idx="7"/>
+          </p:cNvCxnSpPr>
+          <p:nvPr/>
+        </p:nvCxnSpPr>
+        <p:spPr>
+          <a:xfrm>
+            <a:off x="8504172" y="1743234"/>
+            <a:ext cx="655879" cy="899321"/>
+          </a:xfrm>
+          <a:prstGeom prst="line">
+            <a:avLst/>
+          </a:prstGeom>
+          <a:ln>
+            <a:solidFill>
+              <a:schemeClr val="accent6"/>
+            </a:solidFill>
+            <a:prstDash val="sysDot"/>
+          </a:ln>
+        </p:spPr>
+        <p:style>
+          <a:lnRef idx="1">
+            <a:schemeClr val="accent1"/>
+          </a:lnRef>
+          <a:fillRef idx="0">
+            <a:schemeClr val="accent1"/>
+          </a:fillRef>
+          <a:effectRef idx="0">
+            <a:schemeClr val="accent1"/>
+          </a:effectRef>
+          <a:fontRef idx="minor">
+            <a:schemeClr val="tx1"/>
+          </a:fontRef>
+        </p:style>
+      </p:cxnSp>
+      <p:cxnSp>
+        <p:nvCxnSpPr>
+          <p:cNvPr id="156" name="Gerader Verbinder 155"/>
+          <p:cNvCxnSpPr>
+            <a:stCxn id="244" idx="6"/>
+            <a:endCxn id="252" idx="6"/>
+          </p:cNvCxnSpPr>
+          <p:nvPr/>
+        </p:nvCxnSpPr>
+        <p:spPr>
+          <a:xfrm flipH="1">
+            <a:off x="7903558" y="3864824"/>
+            <a:ext cx="7611" cy="1195288"/>
+          </a:xfrm>
+          <a:prstGeom prst="line">
+            <a:avLst/>
+          </a:prstGeom>
+          <a:ln>
+            <a:solidFill>
+              <a:schemeClr val="accent6"/>
+            </a:solidFill>
+            <a:prstDash val="sysDot"/>
+          </a:ln>
+        </p:spPr>
+        <p:style>
+          <a:lnRef idx="1">
+            <a:schemeClr val="accent1"/>
+          </a:lnRef>
+          <a:fillRef idx="0">
+            <a:schemeClr val="accent1"/>
+          </a:fillRef>
+          <a:effectRef idx="0">
+            <a:schemeClr val="accent1"/>
+          </a:effectRef>
+          <a:fontRef idx="minor">
+            <a:schemeClr val="tx1"/>
+          </a:fontRef>
+        </p:style>
+      </p:cxnSp>
+      <p:cxnSp>
+        <p:nvCxnSpPr>
+          <p:cNvPr id="157" name="Gerader Verbinder 156"/>
+          <p:cNvCxnSpPr>
+            <a:stCxn id="244" idx="2"/>
+            <a:endCxn id="252" idx="2"/>
+          </p:cNvCxnSpPr>
+          <p:nvPr/>
+        </p:nvCxnSpPr>
+        <p:spPr>
+          <a:xfrm flipH="1">
+            <a:off x="7788791" y="3864824"/>
+            <a:ext cx="7611" cy="1195288"/>
+          </a:xfrm>
+          <a:prstGeom prst="line">
+            <a:avLst/>
+          </a:prstGeom>
+          <a:ln>
+            <a:solidFill>
+              <a:schemeClr val="accent6"/>
+            </a:solidFill>
+            <a:prstDash val="sysDot"/>
+          </a:ln>
+        </p:spPr>
+        <p:style>
+          <a:lnRef idx="1">
+            <a:schemeClr val="accent1"/>
+          </a:lnRef>
+          <a:fillRef idx="0">
+            <a:schemeClr val="accent1"/>
+          </a:fillRef>
+          <a:effectRef idx="0">
+            <a:schemeClr val="accent1"/>
+          </a:effectRef>
+          <a:fontRef idx="minor">
+            <a:schemeClr val="tx1"/>
+          </a:fontRef>
+        </p:style>
+      </p:cxnSp>
+      <p:cxnSp>
+        <p:nvCxnSpPr>
+          <p:cNvPr id="163" name="Gerader Verbinder 162"/>
+          <p:cNvCxnSpPr>
+            <a:stCxn id="254" idx="6"/>
+            <a:endCxn id="258" idx="6"/>
+          </p:cNvCxnSpPr>
+          <p:nvPr/>
+        </p:nvCxnSpPr>
+        <p:spPr>
+          <a:xfrm flipH="1">
+            <a:off x="9176742" y="5662911"/>
+            <a:ext cx="116" cy="588170"/>
+          </a:xfrm>
+          <a:prstGeom prst="line">
+            <a:avLst/>
+          </a:prstGeom>
+          <a:ln>
+            <a:solidFill>
+              <a:schemeClr val="accent6"/>
+            </a:solidFill>
+            <a:prstDash val="sysDot"/>
+          </a:ln>
+        </p:spPr>
+        <p:style>
+          <a:lnRef idx="1">
+            <a:schemeClr val="accent1"/>
+          </a:lnRef>
+          <a:fillRef idx="0">
+            <a:schemeClr val="accent1"/>
+          </a:fillRef>
+          <a:effectRef idx="0">
+            <a:schemeClr val="accent1"/>
+          </a:effectRef>
+          <a:fontRef idx="minor">
+            <a:schemeClr val="tx1"/>
+          </a:fontRef>
+        </p:style>
+      </p:cxnSp>
+      <p:cxnSp>
+        <p:nvCxnSpPr>
+          <p:cNvPr id="164" name="Gerader Verbinder 163"/>
+          <p:cNvCxnSpPr>
+            <a:stCxn id="254" idx="2"/>
+            <a:endCxn id="258" idx="2"/>
+          </p:cNvCxnSpPr>
+          <p:nvPr/>
+        </p:nvCxnSpPr>
+        <p:spPr>
+          <a:xfrm flipH="1">
+            <a:off x="9061975" y="5662911"/>
+            <a:ext cx="116" cy="588170"/>
+          </a:xfrm>
+          <a:prstGeom prst="line">
+            <a:avLst/>
+          </a:prstGeom>
+          <a:ln>
+            <a:solidFill>
+              <a:schemeClr val="accent6"/>
+            </a:solidFill>
+            <a:prstDash val="sysDot"/>
+          </a:ln>
+        </p:spPr>
+        <p:style>
+          <a:lnRef idx="1">
+            <a:schemeClr val="accent1"/>
+          </a:lnRef>
+          <a:fillRef idx="0">
+            <a:schemeClr val="accent1"/>
+          </a:fillRef>
+          <a:effectRef idx="0">
+            <a:schemeClr val="accent1"/>
+          </a:effectRef>
+          <a:fontRef idx="minor">
+            <a:schemeClr val="tx1"/>
+          </a:fontRef>
+        </p:style>
+      </p:cxnSp>
+      <p:cxnSp>
+        <p:nvCxnSpPr>
+          <p:cNvPr id="172" name="Gerader Verbinder 171"/>
+          <p:cNvCxnSpPr/>
+          <p:nvPr/>
+        </p:nvCxnSpPr>
+        <p:spPr>
+          <a:xfrm flipH="1">
+            <a:off x="7805598" y="2077992"/>
+            <a:ext cx="11401" cy="593238"/>
+          </a:xfrm>
+          <a:prstGeom prst="line">
+            <a:avLst/>
+          </a:prstGeom>
+          <a:ln>
+            <a:solidFill>
+              <a:schemeClr val="accent1"/>
+            </a:solidFill>
+            <a:prstDash val="sysDot"/>
+          </a:ln>
+        </p:spPr>
+        <p:style>
+          <a:lnRef idx="1">
+            <a:schemeClr val="accent1"/>
+          </a:lnRef>
+          <a:fillRef idx="0">
+            <a:schemeClr val="accent1"/>
+          </a:fillRef>
+          <a:effectRef idx="0">
+            <a:schemeClr val="accent1"/>
+          </a:effectRef>
+          <a:fontRef idx="minor">
+            <a:schemeClr val="tx1"/>
+          </a:fontRef>
+        </p:style>
+      </p:cxnSp>
+      <p:cxnSp>
+        <p:nvCxnSpPr>
+          <p:cNvPr id="173" name="Gerader Verbinder 172"/>
+          <p:cNvCxnSpPr/>
+          <p:nvPr/>
+        </p:nvCxnSpPr>
+        <p:spPr>
+          <a:xfrm flipH="1">
+            <a:off x="7920365" y="2077992"/>
+            <a:ext cx="11401" cy="593238"/>
+          </a:xfrm>
+          <a:prstGeom prst="line">
+            <a:avLst/>
+          </a:prstGeom>
+          <a:ln>
+            <a:solidFill>
+              <a:schemeClr val="accent1"/>
+            </a:solidFill>
+            <a:prstDash val="sysDot"/>
+          </a:ln>
+        </p:spPr>
+        <p:style>
+          <a:lnRef idx="1">
+            <a:schemeClr val="accent1"/>
+          </a:lnRef>
+          <a:fillRef idx="0">
+            <a:schemeClr val="accent1"/>
+          </a:fillRef>
+          <a:effectRef idx="0">
+            <a:schemeClr val="accent1"/>
+          </a:effectRef>
+          <a:fontRef idx="minor">
+            <a:schemeClr val="tx1"/>
+          </a:fontRef>
+        </p:style>
+      </p:cxnSp>
+      <p:cxnSp>
+        <p:nvCxnSpPr>
+          <p:cNvPr id="174" name="Gerader Verbinder 173"/>
+          <p:cNvCxnSpPr>
+            <a:stCxn id="242" idx="3"/>
+            <a:endCxn id="240" idx="3"/>
+          </p:cNvCxnSpPr>
+          <p:nvPr/>
+        </p:nvCxnSpPr>
+        <p:spPr>
+          <a:xfrm flipH="1" flipV="1">
+            <a:off x="7811944" y="3309814"/>
+            <a:ext cx="1256817" cy="602717"/>
+          </a:xfrm>
+          <a:prstGeom prst="line">
+            <a:avLst/>
+          </a:prstGeom>
+          <a:ln>
+            <a:solidFill>
+              <a:schemeClr val="accent1"/>
+            </a:solidFill>
+            <a:prstDash val="sysDot"/>
+          </a:ln>
+        </p:spPr>
+        <p:style>
+          <a:lnRef idx="1">
+            <a:schemeClr val="accent1"/>
+          </a:lnRef>
+          <a:fillRef idx="0">
+            <a:schemeClr val="accent1"/>
+          </a:fillRef>
+          <a:effectRef idx="0">
+            <a:schemeClr val="accent1"/>
+          </a:effectRef>
+          <a:fontRef idx="minor">
+            <a:schemeClr val="tx1"/>
+          </a:fontRef>
+        </p:style>
+      </p:cxnSp>
+      <p:cxnSp>
+        <p:nvCxnSpPr>
+          <p:cNvPr id="175" name="Gerader Verbinder 174"/>
+          <p:cNvCxnSpPr>
+            <a:stCxn id="240" idx="7"/>
+            <a:endCxn id="242" idx="7"/>
+          </p:cNvCxnSpPr>
+          <p:nvPr/>
+        </p:nvCxnSpPr>
+        <p:spPr>
+          <a:xfrm>
+            <a:off x="7893097" y="3228661"/>
+            <a:ext cx="1256817" cy="602717"/>
+          </a:xfrm>
+          <a:prstGeom prst="line">
+            <a:avLst/>
+          </a:prstGeom>
+          <a:ln>
+            <a:solidFill>
+              <a:schemeClr val="accent1"/>
+            </a:solidFill>
+            <a:prstDash val="sysDot"/>
+          </a:ln>
+        </p:spPr>
+        <p:style>
+          <a:lnRef idx="1">
+            <a:schemeClr val="accent1"/>
+          </a:lnRef>
+          <a:fillRef idx="0">
+            <a:schemeClr val="accent1"/>
+          </a:fillRef>
+          <a:effectRef idx="0">
+            <a:schemeClr val="accent1"/>
+          </a:effectRef>
+          <a:fontRef idx="minor">
+            <a:schemeClr val="tx1"/>
+          </a:fontRef>
+        </p:style>
+      </p:cxnSp>
+      <p:cxnSp>
+        <p:nvCxnSpPr>
+          <p:cNvPr id="182" name="Gerader Verbinder 181"/>
+          <p:cNvCxnSpPr>
+            <a:stCxn id="257" idx="6"/>
+            <a:endCxn id="249" idx="6"/>
+          </p:cNvCxnSpPr>
+          <p:nvPr/>
+        </p:nvCxnSpPr>
+        <p:spPr>
+          <a:xfrm flipH="1" flipV="1">
+            <a:off x="9758195" y="4769482"/>
+            <a:ext cx="17632" cy="1183837"/>
+          </a:xfrm>
+          <a:prstGeom prst="line">
+            <a:avLst/>
+          </a:prstGeom>
+          <a:ln>
+            <a:solidFill>
+              <a:schemeClr val="accent1"/>
+            </a:solidFill>
+            <a:prstDash val="sysDot"/>
+          </a:ln>
+        </p:spPr>
+        <p:style>
+          <a:lnRef idx="1">
+            <a:schemeClr val="accent1"/>
+          </a:lnRef>
+          <a:fillRef idx="0">
+            <a:schemeClr val="accent1"/>
+          </a:fillRef>
+          <a:effectRef idx="0">
+            <a:schemeClr val="accent1"/>
+          </a:effectRef>
+          <a:fontRef idx="minor">
+            <a:schemeClr val="tx1"/>
+          </a:fontRef>
+        </p:style>
+      </p:cxnSp>
+      <p:cxnSp>
+        <p:nvCxnSpPr>
+          <p:cNvPr id="183" name="Gerader Verbinder 182"/>
+          <p:cNvCxnSpPr>
+            <a:stCxn id="257" idx="2"/>
+            <a:endCxn id="249" idx="2"/>
+          </p:cNvCxnSpPr>
+          <p:nvPr/>
+        </p:nvCxnSpPr>
+        <p:spPr>
+          <a:xfrm flipH="1" flipV="1">
+            <a:off x="9643428" y="4769482"/>
+            <a:ext cx="17632" cy="1183837"/>
+          </a:xfrm>
+          <a:prstGeom prst="line">
+            <a:avLst/>
+          </a:prstGeom>
+          <a:ln>
+            <a:solidFill>
+              <a:schemeClr val="accent1"/>
+            </a:solidFill>
+            <a:prstDash val="sysDot"/>
+          </a:ln>
+        </p:spPr>
+        <p:style>
+          <a:lnRef idx="1">
+            <a:schemeClr val="accent1"/>
+          </a:lnRef>
+          <a:fillRef idx="0">
+            <a:schemeClr val="accent1"/>
+          </a:fillRef>
+          <a:effectRef idx="0">
+            <a:schemeClr val="accent1"/>
+          </a:effectRef>
+          <a:fontRef idx="minor">
+            <a:schemeClr val="tx1"/>
+          </a:fontRef>
+        </p:style>
+      </p:cxnSp>
+      <p:cxnSp>
+        <p:nvCxnSpPr>
+          <p:cNvPr id="188" name="Gerader Verbinder 187"/>
+          <p:cNvCxnSpPr>
+            <a:stCxn id="184" idx="2"/>
+            <a:endCxn id="236" idx="2"/>
+          </p:cNvCxnSpPr>
+          <p:nvPr/>
+        </p:nvCxnSpPr>
+        <p:spPr>
+          <a:xfrm flipH="1">
+            <a:off x="9649774" y="1787632"/>
+            <a:ext cx="2417" cy="1190976"/>
+          </a:xfrm>
+          <a:prstGeom prst="line">
+            <a:avLst/>
+          </a:prstGeom>
+          <a:ln>
+            <a:solidFill>
+              <a:srgbClr val="FF0000"/>
+            </a:solidFill>
+            <a:prstDash val="sysDot"/>
+          </a:ln>
+        </p:spPr>
+        <p:style>
+          <a:lnRef idx="1">
+            <a:schemeClr val="accent1"/>
+          </a:lnRef>
+          <a:fillRef idx="0">
+            <a:schemeClr val="accent1"/>
+          </a:fillRef>
+          <a:effectRef idx="0">
+            <a:schemeClr val="accent1"/>
+          </a:effectRef>
+          <a:fontRef idx="minor">
+            <a:schemeClr val="tx1"/>
+          </a:fontRef>
+        </p:style>
+      </p:cxnSp>
+      <p:cxnSp>
+        <p:nvCxnSpPr>
+          <p:cNvPr id="191" name="Gerader Verbinder 190"/>
+          <p:cNvCxnSpPr>
+            <a:stCxn id="184" idx="6"/>
+            <a:endCxn id="236" idx="6"/>
+          </p:cNvCxnSpPr>
+          <p:nvPr/>
+        </p:nvCxnSpPr>
+        <p:spPr>
+          <a:xfrm flipH="1">
+            <a:off x="9764541" y="1787632"/>
+            <a:ext cx="2417" cy="1190976"/>
+          </a:xfrm>
+          <a:prstGeom prst="line">
+            <a:avLst/>
+          </a:prstGeom>
+          <a:ln>
+            <a:solidFill>
+              <a:srgbClr val="FF0000"/>
+            </a:solidFill>
+            <a:prstDash val="sysDot"/>
+          </a:ln>
+        </p:spPr>
+        <p:style>
+          <a:lnRef idx="1">
+            <a:schemeClr val="accent1"/>
+          </a:lnRef>
+          <a:fillRef idx="0">
+            <a:schemeClr val="accent1"/>
+          </a:fillRef>
+          <a:effectRef idx="0">
+            <a:schemeClr val="accent1"/>
+          </a:effectRef>
+          <a:fontRef idx="minor">
+            <a:schemeClr val="tx1"/>
+          </a:fontRef>
+        </p:style>
+      </p:cxnSp>
+      <p:cxnSp>
+        <p:nvCxnSpPr>
+          <p:cNvPr id="205" name="Gerader Verbinder 204"/>
+          <p:cNvCxnSpPr>
+            <a:stCxn id="247" idx="2"/>
+          </p:cNvCxnSpPr>
+          <p:nvPr/>
+        </p:nvCxnSpPr>
+        <p:spPr>
+          <a:xfrm flipH="1">
+            <a:off x="8400228" y="4165958"/>
+            <a:ext cx="4832" cy="616077"/>
+          </a:xfrm>
+          <a:prstGeom prst="line">
+            <a:avLst/>
+          </a:prstGeom>
+          <a:ln>
+            <a:solidFill>
+              <a:srgbClr val="FF0000"/>
+            </a:solidFill>
+            <a:prstDash val="sysDot"/>
+          </a:ln>
+        </p:spPr>
+        <p:style>
+          <a:lnRef idx="1">
+            <a:schemeClr val="accent1"/>
+          </a:lnRef>
+          <a:fillRef idx="0">
+            <a:schemeClr val="accent1"/>
+          </a:fillRef>
+          <a:effectRef idx="0">
+            <a:schemeClr val="accent1"/>
+          </a:effectRef>
+          <a:fontRef idx="minor">
+            <a:schemeClr val="tx1"/>
+          </a:fontRef>
+        </p:style>
+      </p:cxnSp>
+      <p:cxnSp>
+        <p:nvCxnSpPr>
+          <p:cNvPr id="209" name="Gerader Verbinder 208"/>
+          <p:cNvCxnSpPr>
+            <a:stCxn id="247" idx="6"/>
+          </p:cNvCxnSpPr>
+          <p:nvPr/>
+        </p:nvCxnSpPr>
+        <p:spPr>
+          <a:xfrm flipH="1">
+            <a:off x="8514995" y="4165958"/>
+            <a:ext cx="4832" cy="616077"/>
+          </a:xfrm>
+          <a:prstGeom prst="line">
+            <a:avLst/>
+          </a:prstGeom>
+          <a:ln>
+            <a:solidFill>
+              <a:srgbClr val="FF0000"/>
+            </a:solidFill>
+            <a:prstDash val="sysDot"/>
+          </a:ln>
+        </p:spPr>
+        <p:style>
+          <a:lnRef idx="1">
+            <a:schemeClr val="accent1"/>
+          </a:lnRef>
+          <a:fillRef idx="0">
+            <a:schemeClr val="accent1"/>
+          </a:fillRef>
+          <a:effectRef idx="0">
+            <a:schemeClr val="accent1"/>
+          </a:effectRef>
+          <a:fontRef idx="minor">
+            <a:schemeClr val="tx1"/>
+          </a:fontRef>
+        </p:style>
+      </p:cxnSp>
+      <p:cxnSp>
+        <p:nvCxnSpPr>
+          <p:cNvPr id="210" name="Gerader Verbinder 209"/>
+          <p:cNvCxnSpPr>
+            <a:stCxn id="250" idx="2"/>
+            <a:endCxn id="259" idx="1"/>
+          </p:cNvCxnSpPr>
+          <p:nvPr/>
+        </p:nvCxnSpPr>
+        <p:spPr>
+          <a:xfrm flipH="1">
+            <a:off x="8431888" y="5067244"/>
+            <a:ext cx="612455" cy="841677"/>
+          </a:xfrm>
+          <a:prstGeom prst="line">
+            <a:avLst/>
+          </a:prstGeom>
+          <a:ln>
+            <a:solidFill>
+              <a:srgbClr val="FF0000"/>
+            </a:solidFill>
+            <a:prstDash val="sysDot"/>
+          </a:ln>
+        </p:spPr>
+        <p:style>
+          <a:lnRef idx="1">
+            <a:schemeClr val="accent1"/>
+          </a:lnRef>
+          <a:fillRef idx="0">
+            <a:schemeClr val="accent1"/>
+          </a:fillRef>
+          <a:effectRef idx="0">
+            <a:schemeClr val="accent1"/>
+          </a:effectRef>
+          <a:fontRef idx="minor">
+            <a:schemeClr val="tx1"/>
+          </a:fontRef>
+        </p:style>
+      </p:cxnSp>
+      <p:cxnSp>
+        <p:nvCxnSpPr>
+          <p:cNvPr id="212" name="Gerader Verbinder 211"/>
+          <p:cNvCxnSpPr>
+            <a:stCxn id="250" idx="5"/>
+            <a:endCxn id="259" idx="5"/>
+          </p:cNvCxnSpPr>
+          <p:nvPr/>
+        </p:nvCxnSpPr>
+        <p:spPr>
+          <a:xfrm flipH="1">
+            <a:off x="8513041" y="5107820"/>
+            <a:ext cx="629262" cy="882254"/>
+          </a:xfrm>
+          <a:prstGeom prst="line">
+            <a:avLst/>
+          </a:prstGeom>
+          <a:ln>
+            <a:solidFill>
+              <a:srgbClr val="FF0000"/>
+            </a:solidFill>
+            <a:prstDash val="sysDot"/>
+          </a:ln>
+        </p:spPr>
+        <p:style>
+          <a:lnRef idx="1">
+            <a:schemeClr val="accent1"/>
+          </a:lnRef>
+          <a:fillRef idx="0">
+            <a:schemeClr val="accent1"/>
+          </a:fillRef>
+          <a:effectRef idx="0">
+            <a:schemeClr val="accent1"/>
+          </a:effectRef>
+          <a:fontRef idx="minor">
+            <a:schemeClr val="tx1"/>
+          </a:fontRef>
+        </p:style>
+      </p:cxnSp>
+      <p:sp>
+        <p:nvSpPr>
+          <p:cNvPr id="399" name="TextBox 54"/>
+          <p:cNvSpPr txBox="1"/>
+          <p:nvPr/>
+        </p:nvSpPr>
+        <p:spPr>
+          <a:xfrm>
+            <a:off x="7044819" y="1656712"/>
+            <a:ext cx="312081" cy="289719"/>
+          </a:xfrm>
+          <a:prstGeom prst="rect">
+            <a:avLst/>
+          </a:prstGeom>
+          <a:noFill/>
+        </p:spPr>
+        <p:txBody>
+          <a:bodyPr wrap="square" rtlCol="0">
+            <a:spAutoFit/>
+          </a:bodyPr>
+          <a:lstStyle/>
+          <a:p>
+            <a:pPr algn="ctr"/>
+            <a:r>
+              <a:rPr lang="de-DE" sz="900" dirty="0"/>
+              <a:t>1</a:t>
+            </a:r>
+            <a:endParaRPr lang="en-US" sz="900" dirty="0"/>
+          </a:p>
+        </p:txBody>
+      </p:sp>
+      <p:sp>
+        <p:nvSpPr>
+          <p:cNvPr id="400" name="TextBox 54"/>
+          <p:cNvSpPr txBox="1"/>
+          <p:nvPr/>
+        </p:nvSpPr>
+        <p:spPr>
+          <a:xfrm>
+            <a:off x="7044819" y="1931271"/>
+            <a:ext cx="312081" cy="289719"/>
+          </a:xfrm>
+          <a:prstGeom prst="rect">
+            <a:avLst/>
+          </a:prstGeom>
+          <a:noFill/>
+        </p:spPr>
+        <p:txBody>
+          <a:bodyPr wrap="square" rtlCol="0">
+            <a:spAutoFit/>
+          </a:bodyPr>
+          <a:lstStyle/>
+          <a:p>
+            <a:pPr algn="ctr"/>
+            <a:r>
+              <a:rPr lang="de-DE" sz="900" dirty="0"/>
+              <a:t>2</a:t>
+            </a:r>
+            <a:endParaRPr lang="en-US" sz="900" dirty="0"/>
+          </a:p>
+        </p:txBody>
+      </p:sp>
+      <p:sp>
+        <p:nvSpPr>
+          <p:cNvPr id="401" name="TextBox 54"/>
+          <p:cNvSpPr txBox="1"/>
+          <p:nvPr/>
+        </p:nvSpPr>
+        <p:spPr>
+          <a:xfrm>
+            <a:off x="7044819" y="2225860"/>
+            <a:ext cx="312081" cy="289719"/>
+          </a:xfrm>
+          <a:prstGeom prst="rect">
+            <a:avLst/>
+          </a:prstGeom>
+          <a:noFill/>
+        </p:spPr>
+        <p:txBody>
+          <a:bodyPr wrap="square" rtlCol="0">
+            <a:spAutoFit/>
+          </a:bodyPr>
+          <a:lstStyle/>
+          <a:p>
+            <a:pPr algn="ctr"/>
+            <a:r>
+              <a:rPr lang="de-DE" sz="900" dirty="0"/>
+              <a:t>3</a:t>
+            </a:r>
+            <a:endParaRPr lang="en-US" sz="900" dirty="0"/>
+          </a:p>
+        </p:txBody>
+      </p:sp>
+      <p:sp>
+        <p:nvSpPr>
+          <p:cNvPr id="402" name="TextBox 54"/>
+          <p:cNvSpPr txBox="1"/>
+          <p:nvPr/>
+        </p:nvSpPr>
+        <p:spPr>
+          <a:xfrm>
+            <a:off x="7044819" y="2568292"/>
+            <a:ext cx="312081" cy="289719"/>
+          </a:xfrm>
+          <a:prstGeom prst="rect">
+            <a:avLst/>
+          </a:prstGeom>
+          <a:noFill/>
+        </p:spPr>
+        <p:txBody>
+          <a:bodyPr wrap="square" rtlCol="0">
+            <a:spAutoFit/>
+          </a:bodyPr>
+          <a:lstStyle/>
+          <a:p>
+            <a:pPr algn="ctr"/>
+            <a:r>
+              <a:rPr lang="de-DE" sz="900" dirty="0"/>
+              <a:t>4</a:t>
+            </a:r>
+            <a:endParaRPr lang="en-US" sz="900" dirty="0"/>
+          </a:p>
+        </p:txBody>
+      </p:sp>
+      <p:sp>
+        <p:nvSpPr>
+          <p:cNvPr id="403" name="TextBox 54"/>
+          <p:cNvSpPr txBox="1"/>
+          <p:nvPr/>
+        </p:nvSpPr>
+        <p:spPr>
+          <a:xfrm>
+            <a:off x="6978572" y="6113837"/>
+            <a:ext cx="444574" cy="289719"/>
+          </a:xfrm>
+          <a:prstGeom prst="rect">
+            <a:avLst/>
+          </a:prstGeom>
+          <a:noFill/>
+        </p:spPr>
+        <p:txBody>
+          <a:bodyPr wrap="square" rtlCol="0">
+            <a:spAutoFit/>
+          </a:bodyPr>
+          <a:lstStyle/>
+          <a:p>
+            <a:pPr algn="ctr"/>
+            <a:r>
+              <a:rPr lang="de-DE" sz="900" dirty="0"/>
+              <a:t>16</a:t>
+            </a:r>
+            <a:endParaRPr lang="en-US" sz="900" dirty="0"/>
+          </a:p>
+        </p:txBody>
+      </p:sp>
+      <p:sp>
+        <p:nvSpPr>
+          <p:cNvPr id="404" name="TextBox 54"/>
+          <p:cNvSpPr txBox="1"/>
+          <p:nvPr/>
+        </p:nvSpPr>
+        <p:spPr>
+          <a:xfrm>
+            <a:off x="7044819" y="2846241"/>
+            <a:ext cx="312081" cy="289719"/>
+          </a:xfrm>
+          <a:prstGeom prst="rect">
+            <a:avLst/>
+          </a:prstGeom>
+          <a:noFill/>
+        </p:spPr>
+        <p:txBody>
+          <a:bodyPr wrap="square" rtlCol="0">
+            <a:spAutoFit/>
+          </a:bodyPr>
+          <a:lstStyle/>
+          <a:p>
+            <a:pPr algn="ctr"/>
+            <a:r>
+              <a:rPr lang="de-DE" sz="900" dirty="0"/>
+              <a:t>5</a:t>
+            </a:r>
+            <a:endParaRPr lang="en-US" sz="900" dirty="0"/>
+          </a:p>
+        </p:txBody>
+      </p:sp>
+      <p:sp>
+        <p:nvSpPr>
+          <p:cNvPr id="405" name="TextBox 54"/>
+          <p:cNvSpPr txBox="1"/>
+          <p:nvPr/>
+        </p:nvSpPr>
+        <p:spPr>
+          <a:xfrm>
+            <a:off x="7044819" y="3155882"/>
+            <a:ext cx="312081" cy="289719"/>
+          </a:xfrm>
+          <a:prstGeom prst="rect">
+            <a:avLst/>
+          </a:prstGeom>
+          <a:noFill/>
+        </p:spPr>
+        <p:txBody>
+          <a:bodyPr wrap="square" rtlCol="0">
+            <a:spAutoFit/>
+          </a:bodyPr>
+          <a:lstStyle/>
+          <a:p>
+            <a:pPr algn="ctr"/>
+            <a:r>
+              <a:rPr lang="de-DE" sz="900" dirty="0"/>
+              <a:t>6</a:t>
+            </a:r>
+            <a:endParaRPr lang="en-US" sz="900" dirty="0"/>
+          </a:p>
+        </p:txBody>
+      </p:sp>
+      <p:sp>
+        <p:nvSpPr>
+          <p:cNvPr id="406" name="TextBox 54"/>
+          <p:cNvSpPr txBox="1"/>
+          <p:nvPr/>
+        </p:nvSpPr>
+        <p:spPr>
+          <a:xfrm>
+            <a:off x="7044819" y="3437141"/>
+            <a:ext cx="312081" cy="289719"/>
+          </a:xfrm>
+          <a:prstGeom prst="rect">
+            <a:avLst/>
+          </a:prstGeom>
+          <a:noFill/>
+        </p:spPr>
+        <p:txBody>
+          <a:bodyPr wrap="square" rtlCol="0">
+            <a:spAutoFit/>
+          </a:bodyPr>
+          <a:lstStyle/>
+          <a:p>
+            <a:pPr algn="ctr"/>
+            <a:r>
+              <a:rPr lang="de-DE" sz="900" dirty="0"/>
+              <a:t>7</a:t>
+            </a:r>
+            <a:endParaRPr lang="en-US" sz="900" dirty="0"/>
+          </a:p>
+        </p:txBody>
+      </p:sp>
+      <p:sp>
+        <p:nvSpPr>
+          <p:cNvPr id="407" name="TextBox 54"/>
+          <p:cNvSpPr txBox="1"/>
+          <p:nvPr/>
+        </p:nvSpPr>
+        <p:spPr>
+          <a:xfrm>
+            <a:off x="7044819" y="3750431"/>
+            <a:ext cx="312081" cy="289719"/>
+          </a:xfrm>
+          <a:prstGeom prst="rect">
+            <a:avLst/>
+          </a:prstGeom>
+          <a:noFill/>
+        </p:spPr>
+        <p:txBody>
+          <a:bodyPr wrap="square" rtlCol="0">
+            <a:spAutoFit/>
+          </a:bodyPr>
+          <a:lstStyle/>
+          <a:p>
+            <a:pPr algn="ctr"/>
+            <a:r>
+              <a:rPr lang="de-DE" sz="900" dirty="0"/>
+              <a:t>8</a:t>
+            </a:r>
+            <a:endParaRPr lang="en-US" sz="900" dirty="0"/>
+          </a:p>
+        </p:txBody>
+      </p:sp>
+      <p:sp>
+        <p:nvSpPr>
+          <p:cNvPr id="408" name="TextBox 54"/>
+          <p:cNvSpPr txBox="1"/>
+          <p:nvPr/>
+        </p:nvSpPr>
+        <p:spPr>
+          <a:xfrm>
+            <a:off x="7044819" y="4027429"/>
+            <a:ext cx="312081" cy="289719"/>
+          </a:xfrm>
+          <a:prstGeom prst="rect">
+            <a:avLst/>
+          </a:prstGeom>
+          <a:noFill/>
+        </p:spPr>
+        <p:txBody>
+          <a:bodyPr wrap="square" rtlCol="0">
+            <a:spAutoFit/>
+          </a:bodyPr>
+          <a:lstStyle/>
+          <a:p>
+            <a:pPr algn="ctr"/>
+            <a:r>
+              <a:rPr lang="de-DE" sz="900" dirty="0"/>
+              <a:t>9</a:t>
+            </a:r>
+            <a:endParaRPr lang="en-US" sz="900" dirty="0"/>
+          </a:p>
+        </p:txBody>
+      </p:sp>
+      <p:sp>
+        <p:nvSpPr>
+          <p:cNvPr id="409" name="TextBox 54"/>
+          <p:cNvSpPr txBox="1"/>
+          <p:nvPr/>
+        </p:nvSpPr>
+        <p:spPr>
+          <a:xfrm>
+            <a:off x="7000902" y="4326839"/>
+            <a:ext cx="399915" cy="289719"/>
+          </a:xfrm>
+          <a:prstGeom prst="rect">
+            <a:avLst/>
+          </a:prstGeom>
+          <a:noFill/>
+        </p:spPr>
+        <p:txBody>
+          <a:bodyPr wrap="square" rtlCol="0">
+            <a:spAutoFit/>
+          </a:bodyPr>
+          <a:lstStyle/>
+          <a:p>
+            <a:pPr algn="ctr"/>
+            <a:r>
+              <a:rPr lang="de-DE" sz="900" dirty="0"/>
+              <a:t>10</a:t>
+            </a:r>
+            <a:endParaRPr lang="en-US" sz="900" dirty="0"/>
+          </a:p>
+        </p:txBody>
+      </p:sp>
+      <p:sp>
+        <p:nvSpPr>
+          <p:cNvPr id="410" name="TextBox 54"/>
+          <p:cNvSpPr txBox="1"/>
+          <p:nvPr/>
+        </p:nvSpPr>
+        <p:spPr>
+          <a:xfrm>
+            <a:off x="7000902" y="4637848"/>
+            <a:ext cx="399915" cy="289719"/>
+          </a:xfrm>
+          <a:prstGeom prst="rect">
+            <a:avLst/>
+          </a:prstGeom>
+          <a:noFill/>
+        </p:spPr>
+        <p:txBody>
+          <a:bodyPr wrap="square" rtlCol="0">
+            <a:spAutoFit/>
+          </a:bodyPr>
+          <a:lstStyle/>
+          <a:p>
+            <a:pPr algn="ctr"/>
+            <a:r>
+              <a:rPr lang="de-DE" sz="900" dirty="0"/>
+              <a:t>11</a:t>
+            </a:r>
+            <a:endParaRPr lang="en-US" sz="900" dirty="0"/>
+          </a:p>
+        </p:txBody>
+      </p:sp>
+      <p:sp>
+        <p:nvSpPr>
+          <p:cNvPr id="411" name="TextBox 54"/>
+          <p:cNvSpPr txBox="1"/>
+          <p:nvPr/>
+        </p:nvSpPr>
+        <p:spPr>
+          <a:xfrm>
+            <a:off x="6986597" y="4923690"/>
+            <a:ext cx="428524" cy="289719"/>
+          </a:xfrm>
+          <a:prstGeom prst="rect">
+            <a:avLst/>
+          </a:prstGeom>
+          <a:noFill/>
+        </p:spPr>
+        <p:txBody>
+          <a:bodyPr wrap="square" rtlCol="0">
+            <a:spAutoFit/>
+          </a:bodyPr>
+          <a:lstStyle/>
+          <a:p>
+            <a:pPr algn="ctr"/>
+            <a:r>
+              <a:rPr lang="de-DE" sz="900" dirty="0"/>
+              <a:t>12</a:t>
+            </a:r>
+            <a:endParaRPr lang="en-US" sz="900" dirty="0"/>
+          </a:p>
+        </p:txBody>
+      </p:sp>
+      <p:sp>
+        <p:nvSpPr>
+          <p:cNvPr id="412" name="TextBox 54"/>
+          <p:cNvSpPr txBox="1"/>
+          <p:nvPr/>
+        </p:nvSpPr>
+        <p:spPr>
+          <a:xfrm>
+            <a:off x="6944407" y="5220338"/>
+            <a:ext cx="512906" cy="289719"/>
+          </a:xfrm>
+          <a:prstGeom prst="rect">
+            <a:avLst/>
+          </a:prstGeom>
+          <a:noFill/>
+        </p:spPr>
+        <p:txBody>
+          <a:bodyPr wrap="square" rtlCol="0">
+            <a:spAutoFit/>
+          </a:bodyPr>
+          <a:lstStyle/>
+          <a:p>
+            <a:pPr algn="ctr"/>
+            <a:r>
+              <a:rPr lang="de-DE" sz="900" dirty="0"/>
+              <a:t>13</a:t>
+            </a:r>
+            <a:endParaRPr lang="en-US" sz="900" dirty="0"/>
+          </a:p>
+        </p:txBody>
+      </p:sp>
+      <p:sp>
+        <p:nvSpPr>
+          <p:cNvPr id="413" name="TextBox 54"/>
+          <p:cNvSpPr txBox="1"/>
+          <p:nvPr/>
+        </p:nvSpPr>
+        <p:spPr>
+          <a:xfrm>
+            <a:off x="6944407" y="5522184"/>
+            <a:ext cx="512906" cy="289719"/>
+          </a:xfrm>
+          <a:prstGeom prst="rect">
+            <a:avLst/>
+          </a:prstGeom>
+          <a:noFill/>
+        </p:spPr>
+        <p:txBody>
+          <a:bodyPr wrap="square" rtlCol="0">
+            <a:spAutoFit/>
+          </a:bodyPr>
+          <a:lstStyle/>
+          <a:p>
+            <a:pPr algn="ctr"/>
+            <a:r>
+              <a:rPr lang="de-DE" sz="900" dirty="0"/>
+              <a:t>14</a:t>
+            </a:r>
+            <a:endParaRPr lang="en-US" sz="900" dirty="0"/>
+          </a:p>
+        </p:txBody>
+      </p:sp>
+      <p:sp>
+        <p:nvSpPr>
+          <p:cNvPr id="414" name="TextBox 54"/>
+          <p:cNvSpPr txBox="1"/>
+          <p:nvPr/>
+        </p:nvSpPr>
+        <p:spPr>
+          <a:xfrm>
+            <a:off x="6930218" y="5832930"/>
+            <a:ext cx="541284" cy="289719"/>
+          </a:xfrm>
+          <a:prstGeom prst="rect">
+            <a:avLst/>
+          </a:prstGeom>
+          <a:noFill/>
+        </p:spPr>
+        <p:txBody>
+          <a:bodyPr wrap="square" rtlCol="0">
+            <a:spAutoFit/>
+          </a:bodyPr>
+          <a:lstStyle/>
+          <a:p>
+            <a:pPr algn="ctr"/>
+            <a:r>
+              <a:rPr lang="de-DE" sz="900" dirty="0"/>
+              <a:t>15</a:t>
+            </a:r>
+            <a:endParaRPr lang="en-US" sz="900" dirty="0"/>
+          </a:p>
+        </p:txBody>
+      </p:sp>
+      <p:sp>
+        <p:nvSpPr>
+          <p:cNvPr id="41" name="Rechteck 40"/>
+          <p:cNvSpPr/>
+          <p:nvPr/>
+        </p:nvSpPr>
+        <p:spPr>
+          <a:xfrm>
+            <a:off x="7781474" y="927806"/>
+            <a:ext cx="2138727" cy="369332"/>
+          </a:xfrm>
+          <a:prstGeom prst="rect">
+            <a:avLst/>
+          </a:prstGeom>
+        </p:spPr>
+        <p:txBody>
+          <a:bodyPr wrap="none">
+            <a:spAutoFit/>
+          </a:bodyPr>
+          <a:lstStyle/>
+          <a:p>
+            <a:r>
+              <a:rPr lang="de-DE" dirty="0"/>
+              <a:t>modified LIDL design</a:t>
+            </a:r>
+            <a:endParaRPr lang="en-GB" dirty="0"/>
+          </a:p>
+        </p:txBody>
+      </p:sp>
+      <p:sp>
+        <p:nvSpPr>
+          <p:cNvPr id="467" name="Rechteck 466"/>
+          <p:cNvSpPr/>
+          <p:nvPr/>
+        </p:nvSpPr>
+        <p:spPr>
+          <a:xfrm>
+            <a:off x="2436892" y="948463"/>
+            <a:ext cx="2029723" cy="369332"/>
+          </a:xfrm>
+          <a:prstGeom prst="rect">
+            <a:avLst/>
+          </a:prstGeom>
+        </p:spPr>
+        <p:txBody>
+          <a:bodyPr wrap="none">
+            <a:spAutoFit/>
+          </a:bodyPr>
+          <a:lstStyle/>
+          <a:p>
+            <a:r>
+              <a:rPr lang="de-DE" dirty="0"/>
+              <a:t>Original LIDL design</a:t>
+            </a:r>
+            <a:endParaRPr lang="en-GB" dirty="0"/>
+          </a:p>
+        </p:txBody>
+      </p:sp>
+      <p:sp>
+        <p:nvSpPr>
+          <p:cNvPr id="272" name="Pfeil: nach unten 271"/>
+          <p:cNvSpPr/>
+          <p:nvPr/>
+        </p:nvSpPr>
+        <p:spPr>
+          <a:xfrm rot="16200000">
+            <a:off x="5921733" y="979618"/>
+            <a:ext cx="192947" cy="307021"/>
+          </a:xfrm>
+          <a:prstGeom prst="downArrow">
+            <a:avLst/>
+          </a:prstGeom>
+          <a:noFill/>
+          <a:ln>
+            <a:solidFill>
+              <a:schemeClr val="tx1"/>
+            </a:solidFill>
+          </a:ln>
+        </p:spPr>
+        <p:style>
+          <a:lnRef idx="2">
+            <a:schemeClr val="accent1">
+              <a:shade val="50000"/>
+            </a:schemeClr>
+          </a:lnRef>
+          <a:fillRef idx="1">
+            <a:schemeClr val="accent1"/>
+          </a:fillRef>
+          <a:effectRef idx="0">
+            <a:schemeClr val="accent1"/>
+          </a:effectRef>
+          <a:fontRef idx="minor">
+            <a:schemeClr val="lt1"/>
+          </a:fontRef>
+        </p:style>
+        <p:txBody>
+          <a:bodyPr rtlCol="0" anchor="ctr"/>
+          <a:lstStyle/>
+          <a:p>
+            <a:pPr algn="ctr"/>
+            <a:endParaRPr lang="en-GB"/>
+          </a:p>
+        </p:txBody>
+      </p:sp>
+      <p:sp>
+        <p:nvSpPr>
+          <p:cNvPr id="273" name="TextBox 272">
+            <a:extLst>
+              <a:ext uri="{FF2B5EF4-FFF2-40B4-BE49-F238E27FC236}">
+                <a16:creationId xmlns:a16="http://schemas.microsoft.com/office/drawing/2014/main" id="{5A3F7055-0125-4E81-A673-E2955FF8557F}"/>
+              </a:ext>
+            </a:extLst>
+          </p:cNvPr>
+          <p:cNvSpPr txBox="1"/>
+          <p:nvPr/>
+        </p:nvSpPr>
+        <p:spPr>
+          <a:xfrm>
+            <a:off x="2862522" y="1613521"/>
+            <a:ext cx="404212" cy="369332"/>
+          </a:xfrm>
+          <a:prstGeom prst="rect">
+            <a:avLst/>
+          </a:prstGeom>
+          <a:noFill/>
+        </p:spPr>
+        <p:txBody>
+          <a:bodyPr wrap="square" rtlCol="0">
+            <a:spAutoFit/>
+          </a:bodyPr>
+          <a:lstStyle/>
+          <a:p>
+            <a:r>
+              <a:rPr lang="de-DE" sz="900" b="1" dirty="0"/>
+              <a:t>2.1 IN</a:t>
+            </a:r>
+            <a:endParaRPr lang="en-US" sz="900" b="1" dirty="0"/>
+          </a:p>
+        </p:txBody>
+      </p:sp>
+      <p:sp>
+        <p:nvSpPr>
+          <p:cNvPr id="274" name="TextBox 273">
+            <a:extLst>
+              <a:ext uri="{FF2B5EF4-FFF2-40B4-BE49-F238E27FC236}">
+                <a16:creationId xmlns:a16="http://schemas.microsoft.com/office/drawing/2014/main" id="{C3E13D72-8354-467B-AA31-EF12C201816D}"/>
+              </a:ext>
+            </a:extLst>
+          </p:cNvPr>
+          <p:cNvSpPr txBox="1"/>
+          <p:nvPr/>
+        </p:nvSpPr>
+        <p:spPr>
+          <a:xfrm>
+            <a:off x="2268595" y="1913272"/>
+            <a:ext cx="404212" cy="369332"/>
+          </a:xfrm>
+          <a:prstGeom prst="rect">
+            <a:avLst/>
+          </a:prstGeom>
+          <a:noFill/>
+        </p:spPr>
+        <p:txBody>
+          <a:bodyPr wrap="square" rtlCol="0">
+            <a:spAutoFit/>
+          </a:bodyPr>
+          <a:lstStyle/>
+          <a:p>
+            <a:r>
+              <a:rPr lang="de-DE" sz="900" b="1" dirty="0"/>
+              <a:t>3.1 IN</a:t>
+            </a:r>
+            <a:endParaRPr lang="en-US" sz="900" b="1" dirty="0"/>
+          </a:p>
+        </p:txBody>
+      </p:sp>
+      <p:sp>
+        <p:nvSpPr>
+          <p:cNvPr id="275" name="TextBox 274">
+            <a:extLst>
+              <a:ext uri="{FF2B5EF4-FFF2-40B4-BE49-F238E27FC236}">
+                <a16:creationId xmlns:a16="http://schemas.microsoft.com/office/drawing/2014/main" id="{29E38AE5-44AC-41B5-97A8-3EFC1CB5FB32}"/>
+              </a:ext>
+            </a:extLst>
+          </p:cNvPr>
+          <p:cNvSpPr txBox="1"/>
+          <p:nvPr/>
+        </p:nvSpPr>
+        <p:spPr>
+          <a:xfrm>
+            <a:off x="2265149" y="2562190"/>
+            <a:ext cx="404212" cy="230832"/>
+          </a:xfrm>
+          <a:prstGeom prst="rect">
+            <a:avLst/>
+          </a:prstGeom>
+          <a:noFill/>
+        </p:spPr>
+        <p:txBody>
+          <a:bodyPr wrap="square" rtlCol="0">
+            <a:spAutoFit/>
+          </a:bodyPr>
+          <a:lstStyle/>
+          <a:p>
+            <a:r>
+              <a:rPr lang="de-DE" sz="900" dirty="0"/>
+              <a:t>3.4</a:t>
+            </a:r>
+            <a:endParaRPr lang="en-US" sz="900" dirty="0"/>
+          </a:p>
+        </p:txBody>
+      </p:sp>
+      <p:sp>
+        <p:nvSpPr>
+          <p:cNvPr id="276" name="TextBox 275">
+            <a:extLst>
+              <a:ext uri="{FF2B5EF4-FFF2-40B4-BE49-F238E27FC236}">
+                <a16:creationId xmlns:a16="http://schemas.microsoft.com/office/drawing/2014/main" id="{B03D75AB-6261-4CBB-B464-E2DD81BA1D28}"/>
+              </a:ext>
+            </a:extLst>
+          </p:cNvPr>
+          <p:cNvSpPr txBox="1"/>
+          <p:nvPr/>
+        </p:nvSpPr>
+        <p:spPr>
+          <a:xfrm>
+            <a:off x="3897517" y="2573538"/>
+            <a:ext cx="404212" cy="230832"/>
+          </a:xfrm>
+          <a:prstGeom prst="rect">
+            <a:avLst/>
+          </a:prstGeom>
+          <a:noFill/>
+        </p:spPr>
+        <p:txBody>
+          <a:bodyPr wrap="square" rtlCol="0">
+            <a:spAutoFit/>
+          </a:bodyPr>
+          <a:lstStyle/>
+          <a:p>
+            <a:r>
+              <a:rPr lang="de-DE" sz="900" dirty="0"/>
+              <a:t>2.4</a:t>
+            </a:r>
+            <a:endParaRPr lang="en-US" sz="900" dirty="0"/>
+          </a:p>
+        </p:txBody>
+      </p:sp>
+      <p:sp>
+        <p:nvSpPr>
+          <p:cNvPr id="277" name="TextBox 276">
+            <a:extLst>
+              <a:ext uri="{FF2B5EF4-FFF2-40B4-BE49-F238E27FC236}">
+                <a16:creationId xmlns:a16="http://schemas.microsoft.com/office/drawing/2014/main" id="{88265DAF-0458-4371-A5C6-4429E5AF62B0}"/>
+              </a:ext>
+            </a:extLst>
+          </p:cNvPr>
+          <p:cNvSpPr txBox="1"/>
+          <p:nvPr/>
+        </p:nvSpPr>
+        <p:spPr>
+          <a:xfrm>
+            <a:off x="3873828" y="3735513"/>
+            <a:ext cx="404212" cy="230832"/>
+          </a:xfrm>
+          <a:prstGeom prst="rect">
+            <a:avLst/>
+          </a:prstGeom>
+          <a:noFill/>
+        </p:spPr>
+        <p:txBody>
+          <a:bodyPr wrap="square" rtlCol="0">
+            <a:spAutoFit/>
+          </a:bodyPr>
+          <a:lstStyle/>
+          <a:p>
+            <a:r>
+              <a:rPr lang="de-DE" sz="900" dirty="0"/>
+              <a:t>3.8</a:t>
+            </a:r>
+            <a:endParaRPr lang="en-US" sz="900" dirty="0"/>
+          </a:p>
+        </p:txBody>
+      </p:sp>
+      <p:sp>
+        <p:nvSpPr>
+          <p:cNvPr id="278" name="TextBox 277">
+            <a:extLst>
+              <a:ext uri="{FF2B5EF4-FFF2-40B4-BE49-F238E27FC236}">
+                <a16:creationId xmlns:a16="http://schemas.microsoft.com/office/drawing/2014/main" id="{13B26E47-7A27-4807-B5F8-4DA4D20401A9}"/>
+              </a:ext>
+            </a:extLst>
+          </p:cNvPr>
+          <p:cNvSpPr txBox="1"/>
+          <p:nvPr/>
+        </p:nvSpPr>
+        <p:spPr>
+          <a:xfrm>
+            <a:off x="3872076" y="5536701"/>
+            <a:ext cx="404212" cy="230832"/>
+          </a:xfrm>
+          <a:prstGeom prst="rect">
+            <a:avLst/>
+          </a:prstGeom>
+          <a:noFill/>
+        </p:spPr>
+        <p:txBody>
+          <a:bodyPr wrap="square" rtlCol="0">
+            <a:spAutoFit/>
+          </a:bodyPr>
+          <a:lstStyle/>
+          <a:p>
+            <a:r>
+              <a:rPr lang="de-DE" sz="900" dirty="0"/>
+              <a:t>2.9</a:t>
+            </a:r>
+            <a:endParaRPr lang="en-US" sz="900" dirty="0"/>
+          </a:p>
+        </p:txBody>
+      </p:sp>
+      <p:sp>
+        <p:nvSpPr>
+          <p:cNvPr id="279" name="TextBox 278">
+            <a:extLst>
+              <a:ext uri="{FF2B5EF4-FFF2-40B4-BE49-F238E27FC236}">
+                <a16:creationId xmlns:a16="http://schemas.microsoft.com/office/drawing/2014/main" id="{3CEF3E3E-8C79-44AA-8C3D-BFC70C061933}"/>
+              </a:ext>
+            </a:extLst>
+          </p:cNvPr>
+          <p:cNvSpPr txBox="1"/>
+          <p:nvPr/>
+        </p:nvSpPr>
+        <p:spPr>
+          <a:xfrm>
+            <a:off x="3879551" y="6108475"/>
+            <a:ext cx="404212" cy="369332"/>
+          </a:xfrm>
+          <a:prstGeom prst="rect">
+            <a:avLst/>
+          </a:prstGeom>
+          <a:noFill/>
+        </p:spPr>
+        <p:txBody>
+          <a:bodyPr wrap="square" rtlCol="0">
+            <a:spAutoFit/>
+          </a:bodyPr>
+          <a:lstStyle/>
+          <a:p>
+            <a:r>
+              <a:rPr lang="de-DE" sz="900" b="1" dirty="0"/>
+              <a:t>2.12 OUT</a:t>
+            </a:r>
+            <a:endParaRPr lang="en-US" sz="900" b="1" dirty="0"/>
+          </a:p>
+        </p:txBody>
+      </p:sp>
+      <p:sp>
+        <p:nvSpPr>
+          <p:cNvPr id="280" name="TextBox 279">
+            <a:extLst>
+              <a:ext uri="{FF2B5EF4-FFF2-40B4-BE49-F238E27FC236}">
+                <a16:creationId xmlns:a16="http://schemas.microsoft.com/office/drawing/2014/main" id="{8EC391F9-9077-46AA-ADD8-68CB38D20A47}"/>
+              </a:ext>
+            </a:extLst>
+          </p:cNvPr>
+          <p:cNvSpPr txBox="1"/>
+          <p:nvPr/>
+        </p:nvSpPr>
+        <p:spPr>
+          <a:xfrm>
+            <a:off x="2268595" y="3130147"/>
+            <a:ext cx="404212" cy="230832"/>
+          </a:xfrm>
+          <a:prstGeom prst="rect">
+            <a:avLst/>
+          </a:prstGeom>
+          <a:noFill/>
+        </p:spPr>
+        <p:txBody>
+          <a:bodyPr wrap="square" rtlCol="0">
+            <a:spAutoFit/>
+          </a:bodyPr>
+          <a:lstStyle/>
+          <a:p>
+            <a:r>
+              <a:rPr lang="de-DE" sz="900" dirty="0"/>
+              <a:t>3.5</a:t>
+            </a:r>
+            <a:endParaRPr lang="en-US" sz="900" dirty="0"/>
+          </a:p>
+        </p:txBody>
+      </p:sp>
+      <p:sp>
+        <p:nvSpPr>
+          <p:cNvPr id="281" name="TextBox 280">
+            <a:extLst>
+              <a:ext uri="{FF2B5EF4-FFF2-40B4-BE49-F238E27FC236}">
+                <a16:creationId xmlns:a16="http://schemas.microsoft.com/office/drawing/2014/main" id="{E42D3363-A21A-4F17-BB5E-8835D32B173F}"/>
+              </a:ext>
+            </a:extLst>
+          </p:cNvPr>
+          <p:cNvSpPr txBox="1"/>
+          <p:nvPr/>
+        </p:nvSpPr>
+        <p:spPr>
+          <a:xfrm>
+            <a:off x="2274695" y="3754174"/>
+            <a:ext cx="404212" cy="230832"/>
+          </a:xfrm>
+          <a:prstGeom prst="rect">
+            <a:avLst/>
+          </a:prstGeom>
+          <a:noFill/>
+        </p:spPr>
+        <p:txBody>
+          <a:bodyPr wrap="square" rtlCol="0">
+            <a:spAutoFit/>
+          </a:bodyPr>
+          <a:lstStyle/>
+          <a:p>
+            <a:r>
+              <a:rPr lang="de-DE" sz="900" dirty="0"/>
+              <a:t>2.5</a:t>
+            </a:r>
+            <a:endParaRPr lang="en-US" sz="900" dirty="0"/>
+          </a:p>
+        </p:txBody>
+      </p:sp>
+      <p:sp>
+        <p:nvSpPr>
+          <p:cNvPr id="282" name="TextBox 281">
+            <a:extLst>
+              <a:ext uri="{FF2B5EF4-FFF2-40B4-BE49-F238E27FC236}">
+                <a16:creationId xmlns:a16="http://schemas.microsoft.com/office/drawing/2014/main" id="{0BCC1DFF-9EE2-4138-A369-B501FFC81817}"/>
+              </a:ext>
+            </a:extLst>
+          </p:cNvPr>
+          <p:cNvSpPr txBox="1"/>
+          <p:nvPr/>
+        </p:nvSpPr>
+        <p:spPr>
+          <a:xfrm>
+            <a:off x="2251815" y="4937961"/>
+            <a:ext cx="404212" cy="230832"/>
+          </a:xfrm>
+          <a:prstGeom prst="rect">
+            <a:avLst/>
+          </a:prstGeom>
+          <a:noFill/>
+        </p:spPr>
+        <p:txBody>
+          <a:bodyPr wrap="square" rtlCol="0">
+            <a:spAutoFit/>
+          </a:bodyPr>
+          <a:lstStyle/>
+          <a:p>
+            <a:r>
+              <a:rPr lang="de-DE" sz="900" dirty="0"/>
+              <a:t>2.8</a:t>
+            </a:r>
+            <a:endParaRPr lang="en-US" sz="900" dirty="0"/>
+          </a:p>
+        </p:txBody>
+      </p:sp>
+      <p:sp>
+        <p:nvSpPr>
+          <p:cNvPr id="283" name="TextBox 282">
+            <a:extLst>
+              <a:ext uri="{FF2B5EF4-FFF2-40B4-BE49-F238E27FC236}">
+                <a16:creationId xmlns:a16="http://schemas.microsoft.com/office/drawing/2014/main" id="{3A001990-CA73-4992-B23B-9EF08863DE9A}"/>
+              </a:ext>
+            </a:extLst>
+          </p:cNvPr>
+          <p:cNvSpPr txBox="1"/>
+          <p:nvPr/>
+        </p:nvSpPr>
+        <p:spPr>
+          <a:xfrm>
+            <a:off x="3849898" y="4951374"/>
+            <a:ext cx="404212" cy="230832"/>
+          </a:xfrm>
+          <a:prstGeom prst="rect">
+            <a:avLst/>
+          </a:prstGeom>
+          <a:noFill/>
+        </p:spPr>
+        <p:txBody>
+          <a:bodyPr wrap="square" rtlCol="0">
+            <a:spAutoFit/>
+          </a:bodyPr>
+          <a:lstStyle/>
+          <a:p>
+            <a:r>
+              <a:rPr lang="de-DE" sz="900" dirty="0"/>
+              <a:t>1.9</a:t>
+            </a:r>
+            <a:endParaRPr lang="en-US" sz="900" dirty="0"/>
+          </a:p>
+        </p:txBody>
+      </p:sp>
+      <p:sp>
+        <p:nvSpPr>
+          <p:cNvPr id="284" name="TextBox 283">
+            <a:extLst>
+              <a:ext uri="{FF2B5EF4-FFF2-40B4-BE49-F238E27FC236}">
+                <a16:creationId xmlns:a16="http://schemas.microsoft.com/office/drawing/2014/main" id="{7A65EFE3-2510-4B24-B892-7757268F4AF9}"/>
+              </a:ext>
+            </a:extLst>
+          </p:cNvPr>
+          <p:cNvSpPr txBox="1"/>
+          <p:nvPr/>
+        </p:nvSpPr>
+        <p:spPr>
+          <a:xfrm>
+            <a:off x="4477567" y="5834081"/>
+            <a:ext cx="404212" cy="369332"/>
+          </a:xfrm>
+          <a:prstGeom prst="rect">
+            <a:avLst/>
+          </a:prstGeom>
+          <a:noFill/>
+        </p:spPr>
+        <p:txBody>
+          <a:bodyPr wrap="square" rtlCol="0">
+            <a:spAutoFit/>
+          </a:bodyPr>
+          <a:lstStyle/>
+          <a:p>
+            <a:r>
+              <a:rPr lang="de-DE" sz="900" b="1" dirty="0"/>
+              <a:t>3.12 OUT</a:t>
+            </a:r>
+            <a:endParaRPr lang="en-US" sz="900" b="1" dirty="0"/>
+          </a:p>
+        </p:txBody>
+      </p:sp>
+      <p:sp>
+        <p:nvSpPr>
+          <p:cNvPr id="285" name="TextBox 284">
+            <a:extLst>
+              <a:ext uri="{FF2B5EF4-FFF2-40B4-BE49-F238E27FC236}">
+                <a16:creationId xmlns:a16="http://schemas.microsoft.com/office/drawing/2014/main" id="{080042BF-6DDC-40F7-B688-F774F7044F2F}"/>
+              </a:ext>
+            </a:extLst>
+          </p:cNvPr>
+          <p:cNvSpPr txBox="1"/>
+          <p:nvPr/>
+        </p:nvSpPr>
+        <p:spPr>
+          <a:xfrm>
+            <a:off x="2866016" y="4038685"/>
+            <a:ext cx="404212" cy="230832"/>
+          </a:xfrm>
+          <a:prstGeom prst="rect">
+            <a:avLst/>
+          </a:prstGeom>
+          <a:noFill/>
+        </p:spPr>
+        <p:txBody>
+          <a:bodyPr wrap="square" rtlCol="0">
+            <a:spAutoFit/>
+          </a:bodyPr>
+          <a:lstStyle/>
+          <a:p>
+            <a:r>
+              <a:rPr lang="de-DE" sz="900" dirty="0"/>
+              <a:t>1.5</a:t>
+            </a:r>
+            <a:endParaRPr lang="en-US" sz="900" dirty="0"/>
+          </a:p>
+        </p:txBody>
+      </p:sp>
+      <p:sp>
+        <p:nvSpPr>
+          <p:cNvPr id="286" name="TextBox 285">
+            <a:extLst>
+              <a:ext uri="{FF2B5EF4-FFF2-40B4-BE49-F238E27FC236}">
+                <a16:creationId xmlns:a16="http://schemas.microsoft.com/office/drawing/2014/main" id="{4731A470-3ED4-4B87-A1F4-AB6B33C59FB2}"/>
+              </a:ext>
+            </a:extLst>
+          </p:cNvPr>
+          <p:cNvSpPr txBox="1"/>
+          <p:nvPr/>
+        </p:nvSpPr>
+        <p:spPr>
+          <a:xfrm>
+            <a:off x="2802988" y="5775340"/>
+            <a:ext cx="404212" cy="369332"/>
+          </a:xfrm>
+          <a:prstGeom prst="rect">
+            <a:avLst/>
+          </a:prstGeom>
+          <a:noFill/>
+        </p:spPr>
+        <p:txBody>
+          <a:bodyPr wrap="square" rtlCol="0">
+            <a:spAutoFit/>
+          </a:bodyPr>
+          <a:lstStyle/>
+          <a:p>
+            <a:r>
+              <a:rPr lang="de-DE" sz="900" b="1" dirty="0"/>
+              <a:t>1.12 OUT</a:t>
+            </a:r>
+            <a:endParaRPr lang="en-US" sz="900" b="1" dirty="0"/>
+          </a:p>
+        </p:txBody>
+      </p:sp>
+      <p:sp>
+        <p:nvSpPr>
+          <p:cNvPr id="287" name="TextBox 286">
+            <a:extLst>
+              <a:ext uri="{FF2B5EF4-FFF2-40B4-BE49-F238E27FC236}">
+                <a16:creationId xmlns:a16="http://schemas.microsoft.com/office/drawing/2014/main" id="{14C495CB-1400-4C04-92BD-AE514433F4EE}"/>
+              </a:ext>
+            </a:extLst>
+          </p:cNvPr>
+          <p:cNvSpPr txBox="1"/>
+          <p:nvPr/>
+        </p:nvSpPr>
+        <p:spPr>
+          <a:xfrm>
+            <a:off x="4466615" y="4650449"/>
+            <a:ext cx="404212" cy="230832"/>
+          </a:xfrm>
+          <a:prstGeom prst="rect">
+            <a:avLst/>
+          </a:prstGeom>
+          <a:noFill/>
+        </p:spPr>
+        <p:txBody>
+          <a:bodyPr wrap="square" rtlCol="0">
+            <a:spAutoFit/>
+          </a:bodyPr>
+          <a:lstStyle/>
+          <a:p>
+            <a:r>
+              <a:rPr lang="de-DE" sz="900" dirty="0"/>
+              <a:t>3.9</a:t>
+            </a:r>
+            <a:endParaRPr lang="en-US" sz="900" dirty="0"/>
+          </a:p>
+        </p:txBody>
+      </p:sp>
+      <p:cxnSp>
+        <p:nvCxnSpPr>
+          <p:cNvPr id="288" name="Straight Connector 287">
+            <a:extLst>
+              <a:ext uri="{FF2B5EF4-FFF2-40B4-BE49-F238E27FC236}">
+                <a16:creationId xmlns:a16="http://schemas.microsoft.com/office/drawing/2014/main" id="{50CB5AAF-9A32-4556-A167-2C1AD541774C}"/>
+              </a:ext>
+            </a:extLst>
+          </p:cNvPr>
+          <p:cNvCxnSpPr/>
+          <p:nvPr/>
+        </p:nvCxnSpPr>
+        <p:spPr>
+          <a:xfrm>
+            <a:off x="2178344" y="1496534"/>
+            <a:ext cx="0" cy="5049753"/>
+          </a:xfrm>
+          <a:prstGeom prst="line">
+            <a:avLst/>
+          </a:prstGeom>
+          <a:ln>
+            <a:solidFill>
+              <a:schemeClr val="tx1"/>
+            </a:solidFill>
+            <a:prstDash val="solid"/>
+          </a:ln>
+        </p:spPr>
+        <p:style>
+          <a:lnRef idx="1">
+            <a:schemeClr val="accent1"/>
+          </a:lnRef>
+          <a:fillRef idx="0">
+            <a:schemeClr val="accent1"/>
+          </a:fillRef>
+          <a:effectRef idx="0">
+            <a:schemeClr val="accent1"/>
+          </a:effectRef>
+          <a:fontRef idx="minor">
+            <a:schemeClr val="tx1"/>
+          </a:fontRef>
+        </p:style>
+      </p:cxnSp>
+      <p:cxnSp>
+        <p:nvCxnSpPr>
+          <p:cNvPr id="289" name="Straight Connector 288">
+            <a:extLst>
+              <a:ext uri="{FF2B5EF4-FFF2-40B4-BE49-F238E27FC236}">
+                <a16:creationId xmlns:a16="http://schemas.microsoft.com/office/drawing/2014/main" id="{A4670A6D-2127-4CE1-AFA5-70145BF7C7D9}"/>
+              </a:ext>
+            </a:extLst>
+          </p:cNvPr>
+          <p:cNvCxnSpPr/>
+          <p:nvPr/>
+        </p:nvCxnSpPr>
+        <p:spPr>
+          <a:xfrm flipV="1">
+            <a:off x="2178344" y="1496534"/>
+            <a:ext cx="2754411" cy="0"/>
+          </a:xfrm>
+          <a:prstGeom prst="line">
+            <a:avLst/>
+          </a:prstGeom>
+          <a:ln>
+            <a:solidFill>
+              <a:schemeClr val="tx1"/>
+            </a:solidFill>
+          </a:ln>
+        </p:spPr>
+        <p:style>
+          <a:lnRef idx="1">
+            <a:schemeClr val="accent1"/>
+          </a:lnRef>
+          <a:fillRef idx="0">
+            <a:schemeClr val="accent1"/>
+          </a:fillRef>
+          <a:effectRef idx="0">
+            <a:schemeClr val="accent1"/>
+          </a:effectRef>
+          <a:fontRef idx="minor">
+            <a:schemeClr val="tx1"/>
+          </a:fontRef>
+        </p:style>
+      </p:cxnSp>
+      <p:cxnSp>
+        <p:nvCxnSpPr>
+          <p:cNvPr id="290" name="Straight Connector 289">
+            <a:extLst>
+              <a:ext uri="{FF2B5EF4-FFF2-40B4-BE49-F238E27FC236}">
+                <a16:creationId xmlns:a16="http://schemas.microsoft.com/office/drawing/2014/main" id="{6F9188B7-DE64-4365-9311-2C92C4801F76}"/>
+              </a:ext>
+            </a:extLst>
+          </p:cNvPr>
+          <p:cNvCxnSpPr/>
+          <p:nvPr/>
+        </p:nvCxnSpPr>
+        <p:spPr>
+          <a:xfrm flipV="1">
+            <a:off x="2178344" y="6546287"/>
+            <a:ext cx="2754411" cy="0"/>
+          </a:xfrm>
+          <a:prstGeom prst="line">
+            <a:avLst/>
+          </a:prstGeom>
+          <a:ln>
+            <a:solidFill>
+              <a:schemeClr val="tx1"/>
+            </a:solidFill>
+            <a:prstDash val="solid"/>
+          </a:ln>
+        </p:spPr>
+        <p:style>
+          <a:lnRef idx="1">
+            <a:schemeClr val="accent1"/>
+          </a:lnRef>
+          <a:fillRef idx="0">
+            <a:schemeClr val="accent1"/>
+          </a:fillRef>
+          <a:effectRef idx="0">
+            <a:schemeClr val="accent1"/>
+          </a:effectRef>
+          <a:fontRef idx="minor">
+            <a:schemeClr val="tx1"/>
+          </a:fontRef>
+        </p:style>
+      </p:cxnSp>
+      <p:cxnSp>
+        <p:nvCxnSpPr>
+          <p:cNvPr id="291" name="Straight Connector 290">
+            <a:extLst>
+              <a:ext uri="{FF2B5EF4-FFF2-40B4-BE49-F238E27FC236}">
+                <a16:creationId xmlns:a16="http://schemas.microsoft.com/office/drawing/2014/main" id="{02E875BC-2189-4D46-9320-45D8E454D743}"/>
+              </a:ext>
+            </a:extLst>
+          </p:cNvPr>
+          <p:cNvCxnSpPr/>
+          <p:nvPr/>
+        </p:nvCxnSpPr>
+        <p:spPr>
+          <a:xfrm>
+            <a:off x="4932755" y="1496534"/>
+            <a:ext cx="0" cy="5049753"/>
+          </a:xfrm>
+          <a:prstGeom prst="line">
+            <a:avLst/>
+          </a:prstGeom>
+          <a:ln>
+            <a:solidFill>
+              <a:schemeClr val="tx1"/>
+            </a:solidFill>
+            <a:prstDash val="solid"/>
+          </a:ln>
+        </p:spPr>
+        <p:style>
+          <a:lnRef idx="1">
+            <a:schemeClr val="accent1"/>
+          </a:lnRef>
+          <a:fillRef idx="0">
+            <a:schemeClr val="accent1"/>
+          </a:fillRef>
+          <a:effectRef idx="0">
+            <a:schemeClr val="accent1"/>
+          </a:effectRef>
+          <a:fontRef idx="minor">
+            <a:schemeClr val="tx1"/>
+          </a:fontRef>
+        </p:style>
+      </p:cxnSp>
+      <p:sp>
+        <p:nvSpPr>
+          <p:cNvPr id="292" name="Oval 50">
+            <a:extLst>
+              <a:ext uri="{FF2B5EF4-FFF2-40B4-BE49-F238E27FC236}">
+                <a16:creationId xmlns:a16="http://schemas.microsoft.com/office/drawing/2014/main" id="{1F404569-5FF2-4765-9358-165EFF2AE457}"/>
+              </a:ext>
+            </a:extLst>
+          </p:cNvPr>
+          <p:cNvSpPr/>
+          <p:nvPr/>
+        </p:nvSpPr>
+        <p:spPr>
+          <a:xfrm>
+            <a:off x="4400363" y="1730248"/>
+            <a:ext cx="114767" cy="114767"/>
+          </a:xfrm>
+          <a:prstGeom prst="ellipse">
+            <a:avLst/>
+          </a:prstGeom>
+          <a:solidFill>
+            <a:srgbClr val="FF0000"/>
+          </a:solidFill>
+          <a:ln>
+            <a:solidFill>
+              <a:schemeClr val="tx1"/>
+            </a:solidFill>
+          </a:ln>
+        </p:spPr>
+        <p:style>
+          <a:lnRef idx="2">
+            <a:schemeClr val="accent1">
+              <a:shade val="50000"/>
+            </a:schemeClr>
+          </a:lnRef>
+          <a:fillRef idx="1">
+            <a:schemeClr val="accent1"/>
+          </a:fillRef>
+          <a:effectRef idx="0">
+            <a:schemeClr val="accent1"/>
+          </a:effectRef>
+          <a:fontRef idx="minor">
+            <a:schemeClr val="lt1"/>
+          </a:fontRef>
+        </p:style>
+        <p:txBody>
+          <a:bodyPr rtlCol="0" anchor="ctr"/>
+          <a:lstStyle/>
+          <a:p>
+            <a:pPr algn="ctr"/>
+            <a:endParaRPr lang="en-US"/>
+          </a:p>
+        </p:txBody>
+      </p:sp>
+      <p:sp>
+        <p:nvSpPr>
+          <p:cNvPr id="293" name="Oval 50">
+            <a:extLst>
+              <a:ext uri="{FF2B5EF4-FFF2-40B4-BE49-F238E27FC236}">
+                <a16:creationId xmlns:a16="http://schemas.microsoft.com/office/drawing/2014/main" id="{07F556BB-479A-4EBA-B547-E09B3B4B3FEE}"/>
+              </a:ext>
+            </a:extLst>
+          </p:cNvPr>
+          <p:cNvSpPr/>
+          <p:nvPr/>
+        </p:nvSpPr>
+        <p:spPr>
+          <a:xfrm>
+            <a:off x="3801279" y="2028010"/>
+            <a:ext cx="114767" cy="114767"/>
+          </a:xfrm>
+          <a:prstGeom prst="ellipse">
+            <a:avLst/>
+          </a:prstGeom>
+          <a:noFill/>
+          <a:ln>
+            <a:solidFill>
+              <a:schemeClr val="tx1"/>
+            </a:solidFill>
+          </a:ln>
+        </p:spPr>
+        <p:style>
+          <a:lnRef idx="2">
+            <a:schemeClr val="accent1">
+              <a:shade val="50000"/>
+            </a:schemeClr>
+          </a:lnRef>
+          <a:fillRef idx="1">
+            <a:schemeClr val="accent1"/>
+          </a:fillRef>
+          <a:effectRef idx="0">
+            <a:schemeClr val="accent1"/>
+          </a:effectRef>
+          <a:fontRef idx="minor">
+            <a:schemeClr val="lt1"/>
+          </a:fontRef>
+        </p:style>
+        <p:txBody>
+          <a:bodyPr rtlCol="0" anchor="ctr"/>
+          <a:lstStyle/>
+          <a:p>
+            <a:pPr algn="ctr"/>
+            <a:endParaRPr lang="en-US"/>
+          </a:p>
+        </p:txBody>
+      </p:sp>
+      <p:sp>
+        <p:nvSpPr>
+          <p:cNvPr id="294" name="Oval 50">
+            <a:extLst>
+              <a:ext uri="{FF2B5EF4-FFF2-40B4-BE49-F238E27FC236}">
+                <a16:creationId xmlns:a16="http://schemas.microsoft.com/office/drawing/2014/main" id="{01A029F0-3D6A-40C3-98C9-3D25C5BA4E1B}"/>
+              </a:ext>
+            </a:extLst>
+          </p:cNvPr>
+          <p:cNvSpPr/>
+          <p:nvPr/>
+        </p:nvSpPr>
+        <p:spPr>
+          <a:xfrm>
+            <a:off x="3154384" y="1726427"/>
+            <a:ext cx="114767" cy="114767"/>
+          </a:xfrm>
+          <a:prstGeom prst="ellipse">
+            <a:avLst/>
+          </a:prstGeom>
+          <a:solidFill>
+            <a:schemeClr val="accent6">
+              <a:lumMod val="60000"/>
+              <a:lumOff val="40000"/>
+            </a:schemeClr>
+          </a:solidFill>
+          <a:ln>
+            <a:solidFill>
+              <a:schemeClr val="tx1"/>
+            </a:solidFill>
+          </a:ln>
+        </p:spPr>
+        <p:style>
+          <a:lnRef idx="2">
+            <a:schemeClr val="accent1">
+              <a:shade val="50000"/>
+            </a:schemeClr>
+          </a:lnRef>
+          <a:fillRef idx="1">
+            <a:schemeClr val="accent1"/>
+          </a:fillRef>
+          <a:effectRef idx="0">
+            <a:schemeClr val="accent1"/>
+          </a:effectRef>
+          <a:fontRef idx="minor">
+            <a:schemeClr val="lt1"/>
+          </a:fontRef>
+        </p:style>
+        <p:txBody>
+          <a:bodyPr rtlCol="0" anchor="ctr"/>
+          <a:lstStyle/>
+          <a:p>
+            <a:pPr algn="ctr"/>
+            <a:endParaRPr lang="en-US"/>
+          </a:p>
+        </p:txBody>
+      </p:sp>
+      <p:sp>
+        <p:nvSpPr>
+          <p:cNvPr id="295" name="Oval 50">
+            <a:extLst>
+              <a:ext uri="{FF2B5EF4-FFF2-40B4-BE49-F238E27FC236}">
+                <a16:creationId xmlns:a16="http://schemas.microsoft.com/office/drawing/2014/main" id="{7F9C929C-E311-445E-9035-05564E971573}"/>
+              </a:ext>
+            </a:extLst>
+          </p:cNvPr>
+          <p:cNvSpPr/>
+          <p:nvPr/>
+        </p:nvSpPr>
+        <p:spPr>
+          <a:xfrm>
+            <a:off x="2566443" y="2020771"/>
+            <a:ext cx="114767" cy="114767"/>
+          </a:xfrm>
+          <a:prstGeom prst="ellipse">
+            <a:avLst/>
+          </a:prstGeom>
+          <a:solidFill>
+            <a:schemeClr val="accent1">
+              <a:lumMod val="40000"/>
+              <a:lumOff val="60000"/>
+            </a:schemeClr>
+          </a:solidFill>
+          <a:ln>
+            <a:solidFill>
+              <a:schemeClr val="tx1"/>
+            </a:solidFill>
+          </a:ln>
+        </p:spPr>
+        <p:style>
+          <a:lnRef idx="2">
+            <a:schemeClr val="accent1">
+              <a:shade val="50000"/>
+            </a:schemeClr>
+          </a:lnRef>
+          <a:fillRef idx="1">
+            <a:schemeClr val="accent1"/>
+          </a:fillRef>
+          <a:effectRef idx="0">
+            <a:schemeClr val="accent1"/>
+          </a:effectRef>
+          <a:fontRef idx="minor">
+            <a:schemeClr val="lt1"/>
+          </a:fontRef>
+        </p:style>
+        <p:txBody>
+          <a:bodyPr rtlCol="0" anchor="ctr"/>
+          <a:lstStyle/>
+          <a:p>
+            <a:pPr algn="ctr"/>
+            <a:endParaRPr lang="en-US"/>
+          </a:p>
+        </p:txBody>
+      </p:sp>
+      <p:sp>
+        <p:nvSpPr>
+          <p:cNvPr id="296" name="Oval 50">
+            <a:extLst>
+              <a:ext uri="{FF2B5EF4-FFF2-40B4-BE49-F238E27FC236}">
+                <a16:creationId xmlns:a16="http://schemas.microsoft.com/office/drawing/2014/main" id="{EC9DFDFA-8D41-4811-A36E-51046B95829F}"/>
+              </a:ext>
+            </a:extLst>
+          </p:cNvPr>
+          <p:cNvSpPr/>
+          <p:nvPr/>
+        </p:nvSpPr>
+        <p:spPr>
+          <a:xfrm>
+            <a:off x="4409347" y="2327986"/>
+            <a:ext cx="114767" cy="114767"/>
+          </a:xfrm>
+          <a:prstGeom prst="ellipse">
+            <a:avLst/>
+          </a:prstGeom>
+          <a:noFill/>
+          <a:ln>
+            <a:solidFill>
+              <a:schemeClr val="tx1"/>
+            </a:solidFill>
+          </a:ln>
+        </p:spPr>
+        <p:style>
+          <a:lnRef idx="2">
+            <a:schemeClr val="accent1">
+              <a:shade val="50000"/>
+            </a:schemeClr>
+          </a:lnRef>
+          <a:fillRef idx="1">
+            <a:schemeClr val="accent1"/>
+          </a:fillRef>
+          <a:effectRef idx="0">
+            <a:schemeClr val="accent1"/>
+          </a:effectRef>
+          <a:fontRef idx="minor">
+            <a:schemeClr val="lt1"/>
+          </a:fontRef>
+        </p:style>
+        <p:txBody>
+          <a:bodyPr rtlCol="0" anchor="ctr"/>
+          <a:lstStyle/>
+          <a:p>
+            <a:pPr algn="ctr"/>
+            <a:endParaRPr lang="en-US"/>
+          </a:p>
+        </p:txBody>
+      </p:sp>
+      <p:sp>
+        <p:nvSpPr>
+          <p:cNvPr id="297" name="Oval 50">
+            <a:extLst>
+              <a:ext uri="{FF2B5EF4-FFF2-40B4-BE49-F238E27FC236}">
+                <a16:creationId xmlns:a16="http://schemas.microsoft.com/office/drawing/2014/main" id="{F999E23C-C7C9-4D78-86FC-D119A11A579B}"/>
+              </a:ext>
+            </a:extLst>
+          </p:cNvPr>
+          <p:cNvSpPr/>
+          <p:nvPr/>
+        </p:nvSpPr>
+        <p:spPr>
+          <a:xfrm>
+            <a:off x="3810263" y="2625748"/>
+            <a:ext cx="114767" cy="114767"/>
+          </a:xfrm>
+          <a:prstGeom prst="ellipse">
+            <a:avLst/>
+          </a:prstGeom>
+          <a:solidFill>
+            <a:schemeClr val="accent6">
+              <a:lumMod val="60000"/>
+              <a:lumOff val="40000"/>
+            </a:schemeClr>
+          </a:solidFill>
+          <a:ln>
+            <a:solidFill>
+              <a:schemeClr val="tx1"/>
+            </a:solidFill>
+          </a:ln>
+        </p:spPr>
+        <p:style>
+          <a:lnRef idx="2">
+            <a:schemeClr val="accent1">
+              <a:shade val="50000"/>
+            </a:schemeClr>
+          </a:lnRef>
+          <a:fillRef idx="1">
+            <a:schemeClr val="accent1"/>
+          </a:fillRef>
+          <a:effectRef idx="0">
+            <a:schemeClr val="accent1"/>
+          </a:effectRef>
+          <a:fontRef idx="minor">
+            <a:schemeClr val="lt1"/>
+          </a:fontRef>
+        </p:style>
+        <p:txBody>
+          <a:bodyPr rtlCol="0" anchor="ctr"/>
+          <a:lstStyle/>
+          <a:p>
+            <a:pPr algn="ctr"/>
+            <a:endParaRPr lang="en-US"/>
+          </a:p>
+        </p:txBody>
+      </p:sp>
+      <p:sp>
+        <p:nvSpPr>
+          <p:cNvPr id="298" name="Oval 50">
+            <a:extLst>
+              <a:ext uri="{FF2B5EF4-FFF2-40B4-BE49-F238E27FC236}">
+                <a16:creationId xmlns:a16="http://schemas.microsoft.com/office/drawing/2014/main" id="{23A3BE99-67C9-4BA7-A327-E0B1762C8675}"/>
+              </a:ext>
+            </a:extLst>
+          </p:cNvPr>
+          <p:cNvSpPr/>
+          <p:nvPr/>
+        </p:nvSpPr>
+        <p:spPr>
+          <a:xfrm>
+            <a:off x="3163368" y="2324165"/>
+            <a:ext cx="114767" cy="114767"/>
+          </a:xfrm>
+          <a:prstGeom prst="ellipse">
+            <a:avLst/>
+          </a:prstGeom>
+          <a:noFill/>
+          <a:ln>
+            <a:solidFill>
+              <a:schemeClr val="tx1"/>
+            </a:solidFill>
+          </a:ln>
+        </p:spPr>
+        <p:style>
+          <a:lnRef idx="2">
+            <a:schemeClr val="accent1">
+              <a:shade val="50000"/>
+            </a:schemeClr>
+          </a:lnRef>
+          <a:fillRef idx="1">
+            <a:schemeClr val="accent1"/>
+          </a:fillRef>
+          <a:effectRef idx="0">
+            <a:schemeClr val="accent1"/>
+          </a:effectRef>
+          <a:fontRef idx="minor">
+            <a:schemeClr val="lt1"/>
+          </a:fontRef>
+        </p:style>
+        <p:txBody>
+          <a:bodyPr rtlCol="0" anchor="ctr"/>
+          <a:lstStyle/>
+          <a:p>
+            <a:pPr algn="ctr"/>
+            <a:endParaRPr lang="en-US"/>
+          </a:p>
+        </p:txBody>
+      </p:sp>
+      <p:sp>
+        <p:nvSpPr>
+          <p:cNvPr id="313" name="Oval 50">
+            <a:extLst>
+              <a:ext uri="{FF2B5EF4-FFF2-40B4-BE49-F238E27FC236}">
+                <a16:creationId xmlns:a16="http://schemas.microsoft.com/office/drawing/2014/main" id="{47B3863F-BBEB-4774-978A-8EA493DBE091}"/>
+              </a:ext>
+            </a:extLst>
+          </p:cNvPr>
+          <p:cNvSpPr/>
+          <p:nvPr/>
+        </p:nvSpPr>
+        <p:spPr>
+          <a:xfrm>
+            <a:off x="2554710" y="2618616"/>
+            <a:ext cx="114767" cy="114767"/>
+          </a:xfrm>
+          <a:prstGeom prst="ellipse">
+            <a:avLst/>
+          </a:prstGeom>
+          <a:solidFill>
+            <a:schemeClr val="accent1">
+              <a:lumMod val="40000"/>
+              <a:lumOff val="60000"/>
+            </a:schemeClr>
+          </a:solidFill>
+          <a:ln>
+            <a:solidFill>
+              <a:schemeClr val="tx1"/>
+            </a:solidFill>
+          </a:ln>
+        </p:spPr>
+        <p:style>
+          <a:lnRef idx="2">
+            <a:schemeClr val="accent1">
+              <a:shade val="50000"/>
+            </a:schemeClr>
+          </a:lnRef>
+          <a:fillRef idx="1">
+            <a:schemeClr val="accent1"/>
+          </a:fillRef>
+          <a:effectRef idx="0">
+            <a:schemeClr val="accent1"/>
+          </a:effectRef>
+          <a:fontRef idx="minor">
+            <a:schemeClr val="lt1"/>
+          </a:fontRef>
+        </p:style>
+        <p:txBody>
+          <a:bodyPr rtlCol="0" anchor="ctr"/>
+          <a:lstStyle/>
+          <a:p>
+            <a:pPr algn="ctr"/>
+            <a:endParaRPr lang="en-US"/>
+          </a:p>
+        </p:txBody>
+      </p:sp>
+      <p:sp>
+        <p:nvSpPr>
+          <p:cNvPr id="314" name="Oval 50">
+            <a:extLst>
+              <a:ext uri="{FF2B5EF4-FFF2-40B4-BE49-F238E27FC236}">
+                <a16:creationId xmlns:a16="http://schemas.microsoft.com/office/drawing/2014/main" id="{D8737742-E5D8-4D4F-92CE-747D9F46B57D}"/>
+              </a:ext>
+            </a:extLst>
+          </p:cNvPr>
+          <p:cNvSpPr/>
+          <p:nvPr/>
+        </p:nvSpPr>
+        <p:spPr>
+          <a:xfrm>
+            <a:off x="4397946" y="2921224"/>
+            <a:ext cx="114767" cy="114767"/>
+          </a:xfrm>
+          <a:prstGeom prst="ellipse">
+            <a:avLst/>
+          </a:prstGeom>
+          <a:solidFill>
+            <a:srgbClr val="FF0000"/>
+          </a:solidFill>
+          <a:ln>
+            <a:solidFill>
+              <a:schemeClr val="tx1"/>
+            </a:solidFill>
+          </a:ln>
+        </p:spPr>
+        <p:style>
+          <a:lnRef idx="2">
+            <a:schemeClr val="accent1">
+              <a:shade val="50000"/>
+            </a:schemeClr>
+          </a:lnRef>
+          <a:fillRef idx="1">
+            <a:schemeClr val="accent1"/>
+          </a:fillRef>
+          <a:effectRef idx="0">
+            <a:schemeClr val="accent1"/>
+          </a:effectRef>
+          <a:fontRef idx="minor">
+            <a:schemeClr val="lt1"/>
+          </a:fontRef>
+        </p:style>
+        <p:txBody>
+          <a:bodyPr rtlCol="0" anchor="ctr"/>
+          <a:lstStyle/>
+          <a:p>
+            <a:pPr algn="ctr"/>
+            <a:endParaRPr lang="en-US"/>
+          </a:p>
+        </p:txBody>
+      </p:sp>
+      <p:sp>
+        <p:nvSpPr>
+          <p:cNvPr id="315" name="Oval 50">
+            <a:extLst>
+              <a:ext uri="{FF2B5EF4-FFF2-40B4-BE49-F238E27FC236}">
+                <a16:creationId xmlns:a16="http://schemas.microsoft.com/office/drawing/2014/main" id="{8689CC30-791A-4DE0-9F4C-05D6DA460008}"/>
+              </a:ext>
+            </a:extLst>
+          </p:cNvPr>
+          <p:cNvSpPr/>
+          <p:nvPr/>
+        </p:nvSpPr>
+        <p:spPr>
+          <a:xfrm>
+            <a:off x="3798861" y="3218986"/>
+            <a:ext cx="114767" cy="114767"/>
+          </a:xfrm>
+          <a:prstGeom prst="ellipse">
+            <a:avLst/>
+          </a:prstGeom>
+          <a:noFill/>
+          <a:ln>
+            <a:solidFill>
+              <a:schemeClr val="tx1"/>
+            </a:solidFill>
+          </a:ln>
+        </p:spPr>
+        <p:style>
+          <a:lnRef idx="2">
+            <a:schemeClr val="accent1">
+              <a:shade val="50000"/>
+            </a:schemeClr>
+          </a:lnRef>
+          <a:fillRef idx="1">
+            <a:schemeClr val="accent1"/>
+          </a:fillRef>
+          <a:effectRef idx="0">
+            <a:schemeClr val="accent1"/>
+          </a:effectRef>
+          <a:fontRef idx="minor">
+            <a:schemeClr val="lt1"/>
+          </a:fontRef>
+        </p:style>
+        <p:txBody>
+          <a:bodyPr rtlCol="0" anchor="ctr"/>
+          <a:lstStyle/>
+          <a:p>
+            <a:pPr algn="ctr"/>
+            <a:endParaRPr lang="en-US"/>
+          </a:p>
+        </p:txBody>
+      </p:sp>
+      <p:sp>
+        <p:nvSpPr>
+          <p:cNvPr id="316" name="Oval 50">
+            <a:extLst>
+              <a:ext uri="{FF2B5EF4-FFF2-40B4-BE49-F238E27FC236}">
+                <a16:creationId xmlns:a16="http://schemas.microsoft.com/office/drawing/2014/main" id="{578C628F-9D41-4B39-9AF7-FC68C90142D4}"/>
+              </a:ext>
+            </a:extLst>
+          </p:cNvPr>
+          <p:cNvSpPr/>
+          <p:nvPr/>
+        </p:nvSpPr>
+        <p:spPr>
+          <a:xfrm>
+            <a:off x="3151967" y="2917403"/>
+            <a:ext cx="114767" cy="114767"/>
+          </a:xfrm>
+          <a:prstGeom prst="ellipse">
+            <a:avLst/>
+          </a:prstGeom>
+          <a:noFill/>
+          <a:ln>
+            <a:solidFill>
+              <a:schemeClr val="tx1"/>
+            </a:solidFill>
+          </a:ln>
+        </p:spPr>
+        <p:style>
+          <a:lnRef idx="2">
+            <a:schemeClr val="accent1">
+              <a:shade val="50000"/>
+            </a:schemeClr>
+          </a:lnRef>
+          <a:fillRef idx="1">
+            <a:schemeClr val="accent1"/>
+          </a:fillRef>
+          <a:effectRef idx="0">
+            <a:schemeClr val="accent1"/>
+          </a:effectRef>
+          <a:fontRef idx="minor">
+            <a:schemeClr val="lt1"/>
+          </a:fontRef>
+        </p:style>
+        <p:txBody>
+          <a:bodyPr rtlCol="0" anchor="ctr"/>
+          <a:lstStyle/>
+          <a:p>
+            <a:pPr algn="ctr"/>
+            <a:endParaRPr lang="en-US"/>
+          </a:p>
+        </p:txBody>
+      </p:sp>
+      <p:sp>
+        <p:nvSpPr>
+          <p:cNvPr id="320" name="Oval 50">
+            <a:extLst>
+              <a:ext uri="{FF2B5EF4-FFF2-40B4-BE49-F238E27FC236}">
+                <a16:creationId xmlns:a16="http://schemas.microsoft.com/office/drawing/2014/main" id="{86D95BD3-B83D-421F-978E-68AA87799BCA}"/>
+              </a:ext>
+            </a:extLst>
+          </p:cNvPr>
+          <p:cNvSpPr/>
+          <p:nvPr/>
+        </p:nvSpPr>
+        <p:spPr>
+          <a:xfrm>
+            <a:off x="2543309" y="3211854"/>
+            <a:ext cx="114767" cy="114767"/>
+          </a:xfrm>
+          <a:prstGeom prst="ellipse">
+            <a:avLst/>
+          </a:prstGeom>
+          <a:solidFill>
+            <a:schemeClr val="accent1">
+              <a:lumMod val="40000"/>
+              <a:lumOff val="60000"/>
+            </a:schemeClr>
+          </a:solidFill>
+          <a:ln>
+            <a:solidFill>
+              <a:schemeClr val="tx1"/>
+            </a:solidFill>
+          </a:ln>
+        </p:spPr>
+        <p:style>
+          <a:lnRef idx="2">
+            <a:schemeClr val="accent1">
+              <a:shade val="50000"/>
+            </a:schemeClr>
+          </a:lnRef>
+          <a:fillRef idx="1">
+            <a:schemeClr val="accent1"/>
+          </a:fillRef>
+          <a:effectRef idx="0">
+            <a:schemeClr val="accent1"/>
+          </a:effectRef>
+          <a:fontRef idx="minor">
+            <a:schemeClr val="lt1"/>
+          </a:fontRef>
+        </p:style>
+        <p:txBody>
+          <a:bodyPr rtlCol="0" anchor="ctr"/>
+          <a:lstStyle/>
+          <a:p>
+            <a:pPr algn="ctr"/>
+            <a:endParaRPr lang="en-US"/>
+          </a:p>
+        </p:txBody>
+      </p:sp>
+      <p:sp>
+        <p:nvSpPr>
+          <p:cNvPr id="321" name="Oval 50">
+            <a:extLst>
+              <a:ext uri="{FF2B5EF4-FFF2-40B4-BE49-F238E27FC236}">
+                <a16:creationId xmlns:a16="http://schemas.microsoft.com/office/drawing/2014/main" id="{F0B8B293-2A68-4D72-B6E6-DCC37CF8B457}"/>
+              </a:ext>
+            </a:extLst>
+          </p:cNvPr>
+          <p:cNvSpPr/>
+          <p:nvPr/>
+        </p:nvSpPr>
+        <p:spPr>
+          <a:xfrm>
+            <a:off x="4399211" y="3516809"/>
+            <a:ext cx="114767" cy="114767"/>
+          </a:xfrm>
+          <a:prstGeom prst="ellipse">
+            <a:avLst/>
+          </a:prstGeom>
+          <a:noFill/>
+          <a:ln>
+            <a:solidFill>
+              <a:schemeClr val="tx1"/>
+            </a:solidFill>
+          </a:ln>
+        </p:spPr>
+        <p:style>
+          <a:lnRef idx="2">
+            <a:schemeClr val="accent1">
+              <a:shade val="50000"/>
+            </a:schemeClr>
+          </a:lnRef>
+          <a:fillRef idx="1">
+            <a:schemeClr val="accent1"/>
+          </a:fillRef>
+          <a:effectRef idx="0">
+            <a:schemeClr val="accent1"/>
+          </a:effectRef>
+          <a:fontRef idx="minor">
+            <a:schemeClr val="lt1"/>
+          </a:fontRef>
+        </p:style>
+        <p:txBody>
+          <a:bodyPr rtlCol="0" anchor="ctr"/>
+          <a:lstStyle/>
+          <a:p>
+            <a:pPr algn="ctr"/>
+            <a:endParaRPr lang="en-US"/>
+          </a:p>
+        </p:txBody>
+      </p:sp>
+      <p:sp>
+        <p:nvSpPr>
+          <p:cNvPr id="322" name="Oval 50">
+            <a:extLst>
+              <a:ext uri="{FF2B5EF4-FFF2-40B4-BE49-F238E27FC236}">
+                <a16:creationId xmlns:a16="http://schemas.microsoft.com/office/drawing/2014/main" id="{4786B237-0C12-4E9D-838E-1B6B8E2447FD}"/>
+              </a:ext>
+            </a:extLst>
+          </p:cNvPr>
+          <p:cNvSpPr/>
+          <p:nvPr/>
+        </p:nvSpPr>
+        <p:spPr>
+          <a:xfrm>
+            <a:off x="3800126" y="3814571"/>
+            <a:ext cx="114767" cy="114767"/>
+          </a:xfrm>
+          <a:prstGeom prst="ellipse">
+            <a:avLst/>
+          </a:prstGeom>
+          <a:solidFill>
+            <a:schemeClr val="accent1">
+              <a:lumMod val="40000"/>
+              <a:lumOff val="60000"/>
+            </a:schemeClr>
+          </a:solidFill>
+          <a:ln>
+            <a:solidFill>
+              <a:schemeClr val="tx1"/>
+            </a:solidFill>
+          </a:ln>
+        </p:spPr>
+        <p:style>
+          <a:lnRef idx="2">
+            <a:schemeClr val="accent1">
+              <a:shade val="50000"/>
+            </a:schemeClr>
+          </a:lnRef>
+          <a:fillRef idx="1">
+            <a:schemeClr val="accent1"/>
+          </a:fillRef>
+          <a:effectRef idx="0">
+            <a:schemeClr val="accent1"/>
+          </a:effectRef>
+          <a:fontRef idx="minor">
+            <a:schemeClr val="lt1"/>
+          </a:fontRef>
+        </p:style>
+        <p:txBody>
+          <a:bodyPr rtlCol="0" anchor="ctr"/>
+          <a:lstStyle/>
+          <a:p>
+            <a:pPr algn="ctr"/>
+            <a:endParaRPr lang="en-US"/>
+          </a:p>
+        </p:txBody>
+      </p:sp>
+      <p:sp>
+        <p:nvSpPr>
+          <p:cNvPr id="323" name="Oval 50">
+            <a:extLst>
+              <a:ext uri="{FF2B5EF4-FFF2-40B4-BE49-F238E27FC236}">
+                <a16:creationId xmlns:a16="http://schemas.microsoft.com/office/drawing/2014/main" id="{F7E21F8F-5F61-400E-9CB7-EEFC5A0F4679}"/>
+              </a:ext>
+            </a:extLst>
+          </p:cNvPr>
+          <p:cNvSpPr/>
+          <p:nvPr/>
+        </p:nvSpPr>
+        <p:spPr>
+          <a:xfrm>
+            <a:off x="3153232" y="3512989"/>
+            <a:ext cx="114767" cy="114767"/>
+          </a:xfrm>
+          <a:prstGeom prst="ellipse">
+            <a:avLst/>
+          </a:prstGeom>
+          <a:noFill/>
+          <a:ln>
+            <a:solidFill>
+              <a:schemeClr val="tx1"/>
+            </a:solidFill>
+          </a:ln>
+        </p:spPr>
+        <p:style>
+          <a:lnRef idx="2">
+            <a:schemeClr val="accent1">
+              <a:shade val="50000"/>
+            </a:schemeClr>
+          </a:lnRef>
+          <a:fillRef idx="1">
+            <a:schemeClr val="accent1"/>
+          </a:fillRef>
+          <a:effectRef idx="0">
+            <a:schemeClr val="accent1"/>
+          </a:effectRef>
+          <a:fontRef idx="minor">
+            <a:schemeClr val="lt1"/>
+          </a:fontRef>
+        </p:style>
+        <p:txBody>
+          <a:bodyPr rtlCol="0" anchor="ctr"/>
+          <a:lstStyle/>
+          <a:p>
+            <a:pPr algn="ctr"/>
+            <a:endParaRPr lang="en-US"/>
+          </a:p>
+        </p:txBody>
+      </p:sp>
+      <p:sp>
+        <p:nvSpPr>
+          <p:cNvPr id="326" name="Oval 50">
+            <a:extLst>
+              <a:ext uri="{FF2B5EF4-FFF2-40B4-BE49-F238E27FC236}">
+                <a16:creationId xmlns:a16="http://schemas.microsoft.com/office/drawing/2014/main" id="{69A1217C-E3F1-4639-BEB6-5969B0A82BB5}"/>
+              </a:ext>
+            </a:extLst>
+          </p:cNvPr>
+          <p:cNvSpPr/>
+          <p:nvPr/>
+        </p:nvSpPr>
+        <p:spPr>
+          <a:xfrm>
+            <a:off x="2544574" y="3807440"/>
+            <a:ext cx="114767" cy="114767"/>
+          </a:xfrm>
+          <a:prstGeom prst="ellipse">
+            <a:avLst/>
+          </a:prstGeom>
+          <a:solidFill>
+            <a:schemeClr val="accent6">
+              <a:lumMod val="60000"/>
+              <a:lumOff val="40000"/>
+            </a:schemeClr>
+          </a:solidFill>
+          <a:ln>
+            <a:solidFill>
+              <a:schemeClr val="tx1"/>
+            </a:solidFill>
+          </a:ln>
+        </p:spPr>
+        <p:style>
+          <a:lnRef idx="2">
+            <a:schemeClr val="accent1">
+              <a:shade val="50000"/>
+            </a:schemeClr>
+          </a:lnRef>
+          <a:fillRef idx="1">
+            <a:schemeClr val="accent1"/>
+          </a:fillRef>
+          <a:effectRef idx="0">
+            <a:schemeClr val="accent1"/>
+          </a:effectRef>
+          <a:fontRef idx="minor">
+            <a:schemeClr val="lt1"/>
+          </a:fontRef>
+        </p:style>
+        <p:txBody>
+          <a:bodyPr rtlCol="0" anchor="ctr"/>
+          <a:lstStyle/>
+          <a:p>
+            <a:pPr algn="ctr"/>
+            <a:endParaRPr lang="en-US"/>
+          </a:p>
+        </p:txBody>
+      </p:sp>
+      <p:sp>
+        <p:nvSpPr>
+          <p:cNvPr id="327" name="Oval 50">
+            <a:extLst>
+              <a:ext uri="{FF2B5EF4-FFF2-40B4-BE49-F238E27FC236}">
+                <a16:creationId xmlns:a16="http://schemas.microsoft.com/office/drawing/2014/main" id="{5D93F6F8-BA0C-4EFD-9819-34A7006DC4C5}"/>
+              </a:ext>
+            </a:extLst>
+          </p:cNvPr>
+          <p:cNvSpPr/>
+          <p:nvPr/>
+        </p:nvSpPr>
+        <p:spPr>
+          <a:xfrm>
+            <a:off x="4399211" y="4112395"/>
+            <a:ext cx="114767" cy="114767"/>
+          </a:xfrm>
+          <a:prstGeom prst="ellipse">
+            <a:avLst/>
+          </a:prstGeom>
+          <a:noFill/>
+          <a:ln>
+            <a:solidFill>
+              <a:schemeClr val="tx1"/>
+            </a:solidFill>
+          </a:ln>
+        </p:spPr>
+        <p:style>
+          <a:lnRef idx="2">
+            <a:schemeClr val="accent1">
+              <a:shade val="50000"/>
+            </a:schemeClr>
+          </a:lnRef>
+          <a:fillRef idx="1">
+            <a:schemeClr val="accent1"/>
+          </a:fillRef>
+          <a:effectRef idx="0">
+            <a:schemeClr val="accent1"/>
+          </a:effectRef>
+          <a:fontRef idx="minor">
+            <a:schemeClr val="lt1"/>
+          </a:fontRef>
+        </p:style>
+        <p:txBody>
+          <a:bodyPr rtlCol="0" anchor="ctr"/>
+          <a:lstStyle/>
+          <a:p>
+            <a:pPr algn="ctr"/>
+            <a:endParaRPr lang="en-US"/>
+          </a:p>
+        </p:txBody>
+      </p:sp>
+      <p:sp>
+        <p:nvSpPr>
+          <p:cNvPr id="330" name="Oval 50">
+            <a:extLst>
+              <a:ext uri="{FF2B5EF4-FFF2-40B4-BE49-F238E27FC236}">
+                <a16:creationId xmlns:a16="http://schemas.microsoft.com/office/drawing/2014/main" id="{68CF2C03-BFA9-4C4E-A2AC-4078C155A8FA}"/>
+              </a:ext>
+            </a:extLst>
+          </p:cNvPr>
+          <p:cNvSpPr/>
+          <p:nvPr/>
+        </p:nvSpPr>
+        <p:spPr>
+          <a:xfrm>
+            <a:off x="3800126" y="4410156"/>
+            <a:ext cx="114767" cy="114767"/>
+          </a:xfrm>
+          <a:prstGeom prst="ellipse">
+            <a:avLst/>
+          </a:prstGeom>
+          <a:noFill/>
+          <a:ln>
+            <a:solidFill>
+              <a:schemeClr val="tx1"/>
+            </a:solidFill>
+          </a:ln>
+        </p:spPr>
+        <p:style>
+          <a:lnRef idx="2">
+            <a:schemeClr val="accent1">
+              <a:shade val="50000"/>
+            </a:schemeClr>
+          </a:lnRef>
+          <a:fillRef idx="1">
+            <a:schemeClr val="accent1"/>
+          </a:fillRef>
+          <a:effectRef idx="0">
+            <a:schemeClr val="accent1"/>
+          </a:effectRef>
+          <a:fontRef idx="minor">
+            <a:schemeClr val="lt1"/>
+          </a:fontRef>
+        </p:style>
+        <p:txBody>
+          <a:bodyPr rtlCol="0" anchor="ctr"/>
+          <a:lstStyle/>
+          <a:p>
+            <a:pPr algn="ctr"/>
+            <a:endParaRPr lang="en-US"/>
+          </a:p>
+        </p:txBody>
+      </p:sp>
+      <p:sp>
+        <p:nvSpPr>
+          <p:cNvPr id="332" name="Oval 50">
+            <a:extLst>
+              <a:ext uri="{FF2B5EF4-FFF2-40B4-BE49-F238E27FC236}">
+                <a16:creationId xmlns:a16="http://schemas.microsoft.com/office/drawing/2014/main" id="{21808AF7-F51B-4DB0-954B-DBB0A5A7C2FC}"/>
+              </a:ext>
+            </a:extLst>
+          </p:cNvPr>
+          <p:cNvSpPr/>
+          <p:nvPr/>
+        </p:nvSpPr>
+        <p:spPr>
+          <a:xfrm>
+            <a:off x="3153232" y="4108574"/>
+            <a:ext cx="114767" cy="114767"/>
+          </a:xfrm>
+          <a:prstGeom prst="ellipse">
+            <a:avLst/>
+          </a:prstGeom>
+          <a:solidFill>
+            <a:srgbClr val="FF0000"/>
+          </a:solidFill>
+          <a:ln>
+            <a:solidFill>
+              <a:schemeClr val="tx1"/>
+            </a:solidFill>
+          </a:ln>
+        </p:spPr>
+        <p:style>
+          <a:lnRef idx="2">
+            <a:schemeClr val="accent1">
+              <a:shade val="50000"/>
+            </a:schemeClr>
+          </a:lnRef>
+          <a:fillRef idx="1">
+            <a:schemeClr val="accent1"/>
+          </a:fillRef>
+          <a:effectRef idx="0">
+            <a:schemeClr val="accent1"/>
+          </a:effectRef>
+          <a:fontRef idx="minor">
+            <a:schemeClr val="lt1"/>
+          </a:fontRef>
+        </p:style>
+        <p:txBody>
+          <a:bodyPr rtlCol="0" anchor="ctr"/>
+          <a:lstStyle/>
+          <a:p>
+            <a:pPr algn="ctr"/>
+            <a:endParaRPr lang="en-US"/>
+          </a:p>
+        </p:txBody>
+      </p:sp>
+      <p:sp>
+        <p:nvSpPr>
+          <p:cNvPr id="334" name="Oval 50">
+            <a:extLst>
+              <a:ext uri="{FF2B5EF4-FFF2-40B4-BE49-F238E27FC236}">
+                <a16:creationId xmlns:a16="http://schemas.microsoft.com/office/drawing/2014/main" id="{900E4B6C-3F0E-49C9-8B43-013A49BF7B27}"/>
+              </a:ext>
+            </a:extLst>
+          </p:cNvPr>
+          <p:cNvSpPr/>
+          <p:nvPr/>
+        </p:nvSpPr>
+        <p:spPr>
+          <a:xfrm>
+            <a:off x="2544574" y="4403025"/>
+            <a:ext cx="114767" cy="114767"/>
+          </a:xfrm>
+          <a:prstGeom prst="ellipse">
+            <a:avLst/>
+          </a:prstGeom>
+          <a:noFill/>
+          <a:ln>
+            <a:solidFill>
+              <a:schemeClr val="tx1"/>
+            </a:solidFill>
+          </a:ln>
+        </p:spPr>
+        <p:style>
+          <a:lnRef idx="2">
+            <a:schemeClr val="accent1">
+              <a:shade val="50000"/>
+            </a:schemeClr>
+          </a:lnRef>
+          <a:fillRef idx="1">
+            <a:schemeClr val="accent1"/>
+          </a:fillRef>
+          <a:effectRef idx="0">
+            <a:schemeClr val="accent1"/>
+          </a:effectRef>
+          <a:fontRef idx="minor">
+            <a:schemeClr val="lt1"/>
+          </a:fontRef>
+        </p:style>
+        <p:txBody>
+          <a:bodyPr rtlCol="0" anchor="ctr"/>
+          <a:lstStyle/>
+          <a:p>
+            <a:pPr algn="ctr"/>
+            <a:endParaRPr lang="en-US"/>
+          </a:p>
+        </p:txBody>
+      </p:sp>
+      <p:sp>
+        <p:nvSpPr>
+          <p:cNvPr id="337" name="Oval 50">
+            <a:extLst>
+              <a:ext uri="{FF2B5EF4-FFF2-40B4-BE49-F238E27FC236}">
+                <a16:creationId xmlns:a16="http://schemas.microsoft.com/office/drawing/2014/main" id="{D8726C86-A4D9-4159-B181-1E3931250A9B}"/>
+              </a:ext>
+            </a:extLst>
+          </p:cNvPr>
+          <p:cNvSpPr/>
+          <p:nvPr/>
+        </p:nvSpPr>
+        <p:spPr>
+          <a:xfrm>
+            <a:off x="4391600" y="4712098"/>
+            <a:ext cx="114767" cy="114767"/>
+          </a:xfrm>
+          <a:prstGeom prst="ellipse">
+            <a:avLst/>
+          </a:prstGeom>
+          <a:solidFill>
+            <a:schemeClr val="accent1">
+              <a:lumMod val="40000"/>
+              <a:lumOff val="60000"/>
+            </a:schemeClr>
+          </a:solidFill>
+          <a:ln>
+            <a:solidFill>
+              <a:schemeClr val="tx1"/>
+            </a:solidFill>
+          </a:ln>
+        </p:spPr>
+        <p:style>
+          <a:lnRef idx="2">
+            <a:schemeClr val="accent1">
+              <a:shade val="50000"/>
+            </a:schemeClr>
+          </a:lnRef>
+          <a:fillRef idx="1">
+            <a:schemeClr val="accent1"/>
+          </a:fillRef>
+          <a:effectRef idx="0">
+            <a:schemeClr val="accent1"/>
+          </a:effectRef>
+          <a:fontRef idx="minor">
+            <a:schemeClr val="lt1"/>
+          </a:fontRef>
+        </p:style>
+        <p:txBody>
+          <a:bodyPr rtlCol="0" anchor="ctr"/>
+          <a:lstStyle/>
+          <a:p>
+            <a:pPr algn="ctr"/>
+            <a:endParaRPr lang="en-US"/>
+          </a:p>
+        </p:txBody>
+      </p:sp>
+      <p:sp>
+        <p:nvSpPr>
+          <p:cNvPr id="342" name="Oval 50">
+            <a:extLst>
+              <a:ext uri="{FF2B5EF4-FFF2-40B4-BE49-F238E27FC236}">
+                <a16:creationId xmlns:a16="http://schemas.microsoft.com/office/drawing/2014/main" id="{9088B9E2-A515-4B01-881F-E7C538F524DC}"/>
+              </a:ext>
+            </a:extLst>
+          </p:cNvPr>
+          <p:cNvSpPr/>
+          <p:nvPr/>
+        </p:nvSpPr>
+        <p:spPr>
+          <a:xfrm>
+            <a:off x="3792515" y="5009860"/>
+            <a:ext cx="114767" cy="114767"/>
+          </a:xfrm>
+          <a:prstGeom prst="ellipse">
+            <a:avLst/>
+          </a:prstGeom>
+          <a:solidFill>
+            <a:srgbClr val="FF0000"/>
+          </a:solidFill>
+          <a:ln>
+            <a:solidFill>
+              <a:schemeClr val="tx1"/>
+            </a:solidFill>
+          </a:ln>
+        </p:spPr>
+        <p:style>
+          <a:lnRef idx="2">
+            <a:schemeClr val="accent1">
+              <a:shade val="50000"/>
+            </a:schemeClr>
+          </a:lnRef>
+          <a:fillRef idx="1">
+            <a:schemeClr val="accent1"/>
+          </a:fillRef>
+          <a:effectRef idx="0">
+            <a:schemeClr val="accent1"/>
+          </a:effectRef>
+          <a:fontRef idx="minor">
+            <a:schemeClr val="lt1"/>
+          </a:fontRef>
+        </p:style>
+        <p:txBody>
+          <a:bodyPr rtlCol="0" anchor="ctr"/>
+          <a:lstStyle/>
+          <a:p>
+            <a:pPr algn="ctr"/>
+            <a:endParaRPr lang="en-US"/>
+          </a:p>
+        </p:txBody>
+      </p:sp>
+      <p:sp>
+        <p:nvSpPr>
+          <p:cNvPr id="346" name="Oval 50">
+            <a:extLst>
+              <a:ext uri="{FF2B5EF4-FFF2-40B4-BE49-F238E27FC236}">
+                <a16:creationId xmlns:a16="http://schemas.microsoft.com/office/drawing/2014/main" id="{E10C3AC0-D97E-4565-9A71-1F95B859A696}"/>
+              </a:ext>
+            </a:extLst>
+          </p:cNvPr>
+          <p:cNvSpPr/>
+          <p:nvPr/>
+        </p:nvSpPr>
+        <p:spPr>
+          <a:xfrm>
+            <a:off x="3145621" y="4708277"/>
+            <a:ext cx="114767" cy="114767"/>
+          </a:xfrm>
+          <a:prstGeom prst="ellipse">
+            <a:avLst/>
+          </a:prstGeom>
+          <a:solidFill>
+            <a:srgbClr val="FF0000"/>
+          </a:solidFill>
+          <a:ln>
+            <a:solidFill>
+              <a:schemeClr val="tx1"/>
+            </a:solidFill>
+          </a:ln>
+        </p:spPr>
+        <p:style>
+          <a:lnRef idx="2">
+            <a:schemeClr val="accent1">
+              <a:shade val="50000"/>
+            </a:schemeClr>
+          </a:lnRef>
+          <a:fillRef idx="1">
+            <a:schemeClr val="accent1"/>
+          </a:fillRef>
+          <a:effectRef idx="0">
+            <a:schemeClr val="accent1"/>
+          </a:effectRef>
+          <a:fontRef idx="minor">
+            <a:schemeClr val="lt1"/>
+          </a:fontRef>
+        </p:style>
+        <p:txBody>
+          <a:bodyPr rtlCol="0" anchor="ctr"/>
+          <a:lstStyle/>
+          <a:p>
+            <a:pPr algn="ctr"/>
+            <a:endParaRPr lang="en-US"/>
+          </a:p>
+        </p:txBody>
+      </p:sp>
+      <p:sp>
+        <p:nvSpPr>
+          <p:cNvPr id="347" name="Oval 50">
+            <a:extLst>
+              <a:ext uri="{FF2B5EF4-FFF2-40B4-BE49-F238E27FC236}">
+                <a16:creationId xmlns:a16="http://schemas.microsoft.com/office/drawing/2014/main" id="{691C3B72-A5AA-469B-9AF9-D189A0D452CC}"/>
+              </a:ext>
+            </a:extLst>
+          </p:cNvPr>
+          <p:cNvSpPr/>
+          <p:nvPr/>
+        </p:nvSpPr>
+        <p:spPr>
+          <a:xfrm>
+            <a:off x="2536963" y="5002728"/>
+            <a:ext cx="114767" cy="114767"/>
+          </a:xfrm>
+          <a:prstGeom prst="ellipse">
+            <a:avLst/>
+          </a:prstGeom>
+          <a:solidFill>
+            <a:schemeClr val="accent6">
+              <a:lumMod val="60000"/>
+              <a:lumOff val="40000"/>
+            </a:schemeClr>
+          </a:solidFill>
+          <a:ln>
+            <a:solidFill>
+              <a:schemeClr val="tx1"/>
+            </a:solidFill>
+          </a:ln>
+        </p:spPr>
+        <p:style>
+          <a:lnRef idx="2">
+            <a:schemeClr val="accent1">
+              <a:shade val="50000"/>
+            </a:schemeClr>
+          </a:lnRef>
+          <a:fillRef idx="1">
+            <a:schemeClr val="accent1"/>
+          </a:fillRef>
+          <a:effectRef idx="0">
+            <a:schemeClr val="accent1"/>
+          </a:effectRef>
+          <a:fontRef idx="minor">
+            <a:schemeClr val="lt1"/>
+          </a:fontRef>
+        </p:style>
+        <p:txBody>
+          <a:bodyPr rtlCol="0" anchor="ctr"/>
+          <a:lstStyle/>
+          <a:p>
+            <a:pPr algn="ctr"/>
+            <a:endParaRPr lang="en-US"/>
+          </a:p>
+        </p:txBody>
+      </p:sp>
+      <p:sp>
+        <p:nvSpPr>
+          <p:cNvPr id="350" name="Oval 50">
+            <a:extLst>
+              <a:ext uri="{FF2B5EF4-FFF2-40B4-BE49-F238E27FC236}">
+                <a16:creationId xmlns:a16="http://schemas.microsoft.com/office/drawing/2014/main" id="{6654C64E-385F-41BE-80D0-6ADC3B99AB77}"/>
+              </a:ext>
+            </a:extLst>
+          </p:cNvPr>
+          <p:cNvSpPr/>
+          <p:nvPr/>
+        </p:nvSpPr>
+        <p:spPr>
+          <a:xfrm>
+            <a:off x="4409347" y="5307765"/>
+            <a:ext cx="114767" cy="114767"/>
+          </a:xfrm>
+          <a:prstGeom prst="ellipse">
+            <a:avLst/>
+          </a:prstGeom>
+          <a:noFill/>
+          <a:ln>
+            <a:solidFill>
+              <a:schemeClr val="tx1"/>
+            </a:solidFill>
+          </a:ln>
+        </p:spPr>
+        <p:style>
+          <a:lnRef idx="2">
+            <a:schemeClr val="accent1">
+              <a:shade val="50000"/>
+            </a:schemeClr>
+          </a:lnRef>
+          <a:fillRef idx="1">
+            <a:schemeClr val="accent1"/>
+          </a:fillRef>
+          <a:effectRef idx="0">
+            <a:schemeClr val="accent1"/>
+          </a:effectRef>
+          <a:fontRef idx="minor">
+            <a:schemeClr val="lt1"/>
+          </a:fontRef>
+        </p:style>
+        <p:txBody>
+          <a:bodyPr rtlCol="0" anchor="ctr"/>
+          <a:lstStyle/>
+          <a:p>
+            <a:pPr algn="ctr"/>
+            <a:endParaRPr lang="en-US"/>
+          </a:p>
+        </p:txBody>
+      </p:sp>
+      <p:sp>
+        <p:nvSpPr>
+          <p:cNvPr id="352" name="Oval 50">
+            <a:extLst>
+              <a:ext uri="{FF2B5EF4-FFF2-40B4-BE49-F238E27FC236}">
+                <a16:creationId xmlns:a16="http://schemas.microsoft.com/office/drawing/2014/main" id="{96E143D8-3A5F-4352-B689-09B1AE0598CF}"/>
+              </a:ext>
+            </a:extLst>
+          </p:cNvPr>
+          <p:cNvSpPr/>
+          <p:nvPr/>
+        </p:nvSpPr>
+        <p:spPr>
+          <a:xfrm>
+            <a:off x="3810263" y="5605527"/>
+            <a:ext cx="114767" cy="114767"/>
+          </a:xfrm>
+          <a:prstGeom prst="ellipse">
+            <a:avLst/>
+          </a:prstGeom>
+          <a:solidFill>
+            <a:schemeClr val="accent6">
+              <a:lumMod val="60000"/>
+              <a:lumOff val="40000"/>
+            </a:schemeClr>
+          </a:solidFill>
+          <a:ln>
+            <a:solidFill>
+              <a:schemeClr val="tx1"/>
+            </a:solidFill>
+          </a:ln>
+        </p:spPr>
+        <p:style>
+          <a:lnRef idx="2">
+            <a:schemeClr val="accent1">
+              <a:shade val="50000"/>
+            </a:schemeClr>
+          </a:lnRef>
+          <a:fillRef idx="1">
+            <a:schemeClr val="accent1"/>
+          </a:fillRef>
+          <a:effectRef idx="0">
+            <a:schemeClr val="accent1"/>
+          </a:effectRef>
+          <a:fontRef idx="minor">
+            <a:schemeClr val="lt1"/>
+          </a:fontRef>
+        </p:style>
+        <p:txBody>
+          <a:bodyPr rtlCol="0" anchor="ctr"/>
+          <a:lstStyle/>
+          <a:p>
+            <a:pPr algn="ctr"/>
+            <a:endParaRPr lang="en-US"/>
+          </a:p>
+        </p:txBody>
+      </p:sp>
+      <p:sp>
+        <p:nvSpPr>
+          <p:cNvPr id="354" name="Oval 50">
+            <a:extLst>
+              <a:ext uri="{FF2B5EF4-FFF2-40B4-BE49-F238E27FC236}">
+                <a16:creationId xmlns:a16="http://schemas.microsoft.com/office/drawing/2014/main" id="{5C99C336-B744-4A45-8B84-111BFBB0354A}"/>
+              </a:ext>
+            </a:extLst>
+          </p:cNvPr>
+          <p:cNvSpPr/>
+          <p:nvPr/>
+        </p:nvSpPr>
+        <p:spPr>
+          <a:xfrm>
+            <a:off x="3163368" y="5303944"/>
+            <a:ext cx="114767" cy="114767"/>
+          </a:xfrm>
+          <a:prstGeom prst="ellipse">
+            <a:avLst/>
+          </a:prstGeom>
+          <a:noFill/>
+          <a:ln>
+            <a:solidFill>
+              <a:schemeClr val="tx1"/>
+            </a:solidFill>
+          </a:ln>
+        </p:spPr>
+        <p:style>
+          <a:lnRef idx="2">
+            <a:schemeClr val="accent1">
+              <a:shade val="50000"/>
+            </a:schemeClr>
+          </a:lnRef>
+          <a:fillRef idx="1">
+            <a:schemeClr val="accent1"/>
+          </a:fillRef>
+          <a:effectRef idx="0">
+            <a:schemeClr val="accent1"/>
+          </a:effectRef>
+          <a:fontRef idx="minor">
+            <a:schemeClr val="lt1"/>
+          </a:fontRef>
+        </p:style>
+        <p:txBody>
+          <a:bodyPr rtlCol="0" anchor="ctr"/>
+          <a:lstStyle/>
+          <a:p>
+            <a:pPr algn="ctr"/>
+            <a:endParaRPr lang="en-US"/>
+          </a:p>
+        </p:txBody>
+      </p:sp>
+      <p:sp>
+        <p:nvSpPr>
+          <p:cNvPr id="355" name="Oval 50">
+            <a:extLst>
+              <a:ext uri="{FF2B5EF4-FFF2-40B4-BE49-F238E27FC236}">
+                <a16:creationId xmlns:a16="http://schemas.microsoft.com/office/drawing/2014/main" id="{CDE4D4FB-CE7F-448F-8D74-1388F5E49139}"/>
+              </a:ext>
+            </a:extLst>
+          </p:cNvPr>
+          <p:cNvSpPr/>
+          <p:nvPr/>
+        </p:nvSpPr>
+        <p:spPr>
+          <a:xfrm>
+            <a:off x="2554710" y="5598395"/>
+            <a:ext cx="114767" cy="114767"/>
+          </a:xfrm>
+          <a:prstGeom prst="ellipse">
+            <a:avLst/>
+          </a:prstGeom>
+          <a:noFill/>
+          <a:ln>
+            <a:solidFill>
+              <a:schemeClr val="tx1"/>
+            </a:solidFill>
+          </a:ln>
+        </p:spPr>
+        <p:style>
+          <a:lnRef idx="2">
+            <a:schemeClr val="accent1">
+              <a:shade val="50000"/>
+            </a:schemeClr>
+          </a:lnRef>
+          <a:fillRef idx="1">
+            <a:schemeClr val="accent1"/>
+          </a:fillRef>
+          <a:effectRef idx="0">
+            <a:schemeClr val="accent1"/>
+          </a:effectRef>
+          <a:fontRef idx="minor">
+            <a:schemeClr val="lt1"/>
+          </a:fontRef>
+        </p:style>
+        <p:txBody>
+          <a:bodyPr rtlCol="0" anchor="ctr"/>
+          <a:lstStyle/>
+          <a:p>
+            <a:pPr algn="ctr"/>
+            <a:endParaRPr lang="en-US"/>
+          </a:p>
+        </p:txBody>
+      </p:sp>
+      <p:sp>
+        <p:nvSpPr>
+          <p:cNvPr id="368" name="Oval 50">
+            <a:extLst>
+              <a:ext uri="{FF2B5EF4-FFF2-40B4-BE49-F238E27FC236}">
+                <a16:creationId xmlns:a16="http://schemas.microsoft.com/office/drawing/2014/main" id="{F9141530-3434-4949-8500-DEAE1CD74108}"/>
+              </a:ext>
+            </a:extLst>
+          </p:cNvPr>
+          <p:cNvSpPr/>
+          <p:nvPr/>
+        </p:nvSpPr>
+        <p:spPr>
+          <a:xfrm>
+            <a:off x="4409232" y="5895935"/>
+            <a:ext cx="114767" cy="114767"/>
+          </a:xfrm>
+          <a:prstGeom prst="ellipse">
+            <a:avLst/>
+          </a:prstGeom>
+          <a:solidFill>
+            <a:schemeClr val="accent1">
+              <a:lumMod val="40000"/>
+              <a:lumOff val="60000"/>
+            </a:schemeClr>
+          </a:solidFill>
+          <a:ln>
+            <a:solidFill>
+              <a:schemeClr val="tx1"/>
+            </a:solidFill>
+          </a:ln>
+        </p:spPr>
+        <p:style>
+          <a:lnRef idx="2">
+            <a:schemeClr val="accent1">
+              <a:shade val="50000"/>
+            </a:schemeClr>
+          </a:lnRef>
+          <a:fillRef idx="1">
+            <a:schemeClr val="accent1"/>
+          </a:fillRef>
+          <a:effectRef idx="0">
+            <a:schemeClr val="accent1"/>
+          </a:effectRef>
+          <a:fontRef idx="minor">
+            <a:schemeClr val="lt1"/>
+          </a:fontRef>
+        </p:style>
+        <p:txBody>
+          <a:bodyPr rtlCol="0" anchor="ctr"/>
+          <a:lstStyle/>
+          <a:p>
+            <a:pPr algn="ctr"/>
+            <a:endParaRPr lang="en-US"/>
+          </a:p>
+        </p:txBody>
+      </p:sp>
+      <p:sp>
+        <p:nvSpPr>
+          <p:cNvPr id="370" name="Oval 50">
+            <a:extLst>
+              <a:ext uri="{FF2B5EF4-FFF2-40B4-BE49-F238E27FC236}">
+                <a16:creationId xmlns:a16="http://schemas.microsoft.com/office/drawing/2014/main" id="{0C3E6AB6-4379-47CD-8597-0DFCE30AF8DD}"/>
+              </a:ext>
+            </a:extLst>
+          </p:cNvPr>
+          <p:cNvSpPr/>
+          <p:nvPr/>
+        </p:nvSpPr>
+        <p:spPr>
+          <a:xfrm>
+            <a:off x="3810147" y="6193697"/>
+            <a:ext cx="114767" cy="114767"/>
+          </a:xfrm>
+          <a:prstGeom prst="ellipse">
+            <a:avLst/>
+          </a:prstGeom>
+          <a:solidFill>
+            <a:schemeClr val="accent6">
+              <a:lumMod val="60000"/>
+              <a:lumOff val="40000"/>
+            </a:schemeClr>
+          </a:solidFill>
+          <a:ln>
+            <a:solidFill>
+              <a:schemeClr val="tx1"/>
+            </a:solidFill>
+          </a:ln>
+        </p:spPr>
+        <p:style>
+          <a:lnRef idx="2">
+            <a:schemeClr val="accent1">
+              <a:shade val="50000"/>
+            </a:schemeClr>
+          </a:lnRef>
+          <a:fillRef idx="1">
+            <a:schemeClr val="accent1"/>
+          </a:fillRef>
+          <a:effectRef idx="0">
+            <a:schemeClr val="accent1"/>
+          </a:effectRef>
+          <a:fontRef idx="minor">
+            <a:schemeClr val="lt1"/>
+          </a:fontRef>
+        </p:style>
+        <p:txBody>
+          <a:bodyPr rtlCol="0" anchor="ctr"/>
+          <a:lstStyle/>
+          <a:p>
+            <a:pPr algn="ctr"/>
+            <a:endParaRPr lang="en-US"/>
+          </a:p>
+        </p:txBody>
+      </p:sp>
+      <p:sp>
+        <p:nvSpPr>
+          <p:cNvPr id="371" name="Oval 50">
+            <a:extLst>
+              <a:ext uri="{FF2B5EF4-FFF2-40B4-BE49-F238E27FC236}">
+                <a16:creationId xmlns:a16="http://schemas.microsoft.com/office/drawing/2014/main" id="{81D5380D-91A0-4732-84CF-BF3E23E5AEFC}"/>
+              </a:ext>
+            </a:extLst>
+          </p:cNvPr>
+          <p:cNvSpPr/>
+          <p:nvPr/>
+        </p:nvSpPr>
+        <p:spPr>
+          <a:xfrm>
+            <a:off x="3163253" y="5892114"/>
+            <a:ext cx="114767" cy="114767"/>
+          </a:xfrm>
+          <a:prstGeom prst="ellipse">
+            <a:avLst/>
+          </a:prstGeom>
+          <a:solidFill>
+            <a:srgbClr val="FF0000"/>
+          </a:solidFill>
+          <a:ln>
+            <a:solidFill>
+              <a:schemeClr val="tx1"/>
+            </a:solidFill>
+          </a:ln>
+        </p:spPr>
+        <p:style>
+          <a:lnRef idx="2">
+            <a:schemeClr val="accent1">
+              <a:shade val="50000"/>
+            </a:schemeClr>
+          </a:lnRef>
+          <a:fillRef idx="1">
+            <a:schemeClr val="accent1"/>
+          </a:fillRef>
+          <a:effectRef idx="0">
+            <a:schemeClr val="accent1"/>
+          </a:effectRef>
+          <a:fontRef idx="minor">
+            <a:schemeClr val="lt1"/>
+          </a:fontRef>
+        </p:style>
+        <p:txBody>
+          <a:bodyPr rtlCol="0" anchor="ctr"/>
+          <a:lstStyle/>
+          <a:p>
+            <a:pPr algn="ctr"/>
+            <a:endParaRPr lang="en-US"/>
+          </a:p>
+        </p:txBody>
+      </p:sp>
+      <p:sp>
+        <p:nvSpPr>
+          <p:cNvPr id="372" name="Oval 50">
+            <a:extLst>
+              <a:ext uri="{FF2B5EF4-FFF2-40B4-BE49-F238E27FC236}">
+                <a16:creationId xmlns:a16="http://schemas.microsoft.com/office/drawing/2014/main" id="{B2A97526-C16B-4A51-A82A-D93522511A2A}"/>
+              </a:ext>
+            </a:extLst>
+          </p:cNvPr>
+          <p:cNvSpPr/>
+          <p:nvPr/>
+        </p:nvSpPr>
+        <p:spPr>
+          <a:xfrm>
+            <a:off x="2554594" y="6186565"/>
+            <a:ext cx="114767" cy="114767"/>
+          </a:xfrm>
+          <a:prstGeom prst="ellipse">
+            <a:avLst/>
+          </a:prstGeom>
+          <a:noFill/>
+          <a:ln>
+            <a:solidFill>
+              <a:schemeClr val="tx1"/>
+            </a:solidFill>
+          </a:ln>
+        </p:spPr>
+        <p:style>
+          <a:lnRef idx="2">
+            <a:schemeClr val="accent1">
+              <a:shade val="50000"/>
+            </a:schemeClr>
+          </a:lnRef>
+          <a:fillRef idx="1">
+            <a:schemeClr val="accent1"/>
+          </a:fillRef>
+          <a:effectRef idx="0">
+            <a:schemeClr val="accent1"/>
+          </a:effectRef>
+          <a:fontRef idx="minor">
+            <a:schemeClr val="lt1"/>
+          </a:fontRef>
+        </p:style>
+        <p:txBody>
+          <a:bodyPr rtlCol="0" anchor="ctr"/>
+          <a:lstStyle/>
+          <a:p>
+            <a:pPr algn="ctr"/>
+            <a:endParaRPr lang="en-US"/>
+          </a:p>
+        </p:txBody>
+      </p:sp>
+      <p:cxnSp>
+        <p:nvCxnSpPr>
+          <p:cNvPr id="473" name="Gerader Verbinder 301">
+            <a:extLst>
+              <a:ext uri="{FF2B5EF4-FFF2-40B4-BE49-F238E27FC236}">
+                <a16:creationId xmlns:a16="http://schemas.microsoft.com/office/drawing/2014/main" id="{6DCEF2BE-1EA9-4472-B5E6-E35EBF6E48E6}"/>
+              </a:ext>
+            </a:extLst>
+          </p:cNvPr>
+          <p:cNvCxnSpPr>
+            <a:stCxn id="314" idx="1"/>
+            <a:endCxn id="332" idx="1"/>
+          </p:cNvCxnSpPr>
+          <p:nvPr/>
+        </p:nvCxnSpPr>
+        <p:spPr>
+          <a:xfrm flipH="1">
+            <a:off x="3170039" y="2938031"/>
+            <a:ext cx="1244714" cy="1187350"/>
+          </a:xfrm>
+          <a:prstGeom prst="line">
+            <a:avLst/>
+          </a:prstGeom>
+          <a:ln w="19050">
+            <a:solidFill>
+              <a:srgbClr val="FF0000"/>
+            </a:solidFill>
+          </a:ln>
+        </p:spPr>
+        <p:style>
+          <a:lnRef idx="1">
+            <a:schemeClr val="accent1"/>
+          </a:lnRef>
+          <a:fillRef idx="0">
+            <a:schemeClr val="accent1"/>
+          </a:fillRef>
+          <a:effectRef idx="0">
+            <a:schemeClr val="accent1"/>
+          </a:effectRef>
+          <a:fontRef idx="minor">
+            <a:schemeClr val="tx1"/>
+          </a:fontRef>
+        </p:style>
+      </p:cxnSp>
+      <p:cxnSp>
+        <p:nvCxnSpPr>
+          <p:cNvPr id="474" name="Gerader Verbinder 302">
+            <a:extLst>
+              <a:ext uri="{FF2B5EF4-FFF2-40B4-BE49-F238E27FC236}">
+                <a16:creationId xmlns:a16="http://schemas.microsoft.com/office/drawing/2014/main" id="{49C0C081-42C2-46FF-A465-7245B000BCBF}"/>
+              </a:ext>
+            </a:extLst>
+          </p:cNvPr>
+          <p:cNvCxnSpPr>
+            <a:stCxn id="314" idx="5"/>
+            <a:endCxn id="332" idx="5"/>
+          </p:cNvCxnSpPr>
+          <p:nvPr/>
+        </p:nvCxnSpPr>
+        <p:spPr>
+          <a:xfrm flipH="1">
+            <a:off x="3251192" y="3019184"/>
+            <a:ext cx="1244714" cy="1187350"/>
+          </a:xfrm>
+          <a:prstGeom prst="line">
+            <a:avLst/>
+          </a:prstGeom>
+          <a:ln w="19050">
+            <a:solidFill>
+              <a:srgbClr val="FF0000"/>
+            </a:solidFill>
+          </a:ln>
+        </p:spPr>
+        <p:style>
+          <a:lnRef idx="1">
+            <a:schemeClr val="accent1"/>
+          </a:lnRef>
+          <a:fillRef idx="0">
+            <a:schemeClr val="accent1"/>
+          </a:fillRef>
+          <a:effectRef idx="0">
+            <a:schemeClr val="accent1"/>
+          </a:effectRef>
+          <a:fontRef idx="minor">
+            <a:schemeClr val="tx1"/>
+          </a:fontRef>
+        </p:style>
+      </p:cxnSp>
+      <p:cxnSp>
+        <p:nvCxnSpPr>
+          <p:cNvPr id="475" name="Gerader Verbinder 305">
+            <a:extLst>
+              <a:ext uri="{FF2B5EF4-FFF2-40B4-BE49-F238E27FC236}">
+                <a16:creationId xmlns:a16="http://schemas.microsoft.com/office/drawing/2014/main" id="{BB4CBD62-6B0A-479D-9212-3B6365164A89}"/>
+              </a:ext>
+            </a:extLst>
+          </p:cNvPr>
+          <p:cNvCxnSpPr>
+            <a:stCxn id="342" idx="7"/>
+            <a:endCxn id="346" idx="7"/>
+          </p:cNvCxnSpPr>
+          <p:nvPr/>
+        </p:nvCxnSpPr>
+        <p:spPr>
+          <a:xfrm flipH="1" flipV="1">
+            <a:off x="3243581" y="4725084"/>
+            <a:ext cx="646894" cy="301583"/>
+          </a:xfrm>
+          <a:prstGeom prst="line">
+            <a:avLst/>
+          </a:prstGeom>
+          <a:ln w="19050">
+            <a:solidFill>
+              <a:srgbClr val="FF0000"/>
+            </a:solidFill>
+          </a:ln>
+        </p:spPr>
+        <p:style>
+          <a:lnRef idx="1">
+            <a:schemeClr val="accent1"/>
+          </a:lnRef>
+          <a:fillRef idx="0">
+            <a:schemeClr val="accent1"/>
+          </a:fillRef>
+          <a:effectRef idx="0">
+            <a:schemeClr val="accent1"/>
+          </a:effectRef>
+          <a:fontRef idx="minor">
+            <a:schemeClr val="tx1"/>
+          </a:fontRef>
+        </p:style>
+      </p:cxnSp>
+      <p:cxnSp>
+        <p:nvCxnSpPr>
+          <p:cNvPr id="476" name="Gerader Verbinder 309">
+            <a:extLst>
+              <a:ext uri="{FF2B5EF4-FFF2-40B4-BE49-F238E27FC236}">
+                <a16:creationId xmlns:a16="http://schemas.microsoft.com/office/drawing/2014/main" id="{126EA73D-10A2-42F6-B775-BAE2459926AF}"/>
+              </a:ext>
+            </a:extLst>
+          </p:cNvPr>
+          <p:cNvCxnSpPr>
+            <a:stCxn id="342" idx="3"/>
+            <a:endCxn id="346" idx="3"/>
+          </p:cNvCxnSpPr>
+          <p:nvPr/>
+        </p:nvCxnSpPr>
+        <p:spPr>
+          <a:xfrm flipH="1" flipV="1">
+            <a:off x="3162428" y="4806237"/>
+            <a:ext cx="646894" cy="301583"/>
+          </a:xfrm>
+          <a:prstGeom prst="line">
+            <a:avLst/>
+          </a:prstGeom>
+          <a:ln w="19050">
+            <a:solidFill>
+              <a:srgbClr val="FF0000"/>
+            </a:solidFill>
+          </a:ln>
+        </p:spPr>
+        <p:style>
+          <a:lnRef idx="1">
+            <a:schemeClr val="accent1"/>
+          </a:lnRef>
+          <a:fillRef idx="0">
+            <a:schemeClr val="accent1"/>
+          </a:fillRef>
+          <a:effectRef idx="0">
+            <a:schemeClr val="accent1"/>
+          </a:effectRef>
+          <a:fontRef idx="minor">
+            <a:schemeClr val="tx1"/>
+          </a:fontRef>
+        </p:style>
+      </p:cxnSp>
+      <p:cxnSp>
+        <p:nvCxnSpPr>
+          <p:cNvPr id="477" name="Gerader Verbinder 323">
+            <a:extLst>
+              <a:ext uri="{FF2B5EF4-FFF2-40B4-BE49-F238E27FC236}">
+                <a16:creationId xmlns:a16="http://schemas.microsoft.com/office/drawing/2014/main" id="{B8C7DE4D-3C3A-44C8-A59C-D7C6140ABE22}"/>
+              </a:ext>
+            </a:extLst>
+          </p:cNvPr>
+          <p:cNvCxnSpPr>
+            <a:stCxn id="297" idx="2"/>
+            <a:endCxn id="326" idx="1"/>
+          </p:cNvCxnSpPr>
+          <p:nvPr/>
+        </p:nvCxnSpPr>
+        <p:spPr>
+          <a:xfrm flipH="1">
+            <a:off x="2561381" y="2683132"/>
+            <a:ext cx="1248882" cy="1141115"/>
+          </a:xfrm>
+          <a:prstGeom prst="line">
+            <a:avLst/>
+          </a:prstGeom>
+          <a:ln w="19050">
+            <a:solidFill>
+              <a:schemeClr val="accent6"/>
+            </a:solidFill>
+          </a:ln>
+        </p:spPr>
+        <p:style>
+          <a:lnRef idx="1">
+            <a:schemeClr val="accent1"/>
+          </a:lnRef>
+          <a:fillRef idx="0">
+            <a:schemeClr val="accent1"/>
+          </a:fillRef>
+          <a:effectRef idx="0">
+            <a:schemeClr val="accent1"/>
+          </a:effectRef>
+          <a:fontRef idx="minor">
+            <a:schemeClr val="tx1"/>
+          </a:fontRef>
+        </p:style>
+      </p:cxnSp>
+      <p:cxnSp>
+        <p:nvCxnSpPr>
+          <p:cNvPr id="478" name="Gerader Verbinder 324">
+            <a:extLst>
+              <a:ext uri="{FF2B5EF4-FFF2-40B4-BE49-F238E27FC236}">
+                <a16:creationId xmlns:a16="http://schemas.microsoft.com/office/drawing/2014/main" id="{12027CC1-8E46-4B18-AD14-30DC5C0678B3}"/>
+              </a:ext>
+            </a:extLst>
+          </p:cNvPr>
+          <p:cNvCxnSpPr>
+            <a:stCxn id="297" idx="5"/>
+            <a:endCxn id="326" idx="5"/>
+          </p:cNvCxnSpPr>
+          <p:nvPr/>
+        </p:nvCxnSpPr>
+        <p:spPr>
+          <a:xfrm flipH="1">
+            <a:off x="2642534" y="2723708"/>
+            <a:ext cx="1265689" cy="1181692"/>
+          </a:xfrm>
+          <a:prstGeom prst="line">
+            <a:avLst/>
+          </a:prstGeom>
+          <a:ln w="19050">
+            <a:solidFill>
+              <a:schemeClr val="accent6"/>
+            </a:solidFill>
+          </a:ln>
+        </p:spPr>
+        <p:style>
+          <a:lnRef idx="1">
+            <a:schemeClr val="accent1"/>
+          </a:lnRef>
+          <a:fillRef idx="0">
+            <a:schemeClr val="accent1"/>
+          </a:fillRef>
+          <a:effectRef idx="0">
+            <a:schemeClr val="accent1"/>
+          </a:effectRef>
+          <a:fontRef idx="minor">
+            <a:schemeClr val="tx1"/>
+          </a:fontRef>
+        </p:style>
+      </p:cxnSp>
+      <p:cxnSp>
+        <p:nvCxnSpPr>
+          <p:cNvPr id="479" name="Gerader Verbinder 327">
+            <a:extLst>
+              <a:ext uri="{FF2B5EF4-FFF2-40B4-BE49-F238E27FC236}">
+                <a16:creationId xmlns:a16="http://schemas.microsoft.com/office/drawing/2014/main" id="{2BE13AB1-00EA-4271-B063-074F60925622}"/>
+              </a:ext>
+            </a:extLst>
+          </p:cNvPr>
+          <p:cNvCxnSpPr>
+            <a:stCxn id="347" idx="3"/>
+            <a:endCxn id="352" idx="3"/>
+          </p:cNvCxnSpPr>
+          <p:nvPr/>
+        </p:nvCxnSpPr>
+        <p:spPr>
+          <a:xfrm>
+            <a:off x="2553770" y="5100688"/>
+            <a:ext cx="1273300" cy="602799"/>
+          </a:xfrm>
+          <a:prstGeom prst="line">
+            <a:avLst/>
+          </a:prstGeom>
+          <a:ln w="19050">
+            <a:solidFill>
+              <a:schemeClr val="accent6"/>
+            </a:solidFill>
+          </a:ln>
+        </p:spPr>
+        <p:style>
+          <a:lnRef idx="1">
+            <a:schemeClr val="accent1"/>
+          </a:lnRef>
+          <a:fillRef idx="0">
+            <a:schemeClr val="accent1"/>
+          </a:fillRef>
+          <a:effectRef idx="0">
+            <a:schemeClr val="accent1"/>
+          </a:effectRef>
+          <a:fontRef idx="minor">
+            <a:schemeClr val="tx1"/>
+          </a:fontRef>
+        </p:style>
+      </p:cxnSp>
+      <p:cxnSp>
+        <p:nvCxnSpPr>
+          <p:cNvPr id="480" name="Gerader Verbinder 328">
+            <a:extLst>
+              <a:ext uri="{FF2B5EF4-FFF2-40B4-BE49-F238E27FC236}">
+                <a16:creationId xmlns:a16="http://schemas.microsoft.com/office/drawing/2014/main" id="{025E432E-DA06-442E-8D5E-71182B23DA18}"/>
+              </a:ext>
+            </a:extLst>
+          </p:cNvPr>
+          <p:cNvCxnSpPr>
+            <a:stCxn id="347" idx="7"/>
+            <a:endCxn id="352" idx="0"/>
+          </p:cNvCxnSpPr>
+          <p:nvPr/>
+        </p:nvCxnSpPr>
+        <p:spPr>
+          <a:xfrm>
+            <a:off x="2634923" y="5019535"/>
+            <a:ext cx="1232724" cy="585992"/>
+          </a:xfrm>
+          <a:prstGeom prst="line">
+            <a:avLst/>
+          </a:prstGeom>
+          <a:ln w="19050">
+            <a:solidFill>
+              <a:schemeClr val="accent6"/>
+            </a:solidFill>
+          </a:ln>
+        </p:spPr>
+        <p:style>
+          <a:lnRef idx="1">
+            <a:schemeClr val="accent1"/>
+          </a:lnRef>
+          <a:fillRef idx="0">
+            <a:schemeClr val="accent1"/>
+          </a:fillRef>
+          <a:effectRef idx="0">
+            <a:schemeClr val="accent1"/>
+          </a:effectRef>
+          <a:fontRef idx="minor">
+            <a:schemeClr val="tx1"/>
+          </a:fontRef>
+        </p:style>
+      </p:cxnSp>
+      <p:cxnSp>
+        <p:nvCxnSpPr>
+          <p:cNvPr id="481" name="Gerader Verbinder 339">
+            <a:extLst>
+              <a:ext uri="{FF2B5EF4-FFF2-40B4-BE49-F238E27FC236}">
+                <a16:creationId xmlns:a16="http://schemas.microsoft.com/office/drawing/2014/main" id="{A0A70EC8-0984-4172-9347-47F99B0334E9}"/>
+              </a:ext>
+            </a:extLst>
+          </p:cNvPr>
+          <p:cNvCxnSpPr>
+            <a:stCxn id="313" idx="2"/>
+            <a:endCxn id="320" idx="2"/>
+          </p:cNvCxnSpPr>
+          <p:nvPr/>
+        </p:nvCxnSpPr>
+        <p:spPr>
+          <a:xfrm flipH="1">
+            <a:off x="2543309" y="2676000"/>
+            <a:ext cx="11401" cy="593238"/>
+          </a:xfrm>
+          <a:prstGeom prst="line">
+            <a:avLst/>
+          </a:prstGeom>
+          <a:ln w="19050">
+            <a:solidFill>
+              <a:schemeClr val="accent1"/>
+            </a:solidFill>
+          </a:ln>
+        </p:spPr>
+        <p:style>
+          <a:lnRef idx="1">
+            <a:schemeClr val="accent1"/>
+          </a:lnRef>
+          <a:fillRef idx="0">
+            <a:schemeClr val="accent1"/>
+          </a:fillRef>
+          <a:effectRef idx="0">
+            <a:schemeClr val="accent1"/>
+          </a:effectRef>
+          <a:fontRef idx="minor">
+            <a:schemeClr val="tx1"/>
+          </a:fontRef>
+        </p:style>
+      </p:cxnSp>
+      <p:cxnSp>
+        <p:nvCxnSpPr>
+          <p:cNvPr id="482" name="Gerader Verbinder 340">
+            <a:extLst>
+              <a:ext uri="{FF2B5EF4-FFF2-40B4-BE49-F238E27FC236}">
+                <a16:creationId xmlns:a16="http://schemas.microsoft.com/office/drawing/2014/main" id="{D02F4C3B-397E-4C02-8A05-567C716BC43E}"/>
+              </a:ext>
+            </a:extLst>
+          </p:cNvPr>
+          <p:cNvCxnSpPr>
+            <a:stCxn id="313" idx="6"/>
+            <a:endCxn id="320" idx="6"/>
+          </p:cNvCxnSpPr>
+          <p:nvPr/>
+        </p:nvCxnSpPr>
+        <p:spPr>
+          <a:xfrm flipH="1">
+            <a:off x="2658076" y="2676000"/>
+            <a:ext cx="11401" cy="593238"/>
+          </a:xfrm>
+          <a:prstGeom prst="line">
+            <a:avLst/>
+          </a:prstGeom>
+          <a:ln w="19050">
+            <a:solidFill>
+              <a:schemeClr val="accent1"/>
+            </a:solidFill>
+          </a:ln>
+        </p:spPr>
+        <p:style>
+          <a:lnRef idx="1">
+            <a:schemeClr val="accent1"/>
+          </a:lnRef>
+          <a:fillRef idx="0">
+            <a:schemeClr val="accent1"/>
+          </a:fillRef>
+          <a:effectRef idx="0">
+            <a:schemeClr val="accent1"/>
+          </a:effectRef>
+          <a:fontRef idx="minor">
+            <a:schemeClr val="tx1"/>
+          </a:fontRef>
+        </p:style>
+      </p:cxnSp>
+      <p:cxnSp>
+        <p:nvCxnSpPr>
+          <p:cNvPr id="483" name="Gerader Verbinder 359">
+            <a:extLst>
+              <a:ext uri="{FF2B5EF4-FFF2-40B4-BE49-F238E27FC236}">
+                <a16:creationId xmlns:a16="http://schemas.microsoft.com/office/drawing/2014/main" id="{43AEFD27-244A-4628-921D-A94AE6048E38}"/>
+              </a:ext>
+            </a:extLst>
+          </p:cNvPr>
+          <p:cNvCxnSpPr>
+            <a:stCxn id="322" idx="3"/>
+            <a:endCxn id="337" idx="2"/>
+          </p:cNvCxnSpPr>
+          <p:nvPr/>
+        </p:nvCxnSpPr>
+        <p:spPr>
+          <a:xfrm>
+            <a:off x="3816933" y="3912531"/>
+            <a:ext cx="574667" cy="856951"/>
+          </a:xfrm>
+          <a:prstGeom prst="line">
+            <a:avLst/>
+          </a:prstGeom>
+          <a:ln w="19050">
+            <a:solidFill>
+              <a:schemeClr val="accent1"/>
+            </a:solidFill>
+          </a:ln>
+        </p:spPr>
+        <p:style>
+          <a:lnRef idx="1">
+            <a:schemeClr val="accent1"/>
+          </a:lnRef>
+          <a:fillRef idx="0">
+            <a:schemeClr val="accent1"/>
+          </a:fillRef>
+          <a:effectRef idx="0">
+            <a:schemeClr val="accent1"/>
+          </a:effectRef>
+          <a:fontRef idx="minor">
+            <a:schemeClr val="tx1"/>
+          </a:fontRef>
+        </p:style>
+      </p:cxnSp>
+      <p:cxnSp>
+        <p:nvCxnSpPr>
+          <p:cNvPr id="484" name="Gerader Verbinder 360">
+            <a:extLst>
+              <a:ext uri="{FF2B5EF4-FFF2-40B4-BE49-F238E27FC236}">
+                <a16:creationId xmlns:a16="http://schemas.microsoft.com/office/drawing/2014/main" id="{78482CAB-DDC8-4B62-BD39-A05E442A7879}"/>
+              </a:ext>
+            </a:extLst>
+          </p:cNvPr>
+          <p:cNvCxnSpPr>
+            <a:stCxn id="322" idx="7"/>
+            <a:endCxn id="337" idx="7"/>
+          </p:cNvCxnSpPr>
+          <p:nvPr/>
+        </p:nvCxnSpPr>
+        <p:spPr>
+          <a:xfrm>
+            <a:off x="3898086" y="3831378"/>
+            <a:ext cx="591474" cy="897527"/>
+          </a:xfrm>
+          <a:prstGeom prst="line">
+            <a:avLst/>
+          </a:prstGeom>
+          <a:ln w="19050">
+            <a:solidFill>
+              <a:schemeClr val="accent1"/>
+            </a:solidFill>
+          </a:ln>
+        </p:spPr>
+        <p:style>
+          <a:lnRef idx="1">
+            <a:schemeClr val="accent1"/>
+          </a:lnRef>
+          <a:fillRef idx="0">
+            <a:schemeClr val="accent1"/>
+          </a:fillRef>
+          <a:effectRef idx="0">
+            <a:schemeClr val="accent1"/>
+          </a:effectRef>
+          <a:fontRef idx="minor">
+            <a:schemeClr val="tx1"/>
+          </a:fontRef>
+        </p:style>
+      </p:cxnSp>
+      <p:sp>
+        <p:nvSpPr>
+          <p:cNvPr id="485" name="TextBox 80">
+            <a:extLst>
+              <a:ext uri="{FF2B5EF4-FFF2-40B4-BE49-F238E27FC236}">
+                <a16:creationId xmlns:a16="http://schemas.microsoft.com/office/drawing/2014/main" id="{EDDCAC32-5CFE-44F9-BA40-67E28C42003C}"/>
+              </a:ext>
+            </a:extLst>
+          </p:cNvPr>
+          <p:cNvSpPr txBox="1"/>
+          <p:nvPr/>
+        </p:nvSpPr>
+        <p:spPr>
+          <a:xfrm>
+            <a:off x="4485874" y="2868931"/>
+            <a:ext cx="404212" cy="230832"/>
+          </a:xfrm>
+          <a:prstGeom prst="rect">
+            <a:avLst/>
+          </a:prstGeom>
+          <a:noFill/>
+        </p:spPr>
+        <p:txBody>
+          <a:bodyPr wrap="square" rtlCol="0">
+            <a:spAutoFit/>
+          </a:bodyPr>
+          <a:lstStyle/>
+          <a:p>
+            <a:r>
+              <a:rPr lang="de-DE" sz="900" dirty="0"/>
+              <a:t>1.4</a:t>
+            </a:r>
+            <a:endParaRPr lang="en-US" sz="900" dirty="0"/>
+          </a:p>
+        </p:txBody>
+      </p:sp>
+      <p:sp>
+        <p:nvSpPr>
+          <p:cNvPr id="486" name="TextBox 80">
+            <a:extLst>
+              <a:ext uri="{FF2B5EF4-FFF2-40B4-BE49-F238E27FC236}">
+                <a16:creationId xmlns:a16="http://schemas.microsoft.com/office/drawing/2014/main" id="{8C3365DB-3BBF-40C8-9076-B6DE8E2C92B2}"/>
+              </a:ext>
+            </a:extLst>
+          </p:cNvPr>
+          <p:cNvSpPr txBox="1"/>
+          <p:nvPr/>
+        </p:nvSpPr>
+        <p:spPr>
+          <a:xfrm>
+            <a:off x="4507209" y="1666477"/>
+            <a:ext cx="532226" cy="230832"/>
+          </a:xfrm>
+          <a:prstGeom prst="rect">
+            <a:avLst/>
+          </a:prstGeom>
+          <a:noFill/>
+        </p:spPr>
+        <p:txBody>
+          <a:bodyPr wrap="square" rtlCol="0">
+            <a:spAutoFit/>
+          </a:bodyPr>
+          <a:lstStyle/>
+          <a:p>
+            <a:r>
+              <a:rPr lang="de-DE" sz="900" b="1" dirty="0"/>
+              <a:t>1.1 IN</a:t>
+            </a:r>
+            <a:endParaRPr lang="en-US" sz="900" b="1" dirty="0"/>
+          </a:p>
+        </p:txBody>
+      </p:sp>
+      <p:sp>
+        <p:nvSpPr>
+          <p:cNvPr id="487" name="TextBox 86">
+            <a:extLst>
+              <a:ext uri="{FF2B5EF4-FFF2-40B4-BE49-F238E27FC236}">
+                <a16:creationId xmlns:a16="http://schemas.microsoft.com/office/drawing/2014/main" id="{790D7F73-DF9D-470C-ACEC-76C3799B5EEF}"/>
+              </a:ext>
+            </a:extLst>
+          </p:cNvPr>
+          <p:cNvSpPr txBox="1"/>
+          <p:nvPr/>
+        </p:nvSpPr>
+        <p:spPr>
+          <a:xfrm>
+            <a:off x="2889576" y="4640386"/>
+            <a:ext cx="404212" cy="230832"/>
+          </a:xfrm>
+          <a:prstGeom prst="rect">
+            <a:avLst/>
+          </a:prstGeom>
+          <a:noFill/>
+        </p:spPr>
+        <p:txBody>
+          <a:bodyPr wrap="square" rtlCol="0">
+            <a:spAutoFit/>
+          </a:bodyPr>
+          <a:lstStyle/>
+          <a:p>
+            <a:r>
+              <a:rPr lang="de-DE" sz="900" dirty="0"/>
+              <a:t>1.8</a:t>
+            </a:r>
+            <a:endParaRPr lang="en-US" sz="900" dirty="0"/>
+          </a:p>
+        </p:txBody>
+      </p:sp>
+      <p:cxnSp>
+        <p:nvCxnSpPr>
+          <p:cNvPr id="488" name="Gerader Verbinder 147">
+            <a:extLst>
+              <a:ext uri="{FF2B5EF4-FFF2-40B4-BE49-F238E27FC236}">
+                <a16:creationId xmlns:a16="http://schemas.microsoft.com/office/drawing/2014/main" id="{CF215E4B-E55F-4EC0-9689-602FDD249ECD}"/>
+              </a:ext>
+            </a:extLst>
+          </p:cNvPr>
+          <p:cNvCxnSpPr>
+            <a:stCxn id="294" idx="2"/>
+            <a:endCxn id="297" idx="2"/>
+          </p:cNvCxnSpPr>
+          <p:nvPr/>
+        </p:nvCxnSpPr>
+        <p:spPr>
+          <a:xfrm>
+            <a:off x="3154384" y="1783811"/>
+            <a:ext cx="655879" cy="899321"/>
+          </a:xfrm>
+          <a:prstGeom prst="line">
+            <a:avLst/>
+          </a:prstGeom>
+          <a:ln>
+            <a:solidFill>
+              <a:schemeClr val="accent6"/>
+            </a:solidFill>
+            <a:prstDash val="sysDot"/>
+          </a:ln>
+        </p:spPr>
+        <p:style>
+          <a:lnRef idx="1">
+            <a:schemeClr val="accent1"/>
+          </a:lnRef>
+          <a:fillRef idx="0">
+            <a:schemeClr val="accent1"/>
+          </a:fillRef>
+          <a:effectRef idx="0">
+            <a:schemeClr val="accent1"/>
+          </a:effectRef>
+          <a:fontRef idx="minor">
+            <a:schemeClr val="tx1"/>
+          </a:fontRef>
+        </p:style>
+      </p:cxnSp>
+      <p:cxnSp>
+        <p:nvCxnSpPr>
+          <p:cNvPr id="489" name="Gerader Verbinder 150">
+            <a:extLst>
+              <a:ext uri="{FF2B5EF4-FFF2-40B4-BE49-F238E27FC236}">
+                <a16:creationId xmlns:a16="http://schemas.microsoft.com/office/drawing/2014/main" id="{E4B6423C-DC50-4777-BB35-8671B7CC8006}"/>
+              </a:ext>
+            </a:extLst>
+          </p:cNvPr>
+          <p:cNvCxnSpPr>
+            <a:stCxn id="294" idx="7"/>
+            <a:endCxn id="297" idx="7"/>
+          </p:cNvCxnSpPr>
+          <p:nvPr/>
+        </p:nvCxnSpPr>
+        <p:spPr>
+          <a:xfrm>
+            <a:off x="3252344" y="1743234"/>
+            <a:ext cx="655879" cy="899321"/>
+          </a:xfrm>
+          <a:prstGeom prst="line">
+            <a:avLst/>
+          </a:prstGeom>
+          <a:ln>
+            <a:solidFill>
+              <a:schemeClr val="accent6"/>
+            </a:solidFill>
+            <a:prstDash val="sysDot"/>
+          </a:ln>
+        </p:spPr>
+        <p:style>
+          <a:lnRef idx="1">
+            <a:schemeClr val="accent1"/>
+          </a:lnRef>
+          <a:fillRef idx="0">
+            <a:schemeClr val="accent1"/>
+          </a:fillRef>
+          <a:effectRef idx="0">
+            <a:schemeClr val="accent1"/>
+          </a:effectRef>
+          <a:fontRef idx="minor">
+            <a:schemeClr val="tx1"/>
+          </a:fontRef>
+        </p:style>
+      </p:cxnSp>
+      <p:cxnSp>
+        <p:nvCxnSpPr>
+          <p:cNvPr id="490" name="Gerader Verbinder 155">
+            <a:extLst>
+              <a:ext uri="{FF2B5EF4-FFF2-40B4-BE49-F238E27FC236}">
+                <a16:creationId xmlns:a16="http://schemas.microsoft.com/office/drawing/2014/main" id="{AEF9CD80-7313-4AA9-8797-CA3EBACE55DC}"/>
+              </a:ext>
+            </a:extLst>
+          </p:cNvPr>
+          <p:cNvCxnSpPr>
+            <a:stCxn id="326" idx="6"/>
+            <a:endCxn id="347" idx="6"/>
+          </p:cNvCxnSpPr>
+          <p:nvPr/>
+        </p:nvCxnSpPr>
+        <p:spPr>
+          <a:xfrm flipH="1">
+            <a:off x="2651730" y="3864824"/>
+            <a:ext cx="7611" cy="1195288"/>
+          </a:xfrm>
+          <a:prstGeom prst="line">
+            <a:avLst/>
+          </a:prstGeom>
+          <a:ln>
+            <a:solidFill>
+              <a:schemeClr val="accent6"/>
+            </a:solidFill>
+            <a:prstDash val="sysDot"/>
+          </a:ln>
+        </p:spPr>
+        <p:style>
+          <a:lnRef idx="1">
+            <a:schemeClr val="accent1"/>
+          </a:lnRef>
+          <a:fillRef idx="0">
+            <a:schemeClr val="accent1"/>
+          </a:fillRef>
+          <a:effectRef idx="0">
+            <a:schemeClr val="accent1"/>
+          </a:effectRef>
+          <a:fontRef idx="minor">
+            <a:schemeClr val="tx1"/>
+          </a:fontRef>
+        </p:style>
+      </p:cxnSp>
+      <p:cxnSp>
+        <p:nvCxnSpPr>
+          <p:cNvPr id="491" name="Gerader Verbinder 156">
+            <a:extLst>
+              <a:ext uri="{FF2B5EF4-FFF2-40B4-BE49-F238E27FC236}">
+                <a16:creationId xmlns:a16="http://schemas.microsoft.com/office/drawing/2014/main" id="{E6A957D0-B4B0-4312-A9BE-23763862DB2C}"/>
+              </a:ext>
+            </a:extLst>
+          </p:cNvPr>
+          <p:cNvCxnSpPr>
+            <a:stCxn id="326" idx="2"/>
+            <a:endCxn id="347" idx="2"/>
+          </p:cNvCxnSpPr>
+          <p:nvPr/>
+        </p:nvCxnSpPr>
+        <p:spPr>
+          <a:xfrm flipH="1">
+            <a:off x="2536963" y="3864824"/>
+            <a:ext cx="7611" cy="1195288"/>
+          </a:xfrm>
+          <a:prstGeom prst="line">
+            <a:avLst/>
+          </a:prstGeom>
+          <a:ln>
+            <a:solidFill>
+              <a:schemeClr val="accent6"/>
+            </a:solidFill>
+            <a:prstDash val="sysDot"/>
+          </a:ln>
+        </p:spPr>
+        <p:style>
+          <a:lnRef idx="1">
+            <a:schemeClr val="accent1"/>
+          </a:lnRef>
+          <a:fillRef idx="0">
+            <a:schemeClr val="accent1"/>
+          </a:fillRef>
+          <a:effectRef idx="0">
+            <a:schemeClr val="accent1"/>
+          </a:effectRef>
+          <a:fontRef idx="minor">
+            <a:schemeClr val="tx1"/>
+          </a:fontRef>
+        </p:style>
+      </p:cxnSp>
+      <p:cxnSp>
+        <p:nvCxnSpPr>
+          <p:cNvPr id="492" name="Gerader Verbinder 162">
+            <a:extLst>
+              <a:ext uri="{FF2B5EF4-FFF2-40B4-BE49-F238E27FC236}">
+                <a16:creationId xmlns:a16="http://schemas.microsoft.com/office/drawing/2014/main" id="{80A7A1CA-64C2-4CE3-8AA6-7F109B9E06C1}"/>
+              </a:ext>
+            </a:extLst>
+          </p:cNvPr>
+          <p:cNvCxnSpPr>
+            <a:stCxn id="352" idx="6"/>
+            <a:endCxn id="370" idx="6"/>
+          </p:cNvCxnSpPr>
+          <p:nvPr/>
+        </p:nvCxnSpPr>
+        <p:spPr>
+          <a:xfrm flipH="1">
+            <a:off x="3924914" y="5662911"/>
+            <a:ext cx="116" cy="588170"/>
+          </a:xfrm>
+          <a:prstGeom prst="line">
+            <a:avLst/>
+          </a:prstGeom>
+          <a:ln>
+            <a:solidFill>
+              <a:schemeClr val="accent6"/>
+            </a:solidFill>
+            <a:prstDash val="sysDot"/>
+          </a:ln>
+        </p:spPr>
+        <p:style>
+          <a:lnRef idx="1">
+            <a:schemeClr val="accent1"/>
+          </a:lnRef>
+          <a:fillRef idx="0">
+            <a:schemeClr val="accent1"/>
+          </a:fillRef>
+          <a:effectRef idx="0">
+            <a:schemeClr val="accent1"/>
+          </a:effectRef>
+          <a:fontRef idx="minor">
+            <a:schemeClr val="tx1"/>
+          </a:fontRef>
+        </p:style>
+      </p:cxnSp>
+      <p:cxnSp>
+        <p:nvCxnSpPr>
+          <p:cNvPr id="493" name="Gerader Verbinder 163">
+            <a:extLst>
+              <a:ext uri="{FF2B5EF4-FFF2-40B4-BE49-F238E27FC236}">
+                <a16:creationId xmlns:a16="http://schemas.microsoft.com/office/drawing/2014/main" id="{EE5B68BA-309D-42D6-BC4E-36FD98986EF4}"/>
+              </a:ext>
+            </a:extLst>
+          </p:cNvPr>
+          <p:cNvCxnSpPr>
+            <a:stCxn id="352" idx="2"/>
+            <a:endCxn id="370" idx="2"/>
+          </p:cNvCxnSpPr>
+          <p:nvPr/>
+        </p:nvCxnSpPr>
+        <p:spPr>
+          <a:xfrm flipH="1">
+            <a:off x="3810147" y="5662911"/>
+            <a:ext cx="116" cy="588170"/>
+          </a:xfrm>
+          <a:prstGeom prst="line">
+            <a:avLst/>
+          </a:prstGeom>
+          <a:ln>
+            <a:solidFill>
+              <a:schemeClr val="accent6"/>
+            </a:solidFill>
+            <a:prstDash val="sysDot"/>
+          </a:ln>
+        </p:spPr>
+        <p:style>
+          <a:lnRef idx="1">
+            <a:schemeClr val="accent1"/>
+          </a:lnRef>
+          <a:fillRef idx="0">
+            <a:schemeClr val="accent1"/>
+          </a:fillRef>
+          <a:effectRef idx="0">
+            <a:schemeClr val="accent1"/>
+          </a:effectRef>
+          <a:fontRef idx="minor">
+            <a:schemeClr val="tx1"/>
+          </a:fontRef>
+        </p:style>
+      </p:cxnSp>
+      <p:cxnSp>
+        <p:nvCxnSpPr>
+          <p:cNvPr id="494" name="Gerader Verbinder 171">
+            <a:extLst>
+              <a:ext uri="{FF2B5EF4-FFF2-40B4-BE49-F238E27FC236}">
+                <a16:creationId xmlns:a16="http://schemas.microsoft.com/office/drawing/2014/main" id="{E603CE77-2175-4669-A89F-521B3B422C2F}"/>
+              </a:ext>
+            </a:extLst>
+          </p:cNvPr>
+          <p:cNvCxnSpPr/>
+          <p:nvPr/>
+        </p:nvCxnSpPr>
+        <p:spPr>
+          <a:xfrm flipH="1">
+            <a:off x="2553770" y="2077992"/>
+            <a:ext cx="11401" cy="593238"/>
+          </a:xfrm>
+          <a:prstGeom prst="line">
+            <a:avLst/>
+          </a:prstGeom>
+          <a:ln>
+            <a:solidFill>
+              <a:schemeClr val="accent1"/>
+            </a:solidFill>
+            <a:prstDash val="sysDot"/>
+          </a:ln>
+        </p:spPr>
+        <p:style>
+          <a:lnRef idx="1">
+            <a:schemeClr val="accent1"/>
+          </a:lnRef>
+          <a:fillRef idx="0">
+            <a:schemeClr val="accent1"/>
+          </a:fillRef>
+          <a:effectRef idx="0">
+            <a:schemeClr val="accent1"/>
+          </a:effectRef>
+          <a:fontRef idx="minor">
+            <a:schemeClr val="tx1"/>
+          </a:fontRef>
+        </p:style>
+      </p:cxnSp>
+      <p:cxnSp>
+        <p:nvCxnSpPr>
+          <p:cNvPr id="495" name="Gerader Verbinder 172">
+            <a:extLst>
+              <a:ext uri="{FF2B5EF4-FFF2-40B4-BE49-F238E27FC236}">
+                <a16:creationId xmlns:a16="http://schemas.microsoft.com/office/drawing/2014/main" id="{51FDFBD1-3721-4DAF-8820-89030C526041}"/>
+              </a:ext>
+            </a:extLst>
+          </p:cNvPr>
+          <p:cNvCxnSpPr/>
+          <p:nvPr/>
+        </p:nvCxnSpPr>
+        <p:spPr>
+          <a:xfrm flipH="1">
+            <a:off x="2668537" y="2077992"/>
+            <a:ext cx="11401" cy="593238"/>
+          </a:xfrm>
+          <a:prstGeom prst="line">
+            <a:avLst/>
+          </a:prstGeom>
+          <a:ln>
+            <a:solidFill>
+              <a:schemeClr val="accent1"/>
+            </a:solidFill>
+            <a:prstDash val="sysDot"/>
+          </a:ln>
+        </p:spPr>
+        <p:style>
+          <a:lnRef idx="1">
+            <a:schemeClr val="accent1"/>
+          </a:lnRef>
+          <a:fillRef idx="0">
+            <a:schemeClr val="accent1"/>
+          </a:fillRef>
+          <a:effectRef idx="0">
+            <a:schemeClr val="accent1"/>
+          </a:effectRef>
+          <a:fontRef idx="minor">
+            <a:schemeClr val="tx1"/>
+          </a:fontRef>
+        </p:style>
+      </p:cxnSp>
+      <p:cxnSp>
+        <p:nvCxnSpPr>
+          <p:cNvPr id="518" name="Gerader Verbinder 173">
+            <a:extLst>
+              <a:ext uri="{FF2B5EF4-FFF2-40B4-BE49-F238E27FC236}">
+                <a16:creationId xmlns:a16="http://schemas.microsoft.com/office/drawing/2014/main" id="{A9719D02-3370-49CD-8C4E-FEA138AE15CA}"/>
+              </a:ext>
+            </a:extLst>
+          </p:cNvPr>
+          <p:cNvCxnSpPr>
+            <a:stCxn id="322" idx="3"/>
+            <a:endCxn id="320" idx="3"/>
+          </p:cNvCxnSpPr>
+          <p:nvPr/>
+        </p:nvCxnSpPr>
+        <p:spPr>
+          <a:xfrm flipH="1" flipV="1">
+            <a:off x="2560116" y="3309814"/>
+            <a:ext cx="1256817" cy="602717"/>
+          </a:xfrm>
+          <a:prstGeom prst="line">
+            <a:avLst/>
+          </a:prstGeom>
+          <a:ln>
+            <a:solidFill>
+              <a:schemeClr val="accent1"/>
+            </a:solidFill>
+            <a:prstDash val="sysDot"/>
+          </a:ln>
+        </p:spPr>
+        <p:style>
+          <a:lnRef idx="1">
+            <a:schemeClr val="accent1"/>
+          </a:lnRef>
+          <a:fillRef idx="0">
+            <a:schemeClr val="accent1"/>
+          </a:fillRef>
+          <a:effectRef idx="0">
+            <a:schemeClr val="accent1"/>
+          </a:effectRef>
+          <a:fontRef idx="minor">
+            <a:schemeClr val="tx1"/>
+          </a:fontRef>
+        </p:style>
+      </p:cxnSp>
+      <p:cxnSp>
+        <p:nvCxnSpPr>
+          <p:cNvPr id="535" name="Gerader Verbinder 174">
+            <a:extLst>
+              <a:ext uri="{FF2B5EF4-FFF2-40B4-BE49-F238E27FC236}">
+                <a16:creationId xmlns:a16="http://schemas.microsoft.com/office/drawing/2014/main" id="{332337E0-FF80-4EE5-850B-AA01D93E6C97}"/>
+              </a:ext>
+            </a:extLst>
+          </p:cNvPr>
+          <p:cNvCxnSpPr>
+            <a:stCxn id="320" idx="7"/>
+            <a:endCxn id="322" idx="7"/>
+          </p:cNvCxnSpPr>
+          <p:nvPr/>
+        </p:nvCxnSpPr>
+        <p:spPr>
+          <a:xfrm>
+            <a:off x="2641269" y="3228661"/>
+            <a:ext cx="1256817" cy="602717"/>
+          </a:xfrm>
+          <a:prstGeom prst="line">
+            <a:avLst/>
+          </a:prstGeom>
+          <a:ln>
+            <a:solidFill>
+              <a:schemeClr val="accent1"/>
+            </a:solidFill>
+            <a:prstDash val="sysDot"/>
+          </a:ln>
+        </p:spPr>
+        <p:style>
+          <a:lnRef idx="1">
+            <a:schemeClr val="accent1"/>
+          </a:lnRef>
+          <a:fillRef idx="0">
+            <a:schemeClr val="accent1"/>
+          </a:fillRef>
+          <a:effectRef idx="0">
+            <a:schemeClr val="accent1"/>
+          </a:effectRef>
+          <a:fontRef idx="minor">
+            <a:schemeClr val="tx1"/>
+          </a:fontRef>
+        </p:style>
+      </p:cxnSp>
+      <p:cxnSp>
+        <p:nvCxnSpPr>
+          <p:cNvPr id="536" name="Gerader Verbinder 181">
+            <a:extLst>
+              <a:ext uri="{FF2B5EF4-FFF2-40B4-BE49-F238E27FC236}">
+                <a16:creationId xmlns:a16="http://schemas.microsoft.com/office/drawing/2014/main" id="{5B58A7C8-8BDB-451A-B4DB-39FF98A94B7A}"/>
+              </a:ext>
+            </a:extLst>
+          </p:cNvPr>
+          <p:cNvCxnSpPr>
+            <a:stCxn id="368" idx="6"/>
+            <a:endCxn id="337" idx="6"/>
+          </p:cNvCxnSpPr>
+          <p:nvPr/>
+        </p:nvCxnSpPr>
+        <p:spPr>
+          <a:xfrm flipH="1" flipV="1">
+            <a:off x="4506367" y="4769482"/>
+            <a:ext cx="17632" cy="1183837"/>
+          </a:xfrm>
+          <a:prstGeom prst="line">
+            <a:avLst/>
+          </a:prstGeom>
+          <a:ln>
+            <a:solidFill>
+              <a:schemeClr val="accent1"/>
+            </a:solidFill>
+            <a:prstDash val="sysDot"/>
+          </a:ln>
+        </p:spPr>
+        <p:style>
+          <a:lnRef idx="1">
+            <a:schemeClr val="accent1"/>
+          </a:lnRef>
+          <a:fillRef idx="0">
+            <a:schemeClr val="accent1"/>
+          </a:fillRef>
+          <a:effectRef idx="0">
+            <a:schemeClr val="accent1"/>
+          </a:effectRef>
+          <a:fontRef idx="minor">
+            <a:schemeClr val="tx1"/>
+          </a:fontRef>
+        </p:style>
+      </p:cxnSp>
+      <p:cxnSp>
+        <p:nvCxnSpPr>
+          <p:cNvPr id="537" name="Gerader Verbinder 182">
+            <a:extLst>
+              <a:ext uri="{FF2B5EF4-FFF2-40B4-BE49-F238E27FC236}">
+                <a16:creationId xmlns:a16="http://schemas.microsoft.com/office/drawing/2014/main" id="{24DFC43A-D53A-4B30-89E8-5D10001B9BA8}"/>
+              </a:ext>
+            </a:extLst>
+          </p:cNvPr>
+          <p:cNvCxnSpPr>
+            <a:stCxn id="368" idx="2"/>
+            <a:endCxn id="337" idx="2"/>
+          </p:cNvCxnSpPr>
+          <p:nvPr/>
+        </p:nvCxnSpPr>
+        <p:spPr>
+          <a:xfrm flipH="1" flipV="1">
+            <a:off x="4391600" y="4769482"/>
+            <a:ext cx="17632" cy="1183837"/>
+          </a:xfrm>
+          <a:prstGeom prst="line">
+            <a:avLst/>
+          </a:prstGeom>
+          <a:ln>
+            <a:solidFill>
+              <a:schemeClr val="accent1"/>
+            </a:solidFill>
+            <a:prstDash val="sysDot"/>
+          </a:ln>
+        </p:spPr>
+        <p:style>
+          <a:lnRef idx="1">
+            <a:schemeClr val="accent1"/>
+          </a:lnRef>
+          <a:fillRef idx="0">
+            <a:schemeClr val="accent1"/>
+          </a:fillRef>
+          <a:effectRef idx="0">
+            <a:schemeClr val="accent1"/>
+          </a:effectRef>
+          <a:fontRef idx="minor">
+            <a:schemeClr val="tx1"/>
+          </a:fontRef>
+        </p:style>
+      </p:cxnSp>
+      <p:cxnSp>
+        <p:nvCxnSpPr>
+          <p:cNvPr id="538" name="Gerader Verbinder 187">
+            <a:extLst>
+              <a:ext uri="{FF2B5EF4-FFF2-40B4-BE49-F238E27FC236}">
+                <a16:creationId xmlns:a16="http://schemas.microsoft.com/office/drawing/2014/main" id="{C4F74ED9-34F5-492E-B50C-567F48356BFB}"/>
+              </a:ext>
+            </a:extLst>
+          </p:cNvPr>
+          <p:cNvCxnSpPr>
+            <a:stCxn id="292" idx="2"/>
+            <a:endCxn id="314" idx="2"/>
+          </p:cNvCxnSpPr>
+          <p:nvPr/>
+        </p:nvCxnSpPr>
+        <p:spPr>
+          <a:xfrm flipH="1">
+            <a:off x="4397946" y="1787632"/>
+            <a:ext cx="2417" cy="1190976"/>
+          </a:xfrm>
+          <a:prstGeom prst="line">
+            <a:avLst/>
+          </a:prstGeom>
+          <a:ln>
+            <a:solidFill>
+              <a:srgbClr val="FF0000"/>
+            </a:solidFill>
+            <a:prstDash val="sysDot"/>
+          </a:ln>
+        </p:spPr>
+        <p:style>
+          <a:lnRef idx="1">
+            <a:schemeClr val="accent1"/>
+          </a:lnRef>
+          <a:fillRef idx="0">
+            <a:schemeClr val="accent1"/>
+          </a:fillRef>
+          <a:effectRef idx="0">
+            <a:schemeClr val="accent1"/>
+          </a:effectRef>
+          <a:fontRef idx="minor">
+            <a:schemeClr val="tx1"/>
+          </a:fontRef>
+        </p:style>
+      </p:cxnSp>
+      <p:cxnSp>
+        <p:nvCxnSpPr>
+          <p:cNvPr id="539" name="Gerader Verbinder 190">
+            <a:extLst>
+              <a:ext uri="{FF2B5EF4-FFF2-40B4-BE49-F238E27FC236}">
+                <a16:creationId xmlns:a16="http://schemas.microsoft.com/office/drawing/2014/main" id="{94AD0CD4-BE80-4A03-8798-A92215C1868B}"/>
+              </a:ext>
+            </a:extLst>
+          </p:cNvPr>
+          <p:cNvCxnSpPr>
+            <a:stCxn id="292" idx="6"/>
+            <a:endCxn id="314" idx="6"/>
+          </p:cNvCxnSpPr>
+          <p:nvPr/>
+        </p:nvCxnSpPr>
+        <p:spPr>
+          <a:xfrm flipH="1">
+            <a:off x="4512713" y="1787632"/>
+            <a:ext cx="2417" cy="1190976"/>
+          </a:xfrm>
+          <a:prstGeom prst="line">
+            <a:avLst/>
+          </a:prstGeom>
+          <a:ln>
+            <a:solidFill>
+              <a:srgbClr val="FF0000"/>
+            </a:solidFill>
+            <a:prstDash val="sysDot"/>
+          </a:ln>
+        </p:spPr>
+        <p:style>
+          <a:lnRef idx="1">
+            <a:schemeClr val="accent1"/>
+          </a:lnRef>
+          <a:fillRef idx="0">
+            <a:schemeClr val="accent1"/>
+          </a:fillRef>
+          <a:effectRef idx="0">
+            <a:schemeClr val="accent1"/>
+          </a:effectRef>
+          <a:fontRef idx="minor">
+            <a:schemeClr val="tx1"/>
+          </a:fontRef>
+        </p:style>
+      </p:cxnSp>
+      <p:cxnSp>
+        <p:nvCxnSpPr>
+          <p:cNvPr id="540" name="Gerader Verbinder 204">
+            <a:extLst>
+              <a:ext uri="{FF2B5EF4-FFF2-40B4-BE49-F238E27FC236}">
+                <a16:creationId xmlns:a16="http://schemas.microsoft.com/office/drawing/2014/main" id="{69F1EDB7-40EC-49ED-A856-B7A6BBEE693A}"/>
+              </a:ext>
+            </a:extLst>
+          </p:cNvPr>
+          <p:cNvCxnSpPr>
+            <a:stCxn id="332" idx="2"/>
+          </p:cNvCxnSpPr>
+          <p:nvPr/>
+        </p:nvCxnSpPr>
+        <p:spPr>
+          <a:xfrm flipH="1">
+            <a:off x="3148400" y="4165958"/>
+            <a:ext cx="4832" cy="616077"/>
+          </a:xfrm>
+          <a:prstGeom prst="line">
+            <a:avLst/>
+          </a:prstGeom>
+          <a:ln>
+            <a:solidFill>
+              <a:srgbClr val="FF0000"/>
+            </a:solidFill>
+            <a:prstDash val="sysDot"/>
+          </a:ln>
+        </p:spPr>
+        <p:style>
+          <a:lnRef idx="1">
+            <a:schemeClr val="accent1"/>
+          </a:lnRef>
+          <a:fillRef idx="0">
+            <a:schemeClr val="accent1"/>
+          </a:fillRef>
+          <a:effectRef idx="0">
+            <a:schemeClr val="accent1"/>
+          </a:effectRef>
+          <a:fontRef idx="minor">
+            <a:schemeClr val="tx1"/>
+          </a:fontRef>
+        </p:style>
+      </p:cxnSp>
+      <p:cxnSp>
+        <p:nvCxnSpPr>
+          <p:cNvPr id="541" name="Gerader Verbinder 208">
+            <a:extLst>
+              <a:ext uri="{FF2B5EF4-FFF2-40B4-BE49-F238E27FC236}">
+                <a16:creationId xmlns:a16="http://schemas.microsoft.com/office/drawing/2014/main" id="{4EFF03FC-0D2E-479D-9571-4D114C1DD95A}"/>
+              </a:ext>
+            </a:extLst>
+          </p:cNvPr>
+          <p:cNvCxnSpPr>
+            <a:stCxn id="332" idx="6"/>
+          </p:cNvCxnSpPr>
+          <p:nvPr/>
+        </p:nvCxnSpPr>
+        <p:spPr>
+          <a:xfrm flipH="1">
+            <a:off x="3263167" y="4165958"/>
+            <a:ext cx="4832" cy="616077"/>
+          </a:xfrm>
+          <a:prstGeom prst="line">
+            <a:avLst/>
+          </a:prstGeom>
+          <a:ln>
+            <a:solidFill>
+              <a:srgbClr val="FF0000"/>
+            </a:solidFill>
+            <a:prstDash val="sysDot"/>
+          </a:ln>
+        </p:spPr>
+        <p:style>
+          <a:lnRef idx="1">
+            <a:schemeClr val="accent1"/>
+          </a:lnRef>
+          <a:fillRef idx="0">
+            <a:schemeClr val="accent1"/>
+          </a:fillRef>
+          <a:effectRef idx="0">
+            <a:schemeClr val="accent1"/>
+          </a:effectRef>
+          <a:fontRef idx="minor">
+            <a:schemeClr val="tx1"/>
+          </a:fontRef>
+        </p:style>
+      </p:cxnSp>
+      <p:cxnSp>
+        <p:nvCxnSpPr>
+          <p:cNvPr id="542" name="Gerader Verbinder 209">
+            <a:extLst>
+              <a:ext uri="{FF2B5EF4-FFF2-40B4-BE49-F238E27FC236}">
+                <a16:creationId xmlns:a16="http://schemas.microsoft.com/office/drawing/2014/main" id="{554E96F0-7DBA-400F-8DB0-FC4503A0468B}"/>
+              </a:ext>
+            </a:extLst>
+          </p:cNvPr>
+          <p:cNvCxnSpPr>
+            <a:stCxn id="342" idx="2"/>
+            <a:endCxn id="371" idx="1"/>
+          </p:cNvCxnSpPr>
+          <p:nvPr/>
+        </p:nvCxnSpPr>
+        <p:spPr>
+          <a:xfrm flipH="1">
+            <a:off x="3180060" y="5067244"/>
+            <a:ext cx="612455" cy="841677"/>
+          </a:xfrm>
+          <a:prstGeom prst="line">
+            <a:avLst/>
+          </a:prstGeom>
+          <a:ln>
+            <a:solidFill>
+              <a:srgbClr val="FF0000"/>
+            </a:solidFill>
+            <a:prstDash val="sysDot"/>
+          </a:ln>
+        </p:spPr>
+        <p:style>
+          <a:lnRef idx="1">
+            <a:schemeClr val="accent1"/>
+          </a:lnRef>
+          <a:fillRef idx="0">
+            <a:schemeClr val="accent1"/>
+          </a:fillRef>
+          <a:effectRef idx="0">
+            <a:schemeClr val="accent1"/>
+          </a:effectRef>
+          <a:fontRef idx="minor">
+            <a:schemeClr val="tx1"/>
+          </a:fontRef>
+        </p:style>
+      </p:cxnSp>
+      <p:cxnSp>
+        <p:nvCxnSpPr>
+          <p:cNvPr id="543" name="Gerader Verbinder 211">
+            <a:extLst>
+              <a:ext uri="{FF2B5EF4-FFF2-40B4-BE49-F238E27FC236}">
+                <a16:creationId xmlns:a16="http://schemas.microsoft.com/office/drawing/2014/main" id="{47E2C3DB-DD07-4C24-84E2-BA0D117DF135}"/>
+              </a:ext>
+            </a:extLst>
+          </p:cNvPr>
+          <p:cNvCxnSpPr>
+            <a:stCxn id="342" idx="5"/>
+            <a:endCxn id="371" idx="5"/>
+          </p:cNvCxnSpPr>
+          <p:nvPr/>
+        </p:nvCxnSpPr>
+        <p:spPr>
+          <a:xfrm flipH="1">
+            <a:off x="3261213" y="5107820"/>
+            <a:ext cx="629262" cy="882254"/>
+          </a:xfrm>
+          <a:prstGeom prst="line">
+            <a:avLst/>
+          </a:prstGeom>
+          <a:ln>
+            <a:solidFill>
+              <a:srgbClr val="FF0000"/>
+            </a:solidFill>
+            <a:prstDash val="sysDot"/>
+          </a:ln>
+        </p:spPr>
+        <p:style>
+          <a:lnRef idx="1">
+            <a:schemeClr val="accent1"/>
+          </a:lnRef>
+          <a:fillRef idx="0">
+            <a:schemeClr val="accent1"/>
+          </a:fillRef>
+          <a:effectRef idx="0">
+            <a:schemeClr val="accent1"/>
+          </a:effectRef>
+          <a:fontRef idx="minor">
+            <a:schemeClr val="tx1"/>
+          </a:fontRef>
+        </p:style>
+      </p:cxnSp>
+      <p:sp>
+        <p:nvSpPr>
+          <p:cNvPr id="545" name="TextBox 54">
+            <a:extLst>
+              <a:ext uri="{FF2B5EF4-FFF2-40B4-BE49-F238E27FC236}">
+                <a16:creationId xmlns:a16="http://schemas.microsoft.com/office/drawing/2014/main" id="{7804B22E-D123-4CA8-AB98-BF2B3365E623}"/>
+              </a:ext>
+            </a:extLst>
+          </p:cNvPr>
+          <p:cNvSpPr txBox="1"/>
+          <p:nvPr/>
+        </p:nvSpPr>
+        <p:spPr>
+          <a:xfrm>
+            <a:off x="1792991" y="1656712"/>
+            <a:ext cx="312081" cy="289719"/>
+          </a:xfrm>
+          <a:prstGeom prst="rect">
+            <a:avLst/>
+          </a:prstGeom>
+          <a:noFill/>
+        </p:spPr>
+        <p:txBody>
+          <a:bodyPr wrap="square" rtlCol="0">
+            <a:spAutoFit/>
+          </a:bodyPr>
+          <a:lstStyle/>
+          <a:p>
+            <a:pPr algn="ctr"/>
+            <a:r>
+              <a:rPr lang="de-DE" sz="900" dirty="0"/>
+              <a:t>1</a:t>
+            </a:r>
+            <a:endParaRPr lang="en-US" sz="900" dirty="0"/>
+          </a:p>
+        </p:txBody>
+      </p:sp>
+      <p:sp>
+        <p:nvSpPr>
+          <p:cNvPr id="546" name="TextBox 54">
+            <a:extLst>
+              <a:ext uri="{FF2B5EF4-FFF2-40B4-BE49-F238E27FC236}">
+                <a16:creationId xmlns:a16="http://schemas.microsoft.com/office/drawing/2014/main" id="{A7971E69-10E6-4870-B550-A4DBED076765}"/>
+              </a:ext>
+            </a:extLst>
+          </p:cNvPr>
+          <p:cNvSpPr txBox="1"/>
+          <p:nvPr/>
+        </p:nvSpPr>
+        <p:spPr>
+          <a:xfrm>
+            <a:off x="1792991" y="1931271"/>
+            <a:ext cx="312081" cy="289719"/>
+          </a:xfrm>
+          <a:prstGeom prst="rect">
+            <a:avLst/>
+          </a:prstGeom>
+          <a:noFill/>
+        </p:spPr>
+        <p:txBody>
+          <a:bodyPr wrap="square" rtlCol="0">
+            <a:spAutoFit/>
+          </a:bodyPr>
+          <a:lstStyle/>
+          <a:p>
+            <a:pPr algn="ctr"/>
+            <a:r>
+              <a:rPr lang="de-DE" sz="900" dirty="0"/>
+              <a:t>2</a:t>
+            </a:r>
+            <a:endParaRPr lang="en-US" sz="900" dirty="0"/>
+          </a:p>
+        </p:txBody>
+      </p:sp>
+      <p:sp>
+        <p:nvSpPr>
+          <p:cNvPr id="547" name="TextBox 54">
+            <a:extLst>
+              <a:ext uri="{FF2B5EF4-FFF2-40B4-BE49-F238E27FC236}">
+                <a16:creationId xmlns:a16="http://schemas.microsoft.com/office/drawing/2014/main" id="{238E171D-1FAA-4315-8A09-FA20696C1027}"/>
+              </a:ext>
+            </a:extLst>
+          </p:cNvPr>
+          <p:cNvSpPr txBox="1"/>
+          <p:nvPr/>
+        </p:nvSpPr>
+        <p:spPr>
+          <a:xfrm>
+            <a:off x="1792991" y="2225860"/>
+            <a:ext cx="312081" cy="289719"/>
+          </a:xfrm>
+          <a:prstGeom prst="rect">
+            <a:avLst/>
+          </a:prstGeom>
+          <a:noFill/>
+        </p:spPr>
+        <p:txBody>
+          <a:bodyPr wrap="square" rtlCol="0">
+            <a:spAutoFit/>
+          </a:bodyPr>
+          <a:lstStyle/>
+          <a:p>
+            <a:pPr algn="ctr"/>
+            <a:r>
+              <a:rPr lang="de-DE" sz="900" dirty="0"/>
+              <a:t>3</a:t>
+            </a:r>
+            <a:endParaRPr lang="en-US" sz="900" dirty="0"/>
+          </a:p>
+        </p:txBody>
+      </p:sp>
+      <p:sp>
+        <p:nvSpPr>
+          <p:cNvPr id="548" name="TextBox 54">
+            <a:extLst>
+              <a:ext uri="{FF2B5EF4-FFF2-40B4-BE49-F238E27FC236}">
+                <a16:creationId xmlns:a16="http://schemas.microsoft.com/office/drawing/2014/main" id="{0CF2B4E7-4989-4863-9345-3F9E5B0D498C}"/>
+              </a:ext>
+            </a:extLst>
+          </p:cNvPr>
+          <p:cNvSpPr txBox="1"/>
+          <p:nvPr/>
+        </p:nvSpPr>
+        <p:spPr>
+          <a:xfrm>
+            <a:off x="1792991" y="2568292"/>
+            <a:ext cx="312081" cy="289719"/>
+          </a:xfrm>
+          <a:prstGeom prst="rect">
+            <a:avLst/>
+          </a:prstGeom>
+          <a:noFill/>
+        </p:spPr>
+        <p:txBody>
+          <a:bodyPr wrap="square" rtlCol="0">
+            <a:spAutoFit/>
+          </a:bodyPr>
+          <a:lstStyle/>
+          <a:p>
+            <a:pPr algn="ctr"/>
+            <a:r>
+              <a:rPr lang="de-DE" sz="900" dirty="0"/>
+              <a:t>4</a:t>
+            </a:r>
+            <a:endParaRPr lang="en-US" sz="900" dirty="0"/>
+          </a:p>
+        </p:txBody>
+      </p:sp>
+      <p:sp>
+        <p:nvSpPr>
+          <p:cNvPr id="549" name="TextBox 54">
+            <a:extLst>
+              <a:ext uri="{FF2B5EF4-FFF2-40B4-BE49-F238E27FC236}">
+                <a16:creationId xmlns:a16="http://schemas.microsoft.com/office/drawing/2014/main" id="{D65D4313-56D6-4FBF-91B0-E53B289AD491}"/>
+              </a:ext>
+            </a:extLst>
+          </p:cNvPr>
+          <p:cNvSpPr txBox="1"/>
+          <p:nvPr/>
+        </p:nvSpPr>
+        <p:spPr>
+          <a:xfrm>
+            <a:off x="1726744" y="6113837"/>
+            <a:ext cx="444574" cy="289719"/>
+          </a:xfrm>
+          <a:prstGeom prst="rect">
+            <a:avLst/>
+          </a:prstGeom>
+          <a:noFill/>
+        </p:spPr>
+        <p:txBody>
+          <a:bodyPr wrap="square" rtlCol="0">
+            <a:spAutoFit/>
+          </a:bodyPr>
+          <a:lstStyle/>
+          <a:p>
+            <a:pPr algn="ctr"/>
+            <a:r>
+              <a:rPr lang="de-DE" sz="900" dirty="0"/>
+              <a:t>16</a:t>
+            </a:r>
+            <a:endParaRPr lang="en-US" sz="900" dirty="0"/>
+          </a:p>
+        </p:txBody>
+      </p:sp>
+      <p:sp>
+        <p:nvSpPr>
+          <p:cNvPr id="550" name="TextBox 54">
+            <a:extLst>
+              <a:ext uri="{FF2B5EF4-FFF2-40B4-BE49-F238E27FC236}">
+                <a16:creationId xmlns:a16="http://schemas.microsoft.com/office/drawing/2014/main" id="{67B3FDA4-EB51-420C-A0DA-3C76C8293F22}"/>
+              </a:ext>
+            </a:extLst>
+          </p:cNvPr>
+          <p:cNvSpPr txBox="1"/>
+          <p:nvPr/>
+        </p:nvSpPr>
+        <p:spPr>
+          <a:xfrm>
+            <a:off x="1792991" y="2846241"/>
+            <a:ext cx="312081" cy="289719"/>
+          </a:xfrm>
+          <a:prstGeom prst="rect">
+            <a:avLst/>
+          </a:prstGeom>
+          <a:noFill/>
+        </p:spPr>
+        <p:txBody>
+          <a:bodyPr wrap="square" rtlCol="0">
+            <a:spAutoFit/>
+          </a:bodyPr>
+          <a:lstStyle/>
+          <a:p>
+            <a:pPr algn="ctr"/>
+            <a:r>
+              <a:rPr lang="de-DE" sz="900" dirty="0"/>
+              <a:t>5</a:t>
+            </a:r>
+            <a:endParaRPr lang="en-US" sz="900" dirty="0"/>
+          </a:p>
+        </p:txBody>
+      </p:sp>
+      <p:sp>
+        <p:nvSpPr>
+          <p:cNvPr id="551" name="TextBox 54">
+            <a:extLst>
+              <a:ext uri="{FF2B5EF4-FFF2-40B4-BE49-F238E27FC236}">
+                <a16:creationId xmlns:a16="http://schemas.microsoft.com/office/drawing/2014/main" id="{0901026F-521F-475B-89CE-5D1EFEE076C9}"/>
+              </a:ext>
+            </a:extLst>
+          </p:cNvPr>
+          <p:cNvSpPr txBox="1"/>
+          <p:nvPr/>
+        </p:nvSpPr>
+        <p:spPr>
+          <a:xfrm>
+            <a:off x="1792991" y="3155882"/>
+            <a:ext cx="312081" cy="289719"/>
+          </a:xfrm>
+          <a:prstGeom prst="rect">
+            <a:avLst/>
+          </a:prstGeom>
+          <a:noFill/>
+        </p:spPr>
+        <p:txBody>
+          <a:bodyPr wrap="square" rtlCol="0">
+            <a:spAutoFit/>
+          </a:bodyPr>
+          <a:lstStyle/>
+          <a:p>
+            <a:pPr algn="ctr"/>
+            <a:r>
+              <a:rPr lang="de-DE" sz="900" dirty="0"/>
+              <a:t>6</a:t>
+            </a:r>
+            <a:endParaRPr lang="en-US" sz="900" dirty="0"/>
+          </a:p>
+        </p:txBody>
+      </p:sp>
+      <p:sp>
+        <p:nvSpPr>
+          <p:cNvPr id="552" name="TextBox 54">
+            <a:extLst>
+              <a:ext uri="{FF2B5EF4-FFF2-40B4-BE49-F238E27FC236}">
+                <a16:creationId xmlns:a16="http://schemas.microsoft.com/office/drawing/2014/main" id="{813CE796-9F0B-44E8-AF3E-C6644F2032B8}"/>
+              </a:ext>
+            </a:extLst>
+          </p:cNvPr>
+          <p:cNvSpPr txBox="1"/>
+          <p:nvPr/>
+        </p:nvSpPr>
+        <p:spPr>
+          <a:xfrm>
+            <a:off x="1792991" y="3437141"/>
+            <a:ext cx="312081" cy="289719"/>
+          </a:xfrm>
+          <a:prstGeom prst="rect">
+            <a:avLst/>
+          </a:prstGeom>
+          <a:noFill/>
+        </p:spPr>
+        <p:txBody>
+          <a:bodyPr wrap="square" rtlCol="0">
+            <a:spAutoFit/>
+          </a:bodyPr>
+          <a:lstStyle/>
+          <a:p>
+            <a:pPr algn="ctr"/>
+            <a:r>
+              <a:rPr lang="de-DE" sz="900" dirty="0"/>
+              <a:t>7</a:t>
+            </a:r>
+            <a:endParaRPr lang="en-US" sz="900" dirty="0"/>
+          </a:p>
+        </p:txBody>
+      </p:sp>
+      <p:sp>
+        <p:nvSpPr>
+          <p:cNvPr id="553" name="TextBox 54">
+            <a:extLst>
+              <a:ext uri="{FF2B5EF4-FFF2-40B4-BE49-F238E27FC236}">
+                <a16:creationId xmlns:a16="http://schemas.microsoft.com/office/drawing/2014/main" id="{B595504B-B121-49D2-B036-33A1E2C9B660}"/>
+              </a:ext>
+            </a:extLst>
+          </p:cNvPr>
+          <p:cNvSpPr txBox="1"/>
+          <p:nvPr/>
+        </p:nvSpPr>
+        <p:spPr>
+          <a:xfrm>
+            <a:off x="1792991" y="3750431"/>
+            <a:ext cx="312081" cy="289719"/>
+          </a:xfrm>
+          <a:prstGeom prst="rect">
+            <a:avLst/>
+          </a:prstGeom>
+          <a:noFill/>
+        </p:spPr>
+        <p:txBody>
+          <a:bodyPr wrap="square" rtlCol="0">
+            <a:spAutoFit/>
+          </a:bodyPr>
+          <a:lstStyle/>
+          <a:p>
+            <a:pPr algn="ctr"/>
+            <a:r>
+              <a:rPr lang="de-DE" sz="900" dirty="0"/>
+              <a:t>8</a:t>
+            </a:r>
+            <a:endParaRPr lang="en-US" sz="900" dirty="0"/>
+          </a:p>
+        </p:txBody>
+      </p:sp>
+      <p:sp>
+        <p:nvSpPr>
+          <p:cNvPr id="554" name="TextBox 54">
+            <a:extLst>
+              <a:ext uri="{FF2B5EF4-FFF2-40B4-BE49-F238E27FC236}">
+                <a16:creationId xmlns:a16="http://schemas.microsoft.com/office/drawing/2014/main" id="{EA592020-3473-41A3-9FA8-7C7DFACE4487}"/>
+              </a:ext>
+            </a:extLst>
+          </p:cNvPr>
+          <p:cNvSpPr txBox="1"/>
+          <p:nvPr/>
+        </p:nvSpPr>
+        <p:spPr>
+          <a:xfrm>
+            <a:off x="1792991" y="4027429"/>
+            <a:ext cx="312081" cy="289719"/>
+          </a:xfrm>
+          <a:prstGeom prst="rect">
+            <a:avLst/>
+          </a:prstGeom>
+          <a:noFill/>
+        </p:spPr>
+        <p:txBody>
+          <a:bodyPr wrap="square" rtlCol="0">
+            <a:spAutoFit/>
+          </a:bodyPr>
+          <a:lstStyle/>
+          <a:p>
+            <a:pPr algn="ctr"/>
+            <a:r>
+              <a:rPr lang="de-DE" sz="900" dirty="0"/>
+              <a:t>9</a:t>
+            </a:r>
+            <a:endParaRPr lang="en-US" sz="900" dirty="0"/>
+          </a:p>
+        </p:txBody>
+      </p:sp>
+      <p:sp>
+        <p:nvSpPr>
+          <p:cNvPr id="555" name="TextBox 54">
+            <a:extLst>
+              <a:ext uri="{FF2B5EF4-FFF2-40B4-BE49-F238E27FC236}">
+                <a16:creationId xmlns:a16="http://schemas.microsoft.com/office/drawing/2014/main" id="{CA392D5C-7E4D-4F62-8B5D-7C51D6CB99E2}"/>
+              </a:ext>
+            </a:extLst>
+          </p:cNvPr>
+          <p:cNvSpPr txBox="1"/>
+          <p:nvPr/>
+        </p:nvSpPr>
+        <p:spPr>
+          <a:xfrm>
+            <a:off x="1749074" y="4326839"/>
+            <a:ext cx="399915" cy="289719"/>
+          </a:xfrm>
+          <a:prstGeom prst="rect">
+            <a:avLst/>
+          </a:prstGeom>
+          <a:noFill/>
+        </p:spPr>
+        <p:txBody>
+          <a:bodyPr wrap="square" rtlCol="0">
+            <a:spAutoFit/>
+          </a:bodyPr>
+          <a:lstStyle/>
+          <a:p>
+            <a:pPr algn="ctr"/>
+            <a:r>
+              <a:rPr lang="de-DE" sz="900" dirty="0"/>
+              <a:t>10</a:t>
+            </a:r>
+            <a:endParaRPr lang="en-US" sz="900" dirty="0"/>
+          </a:p>
+        </p:txBody>
+      </p:sp>
+      <p:sp>
+        <p:nvSpPr>
+          <p:cNvPr id="556" name="TextBox 54">
+            <a:extLst>
+              <a:ext uri="{FF2B5EF4-FFF2-40B4-BE49-F238E27FC236}">
+                <a16:creationId xmlns:a16="http://schemas.microsoft.com/office/drawing/2014/main" id="{B2CCCCFC-3FE4-4923-91AD-AE7F6F4FE37A}"/>
+              </a:ext>
+            </a:extLst>
+          </p:cNvPr>
+          <p:cNvSpPr txBox="1"/>
+          <p:nvPr/>
+        </p:nvSpPr>
+        <p:spPr>
+          <a:xfrm>
+            <a:off x="1749074" y="4637848"/>
+            <a:ext cx="399915" cy="289719"/>
+          </a:xfrm>
+          <a:prstGeom prst="rect">
+            <a:avLst/>
+          </a:prstGeom>
+          <a:noFill/>
+        </p:spPr>
+        <p:txBody>
+          <a:bodyPr wrap="square" rtlCol="0">
+            <a:spAutoFit/>
+          </a:bodyPr>
+          <a:lstStyle/>
+          <a:p>
+            <a:pPr algn="ctr"/>
+            <a:r>
+              <a:rPr lang="de-DE" sz="900" dirty="0"/>
+              <a:t>11</a:t>
+            </a:r>
+            <a:endParaRPr lang="en-US" sz="900" dirty="0"/>
+          </a:p>
+        </p:txBody>
+      </p:sp>
+      <p:sp>
+        <p:nvSpPr>
+          <p:cNvPr id="557" name="TextBox 54">
+            <a:extLst>
+              <a:ext uri="{FF2B5EF4-FFF2-40B4-BE49-F238E27FC236}">
+                <a16:creationId xmlns:a16="http://schemas.microsoft.com/office/drawing/2014/main" id="{722FC0DD-2BB6-4041-B517-8FFD47A04D1C}"/>
+              </a:ext>
+            </a:extLst>
+          </p:cNvPr>
+          <p:cNvSpPr txBox="1"/>
+          <p:nvPr/>
+        </p:nvSpPr>
+        <p:spPr>
+          <a:xfrm>
+            <a:off x="1734769" y="4923690"/>
+            <a:ext cx="428524" cy="289719"/>
+          </a:xfrm>
+          <a:prstGeom prst="rect">
+            <a:avLst/>
+          </a:prstGeom>
+          <a:noFill/>
+        </p:spPr>
+        <p:txBody>
+          <a:bodyPr wrap="square" rtlCol="0">
+            <a:spAutoFit/>
+          </a:bodyPr>
+          <a:lstStyle/>
+          <a:p>
+            <a:pPr algn="ctr"/>
+            <a:r>
+              <a:rPr lang="de-DE" sz="900" dirty="0"/>
+              <a:t>12</a:t>
+            </a:r>
+            <a:endParaRPr lang="en-US" sz="900" dirty="0"/>
+          </a:p>
+        </p:txBody>
+      </p:sp>
+      <p:sp>
+        <p:nvSpPr>
+          <p:cNvPr id="558" name="TextBox 54">
+            <a:extLst>
+              <a:ext uri="{FF2B5EF4-FFF2-40B4-BE49-F238E27FC236}">
+                <a16:creationId xmlns:a16="http://schemas.microsoft.com/office/drawing/2014/main" id="{7151F151-9344-4F64-A7FF-AE4ECDC19CE2}"/>
+              </a:ext>
+            </a:extLst>
+          </p:cNvPr>
+          <p:cNvSpPr txBox="1"/>
+          <p:nvPr/>
+        </p:nvSpPr>
+        <p:spPr>
+          <a:xfrm>
+            <a:off x="1692579" y="5220338"/>
+            <a:ext cx="512906" cy="289719"/>
+          </a:xfrm>
+          <a:prstGeom prst="rect">
+            <a:avLst/>
+          </a:prstGeom>
+          <a:noFill/>
+        </p:spPr>
+        <p:txBody>
+          <a:bodyPr wrap="square" rtlCol="0">
+            <a:spAutoFit/>
+          </a:bodyPr>
+          <a:lstStyle/>
+          <a:p>
+            <a:pPr algn="ctr"/>
+            <a:r>
+              <a:rPr lang="de-DE" sz="900" dirty="0"/>
+              <a:t>13</a:t>
+            </a:r>
+            <a:endParaRPr lang="en-US" sz="900" dirty="0"/>
+          </a:p>
+        </p:txBody>
+      </p:sp>
+      <p:sp>
+        <p:nvSpPr>
+          <p:cNvPr id="559" name="TextBox 54">
+            <a:extLst>
+              <a:ext uri="{FF2B5EF4-FFF2-40B4-BE49-F238E27FC236}">
+                <a16:creationId xmlns:a16="http://schemas.microsoft.com/office/drawing/2014/main" id="{1E735C00-396A-4503-952F-3110C9E7ACB9}"/>
+              </a:ext>
+            </a:extLst>
+          </p:cNvPr>
+          <p:cNvSpPr txBox="1"/>
+          <p:nvPr/>
+        </p:nvSpPr>
+        <p:spPr>
+          <a:xfrm>
+            <a:off x="1692579" y="5522184"/>
+            <a:ext cx="512906" cy="289719"/>
+          </a:xfrm>
+          <a:prstGeom prst="rect">
+            <a:avLst/>
+          </a:prstGeom>
+          <a:noFill/>
+        </p:spPr>
+        <p:txBody>
+          <a:bodyPr wrap="square" rtlCol="0">
+            <a:spAutoFit/>
+          </a:bodyPr>
+          <a:lstStyle/>
+          <a:p>
+            <a:pPr algn="ctr"/>
+            <a:r>
+              <a:rPr lang="de-DE" sz="900" dirty="0"/>
+              <a:t>14</a:t>
+            </a:r>
+            <a:endParaRPr lang="en-US" sz="900" dirty="0"/>
+          </a:p>
+        </p:txBody>
+      </p:sp>
+      <p:sp>
+        <p:nvSpPr>
+          <p:cNvPr id="560" name="TextBox 54">
+            <a:extLst>
+              <a:ext uri="{FF2B5EF4-FFF2-40B4-BE49-F238E27FC236}">
+                <a16:creationId xmlns:a16="http://schemas.microsoft.com/office/drawing/2014/main" id="{5CDC5A87-865A-4219-B6F1-EBA86D7A2027}"/>
+              </a:ext>
+            </a:extLst>
+          </p:cNvPr>
+          <p:cNvSpPr txBox="1"/>
+          <p:nvPr/>
+        </p:nvSpPr>
+        <p:spPr>
+          <a:xfrm>
+            <a:off x="1678390" y="5832930"/>
+            <a:ext cx="541284" cy="289719"/>
+          </a:xfrm>
+          <a:prstGeom prst="rect">
+            <a:avLst/>
+          </a:prstGeom>
+          <a:noFill/>
+        </p:spPr>
+        <p:txBody>
+          <a:bodyPr wrap="square" rtlCol="0">
+            <a:spAutoFit/>
+          </a:bodyPr>
+          <a:lstStyle/>
+          <a:p>
+            <a:pPr algn="ctr"/>
+            <a:r>
+              <a:rPr lang="de-DE" sz="900" dirty="0"/>
+              <a:t>15</a:t>
+            </a:r>
+            <a:endParaRPr lang="en-US" sz="900" dirty="0"/>
+          </a:p>
+        </p:txBody>
+      </p:sp>
+    </p:spTree>
+    <p:extLst>
+      <p:ext uri="{BB962C8B-B14F-4D97-AF65-F5344CB8AC3E}">
+        <p14:creationId xmlns:p14="http://schemas.microsoft.com/office/powerpoint/2010/main" val="3496179216"/>
+      </p:ext>
+    </p:extLst>
+  </p:cSld>
+  <p:clrMapOvr>
+    <a:masterClrMapping/>
+  </p:clrMapOvr>
+</p:sld>
+</file>
+
+<file path=ppt/slides/slide3.xml><?xml version="1.0" encoding="utf-8"?>
+<p:sld xmlns:a="http://schemas.openxmlformats.org/drawingml/2006/main" xmlns:r="http://schemas.openxmlformats.org/officeDocument/2006/relationships" xmlns:p="http://schemas.openxmlformats.org/presentationml/2006/main">
+  <p:cSld>
+    <p:spTree>
+      <p:nvGrpSpPr>
+        <p:cNvPr id="1" name=""/>
+        <p:cNvGrpSpPr/>
+        <p:nvPr/>
+      </p:nvGrpSpPr>
+      <p:grpSpPr>
+        <a:xfrm>
+          <a:off x="0" y="0"/>
+          <a:ext cx="0" cy="0"/>
+          <a:chOff x="0" y="0"/>
+          <a:chExt cx="0" cy="0"/>
+        </a:xfrm>
+      </p:grpSpPr>
       <p:cxnSp>
         <p:nvCxnSpPr>
           <p:cNvPr id="7" name="Straight Connector 6"/>
@@ -18867,7 +27392,7 @@
 </p:sld>
 </file>
 
-<file path=ppt/slides/slide3.xml><?xml version="1.0" encoding="utf-8"?>
+<file path=ppt/slides/slide4.xml><?xml version="1.0" encoding="utf-8"?>
 <p:sld xmlns:a="http://schemas.openxmlformats.org/drawingml/2006/main" xmlns:r="http://schemas.openxmlformats.org/officeDocument/2006/relationships" xmlns:p="http://schemas.openxmlformats.org/presentationml/2006/main">
   <p:cSld>
     <p:spTree>
@@ -21860,7 +30385,7 @@
 </p:sld>
 </file>
 
-<file path=ppt/slides/slide4.xml><?xml version="1.0" encoding="utf-8"?>
+<file path=ppt/slides/slide5.xml><?xml version="1.0" encoding="utf-8"?>
 <p:sld xmlns:a="http://schemas.openxmlformats.org/drawingml/2006/main" xmlns:r="http://schemas.openxmlformats.org/officeDocument/2006/relationships" xmlns:p="http://schemas.openxmlformats.org/presentationml/2006/main">
   <p:cSld>
     <p:spTree>
@@ -26161,7 +34686,7 @@
 </p:sld>
 </file>
 
-<file path=ppt/slides/slide5.xml><?xml version="1.0" encoding="utf-8"?>
+<file path=ppt/slides/slide6.xml><?xml version="1.0" encoding="utf-8"?>
 <p:sld xmlns:a="http://schemas.openxmlformats.org/drawingml/2006/main" xmlns:r="http://schemas.openxmlformats.org/officeDocument/2006/relationships" xmlns:p="http://schemas.openxmlformats.org/presentationml/2006/main">
   <p:cSld>
     <p:spTree>
@@ -32016,7 +40541,7 @@
 </p:sld>
 </file>
 
-<file path=ppt/slides/slide6.xml><?xml version="1.0" encoding="utf-8"?>
+<file path=ppt/slides/slide7.xml><?xml version="1.0" encoding="utf-8"?>
 <p:sld xmlns:a="http://schemas.openxmlformats.org/drawingml/2006/main" xmlns:r="http://schemas.openxmlformats.org/officeDocument/2006/relationships" xmlns:p="http://schemas.openxmlformats.org/presentationml/2006/main">
   <p:cSld>
     <p:spTree>

--- a/Evaporator Coil Design/Evaporator Designs.pptx
+++ b/Evaporator Coil Design/Evaporator Designs.pptx
@@ -5,7 +5,7 @@
     <p:sldMasterId id="2147483648" r:id="rId1"/>
   </p:sldMasterIdLst>
   <p:notesMasterIdLst>
-    <p:notesMasterId r:id="rId9"/>
+    <p:notesMasterId r:id="rId10"/>
   </p:notesMasterIdLst>
   <p:sldIdLst>
     <p:sldId id="268" r:id="rId2"/>
@@ -14,7 +14,8 @@
     <p:sldId id="261" r:id="rId5"/>
     <p:sldId id="266" r:id="rId6"/>
     <p:sldId id="267" r:id="rId7"/>
-    <p:sldId id="263" r:id="rId8"/>
+    <p:sldId id="270" r:id="rId8"/>
+    <p:sldId id="263" r:id="rId9"/>
   </p:sldIdLst>
   <p:sldSz cx="12192000" cy="6858000"/>
   <p:notesSz cx="6799263" cy="9875838"/>
@@ -218,7 +219,7 @@
           <a:p>
             <a:fld id="{9B73BE64-904C-44C1-8817-5532B07B34C3}" type="datetimeFigureOut">
               <a:rPr lang="en-US" smtClean="0"/>
-              <a:t>2/19/2018</a:t>
+              <a:t>2/20/2018</a:t>
             </a:fld>
             <a:endParaRPr lang="en-US"/>
           </a:p>
@@ -614,7 +615,7 @@
           <a:p>
             <a:fld id="{79AB4469-A1B0-45A0-82EA-568618996D37}" type="datetimeFigureOut">
               <a:rPr lang="en-US" smtClean="0"/>
-              <a:t>2/19/2018</a:t>
+              <a:t>2/20/2018</a:t>
             </a:fld>
             <a:endParaRPr lang="en-US"/>
           </a:p>
@@ -782,7 +783,7 @@
           <a:p>
             <a:fld id="{79AB4469-A1B0-45A0-82EA-568618996D37}" type="datetimeFigureOut">
               <a:rPr lang="en-US" smtClean="0"/>
-              <a:t>2/19/2018</a:t>
+              <a:t>2/20/2018</a:t>
             </a:fld>
             <a:endParaRPr lang="en-US"/>
           </a:p>
@@ -960,7 +961,7 @@
           <a:p>
             <a:fld id="{79AB4469-A1B0-45A0-82EA-568618996D37}" type="datetimeFigureOut">
               <a:rPr lang="en-US" smtClean="0"/>
-              <a:t>2/19/2018</a:t>
+              <a:t>2/20/2018</a:t>
             </a:fld>
             <a:endParaRPr lang="en-US"/>
           </a:p>
@@ -1128,7 +1129,7 @@
           <a:p>
             <a:fld id="{79AB4469-A1B0-45A0-82EA-568618996D37}" type="datetimeFigureOut">
               <a:rPr lang="en-US" smtClean="0"/>
-              <a:t>2/19/2018</a:t>
+              <a:t>2/20/2018</a:t>
             </a:fld>
             <a:endParaRPr lang="en-US"/>
           </a:p>
@@ -1373,7 +1374,7 @@
           <a:p>
             <a:fld id="{79AB4469-A1B0-45A0-82EA-568618996D37}" type="datetimeFigureOut">
               <a:rPr lang="en-US" smtClean="0"/>
-              <a:t>2/19/2018</a:t>
+              <a:t>2/20/2018</a:t>
             </a:fld>
             <a:endParaRPr lang="en-US"/>
           </a:p>
@@ -1602,7 +1603,7 @@
           <a:p>
             <a:fld id="{79AB4469-A1B0-45A0-82EA-568618996D37}" type="datetimeFigureOut">
               <a:rPr lang="en-US" smtClean="0"/>
-              <a:t>2/19/2018</a:t>
+              <a:t>2/20/2018</a:t>
             </a:fld>
             <a:endParaRPr lang="en-US"/>
           </a:p>
@@ -1966,7 +1967,7 @@
           <a:p>
             <a:fld id="{79AB4469-A1B0-45A0-82EA-568618996D37}" type="datetimeFigureOut">
               <a:rPr lang="en-US" smtClean="0"/>
-              <a:t>2/19/2018</a:t>
+              <a:t>2/20/2018</a:t>
             </a:fld>
             <a:endParaRPr lang="en-US"/>
           </a:p>
@@ -2083,7 +2084,7 @@
           <a:p>
             <a:fld id="{79AB4469-A1B0-45A0-82EA-568618996D37}" type="datetimeFigureOut">
               <a:rPr lang="en-US" smtClean="0"/>
-              <a:t>2/19/2018</a:t>
+              <a:t>2/20/2018</a:t>
             </a:fld>
             <a:endParaRPr lang="en-US"/>
           </a:p>
@@ -2178,7 +2179,7 @@
           <a:p>
             <a:fld id="{79AB4469-A1B0-45A0-82EA-568618996D37}" type="datetimeFigureOut">
               <a:rPr lang="en-US" smtClean="0"/>
-              <a:t>2/19/2018</a:t>
+              <a:t>2/20/2018</a:t>
             </a:fld>
             <a:endParaRPr lang="en-US"/>
           </a:p>
@@ -2453,7 +2454,7 @@
           <a:p>
             <a:fld id="{79AB4469-A1B0-45A0-82EA-568618996D37}" type="datetimeFigureOut">
               <a:rPr lang="en-US" smtClean="0"/>
-              <a:t>2/19/2018</a:t>
+              <a:t>2/20/2018</a:t>
             </a:fld>
             <a:endParaRPr lang="en-US"/>
           </a:p>
@@ -2705,7 +2706,7 @@
           <a:p>
             <a:fld id="{79AB4469-A1B0-45A0-82EA-568618996D37}" type="datetimeFigureOut">
               <a:rPr lang="en-US" smtClean="0"/>
-              <a:t>2/19/2018</a:t>
+              <a:t>2/20/2018</a:t>
             </a:fld>
             <a:endParaRPr lang="en-US"/>
           </a:p>
@@ -2916,7 +2917,7 @@
           <a:p>
             <a:fld id="{79AB4469-A1B0-45A0-82EA-568618996D37}" type="datetimeFigureOut">
               <a:rPr lang="en-US" smtClean="0"/>
-              <a:t>2/19/2018</a:t>
+              <a:t>2/20/2018</a:t>
             </a:fld>
             <a:endParaRPr lang="en-US"/>
           </a:p>
@@ -40558,6 +40559,5855 @@
           <a:chExt cx="0" cy="0"/>
         </a:xfrm>
       </p:grpSpPr>
+      <p:sp>
+        <p:nvSpPr>
+          <p:cNvPr id="52" name="TextBox 51"/>
+          <p:cNvSpPr txBox="1"/>
+          <p:nvPr/>
+        </p:nvSpPr>
+        <p:spPr>
+          <a:xfrm>
+            <a:off x="6450071" y="1128123"/>
+            <a:ext cx="2248249" cy="369332"/>
+          </a:xfrm>
+          <a:prstGeom prst="rect">
+            <a:avLst/>
+          </a:prstGeom>
+          <a:noFill/>
+        </p:spPr>
+        <p:txBody>
+          <a:bodyPr wrap="square" rtlCol="0">
+            <a:spAutoFit/>
+          </a:bodyPr>
+          <a:lstStyle/>
+          <a:p>
+            <a:r>
+              <a:rPr lang="de-DE" dirty="0"/>
+              <a:t>Evaporator </a:t>
+            </a:r>
+            <a:r>
+              <a:rPr lang="de-DE" dirty="0" err="1"/>
+              <a:t>right</a:t>
+            </a:r>
+            <a:r>
+              <a:rPr lang="de-DE" dirty="0"/>
+              <a:t> </a:t>
+            </a:r>
+            <a:r>
+              <a:rPr lang="de-DE" dirty="0" err="1"/>
+              <a:t>side</a:t>
+            </a:r>
+            <a:endParaRPr lang="en-US" dirty="0"/>
+          </a:p>
+        </p:txBody>
+      </p:sp>
+      <p:sp>
+        <p:nvSpPr>
+          <p:cNvPr id="53" name="TextBox 52"/>
+          <p:cNvSpPr txBox="1"/>
+          <p:nvPr/>
+        </p:nvSpPr>
+        <p:spPr>
+          <a:xfrm>
+            <a:off x="2948122" y="1063456"/>
+            <a:ext cx="2248249" cy="369332"/>
+          </a:xfrm>
+          <a:prstGeom prst="rect">
+            <a:avLst/>
+          </a:prstGeom>
+          <a:noFill/>
+        </p:spPr>
+        <p:txBody>
+          <a:bodyPr wrap="square" rtlCol="0">
+            <a:spAutoFit/>
+          </a:bodyPr>
+          <a:lstStyle/>
+          <a:p>
+            <a:r>
+              <a:rPr lang="de-DE" dirty="0"/>
+              <a:t>Evaporator </a:t>
+            </a:r>
+            <a:r>
+              <a:rPr lang="de-DE" dirty="0" err="1"/>
+              <a:t>left</a:t>
+            </a:r>
+            <a:r>
+              <a:rPr lang="de-DE" dirty="0"/>
+              <a:t> </a:t>
+            </a:r>
+            <a:r>
+              <a:rPr lang="de-DE" dirty="0" err="1"/>
+              <a:t>side</a:t>
+            </a:r>
+            <a:endParaRPr lang="en-US" dirty="0"/>
+          </a:p>
+        </p:txBody>
+      </p:sp>
+      <p:sp>
+        <p:nvSpPr>
+          <p:cNvPr id="54" name="TextBox 53"/>
+          <p:cNvSpPr txBox="1"/>
+          <p:nvPr/>
+        </p:nvSpPr>
+        <p:spPr>
+          <a:xfrm>
+            <a:off x="6880925" y="1715435"/>
+            <a:ext cx="404212" cy="230832"/>
+          </a:xfrm>
+          <a:prstGeom prst="rect">
+            <a:avLst/>
+          </a:prstGeom>
+          <a:noFill/>
+        </p:spPr>
+        <p:txBody>
+          <a:bodyPr wrap="square" rtlCol="0">
+            <a:spAutoFit/>
+          </a:bodyPr>
+          <a:lstStyle/>
+          <a:p>
+            <a:r>
+              <a:rPr lang="de-DE" sz="900" dirty="0"/>
+              <a:t>2.1</a:t>
+            </a:r>
+            <a:endParaRPr lang="en-US" sz="900" dirty="0"/>
+          </a:p>
+        </p:txBody>
+      </p:sp>
+      <p:sp>
+        <p:nvSpPr>
+          <p:cNvPr id="56" name="TextBox 55"/>
+          <p:cNvSpPr txBox="1"/>
+          <p:nvPr/>
+        </p:nvSpPr>
+        <p:spPr>
+          <a:xfrm>
+            <a:off x="6287242" y="2004729"/>
+            <a:ext cx="404212" cy="230832"/>
+          </a:xfrm>
+          <a:prstGeom prst="rect">
+            <a:avLst/>
+          </a:prstGeom>
+          <a:noFill/>
+        </p:spPr>
+        <p:txBody>
+          <a:bodyPr wrap="square" rtlCol="0">
+            <a:spAutoFit/>
+          </a:bodyPr>
+          <a:lstStyle/>
+          <a:p>
+            <a:r>
+              <a:rPr lang="de-DE" sz="900" dirty="0"/>
+              <a:t>3.1</a:t>
+            </a:r>
+            <a:endParaRPr lang="en-US" sz="900" dirty="0"/>
+          </a:p>
+        </p:txBody>
+      </p:sp>
+      <p:sp>
+        <p:nvSpPr>
+          <p:cNvPr id="57" name="TextBox 56"/>
+          <p:cNvSpPr txBox="1"/>
+          <p:nvPr/>
+        </p:nvSpPr>
+        <p:spPr>
+          <a:xfrm>
+            <a:off x="6283796" y="2620913"/>
+            <a:ext cx="404212" cy="230832"/>
+          </a:xfrm>
+          <a:prstGeom prst="rect">
+            <a:avLst/>
+          </a:prstGeom>
+          <a:noFill/>
+        </p:spPr>
+        <p:txBody>
+          <a:bodyPr wrap="square" rtlCol="0">
+            <a:spAutoFit/>
+          </a:bodyPr>
+          <a:lstStyle/>
+          <a:p>
+            <a:r>
+              <a:rPr lang="de-DE" sz="900" dirty="0"/>
+              <a:t>3.4</a:t>
+            </a:r>
+            <a:endParaRPr lang="en-US" sz="900" dirty="0"/>
+          </a:p>
+        </p:txBody>
+      </p:sp>
+      <p:sp>
+        <p:nvSpPr>
+          <p:cNvPr id="58" name="TextBox 57"/>
+          <p:cNvSpPr txBox="1"/>
+          <p:nvPr/>
+        </p:nvSpPr>
+        <p:spPr>
+          <a:xfrm>
+            <a:off x="4075943" y="4721080"/>
+            <a:ext cx="404212" cy="230832"/>
+          </a:xfrm>
+          <a:prstGeom prst="rect">
+            <a:avLst/>
+          </a:prstGeom>
+          <a:noFill/>
+        </p:spPr>
+        <p:txBody>
+          <a:bodyPr wrap="square" rtlCol="0">
+            <a:spAutoFit/>
+          </a:bodyPr>
+          <a:lstStyle/>
+          <a:p>
+            <a:r>
+              <a:rPr lang="de-DE" sz="900" dirty="0"/>
+              <a:t>1.7</a:t>
+            </a:r>
+            <a:endParaRPr lang="en-US" sz="900" dirty="0"/>
+          </a:p>
+        </p:txBody>
+      </p:sp>
+      <p:sp>
+        <p:nvSpPr>
+          <p:cNvPr id="59" name="TextBox 58"/>
+          <p:cNvSpPr txBox="1"/>
+          <p:nvPr/>
+        </p:nvSpPr>
+        <p:spPr>
+          <a:xfrm>
+            <a:off x="7916164" y="2632261"/>
+            <a:ext cx="404212" cy="230832"/>
+          </a:xfrm>
+          <a:prstGeom prst="rect">
+            <a:avLst/>
+          </a:prstGeom>
+          <a:noFill/>
+        </p:spPr>
+        <p:txBody>
+          <a:bodyPr wrap="square" rtlCol="0">
+            <a:spAutoFit/>
+          </a:bodyPr>
+          <a:lstStyle/>
+          <a:p>
+            <a:r>
+              <a:rPr lang="de-DE" sz="900" dirty="0"/>
+              <a:t>2.4</a:t>
+            </a:r>
+            <a:endParaRPr lang="en-US" sz="900" dirty="0"/>
+          </a:p>
+        </p:txBody>
+      </p:sp>
+      <p:sp>
+        <p:nvSpPr>
+          <p:cNvPr id="60" name="TextBox 59"/>
+          <p:cNvSpPr txBox="1"/>
+          <p:nvPr/>
+        </p:nvSpPr>
+        <p:spPr>
+          <a:xfrm>
+            <a:off x="7892475" y="3794236"/>
+            <a:ext cx="404212" cy="230832"/>
+          </a:xfrm>
+          <a:prstGeom prst="rect">
+            <a:avLst/>
+          </a:prstGeom>
+          <a:noFill/>
+        </p:spPr>
+        <p:txBody>
+          <a:bodyPr wrap="square" rtlCol="0">
+            <a:spAutoFit/>
+          </a:bodyPr>
+          <a:lstStyle/>
+          <a:p>
+            <a:r>
+              <a:rPr lang="de-DE" sz="900" dirty="0"/>
+              <a:t>3.8</a:t>
+            </a:r>
+            <a:endParaRPr lang="en-US" sz="900" dirty="0"/>
+          </a:p>
+        </p:txBody>
+      </p:sp>
+      <p:sp>
+        <p:nvSpPr>
+          <p:cNvPr id="79" name="TextBox 78"/>
+          <p:cNvSpPr txBox="1"/>
+          <p:nvPr/>
+        </p:nvSpPr>
+        <p:spPr>
+          <a:xfrm>
+            <a:off x="7890723" y="5595424"/>
+            <a:ext cx="404212" cy="230832"/>
+          </a:xfrm>
+          <a:prstGeom prst="rect">
+            <a:avLst/>
+          </a:prstGeom>
+          <a:noFill/>
+        </p:spPr>
+        <p:txBody>
+          <a:bodyPr wrap="square" rtlCol="0">
+            <a:spAutoFit/>
+          </a:bodyPr>
+          <a:lstStyle/>
+          <a:p>
+            <a:r>
+              <a:rPr lang="de-DE" sz="900" dirty="0"/>
+              <a:t>2.9</a:t>
+            </a:r>
+            <a:endParaRPr lang="en-US" sz="900" dirty="0"/>
+          </a:p>
+        </p:txBody>
+      </p:sp>
+      <p:sp>
+        <p:nvSpPr>
+          <p:cNvPr id="80" name="TextBox 79"/>
+          <p:cNvSpPr txBox="1"/>
+          <p:nvPr/>
+        </p:nvSpPr>
+        <p:spPr>
+          <a:xfrm>
+            <a:off x="7898198" y="6167198"/>
+            <a:ext cx="404212" cy="230832"/>
+          </a:xfrm>
+          <a:prstGeom prst="rect">
+            <a:avLst/>
+          </a:prstGeom>
+          <a:noFill/>
+        </p:spPr>
+        <p:txBody>
+          <a:bodyPr wrap="square" rtlCol="0">
+            <a:spAutoFit/>
+          </a:bodyPr>
+          <a:lstStyle/>
+          <a:p>
+            <a:r>
+              <a:rPr lang="de-DE" sz="900" dirty="0"/>
+              <a:t>2.12</a:t>
+            </a:r>
+            <a:endParaRPr lang="en-US" sz="900" dirty="0"/>
+          </a:p>
+        </p:txBody>
+      </p:sp>
+      <p:sp>
+        <p:nvSpPr>
+          <p:cNvPr id="81" name="TextBox 80"/>
+          <p:cNvSpPr txBox="1"/>
+          <p:nvPr/>
+        </p:nvSpPr>
+        <p:spPr>
+          <a:xfrm>
+            <a:off x="2833451" y="1723885"/>
+            <a:ext cx="404212" cy="230832"/>
+          </a:xfrm>
+          <a:prstGeom prst="rect">
+            <a:avLst/>
+          </a:prstGeom>
+          <a:noFill/>
+        </p:spPr>
+        <p:txBody>
+          <a:bodyPr wrap="square" rtlCol="0">
+            <a:spAutoFit/>
+          </a:bodyPr>
+          <a:lstStyle/>
+          <a:p>
+            <a:r>
+              <a:rPr lang="de-DE" sz="900" dirty="0"/>
+              <a:t>1.2</a:t>
+            </a:r>
+            <a:endParaRPr lang="en-US" sz="900" dirty="0"/>
+          </a:p>
+        </p:txBody>
+      </p:sp>
+      <p:sp>
+        <p:nvSpPr>
+          <p:cNvPr id="82" name="TextBox 81"/>
+          <p:cNvSpPr txBox="1"/>
+          <p:nvPr/>
+        </p:nvSpPr>
+        <p:spPr>
+          <a:xfrm>
+            <a:off x="6287242" y="3188870"/>
+            <a:ext cx="404212" cy="230832"/>
+          </a:xfrm>
+          <a:prstGeom prst="rect">
+            <a:avLst/>
+          </a:prstGeom>
+          <a:noFill/>
+        </p:spPr>
+        <p:txBody>
+          <a:bodyPr wrap="square" rtlCol="0">
+            <a:spAutoFit/>
+          </a:bodyPr>
+          <a:lstStyle/>
+          <a:p>
+            <a:r>
+              <a:rPr lang="de-DE" sz="900" dirty="0"/>
+              <a:t>3.5</a:t>
+            </a:r>
+            <a:endParaRPr lang="en-US" sz="900" dirty="0"/>
+          </a:p>
+        </p:txBody>
+      </p:sp>
+      <p:sp>
+        <p:nvSpPr>
+          <p:cNvPr id="83" name="TextBox 82"/>
+          <p:cNvSpPr txBox="1"/>
+          <p:nvPr/>
+        </p:nvSpPr>
+        <p:spPr>
+          <a:xfrm>
+            <a:off x="6293342" y="3812897"/>
+            <a:ext cx="404212" cy="230832"/>
+          </a:xfrm>
+          <a:prstGeom prst="rect">
+            <a:avLst/>
+          </a:prstGeom>
+          <a:noFill/>
+        </p:spPr>
+        <p:txBody>
+          <a:bodyPr wrap="square" rtlCol="0">
+            <a:spAutoFit/>
+          </a:bodyPr>
+          <a:lstStyle/>
+          <a:p>
+            <a:r>
+              <a:rPr lang="de-DE" sz="900" dirty="0"/>
+              <a:t>2.5</a:t>
+            </a:r>
+            <a:endParaRPr lang="en-US" sz="900" dirty="0"/>
+          </a:p>
+        </p:txBody>
+      </p:sp>
+      <p:sp>
+        <p:nvSpPr>
+          <p:cNvPr id="84" name="TextBox 83"/>
+          <p:cNvSpPr txBox="1"/>
+          <p:nvPr/>
+        </p:nvSpPr>
+        <p:spPr>
+          <a:xfrm>
+            <a:off x="6270462" y="4996684"/>
+            <a:ext cx="404212" cy="230832"/>
+          </a:xfrm>
+          <a:prstGeom prst="rect">
+            <a:avLst/>
+          </a:prstGeom>
+          <a:noFill/>
+        </p:spPr>
+        <p:txBody>
+          <a:bodyPr wrap="square" rtlCol="0">
+            <a:spAutoFit/>
+          </a:bodyPr>
+          <a:lstStyle/>
+          <a:p>
+            <a:r>
+              <a:rPr lang="de-DE" sz="900" dirty="0"/>
+              <a:t>2.8</a:t>
+            </a:r>
+            <a:endParaRPr lang="en-US" sz="900" dirty="0"/>
+          </a:p>
+        </p:txBody>
+      </p:sp>
+      <p:sp>
+        <p:nvSpPr>
+          <p:cNvPr id="85" name="TextBox 84"/>
+          <p:cNvSpPr txBox="1"/>
+          <p:nvPr/>
+        </p:nvSpPr>
+        <p:spPr>
+          <a:xfrm>
+            <a:off x="7868545" y="5010097"/>
+            <a:ext cx="404212" cy="230832"/>
+          </a:xfrm>
+          <a:prstGeom prst="rect">
+            <a:avLst/>
+          </a:prstGeom>
+          <a:noFill/>
+        </p:spPr>
+        <p:txBody>
+          <a:bodyPr wrap="square" rtlCol="0">
+            <a:spAutoFit/>
+          </a:bodyPr>
+          <a:lstStyle/>
+          <a:p>
+            <a:r>
+              <a:rPr lang="de-DE" sz="900" dirty="0"/>
+              <a:t>1.9</a:t>
+            </a:r>
+            <a:endParaRPr lang="en-US" sz="900" dirty="0"/>
+          </a:p>
+        </p:txBody>
+      </p:sp>
+      <p:sp>
+        <p:nvSpPr>
+          <p:cNvPr id="86" name="TextBox 85"/>
+          <p:cNvSpPr txBox="1"/>
+          <p:nvPr/>
+        </p:nvSpPr>
+        <p:spPr>
+          <a:xfrm>
+            <a:off x="8496214" y="5892804"/>
+            <a:ext cx="404212" cy="230832"/>
+          </a:xfrm>
+          <a:prstGeom prst="rect">
+            <a:avLst/>
+          </a:prstGeom>
+          <a:noFill/>
+        </p:spPr>
+        <p:txBody>
+          <a:bodyPr wrap="square" rtlCol="0">
+            <a:spAutoFit/>
+          </a:bodyPr>
+          <a:lstStyle/>
+          <a:p>
+            <a:r>
+              <a:rPr lang="de-DE" sz="900" dirty="0"/>
+              <a:t>3.12</a:t>
+            </a:r>
+            <a:endParaRPr lang="en-US" sz="900" dirty="0"/>
+          </a:p>
+        </p:txBody>
+      </p:sp>
+      <p:sp>
+        <p:nvSpPr>
+          <p:cNvPr id="87" name="TextBox 86"/>
+          <p:cNvSpPr txBox="1"/>
+          <p:nvPr/>
+        </p:nvSpPr>
+        <p:spPr>
+          <a:xfrm>
+            <a:off x="6884663" y="4097408"/>
+            <a:ext cx="404212" cy="230832"/>
+          </a:xfrm>
+          <a:prstGeom prst="rect">
+            <a:avLst/>
+          </a:prstGeom>
+          <a:noFill/>
+        </p:spPr>
+        <p:txBody>
+          <a:bodyPr wrap="square" rtlCol="0">
+            <a:spAutoFit/>
+          </a:bodyPr>
+          <a:lstStyle/>
+          <a:p>
+            <a:r>
+              <a:rPr lang="de-DE" sz="900" dirty="0"/>
+              <a:t>1.5</a:t>
+            </a:r>
+            <a:endParaRPr lang="en-US" sz="900" dirty="0"/>
+          </a:p>
+        </p:txBody>
+      </p:sp>
+      <p:sp>
+        <p:nvSpPr>
+          <p:cNvPr id="88" name="TextBox 87"/>
+          <p:cNvSpPr txBox="1"/>
+          <p:nvPr/>
+        </p:nvSpPr>
+        <p:spPr>
+          <a:xfrm>
+            <a:off x="6849391" y="5884252"/>
+            <a:ext cx="404212" cy="230832"/>
+          </a:xfrm>
+          <a:prstGeom prst="rect">
+            <a:avLst/>
+          </a:prstGeom>
+          <a:noFill/>
+        </p:spPr>
+        <p:txBody>
+          <a:bodyPr wrap="square" rtlCol="0">
+            <a:spAutoFit/>
+          </a:bodyPr>
+          <a:lstStyle/>
+          <a:p>
+            <a:r>
+              <a:rPr lang="de-DE" sz="900" dirty="0"/>
+              <a:t>1.12</a:t>
+            </a:r>
+            <a:endParaRPr lang="en-US" sz="900" dirty="0"/>
+          </a:p>
+        </p:txBody>
+      </p:sp>
+      <p:sp>
+        <p:nvSpPr>
+          <p:cNvPr id="89" name="TextBox 88"/>
+          <p:cNvSpPr txBox="1"/>
+          <p:nvPr/>
+        </p:nvSpPr>
+        <p:spPr>
+          <a:xfrm>
+            <a:off x="8485262" y="4709172"/>
+            <a:ext cx="404212" cy="230832"/>
+          </a:xfrm>
+          <a:prstGeom prst="rect">
+            <a:avLst/>
+          </a:prstGeom>
+          <a:noFill/>
+        </p:spPr>
+        <p:txBody>
+          <a:bodyPr wrap="square" rtlCol="0">
+            <a:spAutoFit/>
+          </a:bodyPr>
+          <a:lstStyle/>
+          <a:p>
+            <a:r>
+              <a:rPr lang="de-DE" sz="900" dirty="0"/>
+              <a:t>3.9</a:t>
+            </a:r>
+            <a:endParaRPr lang="en-US" sz="900" dirty="0"/>
+          </a:p>
+        </p:txBody>
+      </p:sp>
+      <p:sp>
+        <p:nvSpPr>
+          <p:cNvPr id="131" name="TextBox 25"/>
+          <p:cNvSpPr txBox="1"/>
+          <p:nvPr/>
+        </p:nvSpPr>
+        <p:spPr>
+          <a:xfrm>
+            <a:off x="3761137" y="414442"/>
+            <a:ext cx="4250349" cy="369332"/>
+          </a:xfrm>
+          <a:prstGeom prst="rect">
+            <a:avLst/>
+          </a:prstGeom>
+          <a:noFill/>
+        </p:spPr>
+        <p:txBody>
+          <a:bodyPr wrap="square" rtlCol="0">
+            <a:spAutoFit/>
+          </a:bodyPr>
+          <a:lstStyle/>
+          <a:p>
+            <a:pPr algn="ctr"/>
+            <a:r>
+              <a:rPr lang="de-DE" dirty="0"/>
+              <a:t>Evaporator </a:t>
+            </a:r>
+            <a:r>
+              <a:rPr lang="de-DE"/>
+              <a:t>– modiefied LIDL design</a:t>
+            </a:r>
+            <a:endParaRPr lang="en-US" dirty="0"/>
+          </a:p>
+        </p:txBody>
+      </p:sp>
+      <p:cxnSp>
+        <p:nvCxnSpPr>
+          <p:cNvPr id="7" name="Straight Connector 6"/>
+          <p:cNvCxnSpPr/>
+          <p:nvPr/>
+        </p:nvCxnSpPr>
+        <p:spPr>
+          <a:xfrm>
+            <a:off x="6196991" y="1555257"/>
+            <a:ext cx="0" cy="5049753"/>
+          </a:xfrm>
+          <a:prstGeom prst="line">
+            <a:avLst/>
+          </a:prstGeom>
+          <a:ln>
+            <a:solidFill>
+              <a:schemeClr val="tx1"/>
+            </a:solidFill>
+            <a:prstDash val="solid"/>
+          </a:ln>
+        </p:spPr>
+        <p:style>
+          <a:lnRef idx="1">
+            <a:schemeClr val="accent1"/>
+          </a:lnRef>
+          <a:fillRef idx="0">
+            <a:schemeClr val="accent1"/>
+          </a:fillRef>
+          <a:effectRef idx="0">
+            <a:schemeClr val="accent1"/>
+          </a:effectRef>
+          <a:fontRef idx="minor">
+            <a:schemeClr val="tx1"/>
+          </a:fontRef>
+        </p:style>
+      </p:cxnSp>
+      <p:cxnSp>
+        <p:nvCxnSpPr>
+          <p:cNvPr id="9" name="Straight Connector 8"/>
+          <p:cNvCxnSpPr/>
+          <p:nvPr/>
+        </p:nvCxnSpPr>
+        <p:spPr>
+          <a:xfrm flipV="1">
+            <a:off x="6196991" y="1555257"/>
+            <a:ext cx="2754411" cy="0"/>
+          </a:xfrm>
+          <a:prstGeom prst="line">
+            <a:avLst/>
+          </a:prstGeom>
+          <a:ln>
+            <a:solidFill>
+              <a:schemeClr val="tx1"/>
+            </a:solidFill>
+          </a:ln>
+        </p:spPr>
+        <p:style>
+          <a:lnRef idx="1">
+            <a:schemeClr val="accent1"/>
+          </a:lnRef>
+          <a:fillRef idx="0">
+            <a:schemeClr val="accent1"/>
+          </a:fillRef>
+          <a:effectRef idx="0">
+            <a:schemeClr val="accent1"/>
+          </a:effectRef>
+          <a:fontRef idx="minor">
+            <a:schemeClr val="tx1"/>
+          </a:fontRef>
+        </p:style>
+      </p:cxnSp>
+      <p:cxnSp>
+        <p:nvCxnSpPr>
+          <p:cNvPr id="10" name="Straight Connector 9"/>
+          <p:cNvCxnSpPr/>
+          <p:nvPr/>
+        </p:nvCxnSpPr>
+        <p:spPr>
+          <a:xfrm flipV="1">
+            <a:off x="6196991" y="6605010"/>
+            <a:ext cx="2754411" cy="0"/>
+          </a:xfrm>
+          <a:prstGeom prst="line">
+            <a:avLst/>
+          </a:prstGeom>
+          <a:ln>
+            <a:solidFill>
+              <a:schemeClr val="tx1"/>
+            </a:solidFill>
+            <a:prstDash val="solid"/>
+          </a:ln>
+        </p:spPr>
+        <p:style>
+          <a:lnRef idx="1">
+            <a:schemeClr val="accent1"/>
+          </a:lnRef>
+          <a:fillRef idx="0">
+            <a:schemeClr val="accent1"/>
+          </a:fillRef>
+          <a:effectRef idx="0">
+            <a:schemeClr val="accent1"/>
+          </a:effectRef>
+          <a:fontRef idx="minor">
+            <a:schemeClr val="tx1"/>
+          </a:fontRef>
+        </p:style>
+      </p:cxnSp>
+      <p:cxnSp>
+        <p:nvCxnSpPr>
+          <p:cNvPr id="11" name="Straight Connector 10"/>
+          <p:cNvCxnSpPr/>
+          <p:nvPr/>
+        </p:nvCxnSpPr>
+        <p:spPr>
+          <a:xfrm>
+            <a:off x="8951402" y="1555257"/>
+            <a:ext cx="0" cy="5049753"/>
+          </a:xfrm>
+          <a:prstGeom prst="line">
+            <a:avLst/>
+          </a:prstGeom>
+          <a:ln>
+            <a:solidFill>
+              <a:schemeClr val="tx1"/>
+            </a:solidFill>
+            <a:prstDash val="solid"/>
+          </a:ln>
+        </p:spPr>
+        <p:style>
+          <a:lnRef idx="1">
+            <a:schemeClr val="accent1"/>
+          </a:lnRef>
+          <a:fillRef idx="0">
+            <a:schemeClr val="accent1"/>
+          </a:fillRef>
+          <a:effectRef idx="0">
+            <a:schemeClr val="accent1"/>
+          </a:effectRef>
+          <a:fontRef idx="minor">
+            <a:schemeClr val="tx1"/>
+          </a:fontRef>
+        </p:style>
+      </p:cxnSp>
+      <p:sp>
+        <p:nvSpPr>
+          <p:cNvPr id="55" name="TextBox 54"/>
+          <p:cNvSpPr txBox="1"/>
+          <p:nvPr/>
+        </p:nvSpPr>
+        <p:spPr>
+          <a:xfrm>
+            <a:off x="5651821" y="1701261"/>
+            <a:ext cx="312081" cy="289719"/>
+          </a:xfrm>
+          <a:prstGeom prst="rect">
+            <a:avLst/>
+          </a:prstGeom>
+          <a:noFill/>
+        </p:spPr>
+        <p:txBody>
+          <a:bodyPr wrap="square" rtlCol="0">
+            <a:spAutoFit/>
+          </a:bodyPr>
+          <a:lstStyle/>
+          <a:p>
+            <a:pPr algn="ctr"/>
+            <a:r>
+              <a:rPr lang="de-DE" sz="900" dirty="0"/>
+              <a:t>1</a:t>
+            </a:r>
+            <a:endParaRPr lang="en-US" sz="900" dirty="0"/>
+          </a:p>
+        </p:txBody>
+      </p:sp>
+      <p:sp>
+        <p:nvSpPr>
+          <p:cNvPr id="184" name="Oval 50"/>
+          <p:cNvSpPr/>
+          <p:nvPr/>
+        </p:nvSpPr>
+        <p:spPr>
+          <a:xfrm>
+            <a:off x="8419010" y="1788971"/>
+            <a:ext cx="114767" cy="114767"/>
+          </a:xfrm>
+          <a:prstGeom prst="ellipse">
+            <a:avLst/>
+          </a:prstGeom>
+          <a:solidFill>
+            <a:srgbClr val="FF0000"/>
+          </a:solidFill>
+          <a:ln>
+            <a:solidFill>
+              <a:schemeClr val="tx1"/>
+            </a:solidFill>
+          </a:ln>
+        </p:spPr>
+        <p:style>
+          <a:lnRef idx="2">
+            <a:schemeClr val="accent1">
+              <a:shade val="50000"/>
+            </a:schemeClr>
+          </a:lnRef>
+          <a:fillRef idx="1">
+            <a:schemeClr val="accent1"/>
+          </a:fillRef>
+          <a:effectRef idx="0">
+            <a:schemeClr val="accent1"/>
+          </a:effectRef>
+          <a:fontRef idx="minor">
+            <a:schemeClr val="lt1"/>
+          </a:fontRef>
+        </p:style>
+        <p:txBody>
+          <a:bodyPr rtlCol="0" anchor="ctr"/>
+          <a:lstStyle/>
+          <a:p>
+            <a:pPr algn="ctr"/>
+            <a:endParaRPr lang="en-US"/>
+          </a:p>
+        </p:txBody>
+      </p:sp>
+      <p:sp>
+        <p:nvSpPr>
+          <p:cNvPr id="193" name="TextBox 54"/>
+          <p:cNvSpPr txBox="1"/>
+          <p:nvPr/>
+        </p:nvSpPr>
+        <p:spPr>
+          <a:xfrm>
+            <a:off x="5651821" y="1975820"/>
+            <a:ext cx="312081" cy="289719"/>
+          </a:xfrm>
+          <a:prstGeom prst="rect">
+            <a:avLst/>
+          </a:prstGeom>
+          <a:noFill/>
+        </p:spPr>
+        <p:txBody>
+          <a:bodyPr wrap="square" rtlCol="0">
+            <a:spAutoFit/>
+          </a:bodyPr>
+          <a:lstStyle/>
+          <a:p>
+            <a:pPr algn="ctr"/>
+            <a:r>
+              <a:rPr lang="de-DE" sz="900" dirty="0"/>
+              <a:t>2</a:t>
+            </a:r>
+            <a:endParaRPr lang="en-US" sz="900" dirty="0"/>
+          </a:p>
+        </p:txBody>
+      </p:sp>
+      <p:sp>
+        <p:nvSpPr>
+          <p:cNvPr id="194" name="TextBox 54"/>
+          <p:cNvSpPr txBox="1"/>
+          <p:nvPr/>
+        </p:nvSpPr>
+        <p:spPr>
+          <a:xfrm>
+            <a:off x="5651821" y="2270409"/>
+            <a:ext cx="312081" cy="289719"/>
+          </a:xfrm>
+          <a:prstGeom prst="rect">
+            <a:avLst/>
+          </a:prstGeom>
+          <a:noFill/>
+        </p:spPr>
+        <p:txBody>
+          <a:bodyPr wrap="square" rtlCol="0">
+            <a:spAutoFit/>
+          </a:bodyPr>
+          <a:lstStyle/>
+          <a:p>
+            <a:pPr algn="ctr"/>
+            <a:r>
+              <a:rPr lang="de-DE" sz="900" dirty="0"/>
+              <a:t>3</a:t>
+            </a:r>
+            <a:endParaRPr lang="en-US" sz="900" dirty="0"/>
+          </a:p>
+        </p:txBody>
+      </p:sp>
+      <p:sp>
+        <p:nvSpPr>
+          <p:cNvPr id="195" name="TextBox 54"/>
+          <p:cNvSpPr txBox="1"/>
+          <p:nvPr/>
+        </p:nvSpPr>
+        <p:spPr>
+          <a:xfrm>
+            <a:off x="5651821" y="2612841"/>
+            <a:ext cx="312081" cy="289719"/>
+          </a:xfrm>
+          <a:prstGeom prst="rect">
+            <a:avLst/>
+          </a:prstGeom>
+          <a:noFill/>
+        </p:spPr>
+        <p:txBody>
+          <a:bodyPr wrap="square" rtlCol="0">
+            <a:spAutoFit/>
+          </a:bodyPr>
+          <a:lstStyle/>
+          <a:p>
+            <a:pPr algn="ctr"/>
+            <a:r>
+              <a:rPr lang="de-DE" sz="900" dirty="0"/>
+              <a:t>4</a:t>
+            </a:r>
+            <a:endParaRPr lang="en-US" sz="900" dirty="0"/>
+          </a:p>
+        </p:txBody>
+      </p:sp>
+      <p:sp>
+        <p:nvSpPr>
+          <p:cNvPr id="196" name="TextBox 54"/>
+          <p:cNvSpPr txBox="1"/>
+          <p:nvPr/>
+        </p:nvSpPr>
+        <p:spPr>
+          <a:xfrm>
+            <a:off x="5585574" y="6158386"/>
+            <a:ext cx="444574" cy="289719"/>
+          </a:xfrm>
+          <a:prstGeom prst="rect">
+            <a:avLst/>
+          </a:prstGeom>
+          <a:noFill/>
+        </p:spPr>
+        <p:txBody>
+          <a:bodyPr wrap="square" rtlCol="0">
+            <a:spAutoFit/>
+          </a:bodyPr>
+          <a:lstStyle/>
+          <a:p>
+            <a:pPr algn="ctr"/>
+            <a:r>
+              <a:rPr lang="de-DE" sz="900" dirty="0"/>
+              <a:t>16</a:t>
+            </a:r>
+            <a:endParaRPr lang="en-US" sz="900" dirty="0"/>
+          </a:p>
+        </p:txBody>
+      </p:sp>
+      <p:sp>
+        <p:nvSpPr>
+          <p:cNvPr id="197" name="TextBox 54"/>
+          <p:cNvSpPr txBox="1"/>
+          <p:nvPr/>
+        </p:nvSpPr>
+        <p:spPr>
+          <a:xfrm>
+            <a:off x="5651821" y="2890790"/>
+            <a:ext cx="312081" cy="289719"/>
+          </a:xfrm>
+          <a:prstGeom prst="rect">
+            <a:avLst/>
+          </a:prstGeom>
+          <a:noFill/>
+        </p:spPr>
+        <p:txBody>
+          <a:bodyPr wrap="square" rtlCol="0">
+            <a:spAutoFit/>
+          </a:bodyPr>
+          <a:lstStyle/>
+          <a:p>
+            <a:pPr algn="ctr"/>
+            <a:r>
+              <a:rPr lang="de-DE" sz="900" dirty="0"/>
+              <a:t>5</a:t>
+            </a:r>
+            <a:endParaRPr lang="en-US" sz="900" dirty="0"/>
+          </a:p>
+        </p:txBody>
+      </p:sp>
+      <p:sp>
+        <p:nvSpPr>
+          <p:cNvPr id="198" name="TextBox 54"/>
+          <p:cNvSpPr txBox="1"/>
+          <p:nvPr/>
+        </p:nvSpPr>
+        <p:spPr>
+          <a:xfrm>
+            <a:off x="5651821" y="3200431"/>
+            <a:ext cx="312081" cy="289719"/>
+          </a:xfrm>
+          <a:prstGeom prst="rect">
+            <a:avLst/>
+          </a:prstGeom>
+          <a:noFill/>
+        </p:spPr>
+        <p:txBody>
+          <a:bodyPr wrap="square" rtlCol="0">
+            <a:spAutoFit/>
+          </a:bodyPr>
+          <a:lstStyle/>
+          <a:p>
+            <a:pPr algn="ctr"/>
+            <a:r>
+              <a:rPr lang="de-DE" sz="900" dirty="0"/>
+              <a:t>6</a:t>
+            </a:r>
+            <a:endParaRPr lang="en-US" sz="900" dirty="0"/>
+          </a:p>
+        </p:txBody>
+      </p:sp>
+      <p:sp>
+        <p:nvSpPr>
+          <p:cNvPr id="199" name="TextBox 54"/>
+          <p:cNvSpPr txBox="1"/>
+          <p:nvPr/>
+        </p:nvSpPr>
+        <p:spPr>
+          <a:xfrm>
+            <a:off x="5651821" y="3481690"/>
+            <a:ext cx="312081" cy="289719"/>
+          </a:xfrm>
+          <a:prstGeom prst="rect">
+            <a:avLst/>
+          </a:prstGeom>
+          <a:noFill/>
+        </p:spPr>
+        <p:txBody>
+          <a:bodyPr wrap="square" rtlCol="0">
+            <a:spAutoFit/>
+          </a:bodyPr>
+          <a:lstStyle/>
+          <a:p>
+            <a:pPr algn="ctr"/>
+            <a:r>
+              <a:rPr lang="de-DE" sz="900" dirty="0"/>
+              <a:t>7</a:t>
+            </a:r>
+            <a:endParaRPr lang="en-US" sz="900" dirty="0"/>
+          </a:p>
+        </p:txBody>
+      </p:sp>
+      <p:sp>
+        <p:nvSpPr>
+          <p:cNvPr id="200" name="TextBox 54"/>
+          <p:cNvSpPr txBox="1"/>
+          <p:nvPr/>
+        </p:nvSpPr>
+        <p:spPr>
+          <a:xfrm>
+            <a:off x="5651821" y="3794980"/>
+            <a:ext cx="312081" cy="289719"/>
+          </a:xfrm>
+          <a:prstGeom prst="rect">
+            <a:avLst/>
+          </a:prstGeom>
+          <a:noFill/>
+        </p:spPr>
+        <p:txBody>
+          <a:bodyPr wrap="square" rtlCol="0">
+            <a:spAutoFit/>
+          </a:bodyPr>
+          <a:lstStyle/>
+          <a:p>
+            <a:pPr algn="ctr"/>
+            <a:r>
+              <a:rPr lang="de-DE" sz="900" dirty="0"/>
+              <a:t>8</a:t>
+            </a:r>
+            <a:endParaRPr lang="en-US" sz="900" dirty="0"/>
+          </a:p>
+        </p:txBody>
+      </p:sp>
+      <p:sp>
+        <p:nvSpPr>
+          <p:cNvPr id="201" name="TextBox 54"/>
+          <p:cNvSpPr txBox="1"/>
+          <p:nvPr/>
+        </p:nvSpPr>
+        <p:spPr>
+          <a:xfrm>
+            <a:off x="5651821" y="4071978"/>
+            <a:ext cx="312081" cy="289719"/>
+          </a:xfrm>
+          <a:prstGeom prst="rect">
+            <a:avLst/>
+          </a:prstGeom>
+          <a:noFill/>
+        </p:spPr>
+        <p:txBody>
+          <a:bodyPr wrap="square" rtlCol="0">
+            <a:spAutoFit/>
+          </a:bodyPr>
+          <a:lstStyle/>
+          <a:p>
+            <a:pPr algn="ctr"/>
+            <a:r>
+              <a:rPr lang="de-DE" sz="900" dirty="0"/>
+              <a:t>9</a:t>
+            </a:r>
+            <a:endParaRPr lang="en-US" sz="900" dirty="0"/>
+          </a:p>
+        </p:txBody>
+      </p:sp>
+      <p:sp>
+        <p:nvSpPr>
+          <p:cNvPr id="202" name="TextBox 54"/>
+          <p:cNvSpPr txBox="1"/>
+          <p:nvPr/>
+        </p:nvSpPr>
+        <p:spPr>
+          <a:xfrm>
+            <a:off x="5607904" y="4371388"/>
+            <a:ext cx="399915" cy="289719"/>
+          </a:xfrm>
+          <a:prstGeom prst="rect">
+            <a:avLst/>
+          </a:prstGeom>
+          <a:noFill/>
+        </p:spPr>
+        <p:txBody>
+          <a:bodyPr wrap="square" rtlCol="0">
+            <a:spAutoFit/>
+          </a:bodyPr>
+          <a:lstStyle/>
+          <a:p>
+            <a:pPr algn="ctr"/>
+            <a:r>
+              <a:rPr lang="de-DE" sz="900" dirty="0"/>
+              <a:t>10</a:t>
+            </a:r>
+            <a:endParaRPr lang="en-US" sz="900" dirty="0"/>
+          </a:p>
+        </p:txBody>
+      </p:sp>
+      <p:sp>
+        <p:nvSpPr>
+          <p:cNvPr id="203" name="TextBox 54"/>
+          <p:cNvSpPr txBox="1"/>
+          <p:nvPr/>
+        </p:nvSpPr>
+        <p:spPr>
+          <a:xfrm>
+            <a:off x="5607904" y="4682397"/>
+            <a:ext cx="399915" cy="289719"/>
+          </a:xfrm>
+          <a:prstGeom prst="rect">
+            <a:avLst/>
+          </a:prstGeom>
+          <a:noFill/>
+        </p:spPr>
+        <p:txBody>
+          <a:bodyPr wrap="square" rtlCol="0">
+            <a:spAutoFit/>
+          </a:bodyPr>
+          <a:lstStyle/>
+          <a:p>
+            <a:pPr algn="ctr"/>
+            <a:r>
+              <a:rPr lang="de-DE" sz="900" dirty="0"/>
+              <a:t>11</a:t>
+            </a:r>
+            <a:endParaRPr lang="en-US" sz="900" dirty="0"/>
+          </a:p>
+        </p:txBody>
+      </p:sp>
+      <p:sp>
+        <p:nvSpPr>
+          <p:cNvPr id="204" name="TextBox 54"/>
+          <p:cNvSpPr txBox="1"/>
+          <p:nvPr/>
+        </p:nvSpPr>
+        <p:spPr>
+          <a:xfrm>
+            <a:off x="5593599" y="4968239"/>
+            <a:ext cx="428524" cy="289719"/>
+          </a:xfrm>
+          <a:prstGeom prst="rect">
+            <a:avLst/>
+          </a:prstGeom>
+          <a:noFill/>
+        </p:spPr>
+        <p:txBody>
+          <a:bodyPr wrap="square" rtlCol="0">
+            <a:spAutoFit/>
+          </a:bodyPr>
+          <a:lstStyle/>
+          <a:p>
+            <a:pPr algn="ctr"/>
+            <a:r>
+              <a:rPr lang="de-DE" sz="900" dirty="0"/>
+              <a:t>12</a:t>
+            </a:r>
+            <a:endParaRPr lang="en-US" sz="900" dirty="0"/>
+          </a:p>
+        </p:txBody>
+      </p:sp>
+      <p:sp>
+        <p:nvSpPr>
+          <p:cNvPr id="206" name="TextBox 54"/>
+          <p:cNvSpPr txBox="1"/>
+          <p:nvPr/>
+        </p:nvSpPr>
+        <p:spPr>
+          <a:xfrm>
+            <a:off x="5551409" y="5264887"/>
+            <a:ext cx="512906" cy="289719"/>
+          </a:xfrm>
+          <a:prstGeom prst="rect">
+            <a:avLst/>
+          </a:prstGeom>
+          <a:noFill/>
+        </p:spPr>
+        <p:txBody>
+          <a:bodyPr wrap="square" rtlCol="0">
+            <a:spAutoFit/>
+          </a:bodyPr>
+          <a:lstStyle/>
+          <a:p>
+            <a:pPr algn="ctr"/>
+            <a:r>
+              <a:rPr lang="de-DE" sz="900" dirty="0"/>
+              <a:t>13</a:t>
+            </a:r>
+            <a:endParaRPr lang="en-US" sz="900" dirty="0"/>
+          </a:p>
+        </p:txBody>
+      </p:sp>
+      <p:sp>
+        <p:nvSpPr>
+          <p:cNvPr id="207" name="TextBox 54"/>
+          <p:cNvSpPr txBox="1"/>
+          <p:nvPr/>
+        </p:nvSpPr>
+        <p:spPr>
+          <a:xfrm>
+            <a:off x="5551409" y="5566733"/>
+            <a:ext cx="512906" cy="289719"/>
+          </a:xfrm>
+          <a:prstGeom prst="rect">
+            <a:avLst/>
+          </a:prstGeom>
+          <a:noFill/>
+        </p:spPr>
+        <p:txBody>
+          <a:bodyPr wrap="square" rtlCol="0">
+            <a:spAutoFit/>
+          </a:bodyPr>
+          <a:lstStyle/>
+          <a:p>
+            <a:pPr algn="ctr"/>
+            <a:r>
+              <a:rPr lang="de-DE" sz="900" dirty="0"/>
+              <a:t>14</a:t>
+            </a:r>
+            <a:endParaRPr lang="en-US" sz="900" dirty="0"/>
+          </a:p>
+        </p:txBody>
+      </p:sp>
+      <p:sp>
+        <p:nvSpPr>
+          <p:cNvPr id="208" name="TextBox 54"/>
+          <p:cNvSpPr txBox="1"/>
+          <p:nvPr/>
+        </p:nvSpPr>
+        <p:spPr>
+          <a:xfrm>
+            <a:off x="5537220" y="5877479"/>
+            <a:ext cx="541284" cy="289719"/>
+          </a:xfrm>
+          <a:prstGeom prst="rect">
+            <a:avLst/>
+          </a:prstGeom>
+          <a:noFill/>
+        </p:spPr>
+        <p:txBody>
+          <a:bodyPr wrap="square" rtlCol="0">
+            <a:spAutoFit/>
+          </a:bodyPr>
+          <a:lstStyle/>
+          <a:p>
+            <a:pPr algn="ctr"/>
+            <a:r>
+              <a:rPr lang="de-DE" sz="900" dirty="0"/>
+              <a:t>15</a:t>
+            </a:r>
+            <a:endParaRPr lang="en-US" sz="900" dirty="0"/>
+          </a:p>
+        </p:txBody>
+      </p:sp>
+      <p:sp>
+        <p:nvSpPr>
+          <p:cNvPr id="211" name="Oval 50"/>
+          <p:cNvSpPr/>
+          <p:nvPr/>
+        </p:nvSpPr>
+        <p:spPr>
+          <a:xfrm>
+            <a:off x="7819926" y="2086733"/>
+            <a:ext cx="114767" cy="114767"/>
+          </a:xfrm>
+          <a:prstGeom prst="ellipse">
+            <a:avLst/>
+          </a:prstGeom>
+          <a:noFill/>
+          <a:ln>
+            <a:solidFill>
+              <a:schemeClr val="tx1"/>
+            </a:solidFill>
+          </a:ln>
+        </p:spPr>
+        <p:style>
+          <a:lnRef idx="2">
+            <a:schemeClr val="accent1">
+              <a:shade val="50000"/>
+            </a:schemeClr>
+          </a:lnRef>
+          <a:fillRef idx="1">
+            <a:schemeClr val="accent1"/>
+          </a:fillRef>
+          <a:effectRef idx="0">
+            <a:schemeClr val="accent1"/>
+          </a:effectRef>
+          <a:fontRef idx="minor">
+            <a:schemeClr val="lt1"/>
+          </a:fontRef>
+        </p:style>
+        <p:txBody>
+          <a:bodyPr rtlCol="0" anchor="ctr"/>
+          <a:lstStyle/>
+          <a:p>
+            <a:pPr algn="ctr"/>
+            <a:endParaRPr lang="en-US"/>
+          </a:p>
+        </p:txBody>
+      </p:sp>
+      <p:sp>
+        <p:nvSpPr>
+          <p:cNvPr id="217" name="Oval 50"/>
+          <p:cNvSpPr/>
+          <p:nvPr/>
+        </p:nvSpPr>
+        <p:spPr>
+          <a:xfrm>
+            <a:off x="7173031" y="1785150"/>
+            <a:ext cx="114767" cy="114767"/>
+          </a:xfrm>
+          <a:prstGeom prst="ellipse">
+            <a:avLst/>
+          </a:prstGeom>
+          <a:solidFill>
+            <a:schemeClr val="accent1">
+              <a:lumMod val="60000"/>
+              <a:lumOff val="40000"/>
+            </a:schemeClr>
+          </a:solidFill>
+          <a:ln>
+            <a:solidFill>
+              <a:schemeClr val="tx1"/>
+            </a:solidFill>
+          </a:ln>
+        </p:spPr>
+        <p:style>
+          <a:lnRef idx="2">
+            <a:schemeClr val="accent1">
+              <a:shade val="50000"/>
+            </a:schemeClr>
+          </a:lnRef>
+          <a:fillRef idx="1">
+            <a:schemeClr val="accent1"/>
+          </a:fillRef>
+          <a:effectRef idx="0">
+            <a:schemeClr val="accent1"/>
+          </a:effectRef>
+          <a:fontRef idx="minor">
+            <a:schemeClr val="lt1"/>
+          </a:fontRef>
+        </p:style>
+        <p:txBody>
+          <a:bodyPr rtlCol="0" anchor="ctr"/>
+          <a:lstStyle/>
+          <a:p>
+            <a:pPr algn="ctr"/>
+            <a:endParaRPr lang="en-US"/>
+          </a:p>
+        </p:txBody>
+      </p:sp>
+      <p:sp>
+        <p:nvSpPr>
+          <p:cNvPr id="219" name="Oval 50"/>
+          <p:cNvSpPr/>
+          <p:nvPr/>
+        </p:nvSpPr>
+        <p:spPr>
+          <a:xfrm>
+            <a:off x="6564373" y="2079601"/>
+            <a:ext cx="114767" cy="114767"/>
+          </a:xfrm>
+          <a:prstGeom prst="ellipse">
+            <a:avLst/>
+          </a:prstGeom>
+          <a:solidFill>
+            <a:schemeClr val="accent6"/>
+          </a:solidFill>
+          <a:ln>
+            <a:solidFill>
+              <a:schemeClr val="tx1"/>
+            </a:solidFill>
+          </a:ln>
+        </p:spPr>
+        <p:style>
+          <a:lnRef idx="2">
+            <a:schemeClr val="accent1">
+              <a:shade val="50000"/>
+            </a:schemeClr>
+          </a:lnRef>
+          <a:fillRef idx="1">
+            <a:schemeClr val="accent1"/>
+          </a:fillRef>
+          <a:effectRef idx="0">
+            <a:schemeClr val="accent1"/>
+          </a:effectRef>
+          <a:fontRef idx="minor">
+            <a:schemeClr val="lt1"/>
+          </a:fontRef>
+        </p:style>
+        <p:txBody>
+          <a:bodyPr rtlCol="0" anchor="ctr"/>
+          <a:lstStyle/>
+          <a:p>
+            <a:pPr algn="ctr"/>
+            <a:endParaRPr lang="en-US"/>
+          </a:p>
+        </p:txBody>
+      </p:sp>
+      <p:sp>
+        <p:nvSpPr>
+          <p:cNvPr id="229" name="Oval 50"/>
+          <p:cNvSpPr/>
+          <p:nvPr/>
+        </p:nvSpPr>
+        <p:spPr>
+          <a:xfrm>
+            <a:off x="8427994" y="2386709"/>
+            <a:ext cx="114767" cy="114767"/>
+          </a:xfrm>
+          <a:prstGeom prst="ellipse">
+            <a:avLst/>
+          </a:prstGeom>
+          <a:noFill/>
+          <a:ln>
+            <a:solidFill>
+              <a:schemeClr val="tx1"/>
+            </a:solidFill>
+          </a:ln>
+        </p:spPr>
+        <p:style>
+          <a:lnRef idx="2">
+            <a:schemeClr val="accent1">
+              <a:shade val="50000"/>
+            </a:schemeClr>
+          </a:lnRef>
+          <a:fillRef idx="1">
+            <a:schemeClr val="accent1"/>
+          </a:fillRef>
+          <a:effectRef idx="0">
+            <a:schemeClr val="accent1"/>
+          </a:effectRef>
+          <a:fontRef idx="minor">
+            <a:schemeClr val="lt1"/>
+          </a:fontRef>
+        </p:style>
+        <p:txBody>
+          <a:bodyPr rtlCol="0" anchor="ctr"/>
+          <a:lstStyle/>
+          <a:p>
+            <a:pPr algn="ctr"/>
+            <a:endParaRPr lang="en-US"/>
+          </a:p>
+        </p:txBody>
+      </p:sp>
+      <p:sp>
+        <p:nvSpPr>
+          <p:cNvPr id="232" name="Oval 50"/>
+          <p:cNvSpPr/>
+          <p:nvPr/>
+        </p:nvSpPr>
+        <p:spPr>
+          <a:xfrm>
+            <a:off x="7828910" y="2684471"/>
+            <a:ext cx="114767" cy="114767"/>
+          </a:xfrm>
+          <a:prstGeom prst="ellipse">
+            <a:avLst/>
+          </a:prstGeom>
+          <a:solidFill>
+            <a:schemeClr val="accent1">
+              <a:lumMod val="60000"/>
+              <a:lumOff val="40000"/>
+            </a:schemeClr>
+          </a:solidFill>
+          <a:ln>
+            <a:solidFill>
+              <a:schemeClr val="tx1"/>
+            </a:solidFill>
+          </a:ln>
+        </p:spPr>
+        <p:style>
+          <a:lnRef idx="2">
+            <a:schemeClr val="accent1">
+              <a:shade val="50000"/>
+            </a:schemeClr>
+          </a:lnRef>
+          <a:fillRef idx="1">
+            <a:schemeClr val="accent1"/>
+          </a:fillRef>
+          <a:effectRef idx="0">
+            <a:schemeClr val="accent1"/>
+          </a:effectRef>
+          <a:fontRef idx="minor">
+            <a:schemeClr val="lt1"/>
+          </a:fontRef>
+        </p:style>
+        <p:txBody>
+          <a:bodyPr rtlCol="0" anchor="ctr"/>
+          <a:lstStyle/>
+          <a:p>
+            <a:pPr algn="ctr"/>
+            <a:endParaRPr lang="en-US"/>
+          </a:p>
+        </p:txBody>
+      </p:sp>
+      <p:sp>
+        <p:nvSpPr>
+          <p:cNvPr id="233" name="Oval 50"/>
+          <p:cNvSpPr/>
+          <p:nvPr/>
+        </p:nvSpPr>
+        <p:spPr>
+          <a:xfrm>
+            <a:off x="7182015" y="2382888"/>
+            <a:ext cx="114767" cy="114767"/>
+          </a:xfrm>
+          <a:prstGeom prst="ellipse">
+            <a:avLst/>
+          </a:prstGeom>
+          <a:noFill/>
+          <a:ln>
+            <a:solidFill>
+              <a:schemeClr val="tx1"/>
+            </a:solidFill>
+          </a:ln>
+        </p:spPr>
+        <p:style>
+          <a:lnRef idx="2">
+            <a:schemeClr val="accent1">
+              <a:shade val="50000"/>
+            </a:schemeClr>
+          </a:lnRef>
+          <a:fillRef idx="1">
+            <a:schemeClr val="accent1"/>
+          </a:fillRef>
+          <a:effectRef idx="0">
+            <a:schemeClr val="accent1"/>
+          </a:effectRef>
+          <a:fontRef idx="minor">
+            <a:schemeClr val="lt1"/>
+          </a:fontRef>
+        </p:style>
+        <p:txBody>
+          <a:bodyPr rtlCol="0" anchor="ctr"/>
+          <a:lstStyle/>
+          <a:p>
+            <a:pPr algn="ctr"/>
+            <a:endParaRPr lang="en-US"/>
+          </a:p>
+        </p:txBody>
+      </p:sp>
+      <p:sp>
+        <p:nvSpPr>
+          <p:cNvPr id="235" name="Oval 50"/>
+          <p:cNvSpPr/>
+          <p:nvPr/>
+        </p:nvSpPr>
+        <p:spPr>
+          <a:xfrm>
+            <a:off x="6573357" y="2677339"/>
+            <a:ext cx="114767" cy="114767"/>
+          </a:xfrm>
+          <a:prstGeom prst="ellipse">
+            <a:avLst/>
+          </a:prstGeom>
+          <a:solidFill>
+            <a:schemeClr val="accent6"/>
+          </a:solidFill>
+          <a:ln>
+            <a:solidFill>
+              <a:schemeClr val="tx1"/>
+            </a:solidFill>
+          </a:ln>
+        </p:spPr>
+        <p:style>
+          <a:lnRef idx="2">
+            <a:schemeClr val="accent1">
+              <a:shade val="50000"/>
+            </a:schemeClr>
+          </a:lnRef>
+          <a:fillRef idx="1">
+            <a:schemeClr val="accent1"/>
+          </a:fillRef>
+          <a:effectRef idx="0">
+            <a:schemeClr val="accent1"/>
+          </a:effectRef>
+          <a:fontRef idx="minor">
+            <a:schemeClr val="lt1"/>
+          </a:fontRef>
+        </p:style>
+        <p:txBody>
+          <a:bodyPr rtlCol="0" anchor="ctr"/>
+          <a:lstStyle/>
+          <a:p>
+            <a:pPr algn="ctr"/>
+            <a:endParaRPr lang="en-US"/>
+          </a:p>
+        </p:txBody>
+      </p:sp>
+      <p:sp>
+        <p:nvSpPr>
+          <p:cNvPr id="236" name="Oval 50"/>
+          <p:cNvSpPr/>
+          <p:nvPr/>
+        </p:nvSpPr>
+        <p:spPr>
+          <a:xfrm>
+            <a:off x="8416593" y="2979947"/>
+            <a:ext cx="114767" cy="114767"/>
+          </a:xfrm>
+          <a:prstGeom prst="ellipse">
+            <a:avLst/>
+          </a:prstGeom>
+          <a:solidFill>
+            <a:srgbClr val="FF0000"/>
+          </a:solidFill>
+          <a:ln>
+            <a:solidFill>
+              <a:schemeClr val="tx1"/>
+            </a:solidFill>
+          </a:ln>
+        </p:spPr>
+        <p:style>
+          <a:lnRef idx="2">
+            <a:schemeClr val="accent1">
+              <a:shade val="50000"/>
+            </a:schemeClr>
+          </a:lnRef>
+          <a:fillRef idx="1">
+            <a:schemeClr val="accent1"/>
+          </a:fillRef>
+          <a:effectRef idx="0">
+            <a:schemeClr val="accent1"/>
+          </a:effectRef>
+          <a:fontRef idx="minor">
+            <a:schemeClr val="lt1"/>
+          </a:fontRef>
+        </p:style>
+        <p:txBody>
+          <a:bodyPr rtlCol="0" anchor="ctr"/>
+          <a:lstStyle/>
+          <a:p>
+            <a:pPr algn="ctr"/>
+            <a:endParaRPr lang="en-US"/>
+          </a:p>
+        </p:txBody>
+      </p:sp>
+      <p:sp>
+        <p:nvSpPr>
+          <p:cNvPr id="238" name="Oval 50"/>
+          <p:cNvSpPr/>
+          <p:nvPr/>
+        </p:nvSpPr>
+        <p:spPr>
+          <a:xfrm>
+            <a:off x="7817508" y="3277709"/>
+            <a:ext cx="114767" cy="114767"/>
+          </a:xfrm>
+          <a:prstGeom prst="ellipse">
+            <a:avLst/>
+          </a:prstGeom>
+          <a:noFill/>
+          <a:ln>
+            <a:solidFill>
+              <a:schemeClr val="tx1"/>
+            </a:solidFill>
+          </a:ln>
+        </p:spPr>
+        <p:style>
+          <a:lnRef idx="2">
+            <a:schemeClr val="accent1">
+              <a:shade val="50000"/>
+            </a:schemeClr>
+          </a:lnRef>
+          <a:fillRef idx="1">
+            <a:schemeClr val="accent1"/>
+          </a:fillRef>
+          <a:effectRef idx="0">
+            <a:schemeClr val="accent1"/>
+          </a:effectRef>
+          <a:fontRef idx="minor">
+            <a:schemeClr val="lt1"/>
+          </a:fontRef>
+        </p:style>
+        <p:txBody>
+          <a:bodyPr rtlCol="0" anchor="ctr"/>
+          <a:lstStyle/>
+          <a:p>
+            <a:pPr algn="ctr"/>
+            <a:endParaRPr lang="en-US"/>
+          </a:p>
+        </p:txBody>
+      </p:sp>
+      <p:sp>
+        <p:nvSpPr>
+          <p:cNvPr id="239" name="Oval 50"/>
+          <p:cNvSpPr/>
+          <p:nvPr/>
+        </p:nvSpPr>
+        <p:spPr>
+          <a:xfrm>
+            <a:off x="7170614" y="2976126"/>
+            <a:ext cx="114767" cy="114767"/>
+          </a:xfrm>
+          <a:prstGeom prst="ellipse">
+            <a:avLst/>
+          </a:prstGeom>
+          <a:noFill/>
+          <a:ln>
+            <a:solidFill>
+              <a:schemeClr val="tx1"/>
+            </a:solidFill>
+          </a:ln>
+        </p:spPr>
+        <p:style>
+          <a:lnRef idx="2">
+            <a:schemeClr val="accent1">
+              <a:shade val="50000"/>
+            </a:schemeClr>
+          </a:lnRef>
+          <a:fillRef idx="1">
+            <a:schemeClr val="accent1"/>
+          </a:fillRef>
+          <a:effectRef idx="0">
+            <a:schemeClr val="accent1"/>
+          </a:effectRef>
+          <a:fontRef idx="minor">
+            <a:schemeClr val="lt1"/>
+          </a:fontRef>
+        </p:style>
+        <p:txBody>
+          <a:bodyPr rtlCol="0" anchor="ctr"/>
+          <a:lstStyle/>
+          <a:p>
+            <a:pPr algn="ctr"/>
+            <a:endParaRPr lang="en-US"/>
+          </a:p>
+        </p:txBody>
+      </p:sp>
+      <p:sp>
+        <p:nvSpPr>
+          <p:cNvPr id="240" name="Oval 50"/>
+          <p:cNvSpPr/>
+          <p:nvPr/>
+        </p:nvSpPr>
+        <p:spPr>
+          <a:xfrm>
+            <a:off x="6561956" y="3270577"/>
+            <a:ext cx="114767" cy="114767"/>
+          </a:xfrm>
+          <a:prstGeom prst="ellipse">
+            <a:avLst/>
+          </a:prstGeom>
+          <a:solidFill>
+            <a:schemeClr val="accent6"/>
+          </a:solidFill>
+          <a:ln>
+            <a:solidFill>
+              <a:schemeClr val="tx1"/>
+            </a:solidFill>
+          </a:ln>
+        </p:spPr>
+        <p:style>
+          <a:lnRef idx="2">
+            <a:schemeClr val="accent1">
+              <a:shade val="50000"/>
+            </a:schemeClr>
+          </a:lnRef>
+          <a:fillRef idx="1">
+            <a:schemeClr val="accent1"/>
+          </a:fillRef>
+          <a:effectRef idx="0">
+            <a:schemeClr val="accent1"/>
+          </a:effectRef>
+          <a:fontRef idx="minor">
+            <a:schemeClr val="lt1"/>
+          </a:fontRef>
+        </p:style>
+        <p:txBody>
+          <a:bodyPr rtlCol="0" anchor="ctr"/>
+          <a:lstStyle/>
+          <a:p>
+            <a:pPr algn="ctr"/>
+            <a:endParaRPr lang="en-US"/>
+          </a:p>
+        </p:txBody>
+      </p:sp>
+      <p:sp>
+        <p:nvSpPr>
+          <p:cNvPr id="241" name="Oval 50"/>
+          <p:cNvSpPr/>
+          <p:nvPr/>
+        </p:nvSpPr>
+        <p:spPr>
+          <a:xfrm>
+            <a:off x="8417858" y="3575532"/>
+            <a:ext cx="114767" cy="114767"/>
+          </a:xfrm>
+          <a:prstGeom prst="ellipse">
+            <a:avLst/>
+          </a:prstGeom>
+          <a:noFill/>
+          <a:ln>
+            <a:solidFill>
+              <a:schemeClr val="tx1"/>
+            </a:solidFill>
+          </a:ln>
+        </p:spPr>
+        <p:style>
+          <a:lnRef idx="2">
+            <a:schemeClr val="accent1">
+              <a:shade val="50000"/>
+            </a:schemeClr>
+          </a:lnRef>
+          <a:fillRef idx="1">
+            <a:schemeClr val="accent1"/>
+          </a:fillRef>
+          <a:effectRef idx="0">
+            <a:schemeClr val="accent1"/>
+          </a:effectRef>
+          <a:fontRef idx="minor">
+            <a:schemeClr val="lt1"/>
+          </a:fontRef>
+        </p:style>
+        <p:txBody>
+          <a:bodyPr rtlCol="0" anchor="ctr"/>
+          <a:lstStyle/>
+          <a:p>
+            <a:pPr algn="ctr"/>
+            <a:endParaRPr lang="en-US"/>
+          </a:p>
+        </p:txBody>
+      </p:sp>
+      <p:sp>
+        <p:nvSpPr>
+          <p:cNvPr id="242" name="Oval 50"/>
+          <p:cNvSpPr/>
+          <p:nvPr/>
+        </p:nvSpPr>
+        <p:spPr>
+          <a:xfrm>
+            <a:off x="7818773" y="3873294"/>
+            <a:ext cx="114767" cy="114767"/>
+          </a:xfrm>
+          <a:prstGeom prst="ellipse">
+            <a:avLst/>
+          </a:prstGeom>
+          <a:solidFill>
+            <a:schemeClr val="accent6"/>
+          </a:solidFill>
+          <a:ln>
+            <a:solidFill>
+              <a:schemeClr val="tx1"/>
+            </a:solidFill>
+          </a:ln>
+        </p:spPr>
+        <p:style>
+          <a:lnRef idx="2">
+            <a:schemeClr val="accent1">
+              <a:shade val="50000"/>
+            </a:schemeClr>
+          </a:lnRef>
+          <a:fillRef idx="1">
+            <a:schemeClr val="accent1"/>
+          </a:fillRef>
+          <a:effectRef idx="0">
+            <a:schemeClr val="accent1"/>
+          </a:effectRef>
+          <a:fontRef idx="minor">
+            <a:schemeClr val="lt1"/>
+          </a:fontRef>
+        </p:style>
+        <p:txBody>
+          <a:bodyPr rtlCol="0" anchor="ctr"/>
+          <a:lstStyle/>
+          <a:p>
+            <a:pPr algn="ctr"/>
+            <a:endParaRPr lang="en-US"/>
+          </a:p>
+        </p:txBody>
+      </p:sp>
+      <p:sp>
+        <p:nvSpPr>
+          <p:cNvPr id="243" name="Oval 50"/>
+          <p:cNvSpPr/>
+          <p:nvPr/>
+        </p:nvSpPr>
+        <p:spPr>
+          <a:xfrm>
+            <a:off x="7171879" y="3571712"/>
+            <a:ext cx="114767" cy="114767"/>
+          </a:xfrm>
+          <a:prstGeom prst="ellipse">
+            <a:avLst/>
+          </a:prstGeom>
+          <a:noFill/>
+          <a:ln>
+            <a:solidFill>
+              <a:schemeClr val="tx1"/>
+            </a:solidFill>
+          </a:ln>
+        </p:spPr>
+        <p:style>
+          <a:lnRef idx="2">
+            <a:schemeClr val="accent1">
+              <a:shade val="50000"/>
+            </a:schemeClr>
+          </a:lnRef>
+          <a:fillRef idx="1">
+            <a:schemeClr val="accent1"/>
+          </a:fillRef>
+          <a:effectRef idx="0">
+            <a:schemeClr val="accent1"/>
+          </a:effectRef>
+          <a:fontRef idx="minor">
+            <a:schemeClr val="lt1"/>
+          </a:fontRef>
+        </p:style>
+        <p:txBody>
+          <a:bodyPr rtlCol="0" anchor="ctr"/>
+          <a:lstStyle/>
+          <a:p>
+            <a:pPr algn="ctr"/>
+            <a:endParaRPr lang="en-US"/>
+          </a:p>
+        </p:txBody>
+      </p:sp>
+      <p:sp>
+        <p:nvSpPr>
+          <p:cNvPr id="244" name="Oval 50"/>
+          <p:cNvSpPr/>
+          <p:nvPr/>
+        </p:nvSpPr>
+        <p:spPr>
+          <a:xfrm>
+            <a:off x="6563221" y="3866163"/>
+            <a:ext cx="114767" cy="114767"/>
+          </a:xfrm>
+          <a:prstGeom prst="ellipse">
+            <a:avLst/>
+          </a:prstGeom>
+          <a:solidFill>
+            <a:schemeClr val="accent1">
+              <a:lumMod val="60000"/>
+              <a:lumOff val="40000"/>
+            </a:schemeClr>
+          </a:solidFill>
+          <a:ln>
+            <a:solidFill>
+              <a:schemeClr val="tx1"/>
+            </a:solidFill>
+          </a:ln>
+        </p:spPr>
+        <p:style>
+          <a:lnRef idx="2">
+            <a:schemeClr val="accent1">
+              <a:shade val="50000"/>
+            </a:schemeClr>
+          </a:lnRef>
+          <a:fillRef idx="1">
+            <a:schemeClr val="accent1"/>
+          </a:fillRef>
+          <a:effectRef idx="0">
+            <a:schemeClr val="accent1"/>
+          </a:effectRef>
+          <a:fontRef idx="minor">
+            <a:schemeClr val="lt1"/>
+          </a:fontRef>
+        </p:style>
+        <p:txBody>
+          <a:bodyPr rtlCol="0" anchor="ctr"/>
+          <a:lstStyle/>
+          <a:p>
+            <a:pPr algn="ctr"/>
+            <a:endParaRPr lang="en-US"/>
+          </a:p>
+        </p:txBody>
+      </p:sp>
+      <p:sp>
+        <p:nvSpPr>
+          <p:cNvPr id="245" name="Oval 50"/>
+          <p:cNvSpPr/>
+          <p:nvPr/>
+        </p:nvSpPr>
+        <p:spPr>
+          <a:xfrm>
+            <a:off x="8417858" y="4171118"/>
+            <a:ext cx="114767" cy="114767"/>
+          </a:xfrm>
+          <a:prstGeom prst="ellipse">
+            <a:avLst/>
+          </a:prstGeom>
+          <a:noFill/>
+          <a:ln>
+            <a:solidFill>
+              <a:schemeClr val="tx1"/>
+            </a:solidFill>
+          </a:ln>
+        </p:spPr>
+        <p:style>
+          <a:lnRef idx="2">
+            <a:schemeClr val="accent1">
+              <a:shade val="50000"/>
+            </a:schemeClr>
+          </a:lnRef>
+          <a:fillRef idx="1">
+            <a:schemeClr val="accent1"/>
+          </a:fillRef>
+          <a:effectRef idx="0">
+            <a:schemeClr val="accent1"/>
+          </a:effectRef>
+          <a:fontRef idx="minor">
+            <a:schemeClr val="lt1"/>
+          </a:fontRef>
+        </p:style>
+        <p:txBody>
+          <a:bodyPr rtlCol="0" anchor="ctr"/>
+          <a:lstStyle/>
+          <a:p>
+            <a:pPr algn="ctr"/>
+            <a:endParaRPr lang="en-US"/>
+          </a:p>
+        </p:txBody>
+      </p:sp>
+      <p:sp>
+        <p:nvSpPr>
+          <p:cNvPr id="246" name="Oval 50"/>
+          <p:cNvSpPr/>
+          <p:nvPr/>
+        </p:nvSpPr>
+        <p:spPr>
+          <a:xfrm>
+            <a:off x="7818773" y="4468879"/>
+            <a:ext cx="114767" cy="114767"/>
+          </a:xfrm>
+          <a:prstGeom prst="ellipse">
+            <a:avLst/>
+          </a:prstGeom>
+          <a:noFill/>
+          <a:ln>
+            <a:solidFill>
+              <a:schemeClr val="tx1"/>
+            </a:solidFill>
+          </a:ln>
+        </p:spPr>
+        <p:style>
+          <a:lnRef idx="2">
+            <a:schemeClr val="accent1">
+              <a:shade val="50000"/>
+            </a:schemeClr>
+          </a:lnRef>
+          <a:fillRef idx="1">
+            <a:schemeClr val="accent1"/>
+          </a:fillRef>
+          <a:effectRef idx="0">
+            <a:schemeClr val="accent1"/>
+          </a:effectRef>
+          <a:fontRef idx="minor">
+            <a:schemeClr val="lt1"/>
+          </a:fontRef>
+        </p:style>
+        <p:txBody>
+          <a:bodyPr rtlCol="0" anchor="ctr"/>
+          <a:lstStyle/>
+          <a:p>
+            <a:pPr algn="ctr"/>
+            <a:endParaRPr lang="en-US"/>
+          </a:p>
+        </p:txBody>
+      </p:sp>
+      <p:sp>
+        <p:nvSpPr>
+          <p:cNvPr id="247" name="Oval 50"/>
+          <p:cNvSpPr/>
+          <p:nvPr/>
+        </p:nvSpPr>
+        <p:spPr>
+          <a:xfrm>
+            <a:off x="7171879" y="4167297"/>
+            <a:ext cx="114767" cy="114767"/>
+          </a:xfrm>
+          <a:prstGeom prst="ellipse">
+            <a:avLst/>
+          </a:prstGeom>
+          <a:solidFill>
+            <a:srgbClr val="FF0000"/>
+          </a:solidFill>
+          <a:ln>
+            <a:solidFill>
+              <a:schemeClr val="tx1"/>
+            </a:solidFill>
+          </a:ln>
+        </p:spPr>
+        <p:style>
+          <a:lnRef idx="2">
+            <a:schemeClr val="accent1">
+              <a:shade val="50000"/>
+            </a:schemeClr>
+          </a:lnRef>
+          <a:fillRef idx="1">
+            <a:schemeClr val="accent1"/>
+          </a:fillRef>
+          <a:effectRef idx="0">
+            <a:schemeClr val="accent1"/>
+          </a:effectRef>
+          <a:fontRef idx="minor">
+            <a:schemeClr val="lt1"/>
+          </a:fontRef>
+        </p:style>
+        <p:txBody>
+          <a:bodyPr rtlCol="0" anchor="ctr"/>
+          <a:lstStyle/>
+          <a:p>
+            <a:pPr algn="ctr"/>
+            <a:endParaRPr lang="en-US"/>
+          </a:p>
+        </p:txBody>
+      </p:sp>
+      <p:sp>
+        <p:nvSpPr>
+          <p:cNvPr id="248" name="Oval 50"/>
+          <p:cNvSpPr/>
+          <p:nvPr/>
+        </p:nvSpPr>
+        <p:spPr>
+          <a:xfrm>
+            <a:off x="6563221" y="4461748"/>
+            <a:ext cx="114767" cy="114767"/>
+          </a:xfrm>
+          <a:prstGeom prst="ellipse">
+            <a:avLst/>
+          </a:prstGeom>
+          <a:noFill/>
+          <a:ln>
+            <a:solidFill>
+              <a:schemeClr val="tx1"/>
+            </a:solidFill>
+          </a:ln>
+        </p:spPr>
+        <p:style>
+          <a:lnRef idx="2">
+            <a:schemeClr val="accent1">
+              <a:shade val="50000"/>
+            </a:schemeClr>
+          </a:lnRef>
+          <a:fillRef idx="1">
+            <a:schemeClr val="accent1"/>
+          </a:fillRef>
+          <a:effectRef idx="0">
+            <a:schemeClr val="accent1"/>
+          </a:effectRef>
+          <a:fontRef idx="minor">
+            <a:schemeClr val="lt1"/>
+          </a:fontRef>
+        </p:style>
+        <p:txBody>
+          <a:bodyPr rtlCol="0" anchor="ctr"/>
+          <a:lstStyle/>
+          <a:p>
+            <a:pPr algn="ctr"/>
+            <a:endParaRPr lang="en-US"/>
+          </a:p>
+        </p:txBody>
+      </p:sp>
+      <p:sp>
+        <p:nvSpPr>
+          <p:cNvPr id="249" name="Oval 50"/>
+          <p:cNvSpPr/>
+          <p:nvPr/>
+        </p:nvSpPr>
+        <p:spPr>
+          <a:xfrm>
+            <a:off x="8410247" y="4770821"/>
+            <a:ext cx="114767" cy="114767"/>
+          </a:xfrm>
+          <a:prstGeom prst="ellipse">
+            <a:avLst/>
+          </a:prstGeom>
+          <a:solidFill>
+            <a:schemeClr val="accent6"/>
+          </a:solidFill>
+          <a:ln>
+            <a:solidFill>
+              <a:schemeClr val="tx1"/>
+            </a:solidFill>
+          </a:ln>
+        </p:spPr>
+        <p:style>
+          <a:lnRef idx="2">
+            <a:schemeClr val="accent1">
+              <a:shade val="50000"/>
+            </a:schemeClr>
+          </a:lnRef>
+          <a:fillRef idx="1">
+            <a:schemeClr val="accent1"/>
+          </a:fillRef>
+          <a:effectRef idx="0">
+            <a:schemeClr val="accent1"/>
+          </a:effectRef>
+          <a:fontRef idx="minor">
+            <a:schemeClr val="lt1"/>
+          </a:fontRef>
+        </p:style>
+        <p:txBody>
+          <a:bodyPr rtlCol="0" anchor="ctr"/>
+          <a:lstStyle/>
+          <a:p>
+            <a:pPr algn="ctr"/>
+            <a:endParaRPr lang="en-US"/>
+          </a:p>
+        </p:txBody>
+      </p:sp>
+      <p:sp>
+        <p:nvSpPr>
+          <p:cNvPr id="250" name="Oval 50"/>
+          <p:cNvSpPr/>
+          <p:nvPr/>
+        </p:nvSpPr>
+        <p:spPr>
+          <a:xfrm>
+            <a:off x="7811162" y="5068583"/>
+            <a:ext cx="114767" cy="114767"/>
+          </a:xfrm>
+          <a:prstGeom prst="ellipse">
+            <a:avLst/>
+          </a:prstGeom>
+          <a:solidFill>
+            <a:srgbClr val="FF0000"/>
+          </a:solidFill>
+          <a:ln>
+            <a:solidFill>
+              <a:schemeClr val="tx1"/>
+            </a:solidFill>
+          </a:ln>
+        </p:spPr>
+        <p:style>
+          <a:lnRef idx="2">
+            <a:schemeClr val="accent1">
+              <a:shade val="50000"/>
+            </a:schemeClr>
+          </a:lnRef>
+          <a:fillRef idx="1">
+            <a:schemeClr val="accent1"/>
+          </a:fillRef>
+          <a:effectRef idx="0">
+            <a:schemeClr val="accent1"/>
+          </a:effectRef>
+          <a:fontRef idx="minor">
+            <a:schemeClr val="lt1"/>
+          </a:fontRef>
+        </p:style>
+        <p:txBody>
+          <a:bodyPr rtlCol="0" anchor="ctr"/>
+          <a:lstStyle/>
+          <a:p>
+            <a:pPr algn="ctr"/>
+            <a:endParaRPr lang="en-US"/>
+          </a:p>
+        </p:txBody>
+      </p:sp>
+      <p:sp>
+        <p:nvSpPr>
+          <p:cNvPr id="251" name="Oval 50"/>
+          <p:cNvSpPr/>
+          <p:nvPr/>
+        </p:nvSpPr>
+        <p:spPr>
+          <a:xfrm>
+            <a:off x="7164268" y="4767000"/>
+            <a:ext cx="114767" cy="114767"/>
+          </a:xfrm>
+          <a:prstGeom prst="ellipse">
+            <a:avLst/>
+          </a:prstGeom>
+          <a:solidFill>
+            <a:srgbClr val="FF0000"/>
+          </a:solidFill>
+          <a:ln>
+            <a:solidFill>
+              <a:schemeClr val="tx1"/>
+            </a:solidFill>
+          </a:ln>
+        </p:spPr>
+        <p:style>
+          <a:lnRef idx="2">
+            <a:schemeClr val="accent1">
+              <a:shade val="50000"/>
+            </a:schemeClr>
+          </a:lnRef>
+          <a:fillRef idx="1">
+            <a:schemeClr val="accent1"/>
+          </a:fillRef>
+          <a:effectRef idx="0">
+            <a:schemeClr val="accent1"/>
+          </a:effectRef>
+          <a:fontRef idx="minor">
+            <a:schemeClr val="lt1"/>
+          </a:fontRef>
+        </p:style>
+        <p:txBody>
+          <a:bodyPr rtlCol="0" anchor="ctr"/>
+          <a:lstStyle/>
+          <a:p>
+            <a:pPr algn="ctr"/>
+            <a:endParaRPr lang="en-US"/>
+          </a:p>
+        </p:txBody>
+      </p:sp>
+      <p:sp>
+        <p:nvSpPr>
+          <p:cNvPr id="252" name="Oval 50"/>
+          <p:cNvSpPr/>
+          <p:nvPr/>
+        </p:nvSpPr>
+        <p:spPr>
+          <a:xfrm>
+            <a:off x="6555610" y="5061451"/>
+            <a:ext cx="114767" cy="114767"/>
+          </a:xfrm>
+          <a:prstGeom prst="ellipse">
+            <a:avLst/>
+          </a:prstGeom>
+          <a:solidFill>
+            <a:schemeClr val="accent1">
+              <a:lumMod val="60000"/>
+              <a:lumOff val="40000"/>
+            </a:schemeClr>
+          </a:solidFill>
+          <a:ln>
+            <a:solidFill>
+              <a:schemeClr val="tx1"/>
+            </a:solidFill>
+          </a:ln>
+        </p:spPr>
+        <p:style>
+          <a:lnRef idx="2">
+            <a:schemeClr val="accent1">
+              <a:shade val="50000"/>
+            </a:schemeClr>
+          </a:lnRef>
+          <a:fillRef idx="1">
+            <a:schemeClr val="accent1"/>
+          </a:fillRef>
+          <a:effectRef idx="0">
+            <a:schemeClr val="accent1"/>
+          </a:effectRef>
+          <a:fontRef idx="minor">
+            <a:schemeClr val="lt1"/>
+          </a:fontRef>
+        </p:style>
+        <p:txBody>
+          <a:bodyPr rtlCol="0" anchor="ctr"/>
+          <a:lstStyle/>
+          <a:p>
+            <a:pPr algn="ctr"/>
+            <a:endParaRPr lang="en-US"/>
+          </a:p>
+        </p:txBody>
+      </p:sp>
+      <p:sp>
+        <p:nvSpPr>
+          <p:cNvPr id="253" name="Oval 50"/>
+          <p:cNvSpPr/>
+          <p:nvPr/>
+        </p:nvSpPr>
+        <p:spPr>
+          <a:xfrm>
+            <a:off x="8427994" y="5366488"/>
+            <a:ext cx="114767" cy="114767"/>
+          </a:xfrm>
+          <a:prstGeom prst="ellipse">
+            <a:avLst/>
+          </a:prstGeom>
+          <a:noFill/>
+          <a:ln>
+            <a:solidFill>
+              <a:schemeClr val="tx1"/>
+            </a:solidFill>
+          </a:ln>
+        </p:spPr>
+        <p:style>
+          <a:lnRef idx="2">
+            <a:schemeClr val="accent1">
+              <a:shade val="50000"/>
+            </a:schemeClr>
+          </a:lnRef>
+          <a:fillRef idx="1">
+            <a:schemeClr val="accent1"/>
+          </a:fillRef>
+          <a:effectRef idx="0">
+            <a:schemeClr val="accent1"/>
+          </a:effectRef>
+          <a:fontRef idx="minor">
+            <a:schemeClr val="lt1"/>
+          </a:fontRef>
+        </p:style>
+        <p:txBody>
+          <a:bodyPr rtlCol="0" anchor="ctr"/>
+          <a:lstStyle/>
+          <a:p>
+            <a:pPr algn="ctr"/>
+            <a:endParaRPr lang="en-US"/>
+          </a:p>
+        </p:txBody>
+      </p:sp>
+      <p:sp>
+        <p:nvSpPr>
+          <p:cNvPr id="254" name="Oval 50"/>
+          <p:cNvSpPr/>
+          <p:nvPr/>
+        </p:nvSpPr>
+        <p:spPr>
+          <a:xfrm>
+            <a:off x="7828910" y="5664250"/>
+            <a:ext cx="114767" cy="114767"/>
+          </a:xfrm>
+          <a:prstGeom prst="ellipse">
+            <a:avLst/>
+          </a:prstGeom>
+          <a:solidFill>
+            <a:schemeClr val="accent1">
+              <a:lumMod val="60000"/>
+              <a:lumOff val="40000"/>
+            </a:schemeClr>
+          </a:solidFill>
+          <a:ln>
+            <a:solidFill>
+              <a:schemeClr val="tx1"/>
+            </a:solidFill>
+          </a:ln>
+        </p:spPr>
+        <p:style>
+          <a:lnRef idx="2">
+            <a:schemeClr val="accent1">
+              <a:shade val="50000"/>
+            </a:schemeClr>
+          </a:lnRef>
+          <a:fillRef idx="1">
+            <a:schemeClr val="accent1"/>
+          </a:fillRef>
+          <a:effectRef idx="0">
+            <a:schemeClr val="accent1"/>
+          </a:effectRef>
+          <a:fontRef idx="minor">
+            <a:schemeClr val="lt1"/>
+          </a:fontRef>
+        </p:style>
+        <p:txBody>
+          <a:bodyPr rtlCol="0" anchor="ctr"/>
+          <a:lstStyle/>
+          <a:p>
+            <a:pPr algn="ctr"/>
+            <a:endParaRPr lang="en-US"/>
+          </a:p>
+        </p:txBody>
+      </p:sp>
+      <p:sp>
+        <p:nvSpPr>
+          <p:cNvPr id="255" name="Oval 50"/>
+          <p:cNvSpPr/>
+          <p:nvPr/>
+        </p:nvSpPr>
+        <p:spPr>
+          <a:xfrm>
+            <a:off x="7182015" y="5362667"/>
+            <a:ext cx="114767" cy="114767"/>
+          </a:xfrm>
+          <a:prstGeom prst="ellipse">
+            <a:avLst/>
+          </a:prstGeom>
+          <a:noFill/>
+          <a:ln>
+            <a:solidFill>
+              <a:schemeClr val="tx1"/>
+            </a:solidFill>
+          </a:ln>
+        </p:spPr>
+        <p:style>
+          <a:lnRef idx="2">
+            <a:schemeClr val="accent1">
+              <a:shade val="50000"/>
+            </a:schemeClr>
+          </a:lnRef>
+          <a:fillRef idx="1">
+            <a:schemeClr val="accent1"/>
+          </a:fillRef>
+          <a:effectRef idx="0">
+            <a:schemeClr val="accent1"/>
+          </a:effectRef>
+          <a:fontRef idx="minor">
+            <a:schemeClr val="lt1"/>
+          </a:fontRef>
+        </p:style>
+        <p:txBody>
+          <a:bodyPr rtlCol="0" anchor="ctr"/>
+          <a:lstStyle/>
+          <a:p>
+            <a:pPr algn="ctr"/>
+            <a:endParaRPr lang="en-US"/>
+          </a:p>
+        </p:txBody>
+      </p:sp>
+      <p:sp>
+        <p:nvSpPr>
+          <p:cNvPr id="256" name="Oval 50"/>
+          <p:cNvSpPr/>
+          <p:nvPr/>
+        </p:nvSpPr>
+        <p:spPr>
+          <a:xfrm>
+            <a:off x="6573357" y="5657118"/>
+            <a:ext cx="114767" cy="114767"/>
+          </a:xfrm>
+          <a:prstGeom prst="ellipse">
+            <a:avLst/>
+          </a:prstGeom>
+          <a:noFill/>
+          <a:ln>
+            <a:solidFill>
+              <a:schemeClr val="tx1"/>
+            </a:solidFill>
+          </a:ln>
+        </p:spPr>
+        <p:style>
+          <a:lnRef idx="2">
+            <a:schemeClr val="accent1">
+              <a:shade val="50000"/>
+            </a:schemeClr>
+          </a:lnRef>
+          <a:fillRef idx="1">
+            <a:schemeClr val="accent1"/>
+          </a:fillRef>
+          <a:effectRef idx="0">
+            <a:schemeClr val="accent1"/>
+          </a:effectRef>
+          <a:fontRef idx="minor">
+            <a:schemeClr val="lt1"/>
+          </a:fontRef>
+        </p:style>
+        <p:txBody>
+          <a:bodyPr rtlCol="0" anchor="ctr"/>
+          <a:lstStyle/>
+          <a:p>
+            <a:pPr algn="ctr"/>
+            <a:endParaRPr lang="en-US"/>
+          </a:p>
+        </p:txBody>
+      </p:sp>
+      <p:sp>
+        <p:nvSpPr>
+          <p:cNvPr id="257" name="Oval 50"/>
+          <p:cNvSpPr/>
+          <p:nvPr/>
+        </p:nvSpPr>
+        <p:spPr>
+          <a:xfrm>
+            <a:off x="8427879" y="5954658"/>
+            <a:ext cx="114767" cy="114767"/>
+          </a:xfrm>
+          <a:prstGeom prst="ellipse">
+            <a:avLst/>
+          </a:prstGeom>
+          <a:solidFill>
+            <a:schemeClr val="accent6"/>
+          </a:solidFill>
+          <a:ln>
+            <a:solidFill>
+              <a:schemeClr val="tx1"/>
+            </a:solidFill>
+          </a:ln>
+        </p:spPr>
+        <p:style>
+          <a:lnRef idx="2">
+            <a:schemeClr val="accent1">
+              <a:shade val="50000"/>
+            </a:schemeClr>
+          </a:lnRef>
+          <a:fillRef idx="1">
+            <a:schemeClr val="accent1"/>
+          </a:fillRef>
+          <a:effectRef idx="0">
+            <a:schemeClr val="accent1"/>
+          </a:effectRef>
+          <a:fontRef idx="minor">
+            <a:schemeClr val="lt1"/>
+          </a:fontRef>
+        </p:style>
+        <p:txBody>
+          <a:bodyPr rtlCol="0" anchor="ctr"/>
+          <a:lstStyle/>
+          <a:p>
+            <a:pPr algn="ctr"/>
+            <a:endParaRPr lang="en-US"/>
+          </a:p>
+        </p:txBody>
+      </p:sp>
+      <p:sp>
+        <p:nvSpPr>
+          <p:cNvPr id="258" name="Oval 50"/>
+          <p:cNvSpPr/>
+          <p:nvPr/>
+        </p:nvSpPr>
+        <p:spPr>
+          <a:xfrm>
+            <a:off x="7828794" y="6252420"/>
+            <a:ext cx="114767" cy="114767"/>
+          </a:xfrm>
+          <a:prstGeom prst="ellipse">
+            <a:avLst/>
+          </a:prstGeom>
+          <a:solidFill>
+            <a:schemeClr val="accent1">
+              <a:lumMod val="60000"/>
+              <a:lumOff val="40000"/>
+            </a:schemeClr>
+          </a:solidFill>
+          <a:ln>
+            <a:solidFill>
+              <a:schemeClr val="tx1"/>
+            </a:solidFill>
+          </a:ln>
+        </p:spPr>
+        <p:style>
+          <a:lnRef idx="2">
+            <a:schemeClr val="accent1">
+              <a:shade val="50000"/>
+            </a:schemeClr>
+          </a:lnRef>
+          <a:fillRef idx="1">
+            <a:schemeClr val="accent1"/>
+          </a:fillRef>
+          <a:effectRef idx="0">
+            <a:schemeClr val="accent1"/>
+          </a:effectRef>
+          <a:fontRef idx="minor">
+            <a:schemeClr val="lt1"/>
+          </a:fontRef>
+        </p:style>
+        <p:txBody>
+          <a:bodyPr rtlCol="0" anchor="ctr"/>
+          <a:lstStyle/>
+          <a:p>
+            <a:pPr algn="ctr"/>
+            <a:endParaRPr lang="en-US"/>
+          </a:p>
+        </p:txBody>
+      </p:sp>
+      <p:sp>
+        <p:nvSpPr>
+          <p:cNvPr id="259" name="Oval 50"/>
+          <p:cNvSpPr/>
+          <p:nvPr/>
+        </p:nvSpPr>
+        <p:spPr>
+          <a:xfrm>
+            <a:off x="7181900" y="5950837"/>
+            <a:ext cx="114767" cy="114767"/>
+          </a:xfrm>
+          <a:prstGeom prst="ellipse">
+            <a:avLst/>
+          </a:prstGeom>
+          <a:solidFill>
+            <a:srgbClr val="FF0000"/>
+          </a:solidFill>
+          <a:ln>
+            <a:solidFill>
+              <a:schemeClr val="tx1"/>
+            </a:solidFill>
+          </a:ln>
+        </p:spPr>
+        <p:style>
+          <a:lnRef idx="2">
+            <a:schemeClr val="accent1">
+              <a:shade val="50000"/>
+            </a:schemeClr>
+          </a:lnRef>
+          <a:fillRef idx="1">
+            <a:schemeClr val="accent1"/>
+          </a:fillRef>
+          <a:effectRef idx="0">
+            <a:schemeClr val="accent1"/>
+          </a:effectRef>
+          <a:fontRef idx="minor">
+            <a:schemeClr val="lt1"/>
+          </a:fontRef>
+        </p:style>
+        <p:txBody>
+          <a:bodyPr rtlCol="0" anchor="ctr"/>
+          <a:lstStyle/>
+          <a:p>
+            <a:pPr algn="ctr"/>
+            <a:endParaRPr lang="en-US"/>
+          </a:p>
+        </p:txBody>
+      </p:sp>
+      <p:sp>
+        <p:nvSpPr>
+          <p:cNvPr id="260" name="Oval 50"/>
+          <p:cNvSpPr/>
+          <p:nvPr/>
+        </p:nvSpPr>
+        <p:spPr>
+          <a:xfrm>
+            <a:off x="6573241" y="6245288"/>
+            <a:ext cx="114767" cy="114767"/>
+          </a:xfrm>
+          <a:prstGeom prst="ellipse">
+            <a:avLst/>
+          </a:prstGeom>
+          <a:noFill/>
+          <a:ln>
+            <a:solidFill>
+              <a:schemeClr val="tx1"/>
+            </a:solidFill>
+          </a:ln>
+        </p:spPr>
+        <p:style>
+          <a:lnRef idx="2">
+            <a:schemeClr val="accent1">
+              <a:shade val="50000"/>
+            </a:schemeClr>
+          </a:lnRef>
+          <a:fillRef idx="1">
+            <a:schemeClr val="accent1"/>
+          </a:fillRef>
+          <a:effectRef idx="0">
+            <a:schemeClr val="accent1"/>
+          </a:effectRef>
+          <a:fontRef idx="minor">
+            <a:schemeClr val="lt1"/>
+          </a:fontRef>
+        </p:style>
+        <p:txBody>
+          <a:bodyPr rtlCol="0" anchor="ctr"/>
+          <a:lstStyle/>
+          <a:p>
+            <a:pPr algn="ctr"/>
+            <a:endParaRPr lang="en-US"/>
+          </a:p>
+        </p:txBody>
+      </p:sp>
+      <p:cxnSp>
+        <p:nvCxnSpPr>
+          <p:cNvPr id="262" name="Straight Connector 6"/>
+          <p:cNvCxnSpPr/>
+          <p:nvPr/>
+        </p:nvCxnSpPr>
+        <p:spPr>
+          <a:xfrm flipH="1">
+            <a:off x="5449453" y="1555257"/>
+            <a:ext cx="0" cy="5049753"/>
+          </a:xfrm>
+          <a:prstGeom prst="line">
+            <a:avLst/>
+          </a:prstGeom>
+          <a:ln>
+            <a:solidFill>
+              <a:schemeClr val="tx1"/>
+            </a:solidFill>
+            <a:prstDash val="solid"/>
+          </a:ln>
+        </p:spPr>
+        <p:style>
+          <a:lnRef idx="1">
+            <a:schemeClr val="accent1"/>
+          </a:lnRef>
+          <a:fillRef idx="0">
+            <a:schemeClr val="accent1"/>
+          </a:fillRef>
+          <a:effectRef idx="0">
+            <a:schemeClr val="accent1"/>
+          </a:effectRef>
+          <a:fontRef idx="minor">
+            <a:schemeClr val="tx1"/>
+          </a:fontRef>
+        </p:style>
+      </p:cxnSp>
+      <p:cxnSp>
+        <p:nvCxnSpPr>
+          <p:cNvPr id="263" name="Straight Connector 8"/>
+          <p:cNvCxnSpPr/>
+          <p:nvPr/>
+        </p:nvCxnSpPr>
+        <p:spPr>
+          <a:xfrm flipH="1" flipV="1">
+            <a:off x="2695042" y="1555257"/>
+            <a:ext cx="2754411" cy="0"/>
+          </a:xfrm>
+          <a:prstGeom prst="line">
+            <a:avLst/>
+          </a:prstGeom>
+          <a:ln>
+            <a:solidFill>
+              <a:schemeClr val="tx1"/>
+            </a:solidFill>
+          </a:ln>
+        </p:spPr>
+        <p:style>
+          <a:lnRef idx="1">
+            <a:schemeClr val="accent1"/>
+          </a:lnRef>
+          <a:fillRef idx="0">
+            <a:schemeClr val="accent1"/>
+          </a:fillRef>
+          <a:effectRef idx="0">
+            <a:schemeClr val="accent1"/>
+          </a:effectRef>
+          <a:fontRef idx="minor">
+            <a:schemeClr val="tx1"/>
+          </a:fontRef>
+        </p:style>
+      </p:cxnSp>
+      <p:cxnSp>
+        <p:nvCxnSpPr>
+          <p:cNvPr id="264" name="Straight Connector 9"/>
+          <p:cNvCxnSpPr/>
+          <p:nvPr/>
+        </p:nvCxnSpPr>
+        <p:spPr>
+          <a:xfrm flipH="1" flipV="1">
+            <a:off x="2695042" y="6605010"/>
+            <a:ext cx="2754411" cy="0"/>
+          </a:xfrm>
+          <a:prstGeom prst="line">
+            <a:avLst/>
+          </a:prstGeom>
+          <a:ln>
+            <a:solidFill>
+              <a:schemeClr val="tx1"/>
+            </a:solidFill>
+            <a:prstDash val="solid"/>
+          </a:ln>
+        </p:spPr>
+        <p:style>
+          <a:lnRef idx="1">
+            <a:schemeClr val="accent1"/>
+          </a:lnRef>
+          <a:fillRef idx="0">
+            <a:schemeClr val="accent1"/>
+          </a:fillRef>
+          <a:effectRef idx="0">
+            <a:schemeClr val="accent1"/>
+          </a:effectRef>
+          <a:fontRef idx="minor">
+            <a:schemeClr val="tx1"/>
+          </a:fontRef>
+        </p:style>
+      </p:cxnSp>
+      <p:cxnSp>
+        <p:nvCxnSpPr>
+          <p:cNvPr id="265" name="Straight Connector 10"/>
+          <p:cNvCxnSpPr/>
+          <p:nvPr/>
+        </p:nvCxnSpPr>
+        <p:spPr>
+          <a:xfrm flipH="1">
+            <a:off x="2695042" y="1555257"/>
+            <a:ext cx="0" cy="5049753"/>
+          </a:xfrm>
+          <a:prstGeom prst="line">
+            <a:avLst/>
+          </a:prstGeom>
+          <a:ln>
+            <a:solidFill>
+              <a:schemeClr val="tx1"/>
+            </a:solidFill>
+            <a:prstDash val="solid"/>
+          </a:ln>
+        </p:spPr>
+        <p:style>
+          <a:lnRef idx="1">
+            <a:schemeClr val="accent1"/>
+          </a:lnRef>
+          <a:fillRef idx="0">
+            <a:schemeClr val="accent1"/>
+          </a:fillRef>
+          <a:effectRef idx="0">
+            <a:schemeClr val="accent1"/>
+          </a:effectRef>
+          <a:fontRef idx="minor">
+            <a:schemeClr val="tx1"/>
+          </a:fontRef>
+        </p:style>
+      </p:cxnSp>
+      <p:sp>
+        <p:nvSpPr>
+          <p:cNvPr id="266" name="Oval 50"/>
+          <p:cNvSpPr/>
+          <p:nvPr/>
+        </p:nvSpPr>
+        <p:spPr>
+          <a:xfrm flipH="1">
+            <a:off x="3112667" y="1788971"/>
+            <a:ext cx="114767" cy="114767"/>
+          </a:xfrm>
+          <a:prstGeom prst="ellipse">
+            <a:avLst/>
+          </a:prstGeom>
+          <a:solidFill>
+            <a:srgbClr val="FF0000"/>
+          </a:solidFill>
+          <a:ln>
+            <a:solidFill>
+              <a:schemeClr val="tx1"/>
+            </a:solidFill>
+          </a:ln>
+        </p:spPr>
+        <p:style>
+          <a:lnRef idx="2">
+            <a:schemeClr val="accent1">
+              <a:shade val="50000"/>
+            </a:schemeClr>
+          </a:lnRef>
+          <a:fillRef idx="1">
+            <a:schemeClr val="accent1"/>
+          </a:fillRef>
+          <a:effectRef idx="0">
+            <a:schemeClr val="accent1"/>
+          </a:effectRef>
+          <a:fontRef idx="minor">
+            <a:schemeClr val="lt1"/>
+          </a:fontRef>
+        </p:style>
+        <p:txBody>
+          <a:bodyPr rtlCol="0" anchor="ctr"/>
+          <a:lstStyle/>
+          <a:p>
+            <a:pPr algn="ctr"/>
+            <a:endParaRPr lang="en-US"/>
+          </a:p>
+        </p:txBody>
+      </p:sp>
+      <p:sp>
+        <p:nvSpPr>
+          <p:cNvPr id="267" name="Oval 50"/>
+          <p:cNvSpPr/>
+          <p:nvPr/>
+        </p:nvSpPr>
+        <p:spPr>
+          <a:xfrm flipH="1">
+            <a:off x="3711751" y="2086733"/>
+            <a:ext cx="114767" cy="114767"/>
+          </a:xfrm>
+          <a:prstGeom prst="ellipse">
+            <a:avLst/>
+          </a:prstGeom>
+          <a:noFill/>
+          <a:ln>
+            <a:solidFill>
+              <a:schemeClr val="tx1"/>
+            </a:solidFill>
+          </a:ln>
+        </p:spPr>
+        <p:style>
+          <a:lnRef idx="2">
+            <a:schemeClr val="accent1">
+              <a:shade val="50000"/>
+            </a:schemeClr>
+          </a:lnRef>
+          <a:fillRef idx="1">
+            <a:schemeClr val="accent1"/>
+          </a:fillRef>
+          <a:effectRef idx="0">
+            <a:schemeClr val="accent1"/>
+          </a:effectRef>
+          <a:fontRef idx="minor">
+            <a:schemeClr val="lt1"/>
+          </a:fontRef>
+        </p:style>
+        <p:txBody>
+          <a:bodyPr rtlCol="0" anchor="ctr"/>
+          <a:lstStyle/>
+          <a:p>
+            <a:pPr algn="ctr"/>
+            <a:endParaRPr lang="en-US"/>
+          </a:p>
+        </p:txBody>
+      </p:sp>
+      <p:sp>
+        <p:nvSpPr>
+          <p:cNvPr id="268" name="Oval 50"/>
+          <p:cNvSpPr/>
+          <p:nvPr/>
+        </p:nvSpPr>
+        <p:spPr>
+          <a:xfrm flipH="1">
+            <a:off x="4358645" y="1785150"/>
+            <a:ext cx="114767" cy="114767"/>
+          </a:xfrm>
+          <a:prstGeom prst="ellipse">
+            <a:avLst/>
+          </a:prstGeom>
+          <a:solidFill>
+            <a:schemeClr val="accent1">
+              <a:lumMod val="60000"/>
+              <a:lumOff val="40000"/>
+            </a:schemeClr>
+          </a:solidFill>
+          <a:ln>
+            <a:solidFill>
+              <a:schemeClr val="tx1"/>
+            </a:solidFill>
+          </a:ln>
+        </p:spPr>
+        <p:style>
+          <a:lnRef idx="2">
+            <a:schemeClr val="accent1">
+              <a:shade val="50000"/>
+            </a:schemeClr>
+          </a:lnRef>
+          <a:fillRef idx="1">
+            <a:schemeClr val="accent1"/>
+          </a:fillRef>
+          <a:effectRef idx="0">
+            <a:schemeClr val="accent1"/>
+          </a:effectRef>
+          <a:fontRef idx="minor">
+            <a:schemeClr val="lt1"/>
+          </a:fontRef>
+        </p:style>
+        <p:txBody>
+          <a:bodyPr rtlCol="0" anchor="ctr"/>
+          <a:lstStyle/>
+          <a:p>
+            <a:pPr algn="ctr"/>
+            <a:endParaRPr lang="en-US"/>
+          </a:p>
+        </p:txBody>
+      </p:sp>
+      <p:sp>
+        <p:nvSpPr>
+          <p:cNvPr id="269" name="Oval 50"/>
+          <p:cNvSpPr/>
+          <p:nvPr/>
+        </p:nvSpPr>
+        <p:spPr>
+          <a:xfrm flipH="1">
+            <a:off x="4967304" y="2079601"/>
+            <a:ext cx="114767" cy="114767"/>
+          </a:xfrm>
+          <a:prstGeom prst="ellipse">
+            <a:avLst/>
+          </a:prstGeom>
+          <a:solidFill>
+            <a:schemeClr val="accent6"/>
+          </a:solidFill>
+          <a:ln>
+            <a:solidFill>
+              <a:schemeClr val="tx1"/>
+            </a:solidFill>
+          </a:ln>
+        </p:spPr>
+        <p:style>
+          <a:lnRef idx="2">
+            <a:schemeClr val="accent1">
+              <a:shade val="50000"/>
+            </a:schemeClr>
+          </a:lnRef>
+          <a:fillRef idx="1">
+            <a:schemeClr val="accent1"/>
+          </a:fillRef>
+          <a:effectRef idx="0">
+            <a:schemeClr val="accent1"/>
+          </a:effectRef>
+          <a:fontRef idx="minor">
+            <a:schemeClr val="lt1"/>
+          </a:fontRef>
+        </p:style>
+        <p:txBody>
+          <a:bodyPr rtlCol="0" anchor="ctr"/>
+          <a:lstStyle/>
+          <a:p>
+            <a:pPr algn="ctr"/>
+            <a:endParaRPr lang="en-US"/>
+          </a:p>
+        </p:txBody>
+      </p:sp>
+      <p:sp>
+        <p:nvSpPr>
+          <p:cNvPr id="270" name="Oval 50"/>
+          <p:cNvSpPr/>
+          <p:nvPr/>
+        </p:nvSpPr>
+        <p:spPr>
+          <a:xfrm flipH="1">
+            <a:off x="3103683" y="2386709"/>
+            <a:ext cx="114767" cy="114767"/>
+          </a:xfrm>
+          <a:prstGeom prst="ellipse">
+            <a:avLst/>
+          </a:prstGeom>
+          <a:noFill/>
+          <a:ln>
+            <a:solidFill>
+              <a:schemeClr val="tx1"/>
+            </a:solidFill>
+          </a:ln>
+        </p:spPr>
+        <p:style>
+          <a:lnRef idx="2">
+            <a:schemeClr val="accent1">
+              <a:shade val="50000"/>
+            </a:schemeClr>
+          </a:lnRef>
+          <a:fillRef idx="1">
+            <a:schemeClr val="accent1"/>
+          </a:fillRef>
+          <a:effectRef idx="0">
+            <a:schemeClr val="accent1"/>
+          </a:effectRef>
+          <a:fontRef idx="minor">
+            <a:schemeClr val="lt1"/>
+          </a:fontRef>
+        </p:style>
+        <p:txBody>
+          <a:bodyPr rtlCol="0" anchor="ctr"/>
+          <a:lstStyle/>
+          <a:p>
+            <a:pPr algn="ctr"/>
+            <a:endParaRPr lang="en-US"/>
+          </a:p>
+        </p:txBody>
+      </p:sp>
+      <p:sp>
+        <p:nvSpPr>
+          <p:cNvPr id="271" name="Oval 50"/>
+          <p:cNvSpPr/>
+          <p:nvPr/>
+        </p:nvSpPr>
+        <p:spPr>
+          <a:xfrm flipH="1">
+            <a:off x="3702767" y="2684471"/>
+            <a:ext cx="114767" cy="114767"/>
+          </a:xfrm>
+          <a:prstGeom prst="ellipse">
+            <a:avLst/>
+          </a:prstGeom>
+          <a:solidFill>
+            <a:schemeClr val="accent1">
+              <a:lumMod val="60000"/>
+              <a:lumOff val="40000"/>
+            </a:schemeClr>
+          </a:solidFill>
+          <a:ln>
+            <a:solidFill>
+              <a:schemeClr val="tx1"/>
+            </a:solidFill>
+          </a:ln>
+        </p:spPr>
+        <p:style>
+          <a:lnRef idx="2">
+            <a:schemeClr val="accent1">
+              <a:shade val="50000"/>
+            </a:schemeClr>
+          </a:lnRef>
+          <a:fillRef idx="1">
+            <a:schemeClr val="accent1"/>
+          </a:fillRef>
+          <a:effectRef idx="0">
+            <a:schemeClr val="accent1"/>
+          </a:effectRef>
+          <a:fontRef idx="minor">
+            <a:schemeClr val="lt1"/>
+          </a:fontRef>
+        </p:style>
+        <p:txBody>
+          <a:bodyPr rtlCol="0" anchor="ctr"/>
+          <a:lstStyle/>
+          <a:p>
+            <a:pPr algn="ctr"/>
+            <a:endParaRPr lang="en-US"/>
+          </a:p>
+        </p:txBody>
+      </p:sp>
+      <p:sp>
+        <p:nvSpPr>
+          <p:cNvPr id="272" name="Oval 50"/>
+          <p:cNvSpPr/>
+          <p:nvPr/>
+        </p:nvSpPr>
+        <p:spPr>
+          <a:xfrm flipH="1">
+            <a:off x="4349661" y="2382888"/>
+            <a:ext cx="114767" cy="114767"/>
+          </a:xfrm>
+          <a:prstGeom prst="ellipse">
+            <a:avLst/>
+          </a:prstGeom>
+          <a:noFill/>
+          <a:ln>
+            <a:solidFill>
+              <a:schemeClr val="tx1"/>
+            </a:solidFill>
+          </a:ln>
+        </p:spPr>
+        <p:style>
+          <a:lnRef idx="2">
+            <a:schemeClr val="accent1">
+              <a:shade val="50000"/>
+            </a:schemeClr>
+          </a:lnRef>
+          <a:fillRef idx="1">
+            <a:schemeClr val="accent1"/>
+          </a:fillRef>
+          <a:effectRef idx="0">
+            <a:schemeClr val="accent1"/>
+          </a:effectRef>
+          <a:fontRef idx="minor">
+            <a:schemeClr val="lt1"/>
+          </a:fontRef>
+        </p:style>
+        <p:txBody>
+          <a:bodyPr rtlCol="0" anchor="ctr"/>
+          <a:lstStyle/>
+          <a:p>
+            <a:pPr algn="ctr"/>
+            <a:endParaRPr lang="en-US"/>
+          </a:p>
+        </p:txBody>
+      </p:sp>
+      <p:sp>
+        <p:nvSpPr>
+          <p:cNvPr id="273" name="Oval 50"/>
+          <p:cNvSpPr/>
+          <p:nvPr/>
+        </p:nvSpPr>
+        <p:spPr>
+          <a:xfrm flipH="1">
+            <a:off x="4958320" y="2677339"/>
+            <a:ext cx="114767" cy="114767"/>
+          </a:xfrm>
+          <a:prstGeom prst="ellipse">
+            <a:avLst/>
+          </a:prstGeom>
+          <a:solidFill>
+            <a:schemeClr val="accent6"/>
+          </a:solidFill>
+          <a:ln>
+            <a:solidFill>
+              <a:schemeClr val="tx1"/>
+            </a:solidFill>
+          </a:ln>
+        </p:spPr>
+        <p:style>
+          <a:lnRef idx="2">
+            <a:schemeClr val="accent1">
+              <a:shade val="50000"/>
+            </a:schemeClr>
+          </a:lnRef>
+          <a:fillRef idx="1">
+            <a:schemeClr val="accent1"/>
+          </a:fillRef>
+          <a:effectRef idx="0">
+            <a:schemeClr val="accent1"/>
+          </a:effectRef>
+          <a:fontRef idx="minor">
+            <a:schemeClr val="lt1"/>
+          </a:fontRef>
+        </p:style>
+        <p:txBody>
+          <a:bodyPr rtlCol="0" anchor="ctr"/>
+          <a:lstStyle/>
+          <a:p>
+            <a:pPr algn="ctr"/>
+            <a:endParaRPr lang="en-US"/>
+          </a:p>
+        </p:txBody>
+      </p:sp>
+      <p:sp>
+        <p:nvSpPr>
+          <p:cNvPr id="274" name="Oval 50"/>
+          <p:cNvSpPr/>
+          <p:nvPr/>
+        </p:nvSpPr>
+        <p:spPr>
+          <a:xfrm flipH="1">
+            <a:off x="3115084" y="2979947"/>
+            <a:ext cx="114767" cy="114767"/>
+          </a:xfrm>
+          <a:prstGeom prst="ellipse">
+            <a:avLst/>
+          </a:prstGeom>
+          <a:solidFill>
+            <a:srgbClr val="FF0000"/>
+          </a:solidFill>
+          <a:ln>
+            <a:solidFill>
+              <a:schemeClr val="tx1"/>
+            </a:solidFill>
+          </a:ln>
+        </p:spPr>
+        <p:style>
+          <a:lnRef idx="2">
+            <a:schemeClr val="accent1">
+              <a:shade val="50000"/>
+            </a:schemeClr>
+          </a:lnRef>
+          <a:fillRef idx="1">
+            <a:schemeClr val="accent1"/>
+          </a:fillRef>
+          <a:effectRef idx="0">
+            <a:schemeClr val="accent1"/>
+          </a:effectRef>
+          <a:fontRef idx="minor">
+            <a:schemeClr val="lt1"/>
+          </a:fontRef>
+        </p:style>
+        <p:txBody>
+          <a:bodyPr rtlCol="0" anchor="ctr"/>
+          <a:lstStyle/>
+          <a:p>
+            <a:pPr algn="ctr"/>
+            <a:endParaRPr lang="en-US"/>
+          </a:p>
+        </p:txBody>
+      </p:sp>
+      <p:sp>
+        <p:nvSpPr>
+          <p:cNvPr id="275" name="Oval 50"/>
+          <p:cNvSpPr/>
+          <p:nvPr/>
+        </p:nvSpPr>
+        <p:spPr>
+          <a:xfrm flipH="1">
+            <a:off x="3714169" y="3277709"/>
+            <a:ext cx="114767" cy="114767"/>
+          </a:xfrm>
+          <a:prstGeom prst="ellipse">
+            <a:avLst/>
+          </a:prstGeom>
+          <a:noFill/>
+          <a:ln>
+            <a:solidFill>
+              <a:schemeClr val="tx1"/>
+            </a:solidFill>
+          </a:ln>
+        </p:spPr>
+        <p:style>
+          <a:lnRef idx="2">
+            <a:schemeClr val="accent1">
+              <a:shade val="50000"/>
+            </a:schemeClr>
+          </a:lnRef>
+          <a:fillRef idx="1">
+            <a:schemeClr val="accent1"/>
+          </a:fillRef>
+          <a:effectRef idx="0">
+            <a:schemeClr val="accent1"/>
+          </a:effectRef>
+          <a:fontRef idx="minor">
+            <a:schemeClr val="lt1"/>
+          </a:fontRef>
+        </p:style>
+        <p:txBody>
+          <a:bodyPr rtlCol="0" anchor="ctr"/>
+          <a:lstStyle/>
+          <a:p>
+            <a:pPr algn="ctr"/>
+            <a:endParaRPr lang="en-US"/>
+          </a:p>
+        </p:txBody>
+      </p:sp>
+      <p:sp>
+        <p:nvSpPr>
+          <p:cNvPr id="276" name="Oval 50"/>
+          <p:cNvSpPr/>
+          <p:nvPr/>
+        </p:nvSpPr>
+        <p:spPr>
+          <a:xfrm flipH="1">
+            <a:off x="4361063" y="2976126"/>
+            <a:ext cx="114767" cy="114767"/>
+          </a:xfrm>
+          <a:prstGeom prst="ellipse">
+            <a:avLst/>
+          </a:prstGeom>
+          <a:noFill/>
+          <a:ln>
+            <a:solidFill>
+              <a:schemeClr val="tx1"/>
+            </a:solidFill>
+          </a:ln>
+        </p:spPr>
+        <p:style>
+          <a:lnRef idx="2">
+            <a:schemeClr val="accent1">
+              <a:shade val="50000"/>
+            </a:schemeClr>
+          </a:lnRef>
+          <a:fillRef idx="1">
+            <a:schemeClr val="accent1"/>
+          </a:fillRef>
+          <a:effectRef idx="0">
+            <a:schemeClr val="accent1"/>
+          </a:effectRef>
+          <a:fontRef idx="minor">
+            <a:schemeClr val="lt1"/>
+          </a:fontRef>
+        </p:style>
+        <p:txBody>
+          <a:bodyPr rtlCol="0" anchor="ctr"/>
+          <a:lstStyle/>
+          <a:p>
+            <a:pPr algn="ctr"/>
+            <a:endParaRPr lang="en-US"/>
+          </a:p>
+        </p:txBody>
+      </p:sp>
+      <p:sp>
+        <p:nvSpPr>
+          <p:cNvPr id="277" name="Oval 50"/>
+          <p:cNvSpPr/>
+          <p:nvPr/>
+        </p:nvSpPr>
+        <p:spPr>
+          <a:xfrm flipH="1">
+            <a:off x="4969721" y="3270577"/>
+            <a:ext cx="114767" cy="114767"/>
+          </a:xfrm>
+          <a:prstGeom prst="ellipse">
+            <a:avLst/>
+          </a:prstGeom>
+          <a:solidFill>
+            <a:schemeClr val="accent6"/>
+          </a:solidFill>
+          <a:ln>
+            <a:solidFill>
+              <a:schemeClr val="tx1"/>
+            </a:solidFill>
+          </a:ln>
+        </p:spPr>
+        <p:style>
+          <a:lnRef idx="2">
+            <a:schemeClr val="accent1">
+              <a:shade val="50000"/>
+            </a:schemeClr>
+          </a:lnRef>
+          <a:fillRef idx="1">
+            <a:schemeClr val="accent1"/>
+          </a:fillRef>
+          <a:effectRef idx="0">
+            <a:schemeClr val="accent1"/>
+          </a:effectRef>
+          <a:fontRef idx="minor">
+            <a:schemeClr val="lt1"/>
+          </a:fontRef>
+        </p:style>
+        <p:txBody>
+          <a:bodyPr rtlCol="0" anchor="ctr"/>
+          <a:lstStyle/>
+          <a:p>
+            <a:pPr algn="ctr"/>
+            <a:endParaRPr lang="en-US"/>
+          </a:p>
+        </p:txBody>
+      </p:sp>
+      <p:sp>
+        <p:nvSpPr>
+          <p:cNvPr id="278" name="Oval 50"/>
+          <p:cNvSpPr/>
+          <p:nvPr/>
+        </p:nvSpPr>
+        <p:spPr>
+          <a:xfrm flipH="1">
+            <a:off x="3113819" y="3575532"/>
+            <a:ext cx="114767" cy="114767"/>
+          </a:xfrm>
+          <a:prstGeom prst="ellipse">
+            <a:avLst/>
+          </a:prstGeom>
+          <a:noFill/>
+          <a:ln>
+            <a:solidFill>
+              <a:schemeClr val="tx1"/>
+            </a:solidFill>
+          </a:ln>
+        </p:spPr>
+        <p:style>
+          <a:lnRef idx="2">
+            <a:schemeClr val="accent1">
+              <a:shade val="50000"/>
+            </a:schemeClr>
+          </a:lnRef>
+          <a:fillRef idx="1">
+            <a:schemeClr val="accent1"/>
+          </a:fillRef>
+          <a:effectRef idx="0">
+            <a:schemeClr val="accent1"/>
+          </a:effectRef>
+          <a:fontRef idx="minor">
+            <a:schemeClr val="lt1"/>
+          </a:fontRef>
+        </p:style>
+        <p:txBody>
+          <a:bodyPr rtlCol="0" anchor="ctr"/>
+          <a:lstStyle/>
+          <a:p>
+            <a:pPr algn="ctr"/>
+            <a:endParaRPr lang="en-US"/>
+          </a:p>
+        </p:txBody>
+      </p:sp>
+      <p:sp>
+        <p:nvSpPr>
+          <p:cNvPr id="279" name="Oval 50"/>
+          <p:cNvSpPr/>
+          <p:nvPr/>
+        </p:nvSpPr>
+        <p:spPr>
+          <a:xfrm flipH="1">
+            <a:off x="3712904" y="3873294"/>
+            <a:ext cx="114767" cy="114767"/>
+          </a:xfrm>
+          <a:prstGeom prst="ellipse">
+            <a:avLst/>
+          </a:prstGeom>
+          <a:solidFill>
+            <a:schemeClr val="accent6"/>
+          </a:solidFill>
+          <a:ln>
+            <a:solidFill>
+              <a:schemeClr val="tx1"/>
+            </a:solidFill>
+          </a:ln>
+        </p:spPr>
+        <p:style>
+          <a:lnRef idx="2">
+            <a:schemeClr val="accent1">
+              <a:shade val="50000"/>
+            </a:schemeClr>
+          </a:lnRef>
+          <a:fillRef idx="1">
+            <a:schemeClr val="accent1"/>
+          </a:fillRef>
+          <a:effectRef idx="0">
+            <a:schemeClr val="accent1"/>
+          </a:effectRef>
+          <a:fontRef idx="minor">
+            <a:schemeClr val="lt1"/>
+          </a:fontRef>
+        </p:style>
+        <p:txBody>
+          <a:bodyPr rtlCol="0" anchor="ctr"/>
+          <a:lstStyle/>
+          <a:p>
+            <a:pPr algn="ctr"/>
+            <a:endParaRPr lang="en-US"/>
+          </a:p>
+        </p:txBody>
+      </p:sp>
+      <p:sp>
+        <p:nvSpPr>
+          <p:cNvPr id="280" name="Oval 50"/>
+          <p:cNvSpPr/>
+          <p:nvPr/>
+        </p:nvSpPr>
+        <p:spPr>
+          <a:xfrm flipH="1">
+            <a:off x="4359798" y="3571712"/>
+            <a:ext cx="114767" cy="114767"/>
+          </a:xfrm>
+          <a:prstGeom prst="ellipse">
+            <a:avLst/>
+          </a:prstGeom>
+          <a:noFill/>
+          <a:ln>
+            <a:solidFill>
+              <a:schemeClr val="tx1"/>
+            </a:solidFill>
+          </a:ln>
+        </p:spPr>
+        <p:style>
+          <a:lnRef idx="2">
+            <a:schemeClr val="accent1">
+              <a:shade val="50000"/>
+            </a:schemeClr>
+          </a:lnRef>
+          <a:fillRef idx="1">
+            <a:schemeClr val="accent1"/>
+          </a:fillRef>
+          <a:effectRef idx="0">
+            <a:schemeClr val="accent1"/>
+          </a:effectRef>
+          <a:fontRef idx="minor">
+            <a:schemeClr val="lt1"/>
+          </a:fontRef>
+        </p:style>
+        <p:txBody>
+          <a:bodyPr rtlCol="0" anchor="ctr"/>
+          <a:lstStyle/>
+          <a:p>
+            <a:pPr algn="ctr"/>
+            <a:endParaRPr lang="en-US"/>
+          </a:p>
+        </p:txBody>
+      </p:sp>
+      <p:sp>
+        <p:nvSpPr>
+          <p:cNvPr id="281" name="Oval 50"/>
+          <p:cNvSpPr/>
+          <p:nvPr/>
+        </p:nvSpPr>
+        <p:spPr>
+          <a:xfrm flipH="1">
+            <a:off x="4968456" y="3866163"/>
+            <a:ext cx="114767" cy="114767"/>
+          </a:xfrm>
+          <a:prstGeom prst="ellipse">
+            <a:avLst/>
+          </a:prstGeom>
+          <a:solidFill>
+            <a:schemeClr val="accent1">
+              <a:lumMod val="60000"/>
+              <a:lumOff val="40000"/>
+            </a:schemeClr>
+          </a:solidFill>
+          <a:ln>
+            <a:solidFill>
+              <a:schemeClr val="tx1"/>
+            </a:solidFill>
+          </a:ln>
+        </p:spPr>
+        <p:style>
+          <a:lnRef idx="2">
+            <a:schemeClr val="accent1">
+              <a:shade val="50000"/>
+            </a:schemeClr>
+          </a:lnRef>
+          <a:fillRef idx="1">
+            <a:schemeClr val="accent1"/>
+          </a:fillRef>
+          <a:effectRef idx="0">
+            <a:schemeClr val="accent1"/>
+          </a:effectRef>
+          <a:fontRef idx="minor">
+            <a:schemeClr val="lt1"/>
+          </a:fontRef>
+        </p:style>
+        <p:txBody>
+          <a:bodyPr rtlCol="0" anchor="ctr"/>
+          <a:lstStyle/>
+          <a:p>
+            <a:pPr algn="ctr"/>
+            <a:endParaRPr lang="en-US"/>
+          </a:p>
+        </p:txBody>
+      </p:sp>
+      <p:sp>
+        <p:nvSpPr>
+          <p:cNvPr id="282" name="Oval 50"/>
+          <p:cNvSpPr/>
+          <p:nvPr/>
+        </p:nvSpPr>
+        <p:spPr>
+          <a:xfrm flipH="1">
+            <a:off x="3113819" y="4171118"/>
+            <a:ext cx="114767" cy="114767"/>
+          </a:xfrm>
+          <a:prstGeom prst="ellipse">
+            <a:avLst/>
+          </a:prstGeom>
+          <a:noFill/>
+          <a:ln>
+            <a:solidFill>
+              <a:schemeClr val="tx1"/>
+            </a:solidFill>
+          </a:ln>
+        </p:spPr>
+        <p:style>
+          <a:lnRef idx="2">
+            <a:schemeClr val="accent1">
+              <a:shade val="50000"/>
+            </a:schemeClr>
+          </a:lnRef>
+          <a:fillRef idx="1">
+            <a:schemeClr val="accent1"/>
+          </a:fillRef>
+          <a:effectRef idx="0">
+            <a:schemeClr val="accent1"/>
+          </a:effectRef>
+          <a:fontRef idx="minor">
+            <a:schemeClr val="lt1"/>
+          </a:fontRef>
+        </p:style>
+        <p:txBody>
+          <a:bodyPr rtlCol="0" anchor="ctr"/>
+          <a:lstStyle/>
+          <a:p>
+            <a:pPr algn="ctr"/>
+            <a:endParaRPr lang="en-US"/>
+          </a:p>
+        </p:txBody>
+      </p:sp>
+      <p:sp>
+        <p:nvSpPr>
+          <p:cNvPr id="283" name="Oval 50"/>
+          <p:cNvSpPr/>
+          <p:nvPr/>
+        </p:nvSpPr>
+        <p:spPr>
+          <a:xfrm flipH="1">
+            <a:off x="3712904" y="4468879"/>
+            <a:ext cx="114767" cy="114767"/>
+          </a:xfrm>
+          <a:prstGeom prst="ellipse">
+            <a:avLst/>
+          </a:prstGeom>
+          <a:noFill/>
+          <a:ln>
+            <a:solidFill>
+              <a:schemeClr val="tx1"/>
+            </a:solidFill>
+          </a:ln>
+        </p:spPr>
+        <p:style>
+          <a:lnRef idx="2">
+            <a:schemeClr val="accent1">
+              <a:shade val="50000"/>
+            </a:schemeClr>
+          </a:lnRef>
+          <a:fillRef idx="1">
+            <a:schemeClr val="accent1"/>
+          </a:fillRef>
+          <a:effectRef idx="0">
+            <a:schemeClr val="accent1"/>
+          </a:effectRef>
+          <a:fontRef idx="minor">
+            <a:schemeClr val="lt1"/>
+          </a:fontRef>
+        </p:style>
+        <p:txBody>
+          <a:bodyPr rtlCol="0" anchor="ctr"/>
+          <a:lstStyle/>
+          <a:p>
+            <a:pPr algn="ctr"/>
+            <a:endParaRPr lang="en-US"/>
+          </a:p>
+        </p:txBody>
+      </p:sp>
+      <p:sp>
+        <p:nvSpPr>
+          <p:cNvPr id="284" name="Oval 50"/>
+          <p:cNvSpPr/>
+          <p:nvPr/>
+        </p:nvSpPr>
+        <p:spPr>
+          <a:xfrm flipH="1">
+            <a:off x="4359798" y="4167297"/>
+            <a:ext cx="114767" cy="114767"/>
+          </a:xfrm>
+          <a:prstGeom prst="ellipse">
+            <a:avLst/>
+          </a:prstGeom>
+          <a:solidFill>
+            <a:srgbClr val="FF0000"/>
+          </a:solidFill>
+          <a:ln>
+            <a:solidFill>
+              <a:schemeClr val="tx1"/>
+            </a:solidFill>
+          </a:ln>
+        </p:spPr>
+        <p:style>
+          <a:lnRef idx="2">
+            <a:schemeClr val="accent1">
+              <a:shade val="50000"/>
+            </a:schemeClr>
+          </a:lnRef>
+          <a:fillRef idx="1">
+            <a:schemeClr val="accent1"/>
+          </a:fillRef>
+          <a:effectRef idx="0">
+            <a:schemeClr val="accent1"/>
+          </a:effectRef>
+          <a:fontRef idx="minor">
+            <a:schemeClr val="lt1"/>
+          </a:fontRef>
+        </p:style>
+        <p:txBody>
+          <a:bodyPr rtlCol="0" anchor="ctr"/>
+          <a:lstStyle/>
+          <a:p>
+            <a:pPr algn="ctr"/>
+            <a:endParaRPr lang="en-US"/>
+          </a:p>
+        </p:txBody>
+      </p:sp>
+      <p:sp>
+        <p:nvSpPr>
+          <p:cNvPr id="285" name="Oval 50"/>
+          <p:cNvSpPr/>
+          <p:nvPr/>
+        </p:nvSpPr>
+        <p:spPr>
+          <a:xfrm flipH="1">
+            <a:off x="4968456" y="4461748"/>
+            <a:ext cx="114767" cy="114767"/>
+          </a:xfrm>
+          <a:prstGeom prst="ellipse">
+            <a:avLst/>
+          </a:prstGeom>
+          <a:noFill/>
+          <a:ln>
+            <a:solidFill>
+              <a:schemeClr val="tx1"/>
+            </a:solidFill>
+          </a:ln>
+        </p:spPr>
+        <p:style>
+          <a:lnRef idx="2">
+            <a:schemeClr val="accent1">
+              <a:shade val="50000"/>
+            </a:schemeClr>
+          </a:lnRef>
+          <a:fillRef idx="1">
+            <a:schemeClr val="accent1"/>
+          </a:fillRef>
+          <a:effectRef idx="0">
+            <a:schemeClr val="accent1"/>
+          </a:effectRef>
+          <a:fontRef idx="minor">
+            <a:schemeClr val="lt1"/>
+          </a:fontRef>
+        </p:style>
+        <p:txBody>
+          <a:bodyPr rtlCol="0" anchor="ctr"/>
+          <a:lstStyle/>
+          <a:p>
+            <a:pPr algn="ctr"/>
+            <a:endParaRPr lang="en-US"/>
+          </a:p>
+        </p:txBody>
+      </p:sp>
+      <p:sp>
+        <p:nvSpPr>
+          <p:cNvPr id="286" name="Oval 50"/>
+          <p:cNvSpPr/>
+          <p:nvPr/>
+        </p:nvSpPr>
+        <p:spPr>
+          <a:xfrm flipH="1">
+            <a:off x="3121430" y="4770821"/>
+            <a:ext cx="114767" cy="114767"/>
+          </a:xfrm>
+          <a:prstGeom prst="ellipse">
+            <a:avLst/>
+          </a:prstGeom>
+          <a:solidFill>
+            <a:schemeClr val="accent6"/>
+          </a:solidFill>
+          <a:ln>
+            <a:solidFill>
+              <a:schemeClr val="tx1"/>
+            </a:solidFill>
+          </a:ln>
+        </p:spPr>
+        <p:style>
+          <a:lnRef idx="2">
+            <a:schemeClr val="accent1">
+              <a:shade val="50000"/>
+            </a:schemeClr>
+          </a:lnRef>
+          <a:fillRef idx="1">
+            <a:schemeClr val="accent1"/>
+          </a:fillRef>
+          <a:effectRef idx="0">
+            <a:schemeClr val="accent1"/>
+          </a:effectRef>
+          <a:fontRef idx="minor">
+            <a:schemeClr val="lt1"/>
+          </a:fontRef>
+        </p:style>
+        <p:txBody>
+          <a:bodyPr rtlCol="0" anchor="ctr"/>
+          <a:lstStyle/>
+          <a:p>
+            <a:pPr algn="ctr"/>
+            <a:endParaRPr lang="en-US"/>
+          </a:p>
+        </p:txBody>
+      </p:sp>
+      <p:sp>
+        <p:nvSpPr>
+          <p:cNvPr id="287" name="Oval 50"/>
+          <p:cNvSpPr/>
+          <p:nvPr/>
+        </p:nvSpPr>
+        <p:spPr>
+          <a:xfrm flipH="1">
+            <a:off x="3720514" y="5068583"/>
+            <a:ext cx="114767" cy="114767"/>
+          </a:xfrm>
+          <a:prstGeom prst="ellipse">
+            <a:avLst/>
+          </a:prstGeom>
+          <a:solidFill>
+            <a:srgbClr val="FF0000"/>
+          </a:solidFill>
+          <a:ln>
+            <a:solidFill>
+              <a:schemeClr val="tx1"/>
+            </a:solidFill>
+          </a:ln>
+        </p:spPr>
+        <p:style>
+          <a:lnRef idx="2">
+            <a:schemeClr val="accent1">
+              <a:shade val="50000"/>
+            </a:schemeClr>
+          </a:lnRef>
+          <a:fillRef idx="1">
+            <a:schemeClr val="accent1"/>
+          </a:fillRef>
+          <a:effectRef idx="0">
+            <a:schemeClr val="accent1"/>
+          </a:effectRef>
+          <a:fontRef idx="minor">
+            <a:schemeClr val="lt1"/>
+          </a:fontRef>
+        </p:style>
+        <p:txBody>
+          <a:bodyPr rtlCol="0" anchor="ctr"/>
+          <a:lstStyle/>
+          <a:p>
+            <a:pPr algn="ctr"/>
+            <a:endParaRPr lang="en-US"/>
+          </a:p>
+        </p:txBody>
+      </p:sp>
+      <p:sp>
+        <p:nvSpPr>
+          <p:cNvPr id="288" name="Oval 50"/>
+          <p:cNvSpPr/>
+          <p:nvPr/>
+        </p:nvSpPr>
+        <p:spPr>
+          <a:xfrm flipH="1">
+            <a:off x="4367409" y="4767000"/>
+            <a:ext cx="114767" cy="114767"/>
+          </a:xfrm>
+          <a:prstGeom prst="ellipse">
+            <a:avLst/>
+          </a:prstGeom>
+          <a:solidFill>
+            <a:srgbClr val="FF0000"/>
+          </a:solidFill>
+          <a:ln>
+            <a:solidFill>
+              <a:schemeClr val="tx1"/>
+            </a:solidFill>
+          </a:ln>
+        </p:spPr>
+        <p:style>
+          <a:lnRef idx="2">
+            <a:schemeClr val="accent1">
+              <a:shade val="50000"/>
+            </a:schemeClr>
+          </a:lnRef>
+          <a:fillRef idx="1">
+            <a:schemeClr val="accent1"/>
+          </a:fillRef>
+          <a:effectRef idx="0">
+            <a:schemeClr val="accent1"/>
+          </a:effectRef>
+          <a:fontRef idx="minor">
+            <a:schemeClr val="lt1"/>
+          </a:fontRef>
+        </p:style>
+        <p:txBody>
+          <a:bodyPr rtlCol="0" anchor="ctr"/>
+          <a:lstStyle/>
+          <a:p>
+            <a:pPr algn="ctr"/>
+            <a:endParaRPr lang="en-US"/>
+          </a:p>
+        </p:txBody>
+      </p:sp>
+      <p:sp>
+        <p:nvSpPr>
+          <p:cNvPr id="289" name="Oval 50"/>
+          <p:cNvSpPr/>
+          <p:nvPr/>
+        </p:nvSpPr>
+        <p:spPr>
+          <a:xfrm flipH="1">
+            <a:off x="4976067" y="5061451"/>
+            <a:ext cx="114767" cy="114767"/>
+          </a:xfrm>
+          <a:prstGeom prst="ellipse">
+            <a:avLst/>
+          </a:prstGeom>
+          <a:solidFill>
+            <a:schemeClr val="accent1">
+              <a:lumMod val="60000"/>
+              <a:lumOff val="40000"/>
+            </a:schemeClr>
+          </a:solidFill>
+          <a:ln>
+            <a:solidFill>
+              <a:schemeClr val="tx1"/>
+            </a:solidFill>
+          </a:ln>
+        </p:spPr>
+        <p:style>
+          <a:lnRef idx="2">
+            <a:schemeClr val="accent1">
+              <a:shade val="50000"/>
+            </a:schemeClr>
+          </a:lnRef>
+          <a:fillRef idx="1">
+            <a:schemeClr val="accent1"/>
+          </a:fillRef>
+          <a:effectRef idx="0">
+            <a:schemeClr val="accent1"/>
+          </a:effectRef>
+          <a:fontRef idx="minor">
+            <a:schemeClr val="lt1"/>
+          </a:fontRef>
+        </p:style>
+        <p:txBody>
+          <a:bodyPr rtlCol="0" anchor="ctr"/>
+          <a:lstStyle/>
+          <a:p>
+            <a:pPr algn="ctr"/>
+            <a:endParaRPr lang="en-US"/>
+          </a:p>
+        </p:txBody>
+      </p:sp>
+      <p:sp>
+        <p:nvSpPr>
+          <p:cNvPr id="290" name="Oval 50"/>
+          <p:cNvSpPr/>
+          <p:nvPr/>
+        </p:nvSpPr>
+        <p:spPr>
+          <a:xfrm flipH="1">
+            <a:off x="3103683" y="5366488"/>
+            <a:ext cx="114767" cy="114767"/>
+          </a:xfrm>
+          <a:prstGeom prst="ellipse">
+            <a:avLst/>
+          </a:prstGeom>
+          <a:noFill/>
+          <a:ln>
+            <a:solidFill>
+              <a:schemeClr val="tx1"/>
+            </a:solidFill>
+          </a:ln>
+        </p:spPr>
+        <p:style>
+          <a:lnRef idx="2">
+            <a:schemeClr val="accent1">
+              <a:shade val="50000"/>
+            </a:schemeClr>
+          </a:lnRef>
+          <a:fillRef idx="1">
+            <a:schemeClr val="accent1"/>
+          </a:fillRef>
+          <a:effectRef idx="0">
+            <a:schemeClr val="accent1"/>
+          </a:effectRef>
+          <a:fontRef idx="minor">
+            <a:schemeClr val="lt1"/>
+          </a:fontRef>
+        </p:style>
+        <p:txBody>
+          <a:bodyPr rtlCol="0" anchor="ctr"/>
+          <a:lstStyle/>
+          <a:p>
+            <a:pPr algn="ctr"/>
+            <a:endParaRPr lang="en-US"/>
+          </a:p>
+        </p:txBody>
+      </p:sp>
+      <p:sp>
+        <p:nvSpPr>
+          <p:cNvPr id="291" name="Oval 50"/>
+          <p:cNvSpPr/>
+          <p:nvPr/>
+        </p:nvSpPr>
+        <p:spPr>
+          <a:xfrm flipH="1">
+            <a:off x="3702767" y="5664250"/>
+            <a:ext cx="114767" cy="114767"/>
+          </a:xfrm>
+          <a:prstGeom prst="ellipse">
+            <a:avLst/>
+          </a:prstGeom>
+          <a:solidFill>
+            <a:schemeClr val="accent1">
+              <a:lumMod val="60000"/>
+              <a:lumOff val="40000"/>
+            </a:schemeClr>
+          </a:solidFill>
+          <a:ln>
+            <a:solidFill>
+              <a:schemeClr val="tx1"/>
+            </a:solidFill>
+          </a:ln>
+        </p:spPr>
+        <p:style>
+          <a:lnRef idx="2">
+            <a:schemeClr val="accent1">
+              <a:shade val="50000"/>
+            </a:schemeClr>
+          </a:lnRef>
+          <a:fillRef idx="1">
+            <a:schemeClr val="accent1"/>
+          </a:fillRef>
+          <a:effectRef idx="0">
+            <a:schemeClr val="accent1"/>
+          </a:effectRef>
+          <a:fontRef idx="minor">
+            <a:schemeClr val="lt1"/>
+          </a:fontRef>
+        </p:style>
+        <p:txBody>
+          <a:bodyPr rtlCol="0" anchor="ctr"/>
+          <a:lstStyle/>
+          <a:p>
+            <a:pPr algn="ctr"/>
+            <a:endParaRPr lang="en-US"/>
+          </a:p>
+        </p:txBody>
+      </p:sp>
+      <p:sp>
+        <p:nvSpPr>
+          <p:cNvPr id="292" name="Oval 50"/>
+          <p:cNvSpPr/>
+          <p:nvPr/>
+        </p:nvSpPr>
+        <p:spPr>
+          <a:xfrm flipH="1">
+            <a:off x="4349661" y="5362667"/>
+            <a:ext cx="114767" cy="114767"/>
+          </a:xfrm>
+          <a:prstGeom prst="ellipse">
+            <a:avLst/>
+          </a:prstGeom>
+          <a:noFill/>
+          <a:ln>
+            <a:solidFill>
+              <a:schemeClr val="tx1"/>
+            </a:solidFill>
+          </a:ln>
+        </p:spPr>
+        <p:style>
+          <a:lnRef idx="2">
+            <a:schemeClr val="accent1">
+              <a:shade val="50000"/>
+            </a:schemeClr>
+          </a:lnRef>
+          <a:fillRef idx="1">
+            <a:schemeClr val="accent1"/>
+          </a:fillRef>
+          <a:effectRef idx="0">
+            <a:schemeClr val="accent1"/>
+          </a:effectRef>
+          <a:fontRef idx="minor">
+            <a:schemeClr val="lt1"/>
+          </a:fontRef>
+        </p:style>
+        <p:txBody>
+          <a:bodyPr rtlCol="0" anchor="ctr"/>
+          <a:lstStyle/>
+          <a:p>
+            <a:pPr algn="ctr"/>
+            <a:endParaRPr lang="en-US"/>
+          </a:p>
+        </p:txBody>
+      </p:sp>
+      <p:sp>
+        <p:nvSpPr>
+          <p:cNvPr id="293" name="Oval 50"/>
+          <p:cNvSpPr/>
+          <p:nvPr/>
+        </p:nvSpPr>
+        <p:spPr>
+          <a:xfrm flipH="1">
+            <a:off x="4958320" y="5657118"/>
+            <a:ext cx="114767" cy="114767"/>
+          </a:xfrm>
+          <a:prstGeom prst="ellipse">
+            <a:avLst/>
+          </a:prstGeom>
+          <a:noFill/>
+          <a:ln>
+            <a:solidFill>
+              <a:schemeClr val="tx1"/>
+            </a:solidFill>
+          </a:ln>
+        </p:spPr>
+        <p:style>
+          <a:lnRef idx="2">
+            <a:schemeClr val="accent1">
+              <a:shade val="50000"/>
+            </a:schemeClr>
+          </a:lnRef>
+          <a:fillRef idx="1">
+            <a:schemeClr val="accent1"/>
+          </a:fillRef>
+          <a:effectRef idx="0">
+            <a:schemeClr val="accent1"/>
+          </a:effectRef>
+          <a:fontRef idx="minor">
+            <a:schemeClr val="lt1"/>
+          </a:fontRef>
+        </p:style>
+        <p:txBody>
+          <a:bodyPr rtlCol="0" anchor="ctr"/>
+          <a:lstStyle/>
+          <a:p>
+            <a:pPr algn="ctr"/>
+            <a:endParaRPr lang="en-US"/>
+          </a:p>
+        </p:txBody>
+      </p:sp>
+      <p:sp>
+        <p:nvSpPr>
+          <p:cNvPr id="294" name="Oval 50"/>
+          <p:cNvSpPr/>
+          <p:nvPr/>
+        </p:nvSpPr>
+        <p:spPr>
+          <a:xfrm flipH="1">
+            <a:off x="3103798" y="5954658"/>
+            <a:ext cx="114767" cy="114767"/>
+          </a:xfrm>
+          <a:prstGeom prst="ellipse">
+            <a:avLst/>
+          </a:prstGeom>
+          <a:solidFill>
+            <a:schemeClr val="accent6"/>
+          </a:solidFill>
+          <a:ln>
+            <a:solidFill>
+              <a:schemeClr val="tx1"/>
+            </a:solidFill>
+          </a:ln>
+        </p:spPr>
+        <p:style>
+          <a:lnRef idx="2">
+            <a:schemeClr val="accent1">
+              <a:shade val="50000"/>
+            </a:schemeClr>
+          </a:lnRef>
+          <a:fillRef idx="1">
+            <a:schemeClr val="accent1"/>
+          </a:fillRef>
+          <a:effectRef idx="0">
+            <a:schemeClr val="accent1"/>
+          </a:effectRef>
+          <a:fontRef idx="minor">
+            <a:schemeClr val="lt1"/>
+          </a:fontRef>
+        </p:style>
+        <p:txBody>
+          <a:bodyPr rtlCol="0" anchor="ctr"/>
+          <a:lstStyle/>
+          <a:p>
+            <a:pPr algn="ctr"/>
+            <a:endParaRPr lang="en-US"/>
+          </a:p>
+        </p:txBody>
+      </p:sp>
+      <p:sp>
+        <p:nvSpPr>
+          <p:cNvPr id="295" name="Oval 50"/>
+          <p:cNvSpPr/>
+          <p:nvPr/>
+        </p:nvSpPr>
+        <p:spPr>
+          <a:xfrm flipH="1">
+            <a:off x="3702883" y="6252420"/>
+            <a:ext cx="114767" cy="114767"/>
+          </a:xfrm>
+          <a:prstGeom prst="ellipse">
+            <a:avLst/>
+          </a:prstGeom>
+          <a:solidFill>
+            <a:schemeClr val="accent1">
+              <a:lumMod val="60000"/>
+              <a:lumOff val="40000"/>
+            </a:schemeClr>
+          </a:solidFill>
+          <a:ln>
+            <a:solidFill>
+              <a:schemeClr val="tx1"/>
+            </a:solidFill>
+          </a:ln>
+        </p:spPr>
+        <p:style>
+          <a:lnRef idx="2">
+            <a:schemeClr val="accent1">
+              <a:shade val="50000"/>
+            </a:schemeClr>
+          </a:lnRef>
+          <a:fillRef idx="1">
+            <a:schemeClr val="accent1"/>
+          </a:fillRef>
+          <a:effectRef idx="0">
+            <a:schemeClr val="accent1"/>
+          </a:effectRef>
+          <a:fontRef idx="minor">
+            <a:schemeClr val="lt1"/>
+          </a:fontRef>
+        </p:style>
+        <p:txBody>
+          <a:bodyPr rtlCol="0" anchor="ctr"/>
+          <a:lstStyle/>
+          <a:p>
+            <a:pPr algn="ctr"/>
+            <a:endParaRPr lang="en-US"/>
+          </a:p>
+        </p:txBody>
+      </p:sp>
+      <p:sp>
+        <p:nvSpPr>
+          <p:cNvPr id="296" name="Oval 50"/>
+          <p:cNvSpPr/>
+          <p:nvPr/>
+        </p:nvSpPr>
+        <p:spPr>
+          <a:xfrm flipH="1">
+            <a:off x="4349777" y="5950837"/>
+            <a:ext cx="114767" cy="114767"/>
+          </a:xfrm>
+          <a:prstGeom prst="ellipse">
+            <a:avLst/>
+          </a:prstGeom>
+          <a:solidFill>
+            <a:srgbClr val="FF0000"/>
+          </a:solidFill>
+          <a:ln>
+            <a:solidFill>
+              <a:schemeClr val="tx1"/>
+            </a:solidFill>
+          </a:ln>
+        </p:spPr>
+        <p:style>
+          <a:lnRef idx="2">
+            <a:schemeClr val="accent1">
+              <a:shade val="50000"/>
+            </a:schemeClr>
+          </a:lnRef>
+          <a:fillRef idx="1">
+            <a:schemeClr val="accent1"/>
+          </a:fillRef>
+          <a:effectRef idx="0">
+            <a:schemeClr val="accent1"/>
+          </a:effectRef>
+          <a:fontRef idx="minor">
+            <a:schemeClr val="lt1"/>
+          </a:fontRef>
+        </p:style>
+        <p:txBody>
+          <a:bodyPr rtlCol="0" anchor="ctr"/>
+          <a:lstStyle/>
+          <a:p>
+            <a:pPr algn="ctr"/>
+            <a:endParaRPr lang="en-US"/>
+          </a:p>
+        </p:txBody>
+      </p:sp>
+      <p:sp>
+        <p:nvSpPr>
+          <p:cNvPr id="297" name="Oval 50"/>
+          <p:cNvSpPr/>
+          <p:nvPr/>
+        </p:nvSpPr>
+        <p:spPr>
+          <a:xfrm flipH="1">
+            <a:off x="4958435" y="6245288"/>
+            <a:ext cx="114767" cy="114767"/>
+          </a:xfrm>
+          <a:prstGeom prst="ellipse">
+            <a:avLst/>
+          </a:prstGeom>
+          <a:noFill/>
+          <a:ln>
+            <a:solidFill>
+              <a:schemeClr val="tx1"/>
+            </a:solidFill>
+          </a:ln>
+        </p:spPr>
+        <p:style>
+          <a:lnRef idx="2">
+            <a:schemeClr val="accent1">
+              <a:shade val="50000"/>
+            </a:schemeClr>
+          </a:lnRef>
+          <a:fillRef idx="1">
+            <a:schemeClr val="accent1"/>
+          </a:fillRef>
+          <a:effectRef idx="0">
+            <a:schemeClr val="accent1"/>
+          </a:effectRef>
+          <a:fontRef idx="minor">
+            <a:schemeClr val="lt1"/>
+          </a:fontRef>
+        </p:style>
+        <p:txBody>
+          <a:bodyPr rtlCol="0" anchor="ctr"/>
+          <a:lstStyle/>
+          <a:p>
+            <a:pPr algn="ctr"/>
+            <a:endParaRPr lang="en-US"/>
+          </a:p>
+        </p:txBody>
+      </p:sp>
+      <p:cxnSp>
+        <p:nvCxnSpPr>
+          <p:cNvPr id="93" name="Gerader Verbinder 92"/>
+          <p:cNvCxnSpPr>
+            <a:stCxn id="266" idx="6"/>
+            <a:endCxn id="274" idx="6"/>
+          </p:cNvCxnSpPr>
+          <p:nvPr/>
+        </p:nvCxnSpPr>
+        <p:spPr>
+          <a:xfrm>
+            <a:off x="3112667" y="1846355"/>
+            <a:ext cx="2417" cy="1190976"/>
+          </a:xfrm>
+          <a:prstGeom prst="line">
+            <a:avLst/>
+          </a:prstGeom>
+          <a:ln>
+            <a:solidFill>
+              <a:srgbClr val="FF0000"/>
+            </a:solidFill>
+          </a:ln>
+        </p:spPr>
+        <p:style>
+          <a:lnRef idx="1">
+            <a:schemeClr val="accent1"/>
+          </a:lnRef>
+          <a:fillRef idx="0">
+            <a:schemeClr val="accent1"/>
+          </a:fillRef>
+          <a:effectRef idx="0">
+            <a:schemeClr val="accent1"/>
+          </a:effectRef>
+          <a:fontRef idx="minor">
+            <a:schemeClr val="tx1"/>
+          </a:fontRef>
+        </p:style>
+      </p:cxnSp>
+      <p:cxnSp>
+        <p:nvCxnSpPr>
+          <p:cNvPr id="298" name="Gerader Verbinder 297"/>
+          <p:cNvCxnSpPr>
+            <a:stCxn id="266" idx="2"/>
+            <a:endCxn id="274" idx="2"/>
+          </p:cNvCxnSpPr>
+          <p:nvPr/>
+        </p:nvCxnSpPr>
+        <p:spPr>
+          <a:xfrm>
+            <a:off x="3227434" y="1846355"/>
+            <a:ext cx="2417" cy="1190976"/>
+          </a:xfrm>
+          <a:prstGeom prst="line">
+            <a:avLst/>
+          </a:prstGeom>
+          <a:ln>
+            <a:solidFill>
+              <a:srgbClr val="FF0000"/>
+            </a:solidFill>
+          </a:ln>
+        </p:spPr>
+        <p:style>
+          <a:lnRef idx="1">
+            <a:schemeClr val="accent1"/>
+          </a:lnRef>
+          <a:fillRef idx="0">
+            <a:schemeClr val="accent1"/>
+          </a:fillRef>
+          <a:effectRef idx="0">
+            <a:schemeClr val="accent1"/>
+          </a:effectRef>
+          <a:fontRef idx="minor">
+            <a:schemeClr val="tx1"/>
+          </a:fontRef>
+        </p:style>
+      </p:cxnSp>
+      <p:cxnSp>
+        <p:nvCxnSpPr>
+          <p:cNvPr id="302" name="Gerader Verbinder 301"/>
+          <p:cNvCxnSpPr>
+            <a:stCxn id="236" idx="1"/>
+            <a:endCxn id="247" idx="1"/>
+          </p:cNvCxnSpPr>
+          <p:nvPr/>
+        </p:nvCxnSpPr>
+        <p:spPr>
+          <a:xfrm flipH="1">
+            <a:off x="7188686" y="2996754"/>
+            <a:ext cx="1244714" cy="1187350"/>
+          </a:xfrm>
+          <a:prstGeom prst="line">
+            <a:avLst/>
+          </a:prstGeom>
+          <a:ln>
+            <a:solidFill>
+              <a:srgbClr val="FF0000"/>
+            </a:solidFill>
+          </a:ln>
+        </p:spPr>
+        <p:style>
+          <a:lnRef idx="1">
+            <a:schemeClr val="accent1"/>
+          </a:lnRef>
+          <a:fillRef idx="0">
+            <a:schemeClr val="accent1"/>
+          </a:fillRef>
+          <a:effectRef idx="0">
+            <a:schemeClr val="accent1"/>
+          </a:effectRef>
+          <a:fontRef idx="minor">
+            <a:schemeClr val="tx1"/>
+          </a:fontRef>
+        </p:style>
+      </p:cxnSp>
+      <p:cxnSp>
+        <p:nvCxnSpPr>
+          <p:cNvPr id="303" name="Gerader Verbinder 302"/>
+          <p:cNvCxnSpPr>
+            <a:stCxn id="236" idx="5"/>
+            <a:endCxn id="247" idx="5"/>
+          </p:cNvCxnSpPr>
+          <p:nvPr/>
+        </p:nvCxnSpPr>
+        <p:spPr>
+          <a:xfrm flipH="1">
+            <a:off x="7269839" y="3077907"/>
+            <a:ext cx="1244714" cy="1187350"/>
+          </a:xfrm>
+          <a:prstGeom prst="line">
+            <a:avLst/>
+          </a:prstGeom>
+          <a:ln>
+            <a:solidFill>
+              <a:srgbClr val="FF0000"/>
+            </a:solidFill>
+          </a:ln>
+        </p:spPr>
+        <p:style>
+          <a:lnRef idx="1">
+            <a:schemeClr val="accent1"/>
+          </a:lnRef>
+          <a:fillRef idx="0">
+            <a:schemeClr val="accent1"/>
+          </a:fillRef>
+          <a:effectRef idx="0">
+            <a:schemeClr val="accent1"/>
+          </a:effectRef>
+          <a:fontRef idx="minor">
+            <a:schemeClr val="tx1"/>
+          </a:fontRef>
+        </p:style>
+      </p:cxnSp>
+      <p:cxnSp>
+        <p:nvCxnSpPr>
+          <p:cNvPr id="306" name="Gerader Verbinder 305"/>
+          <p:cNvCxnSpPr>
+            <a:cxnSpLocks/>
+            <a:stCxn id="250" idx="5"/>
+            <a:endCxn id="184" idx="6"/>
+          </p:cNvCxnSpPr>
+          <p:nvPr/>
+        </p:nvCxnSpPr>
+        <p:spPr>
+          <a:xfrm flipV="1">
+            <a:off x="7909122" y="1846355"/>
+            <a:ext cx="624655" cy="3320188"/>
+          </a:xfrm>
+          <a:prstGeom prst="line">
+            <a:avLst/>
+          </a:prstGeom>
+          <a:ln>
+            <a:solidFill>
+              <a:srgbClr val="FF0000"/>
+            </a:solidFill>
+          </a:ln>
+        </p:spPr>
+        <p:style>
+          <a:lnRef idx="1">
+            <a:schemeClr val="accent1"/>
+          </a:lnRef>
+          <a:fillRef idx="0">
+            <a:schemeClr val="accent1"/>
+          </a:fillRef>
+          <a:effectRef idx="0">
+            <a:schemeClr val="accent1"/>
+          </a:effectRef>
+          <a:fontRef idx="minor">
+            <a:schemeClr val="tx1"/>
+          </a:fontRef>
+        </p:style>
+      </p:cxnSp>
+      <p:cxnSp>
+        <p:nvCxnSpPr>
+          <p:cNvPr id="310" name="Gerader Verbinder 309"/>
+          <p:cNvCxnSpPr>
+            <a:cxnSpLocks/>
+            <a:stCxn id="250" idx="2"/>
+            <a:endCxn id="184" idx="1"/>
+          </p:cNvCxnSpPr>
+          <p:nvPr/>
+        </p:nvCxnSpPr>
+        <p:spPr>
+          <a:xfrm flipV="1">
+            <a:off x="7811162" y="1805778"/>
+            <a:ext cx="624655" cy="3320189"/>
+          </a:xfrm>
+          <a:prstGeom prst="line">
+            <a:avLst/>
+          </a:prstGeom>
+          <a:ln>
+            <a:solidFill>
+              <a:srgbClr val="FF0000"/>
+            </a:solidFill>
+          </a:ln>
+        </p:spPr>
+        <p:style>
+          <a:lnRef idx="1">
+            <a:schemeClr val="accent1"/>
+          </a:lnRef>
+          <a:fillRef idx="0">
+            <a:schemeClr val="accent1"/>
+          </a:fillRef>
+          <a:effectRef idx="0">
+            <a:schemeClr val="accent1"/>
+          </a:effectRef>
+          <a:fontRef idx="minor">
+            <a:schemeClr val="tx1"/>
+          </a:fontRef>
+        </p:style>
+      </p:cxnSp>
+      <p:cxnSp>
+        <p:nvCxnSpPr>
+          <p:cNvPr id="313" name="Gerader Verbinder 312"/>
+          <p:cNvCxnSpPr>
+            <a:stCxn id="284" idx="6"/>
+            <a:endCxn id="288" idx="6"/>
+          </p:cNvCxnSpPr>
+          <p:nvPr/>
+        </p:nvCxnSpPr>
+        <p:spPr>
+          <a:xfrm>
+            <a:off x="4359798" y="4224681"/>
+            <a:ext cx="7611" cy="599703"/>
+          </a:xfrm>
+          <a:prstGeom prst="line">
+            <a:avLst/>
+          </a:prstGeom>
+          <a:ln>
+            <a:solidFill>
+              <a:srgbClr val="FF0000"/>
+            </a:solidFill>
+          </a:ln>
+        </p:spPr>
+        <p:style>
+          <a:lnRef idx="1">
+            <a:schemeClr val="accent1"/>
+          </a:lnRef>
+          <a:fillRef idx="0">
+            <a:schemeClr val="accent1"/>
+          </a:fillRef>
+          <a:effectRef idx="0">
+            <a:schemeClr val="accent1"/>
+          </a:effectRef>
+          <a:fontRef idx="minor">
+            <a:schemeClr val="tx1"/>
+          </a:fontRef>
+        </p:style>
+      </p:cxnSp>
+      <p:cxnSp>
+        <p:nvCxnSpPr>
+          <p:cNvPr id="314" name="Gerader Verbinder 313"/>
+          <p:cNvCxnSpPr>
+            <a:stCxn id="284" idx="2"/>
+            <a:endCxn id="288" idx="2"/>
+          </p:cNvCxnSpPr>
+          <p:nvPr/>
+        </p:nvCxnSpPr>
+        <p:spPr>
+          <a:xfrm>
+            <a:off x="4474565" y="4224681"/>
+            <a:ext cx="7611" cy="599703"/>
+          </a:xfrm>
+          <a:prstGeom prst="line">
+            <a:avLst/>
+          </a:prstGeom>
+          <a:ln>
+            <a:solidFill>
+              <a:srgbClr val="FF0000"/>
+            </a:solidFill>
+          </a:ln>
+        </p:spPr>
+        <p:style>
+          <a:lnRef idx="1">
+            <a:schemeClr val="accent1"/>
+          </a:lnRef>
+          <a:fillRef idx="0">
+            <a:schemeClr val="accent1"/>
+          </a:fillRef>
+          <a:effectRef idx="0">
+            <a:schemeClr val="accent1"/>
+          </a:effectRef>
+          <a:fontRef idx="minor">
+            <a:schemeClr val="tx1"/>
+          </a:fontRef>
+        </p:style>
+      </p:cxnSp>
+      <p:cxnSp>
+        <p:nvCxnSpPr>
+          <p:cNvPr id="315" name="Gerader Verbinder 314"/>
+          <p:cNvCxnSpPr>
+            <a:stCxn id="287" idx="5"/>
+            <a:endCxn id="296" idx="5"/>
+          </p:cNvCxnSpPr>
+          <p:nvPr/>
+        </p:nvCxnSpPr>
+        <p:spPr>
+          <a:xfrm>
+            <a:off x="3737321" y="5166543"/>
+            <a:ext cx="629263" cy="882254"/>
+          </a:xfrm>
+          <a:prstGeom prst="line">
+            <a:avLst/>
+          </a:prstGeom>
+          <a:ln>
+            <a:solidFill>
+              <a:srgbClr val="FF0000"/>
+            </a:solidFill>
+          </a:ln>
+        </p:spPr>
+        <p:style>
+          <a:lnRef idx="1">
+            <a:schemeClr val="accent1"/>
+          </a:lnRef>
+          <a:fillRef idx="0">
+            <a:schemeClr val="accent1"/>
+          </a:fillRef>
+          <a:effectRef idx="0">
+            <a:schemeClr val="accent1"/>
+          </a:effectRef>
+          <a:fontRef idx="minor">
+            <a:schemeClr val="tx1"/>
+          </a:fontRef>
+        </p:style>
+      </p:cxnSp>
+      <p:cxnSp>
+        <p:nvCxnSpPr>
+          <p:cNvPr id="316" name="Gerader Verbinder 315"/>
+          <p:cNvCxnSpPr>
+            <a:stCxn id="287" idx="1"/>
+            <a:endCxn id="296" idx="1"/>
+          </p:cNvCxnSpPr>
+          <p:nvPr/>
+        </p:nvCxnSpPr>
+        <p:spPr>
+          <a:xfrm>
+            <a:off x="3818474" y="5085390"/>
+            <a:ext cx="629263" cy="882254"/>
+          </a:xfrm>
+          <a:prstGeom prst="line">
+            <a:avLst/>
+          </a:prstGeom>
+          <a:ln>
+            <a:solidFill>
+              <a:srgbClr val="FF0000"/>
+            </a:solidFill>
+          </a:ln>
+        </p:spPr>
+        <p:style>
+          <a:lnRef idx="1">
+            <a:schemeClr val="accent1"/>
+          </a:lnRef>
+          <a:fillRef idx="0">
+            <a:schemeClr val="accent1"/>
+          </a:fillRef>
+          <a:effectRef idx="0">
+            <a:schemeClr val="accent1"/>
+          </a:effectRef>
+          <a:fontRef idx="minor">
+            <a:schemeClr val="tx1"/>
+          </a:fontRef>
+        </p:style>
+      </p:cxnSp>
+      <p:cxnSp>
+        <p:nvCxnSpPr>
+          <p:cNvPr id="320" name="Gerader Verbinder 319"/>
+          <p:cNvCxnSpPr>
+            <a:stCxn id="268" idx="3"/>
+            <a:endCxn id="271" idx="3"/>
+          </p:cNvCxnSpPr>
+          <p:nvPr/>
+        </p:nvCxnSpPr>
+        <p:spPr>
+          <a:xfrm flipH="1">
+            <a:off x="3800727" y="1883110"/>
+            <a:ext cx="655878" cy="899321"/>
+          </a:xfrm>
+          <a:prstGeom prst="line">
+            <a:avLst/>
+          </a:prstGeom>
+          <a:ln>
+            <a:solidFill>
+              <a:schemeClr val="accent1"/>
+            </a:solidFill>
+          </a:ln>
+        </p:spPr>
+        <p:style>
+          <a:lnRef idx="1">
+            <a:schemeClr val="accent1"/>
+          </a:lnRef>
+          <a:fillRef idx="0">
+            <a:schemeClr val="accent1"/>
+          </a:fillRef>
+          <a:effectRef idx="0">
+            <a:schemeClr val="accent1"/>
+          </a:effectRef>
+          <a:fontRef idx="minor">
+            <a:schemeClr val="tx1"/>
+          </a:fontRef>
+        </p:style>
+      </p:cxnSp>
+      <p:cxnSp>
+        <p:nvCxnSpPr>
+          <p:cNvPr id="321" name="Gerader Verbinder 320"/>
+          <p:cNvCxnSpPr>
+            <a:stCxn id="268" idx="7"/>
+            <a:endCxn id="271" idx="7"/>
+          </p:cNvCxnSpPr>
+          <p:nvPr/>
+        </p:nvCxnSpPr>
+        <p:spPr>
+          <a:xfrm flipH="1">
+            <a:off x="3719574" y="1801957"/>
+            <a:ext cx="655878" cy="899321"/>
+          </a:xfrm>
+          <a:prstGeom prst="line">
+            <a:avLst/>
+          </a:prstGeom>
+          <a:ln>
+            <a:solidFill>
+              <a:schemeClr val="accent1"/>
+            </a:solidFill>
+          </a:ln>
+        </p:spPr>
+        <p:style>
+          <a:lnRef idx="1">
+            <a:schemeClr val="accent1"/>
+          </a:lnRef>
+          <a:fillRef idx="0">
+            <a:schemeClr val="accent1"/>
+          </a:fillRef>
+          <a:effectRef idx="0">
+            <a:schemeClr val="accent1"/>
+          </a:effectRef>
+          <a:fontRef idx="minor">
+            <a:schemeClr val="tx1"/>
+          </a:fontRef>
+        </p:style>
+      </p:cxnSp>
+      <p:cxnSp>
+        <p:nvCxnSpPr>
+          <p:cNvPr id="322" name="Gerader Verbinder 321"/>
+          <p:cNvCxnSpPr>
+            <a:stCxn id="281" idx="2"/>
+            <a:endCxn id="289" idx="2"/>
+          </p:cNvCxnSpPr>
+          <p:nvPr/>
+        </p:nvCxnSpPr>
+        <p:spPr>
+          <a:xfrm>
+            <a:off x="5083223" y="3923547"/>
+            <a:ext cx="7611" cy="1195288"/>
+          </a:xfrm>
+          <a:prstGeom prst="line">
+            <a:avLst/>
+          </a:prstGeom>
+          <a:ln>
+            <a:solidFill>
+              <a:schemeClr val="accent1"/>
+            </a:solidFill>
+          </a:ln>
+        </p:spPr>
+        <p:style>
+          <a:lnRef idx="1">
+            <a:schemeClr val="accent1"/>
+          </a:lnRef>
+          <a:fillRef idx="0">
+            <a:schemeClr val="accent1"/>
+          </a:fillRef>
+          <a:effectRef idx="0">
+            <a:schemeClr val="accent1"/>
+          </a:effectRef>
+          <a:fontRef idx="minor">
+            <a:schemeClr val="tx1"/>
+          </a:fontRef>
+        </p:style>
+      </p:cxnSp>
+      <p:cxnSp>
+        <p:nvCxnSpPr>
+          <p:cNvPr id="323" name="Gerader Verbinder 322"/>
+          <p:cNvCxnSpPr>
+            <a:stCxn id="281" idx="6"/>
+            <a:endCxn id="289" idx="6"/>
+          </p:cNvCxnSpPr>
+          <p:nvPr/>
+        </p:nvCxnSpPr>
+        <p:spPr>
+          <a:xfrm>
+            <a:off x="4968456" y="3923547"/>
+            <a:ext cx="7611" cy="1195288"/>
+          </a:xfrm>
+          <a:prstGeom prst="line">
+            <a:avLst/>
+          </a:prstGeom>
+          <a:ln>
+            <a:solidFill>
+              <a:schemeClr val="accent1"/>
+            </a:solidFill>
+          </a:ln>
+        </p:spPr>
+        <p:style>
+          <a:lnRef idx="1">
+            <a:schemeClr val="accent1"/>
+          </a:lnRef>
+          <a:fillRef idx="0">
+            <a:schemeClr val="accent1"/>
+          </a:fillRef>
+          <a:effectRef idx="0">
+            <a:schemeClr val="accent1"/>
+          </a:effectRef>
+          <a:fontRef idx="minor">
+            <a:schemeClr val="tx1"/>
+          </a:fontRef>
+        </p:style>
+      </p:cxnSp>
+      <p:cxnSp>
+        <p:nvCxnSpPr>
+          <p:cNvPr id="324" name="Gerader Verbinder 323"/>
+          <p:cNvCxnSpPr>
+            <a:stCxn id="232" idx="1"/>
+            <a:endCxn id="244" idx="1"/>
+          </p:cNvCxnSpPr>
+          <p:nvPr/>
+        </p:nvCxnSpPr>
+        <p:spPr>
+          <a:xfrm flipH="1">
+            <a:off x="6580028" y="2701278"/>
+            <a:ext cx="1265689" cy="1181692"/>
+          </a:xfrm>
+          <a:prstGeom prst="line">
+            <a:avLst/>
+          </a:prstGeom>
+          <a:ln>
+            <a:solidFill>
+              <a:schemeClr val="accent1"/>
+            </a:solidFill>
+          </a:ln>
+        </p:spPr>
+        <p:style>
+          <a:lnRef idx="1">
+            <a:schemeClr val="accent1"/>
+          </a:lnRef>
+          <a:fillRef idx="0">
+            <a:schemeClr val="accent1"/>
+          </a:fillRef>
+          <a:effectRef idx="0">
+            <a:schemeClr val="accent1"/>
+          </a:effectRef>
+          <a:fontRef idx="minor">
+            <a:schemeClr val="tx1"/>
+          </a:fontRef>
+        </p:style>
+      </p:cxnSp>
+      <p:cxnSp>
+        <p:nvCxnSpPr>
+          <p:cNvPr id="325" name="Gerader Verbinder 324"/>
+          <p:cNvCxnSpPr>
+            <a:stCxn id="232" idx="5"/>
+            <a:endCxn id="244" idx="5"/>
+          </p:cNvCxnSpPr>
+          <p:nvPr/>
+        </p:nvCxnSpPr>
+        <p:spPr>
+          <a:xfrm flipH="1">
+            <a:off x="6661181" y="2782431"/>
+            <a:ext cx="1265689" cy="1181692"/>
+          </a:xfrm>
+          <a:prstGeom prst="line">
+            <a:avLst/>
+          </a:prstGeom>
+          <a:ln>
+            <a:solidFill>
+              <a:schemeClr val="accent1"/>
+            </a:solidFill>
+          </a:ln>
+        </p:spPr>
+        <p:style>
+          <a:lnRef idx="1">
+            <a:schemeClr val="accent1"/>
+          </a:lnRef>
+          <a:fillRef idx="0">
+            <a:schemeClr val="accent1"/>
+          </a:fillRef>
+          <a:effectRef idx="0">
+            <a:schemeClr val="accent1"/>
+          </a:effectRef>
+          <a:fontRef idx="minor">
+            <a:schemeClr val="tx1"/>
+          </a:fontRef>
+        </p:style>
+      </p:cxnSp>
+      <p:cxnSp>
+        <p:nvCxnSpPr>
+          <p:cNvPr id="326" name="Gerader Verbinder 325"/>
+          <p:cNvCxnSpPr>
+            <a:stCxn id="291" idx="2"/>
+            <a:endCxn id="295" idx="2"/>
+          </p:cNvCxnSpPr>
+          <p:nvPr/>
+        </p:nvCxnSpPr>
+        <p:spPr>
+          <a:xfrm>
+            <a:off x="3817534" y="5721634"/>
+            <a:ext cx="116" cy="588170"/>
+          </a:xfrm>
+          <a:prstGeom prst="line">
+            <a:avLst/>
+          </a:prstGeom>
+          <a:ln>
+            <a:solidFill>
+              <a:schemeClr val="accent1"/>
+            </a:solidFill>
+          </a:ln>
+        </p:spPr>
+        <p:style>
+          <a:lnRef idx="1">
+            <a:schemeClr val="accent1"/>
+          </a:lnRef>
+          <a:fillRef idx="0">
+            <a:schemeClr val="accent1"/>
+          </a:fillRef>
+          <a:effectRef idx="0">
+            <a:schemeClr val="accent1"/>
+          </a:effectRef>
+          <a:fontRef idx="minor">
+            <a:schemeClr val="tx1"/>
+          </a:fontRef>
+        </p:style>
+      </p:cxnSp>
+      <p:cxnSp>
+        <p:nvCxnSpPr>
+          <p:cNvPr id="327" name="Gerader Verbinder 326"/>
+          <p:cNvCxnSpPr>
+            <a:stCxn id="291" idx="6"/>
+            <a:endCxn id="295" idx="6"/>
+          </p:cNvCxnSpPr>
+          <p:nvPr/>
+        </p:nvCxnSpPr>
+        <p:spPr>
+          <a:xfrm>
+            <a:off x="3702767" y="5721634"/>
+            <a:ext cx="116" cy="588170"/>
+          </a:xfrm>
+          <a:prstGeom prst="line">
+            <a:avLst/>
+          </a:prstGeom>
+          <a:ln>
+            <a:solidFill>
+              <a:schemeClr val="accent1"/>
+            </a:solidFill>
+          </a:ln>
+        </p:spPr>
+        <p:style>
+          <a:lnRef idx="1">
+            <a:schemeClr val="accent1"/>
+          </a:lnRef>
+          <a:fillRef idx="0">
+            <a:schemeClr val="accent1"/>
+          </a:fillRef>
+          <a:effectRef idx="0">
+            <a:schemeClr val="accent1"/>
+          </a:effectRef>
+          <a:fontRef idx="minor">
+            <a:schemeClr val="tx1"/>
+          </a:fontRef>
+        </p:style>
+      </p:cxnSp>
+      <p:cxnSp>
+        <p:nvCxnSpPr>
+          <p:cNvPr id="328" name="Gerader Verbinder 327"/>
+          <p:cNvCxnSpPr>
+            <a:cxnSpLocks/>
+            <a:stCxn id="217" idx="2"/>
+            <a:endCxn id="254" idx="2"/>
+          </p:cNvCxnSpPr>
+          <p:nvPr/>
+        </p:nvCxnSpPr>
+        <p:spPr>
+          <a:xfrm>
+            <a:off x="7173031" y="1842534"/>
+            <a:ext cx="655879" cy="3879100"/>
+          </a:xfrm>
+          <a:prstGeom prst="line">
+            <a:avLst/>
+          </a:prstGeom>
+          <a:ln>
+            <a:solidFill>
+              <a:schemeClr val="accent1"/>
+            </a:solidFill>
+          </a:ln>
+        </p:spPr>
+        <p:style>
+          <a:lnRef idx="1">
+            <a:schemeClr val="accent1"/>
+          </a:lnRef>
+          <a:fillRef idx="0">
+            <a:schemeClr val="accent1"/>
+          </a:fillRef>
+          <a:effectRef idx="0">
+            <a:schemeClr val="accent1"/>
+          </a:effectRef>
+          <a:fontRef idx="minor">
+            <a:schemeClr val="tx1"/>
+          </a:fontRef>
+        </p:style>
+      </p:cxnSp>
+      <p:cxnSp>
+        <p:nvCxnSpPr>
+          <p:cNvPr id="329" name="Gerader Verbinder 328"/>
+          <p:cNvCxnSpPr>
+            <a:cxnSpLocks/>
+            <a:stCxn id="217" idx="6"/>
+            <a:endCxn id="254" idx="7"/>
+          </p:cNvCxnSpPr>
+          <p:nvPr/>
+        </p:nvCxnSpPr>
+        <p:spPr>
+          <a:xfrm>
+            <a:off x="7287798" y="1842534"/>
+            <a:ext cx="639072" cy="3838523"/>
+          </a:xfrm>
+          <a:prstGeom prst="line">
+            <a:avLst/>
+          </a:prstGeom>
+          <a:ln>
+            <a:solidFill>
+              <a:schemeClr val="accent1"/>
+            </a:solidFill>
+          </a:ln>
+        </p:spPr>
+        <p:style>
+          <a:lnRef idx="1">
+            <a:schemeClr val="accent1"/>
+          </a:lnRef>
+          <a:fillRef idx="0">
+            <a:schemeClr val="accent1"/>
+          </a:fillRef>
+          <a:effectRef idx="0">
+            <a:schemeClr val="accent1"/>
+          </a:effectRef>
+          <a:fontRef idx="minor">
+            <a:schemeClr val="tx1"/>
+          </a:fontRef>
+        </p:style>
+      </p:cxnSp>
+      <p:cxnSp>
+        <p:nvCxnSpPr>
+          <p:cNvPr id="334" name="Gerader Verbinder 333"/>
+          <p:cNvCxnSpPr>
+            <a:stCxn id="269" idx="6"/>
+            <a:endCxn id="273" idx="6"/>
+          </p:cNvCxnSpPr>
+          <p:nvPr/>
+        </p:nvCxnSpPr>
+        <p:spPr>
+          <a:xfrm flipH="1">
+            <a:off x="4958320" y="2136985"/>
+            <a:ext cx="8984" cy="597738"/>
+          </a:xfrm>
+          <a:prstGeom prst="line">
+            <a:avLst/>
+          </a:prstGeom>
+          <a:ln>
+            <a:solidFill>
+              <a:schemeClr val="accent6"/>
+            </a:solidFill>
+          </a:ln>
+        </p:spPr>
+        <p:style>
+          <a:lnRef idx="1">
+            <a:schemeClr val="accent1"/>
+          </a:lnRef>
+          <a:fillRef idx="0">
+            <a:schemeClr val="accent1"/>
+          </a:fillRef>
+          <a:effectRef idx="0">
+            <a:schemeClr val="accent1"/>
+          </a:effectRef>
+          <a:fontRef idx="minor">
+            <a:schemeClr val="tx1"/>
+          </a:fontRef>
+        </p:style>
+      </p:cxnSp>
+      <p:cxnSp>
+        <p:nvCxnSpPr>
+          <p:cNvPr id="337" name="Gerader Verbinder 336"/>
+          <p:cNvCxnSpPr>
+            <a:stCxn id="269" idx="2"/>
+            <a:endCxn id="273" idx="2"/>
+          </p:cNvCxnSpPr>
+          <p:nvPr/>
+        </p:nvCxnSpPr>
+        <p:spPr>
+          <a:xfrm flipH="1">
+            <a:off x="5073087" y="2136985"/>
+            <a:ext cx="8984" cy="597738"/>
+          </a:xfrm>
+          <a:prstGeom prst="line">
+            <a:avLst/>
+          </a:prstGeom>
+          <a:ln>
+            <a:solidFill>
+              <a:schemeClr val="accent6"/>
+            </a:solidFill>
+          </a:ln>
+        </p:spPr>
+        <p:style>
+          <a:lnRef idx="1">
+            <a:schemeClr val="accent1"/>
+          </a:lnRef>
+          <a:fillRef idx="0">
+            <a:schemeClr val="accent1"/>
+          </a:fillRef>
+          <a:effectRef idx="0">
+            <a:schemeClr val="accent1"/>
+          </a:effectRef>
+          <a:fontRef idx="minor">
+            <a:schemeClr val="tx1"/>
+          </a:fontRef>
+        </p:style>
+      </p:cxnSp>
+      <p:cxnSp>
+        <p:nvCxnSpPr>
+          <p:cNvPr id="340" name="Gerader Verbinder 339"/>
+          <p:cNvCxnSpPr>
+            <a:stCxn id="235" idx="2"/>
+            <a:endCxn id="240" idx="2"/>
+          </p:cNvCxnSpPr>
+          <p:nvPr/>
+        </p:nvCxnSpPr>
+        <p:spPr>
+          <a:xfrm flipH="1">
+            <a:off x="6561956" y="2734723"/>
+            <a:ext cx="11401" cy="593238"/>
+          </a:xfrm>
+          <a:prstGeom prst="line">
+            <a:avLst/>
+          </a:prstGeom>
+          <a:ln>
+            <a:solidFill>
+              <a:schemeClr val="accent6"/>
+            </a:solidFill>
+          </a:ln>
+        </p:spPr>
+        <p:style>
+          <a:lnRef idx="1">
+            <a:schemeClr val="accent1"/>
+          </a:lnRef>
+          <a:fillRef idx="0">
+            <a:schemeClr val="accent1"/>
+          </a:fillRef>
+          <a:effectRef idx="0">
+            <a:schemeClr val="accent1"/>
+          </a:effectRef>
+          <a:fontRef idx="minor">
+            <a:schemeClr val="tx1"/>
+          </a:fontRef>
+        </p:style>
+      </p:cxnSp>
+      <p:cxnSp>
+        <p:nvCxnSpPr>
+          <p:cNvPr id="341" name="Gerader Verbinder 340"/>
+          <p:cNvCxnSpPr>
+            <a:stCxn id="235" idx="6"/>
+            <a:endCxn id="240" idx="6"/>
+          </p:cNvCxnSpPr>
+          <p:nvPr/>
+        </p:nvCxnSpPr>
+        <p:spPr>
+          <a:xfrm flipH="1">
+            <a:off x="6676723" y="2734723"/>
+            <a:ext cx="11401" cy="593238"/>
+          </a:xfrm>
+          <a:prstGeom prst="line">
+            <a:avLst/>
+          </a:prstGeom>
+          <a:ln>
+            <a:solidFill>
+              <a:schemeClr val="accent6"/>
+            </a:solidFill>
+          </a:ln>
+        </p:spPr>
+        <p:style>
+          <a:lnRef idx="1">
+            <a:schemeClr val="accent1"/>
+          </a:lnRef>
+          <a:fillRef idx="0">
+            <a:schemeClr val="accent1"/>
+          </a:fillRef>
+          <a:effectRef idx="0">
+            <a:schemeClr val="accent1"/>
+          </a:effectRef>
+          <a:fontRef idx="minor">
+            <a:schemeClr val="tx1"/>
+          </a:fontRef>
+        </p:style>
+      </p:cxnSp>
+      <p:cxnSp>
+        <p:nvCxnSpPr>
+          <p:cNvPr id="346" name="Gerader Verbinder 345"/>
+          <p:cNvCxnSpPr>
+            <a:stCxn id="277" idx="7"/>
+            <a:endCxn id="279" idx="7"/>
+          </p:cNvCxnSpPr>
+          <p:nvPr/>
+        </p:nvCxnSpPr>
+        <p:spPr>
+          <a:xfrm flipH="1">
+            <a:off x="3729711" y="3287384"/>
+            <a:ext cx="1256817" cy="602717"/>
+          </a:xfrm>
+          <a:prstGeom prst="line">
+            <a:avLst/>
+          </a:prstGeom>
+          <a:ln>
+            <a:solidFill>
+              <a:schemeClr val="accent6"/>
+            </a:solidFill>
+          </a:ln>
+        </p:spPr>
+        <p:style>
+          <a:lnRef idx="1">
+            <a:schemeClr val="accent1"/>
+          </a:lnRef>
+          <a:fillRef idx="0">
+            <a:schemeClr val="accent1"/>
+          </a:fillRef>
+          <a:effectRef idx="0">
+            <a:schemeClr val="accent1"/>
+          </a:effectRef>
+          <a:fontRef idx="minor">
+            <a:schemeClr val="tx1"/>
+          </a:fontRef>
+        </p:style>
+      </p:cxnSp>
+      <p:cxnSp>
+        <p:nvCxnSpPr>
+          <p:cNvPr id="347" name="Gerader Verbinder 346"/>
+          <p:cNvCxnSpPr>
+            <a:stCxn id="279" idx="3"/>
+            <a:endCxn id="277" idx="3"/>
+          </p:cNvCxnSpPr>
+          <p:nvPr/>
+        </p:nvCxnSpPr>
+        <p:spPr>
+          <a:xfrm flipV="1">
+            <a:off x="3810864" y="3368537"/>
+            <a:ext cx="1256817" cy="602717"/>
+          </a:xfrm>
+          <a:prstGeom prst="line">
+            <a:avLst/>
+          </a:prstGeom>
+          <a:ln>
+            <a:solidFill>
+              <a:schemeClr val="accent6"/>
+            </a:solidFill>
+          </a:ln>
+        </p:spPr>
+        <p:style>
+          <a:lnRef idx="1">
+            <a:schemeClr val="accent1"/>
+          </a:lnRef>
+          <a:fillRef idx="0">
+            <a:schemeClr val="accent1"/>
+          </a:fillRef>
+          <a:effectRef idx="0">
+            <a:schemeClr val="accent1"/>
+          </a:effectRef>
+          <a:fontRef idx="minor">
+            <a:schemeClr val="tx1"/>
+          </a:fontRef>
+        </p:style>
+      </p:cxnSp>
+      <p:cxnSp>
+        <p:nvCxnSpPr>
+          <p:cNvPr id="354" name="Gerader Verbinder 353"/>
+          <p:cNvCxnSpPr>
+            <a:stCxn id="294" idx="6"/>
+            <a:endCxn id="286" idx="6"/>
+          </p:cNvCxnSpPr>
+          <p:nvPr/>
+        </p:nvCxnSpPr>
+        <p:spPr>
+          <a:xfrm flipV="1">
+            <a:off x="3103798" y="4828205"/>
+            <a:ext cx="17632" cy="1183837"/>
+          </a:xfrm>
+          <a:prstGeom prst="line">
+            <a:avLst/>
+          </a:prstGeom>
+          <a:ln>
+            <a:solidFill>
+              <a:schemeClr val="accent6"/>
+            </a:solidFill>
+          </a:ln>
+        </p:spPr>
+        <p:style>
+          <a:lnRef idx="1">
+            <a:schemeClr val="accent1"/>
+          </a:lnRef>
+          <a:fillRef idx="0">
+            <a:schemeClr val="accent1"/>
+          </a:fillRef>
+          <a:effectRef idx="0">
+            <a:schemeClr val="accent1"/>
+          </a:effectRef>
+          <a:fontRef idx="minor">
+            <a:schemeClr val="tx1"/>
+          </a:fontRef>
+        </p:style>
+      </p:cxnSp>
+      <p:cxnSp>
+        <p:nvCxnSpPr>
+          <p:cNvPr id="355" name="Gerader Verbinder 354"/>
+          <p:cNvCxnSpPr>
+            <a:stCxn id="286" idx="2"/>
+            <a:endCxn id="294" idx="2"/>
+          </p:cNvCxnSpPr>
+          <p:nvPr/>
+        </p:nvCxnSpPr>
+        <p:spPr>
+          <a:xfrm flipH="1">
+            <a:off x="3218565" y="4828205"/>
+            <a:ext cx="17632" cy="1183837"/>
+          </a:xfrm>
+          <a:prstGeom prst="line">
+            <a:avLst/>
+          </a:prstGeom>
+          <a:ln>
+            <a:solidFill>
+              <a:schemeClr val="accent6"/>
+            </a:solidFill>
+          </a:ln>
+        </p:spPr>
+        <p:style>
+          <a:lnRef idx="1">
+            <a:schemeClr val="accent1"/>
+          </a:lnRef>
+          <a:fillRef idx="0">
+            <a:schemeClr val="accent1"/>
+          </a:fillRef>
+          <a:effectRef idx="0">
+            <a:schemeClr val="accent1"/>
+          </a:effectRef>
+          <a:fontRef idx="minor">
+            <a:schemeClr val="tx1"/>
+          </a:fontRef>
+        </p:style>
+      </p:cxnSp>
+      <p:cxnSp>
+        <p:nvCxnSpPr>
+          <p:cNvPr id="360" name="Gerader Verbinder 359"/>
+          <p:cNvCxnSpPr>
+            <a:cxnSpLocks/>
+            <a:stCxn id="219" idx="3"/>
+            <a:endCxn id="249" idx="2"/>
+          </p:cNvCxnSpPr>
+          <p:nvPr/>
+        </p:nvCxnSpPr>
+        <p:spPr>
+          <a:xfrm>
+            <a:off x="6581180" y="2177561"/>
+            <a:ext cx="1829067" cy="2650644"/>
+          </a:xfrm>
+          <a:prstGeom prst="line">
+            <a:avLst/>
+          </a:prstGeom>
+          <a:ln>
+            <a:solidFill>
+              <a:schemeClr val="accent6"/>
+            </a:solidFill>
+          </a:ln>
+        </p:spPr>
+        <p:style>
+          <a:lnRef idx="1">
+            <a:schemeClr val="accent1"/>
+          </a:lnRef>
+          <a:fillRef idx="0">
+            <a:schemeClr val="accent1"/>
+          </a:fillRef>
+          <a:effectRef idx="0">
+            <a:schemeClr val="accent1"/>
+          </a:effectRef>
+          <a:fontRef idx="minor">
+            <a:schemeClr val="tx1"/>
+          </a:fontRef>
+        </p:style>
+      </p:cxnSp>
+      <p:cxnSp>
+        <p:nvCxnSpPr>
+          <p:cNvPr id="361" name="Gerader Verbinder 360"/>
+          <p:cNvCxnSpPr>
+            <a:cxnSpLocks/>
+            <a:stCxn id="219" idx="6"/>
+            <a:endCxn id="249" idx="7"/>
+          </p:cNvCxnSpPr>
+          <p:nvPr/>
+        </p:nvCxnSpPr>
+        <p:spPr>
+          <a:xfrm>
+            <a:off x="6679140" y="2136985"/>
+            <a:ext cx="1829067" cy="2650643"/>
+          </a:xfrm>
+          <a:prstGeom prst="line">
+            <a:avLst/>
+          </a:prstGeom>
+          <a:ln>
+            <a:solidFill>
+              <a:schemeClr val="accent6"/>
+            </a:solidFill>
+          </a:ln>
+        </p:spPr>
+        <p:style>
+          <a:lnRef idx="1">
+            <a:schemeClr val="accent1"/>
+          </a:lnRef>
+          <a:fillRef idx="0">
+            <a:schemeClr val="accent1"/>
+          </a:fillRef>
+          <a:effectRef idx="0">
+            <a:schemeClr val="accent1"/>
+          </a:effectRef>
+          <a:fontRef idx="minor">
+            <a:schemeClr val="tx1"/>
+          </a:fontRef>
+        </p:style>
+      </p:cxnSp>
+      <p:sp>
+        <p:nvSpPr>
+          <p:cNvPr id="366" name="TextBox 80"/>
+          <p:cNvSpPr txBox="1"/>
+          <p:nvPr/>
+        </p:nvSpPr>
+        <p:spPr>
+          <a:xfrm>
+            <a:off x="8479008" y="2909928"/>
+            <a:ext cx="404212" cy="230832"/>
+          </a:xfrm>
+          <a:prstGeom prst="rect">
+            <a:avLst/>
+          </a:prstGeom>
+          <a:noFill/>
+        </p:spPr>
+        <p:txBody>
+          <a:bodyPr wrap="square" rtlCol="0">
+            <a:spAutoFit/>
+          </a:bodyPr>
+          <a:lstStyle/>
+          <a:p>
+            <a:r>
+              <a:rPr lang="de-DE" sz="900" dirty="0"/>
+              <a:t>1.4</a:t>
+            </a:r>
+            <a:endParaRPr lang="en-US" sz="900" dirty="0"/>
+          </a:p>
+        </p:txBody>
+      </p:sp>
+      <p:sp>
+        <p:nvSpPr>
+          <p:cNvPr id="367" name="TextBox 80"/>
+          <p:cNvSpPr txBox="1"/>
+          <p:nvPr/>
+        </p:nvSpPr>
+        <p:spPr>
+          <a:xfrm>
+            <a:off x="8503999" y="1744328"/>
+            <a:ext cx="404212" cy="230832"/>
+          </a:xfrm>
+          <a:prstGeom prst="rect">
+            <a:avLst/>
+          </a:prstGeom>
+          <a:noFill/>
+        </p:spPr>
+        <p:txBody>
+          <a:bodyPr wrap="square" rtlCol="0">
+            <a:spAutoFit/>
+          </a:bodyPr>
+          <a:lstStyle/>
+          <a:p>
+            <a:r>
+              <a:rPr lang="de-DE" sz="900" dirty="0"/>
+              <a:t>1.1</a:t>
+            </a:r>
+            <a:endParaRPr lang="en-US" sz="900" dirty="0"/>
+          </a:p>
+        </p:txBody>
+      </p:sp>
+      <p:sp>
+        <p:nvSpPr>
+          <p:cNvPr id="368" name="TextBox 80"/>
+          <p:cNvSpPr txBox="1"/>
+          <p:nvPr/>
+        </p:nvSpPr>
+        <p:spPr>
+          <a:xfrm>
+            <a:off x="2837823" y="2909928"/>
+            <a:ext cx="404212" cy="230832"/>
+          </a:xfrm>
+          <a:prstGeom prst="rect">
+            <a:avLst/>
+          </a:prstGeom>
+          <a:noFill/>
+        </p:spPr>
+        <p:txBody>
+          <a:bodyPr wrap="square" rtlCol="0">
+            <a:spAutoFit/>
+          </a:bodyPr>
+          <a:lstStyle/>
+          <a:p>
+            <a:r>
+              <a:rPr lang="de-DE" sz="900" dirty="0"/>
+              <a:t>1.3</a:t>
+            </a:r>
+            <a:endParaRPr lang="en-US" sz="900" dirty="0"/>
+          </a:p>
+        </p:txBody>
+      </p:sp>
+      <p:sp>
+        <p:nvSpPr>
+          <p:cNvPr id="369" name="TextBox 86"/>
+          <p:cNvSpPr txBox="1"/>
+          <p:nvPr/>
+        </p:nvSpPr>
+        <p:spPr>
+          <a:xfrm>
+            <a:off x="6908223" y="4699109"/>
+            <a:ext cx="404212" cy="230832"/>
+          </a:xfrm>
+          <a:prstGeom prst="rect">
+            <a:avLst/>
+          </a:prstGeom>
+          <a:noFill/>
+        </p:spPr>
+        <p:txBody>
+          <a:bodyPr wrap="square" rtlCol="0">
+            <a:spAutoFit/>
+          </a:bodyPr>
+          <a:lstStyle/>
+          <a:p>
+            <a:r>
+              <a:rPr lang="de-DE" sz="900" dirty="0"/>
+              <a:t>1.8</a:t>
+            </a:r>
+            <a:endParaRPr lang="en-US" sz="900" dirty="0"/>
+          </a:p>
+        </p:txBody>
+      </p:sp>
+      <p:sp>
+        <p:nvSpPr>
+          <p:cNvPr id="370" name="TextBox 57"/>
+          <p:cNvSpPr txBox="1"/>
+          <p:nvPr/>
+        </p:nvSpPr>
+        <p:spPr>
+          <a:xfrm>
+            <a:off x="4067376" y="4103053"/>
+            <a:ext cx="404212" cy="230832"/>
+          </a:xfrm>
+          <a:prstGeom prst="rect">
+            <a:avLst/>
+          </a:prstGeom>
+          <a:noFill/>
+        </p:spPr>
+        <p:txBody>
+          <a:bodyPr wrap="square" rtlCol="0">
+            <a:spAutoFit/>
+          </a:bodyPr>
+          <a:lstStyle/>
+          <a:p>
+            <a:r>
+              <a:rPr lang="de-DE" sz="900" dirty="0"/>
+              <a:t>1.6</a:t>
+            </a:r>
+            <a:endParaRPr lang="en-US" sz="900" dirty="0"/>
+          </a:p>
+        </p:txBody>
+      </p:sp>
+      <p:sp>
+        <p:nvSpPr>
+          <p:cNvPr id="371" name="TextBox 87"/>
+          <p:cNvSpPr txBox="1"/>
+          <p:nvPr/>
+        </p:nvSpPr>
+        <p:spPr>
+          <a:xfrm>
+            <a:off x="4434347" y="5906922"/>
+            <a:ext cx="404212" cy="230832"/>
+          </a:xfrm>
+          <a:prstGeom prst="rect">
+            <a:avLst/>
+          </a:prstGeom>
+          <a:noFill/>
+        </p:spPr>
+        <p:txBody>
+          <a:bodyPr wrap="square" rtlCol="0">
+            <a:spAutoFit/>
+          </a:bodyPr>
+          <a:lstStyle/>
+          <a:p>
+            <a:r>
+              <a:rPr lang="de-DE" sz="900" dirty="0"/>
+              <a:t>1.11</a:t>
+            </a:r>
+            <a:endParaRPr lang="en-US" sz="900" dirty="0"/>
+          </a:p>
+        </p:txBody>
+      </p:sp>
+      <p:sp>
+        <p:nvSpPr>
+          <p:cNvPr id="372" name="TextBox 87"/>
+          <p:cNvSpPr txBox="1"/>
+          <p:nvPr/>
+        </p:nvSpPr>
+        <p:spPr>
+          <a:xfrm>
+            <a:off x="3380919" y="5007728"/>
+            <a:ext cx="404212" cy="230832"/>
+          </a:xfrm>
+          <a:prstGeom prst="rect">
+            <a:avLst/>
+          </a:prstGeom>
+          <a:noFill/>
+        </p:spPr>
+        <p:txBody>
+          <a:bodyPr wrap="square" rtlCol="0">
+            <a:spAutoFit/>
+          </a:bodyPr>
+          <a:lstStyle/>
+          <a:p>
+            <a:r>
+              <a:rPr lang="de-DE" sz="900" dirty="0"/>
+              <a:t>1.10</a:t>
+            </a:r>
+            <a:endParaRPr lang="en-US" sz="900" dirty="0"/>
+          </a:p>
+        </p:txBody>
+      </p:sp>
+    </p:spTree>
+    <p:extLst>
+      <p:ext uri="{BB962C8B-B14F-4D97-AF65-F5344CB8AC3E}">
+        <p14:creationId xmlns:p14="http://schemas.microsoft.com/office/powerpoint/2010/main" val="26502206"/>
+      </p:ext>
+    </p:extLst>
+  </p:cSld>
+  <p:clrMapOvr>
+    <a:masterClrMapping/>
+  </p:clrMapOvr>
+</p:sld>
+</file>
+
+<file path=ppt/slides/slide8.xml><?xml version="1.0" encoding="utf-8"?>
+<p:sld xmlns:a="http://schemas.openxmlformats.org/drawingml/2006/main" xmlns:r="http://schemas.openxmlformats.org/officeDocument/2006/relationships" xmlns:p="http://schemas.openxmlformats.org/presentationml/2006/main">
+  <p:cSld>
+    <p:spTree>
+      <p:nvGrpSpPr>
+        <p:cNvPr id="1" name=""/>
+        <p:cNvGrpSpPr/>
+        <p:nvPr/>
+      </p:nvGrpSpPr>
+      <p:grpSpPr>
+        <a:xfrm>
+          <a:off x="0" y="0"/>
+          <a:ext cx="0" cy="0"/>
+          <a:chOff x="0" y="0"/>
+          <a:chExt cx="0" cy="0"/>
+        </a:xfrm>
+      </p:grpSpPr>
       <p:pic>
         <p:nvPicPr>
           <p:cNvPr id="4" name="Picture 5" descr="image002"/>
